--- a/Documentacion/Presentacion/Presentacion V1.0.pptx
+++ b/Documentacion/Presentacion/Presentacion V1.0.pptx
@@ -387,6 +387,18 @@
   <p:clrMapOvr>
     <a:masterClrMapping/>
   </p:clrMapOvr>
+  <mc:AlternateContent xmlns:mc="http://schemas.openxmlformats.org/markup-compatibility/2006">
+    <mc:Choice xmlns:p14="http://schemas.microsoft.com/office/powerpoint/2010/main" Requires="p14">
+      <p:transition spd="slow" p14:dur="1500" advClick="0">
+        <p14:ripple dir="rd"/>
+      </p:transition>
+    </mc:Choice>
+    <mc:Fallback>
+      <p:transition xmlns:p14="http://schemas.microsoft.com/office/powerpoint/2010/main" spd="slow" advClick="0">
+        <p:fade/>
+      </p:transition>
+    </mc:Fallback>
+  </mc:AlternateContent>
 </p:sldLayout>
 </file>
 
@@ -557,6 +569,18 @@
   <p:clrMapOvr>
     <a:masterClrMapping/>
   </p:clrMapOvr>
+  <mc:AlternateContent xmlns:mc="http://schemas.openxmlformats.org/markup-compatibility/2006">
+    <mc:Choice xmlns:p14="http://schemas.microsoft.com/office/powerpoint/2010/main" Requires="p14">
+      <p:transition spd="slow" p14:dur="1500" advClick="0">
+        <p14:ripple dir="rd"/>
+      </p:transition>
+    </mc:Choice>
+    <mc:Fallback>
+      <p:transition xmlns:p14="http://schemas.microsoft.com/office/powerpoint/2010/main" spd="slow" advClick="0">
+        <p:fade/>
+      </p:transition>
+    </mc:Fallback>
+  </mc:AlternateContent>
 </p:sldLayout>
 </file>
 
@@ -737,6 +761,18 @@
   <p:clrMapOvr>
     <a:masterClrMapping/>
   </p:clrMapOvr>
+  <mc:AlternateContent xmlns:mc="http://schemas.openxmlformats.org/markup-compatibility/2006">
+    <mc:Choice xmlns:p14="http://schemas.microsoft.com/office/powerpoint/2010/main" Requires="p14">
+      <p:transition spd="slow" p14:dur="1500" advClick="0">
+        <p14:ripple dir="rd"/>
+      </p:transition>
+    </mc:Choice>
+    <mc:Fallback>
+      <p:transition xmlns:p14="http://schemas.microsoft.com/office/powerpoint/2010/main" spd="slow" advClick="0">
+        <p:fade/>
+      </p:transition>
+    </mc:Fallback>
+  </mc:AlternateContent>
 </p:sldLayout>
 </file>
 
@@ -907,6 +943,18 @@
   <p:clrMapOvr>
     <a:masterClrMapping/>
   </p:clrMapOvr>
+  <mc:AlternateContent xmlns:mc="http://schemas.openxmlformats.org/markup-compatibility/2006">
+    <mc:Choice xmlns:p14="http://schemas.microsoft.com/office/powerpoint/2010/main" Requires="p14">
+      <p:transition spd="slow" p14:dur="1500" advClick="0">
+        <p14:ripple dir="rd"/>
+      </p:transition>
+    </mc:Choice>
+    <mc:Fallback>
+      <p:transition xmlns:p14="http://schemas.microsoft.com/office/powerpoint/2010/main" spd="slow" advClick="0">
+        <p:fade/>
+      </p:transition>
+    </mc:Fallback>
+  </mc:AlternateContent>
 </p:sldLayout>
 </file>
 
@@ -1163,6 +1211,18 @@
   <p:clrMapOvr>
     <a:masterClrMapping/>
   </p:clrMapOvr>
+  <mc:AlternateContent xmlns:mc="http://schemas.openxmlformats.org/markup-compatibility/2006">
+    <mc:Choice xmlns:p14="http://schemas.microsoft.com/office/powerpoint/2010/main" Requires="p14">
+      <p:transition spd="slow" p14:dur="1500" advClick="0">
+        <p14:ripple dir="rd"/>
+      </p:transition>
+    </mc:Choice>
+    <mc:Fallback>
+      <p:transition xmlns:p14="http://schemas.microsoft.com/office/powerpoint/2010/main" spd="slow" advClick="0">
+        <p:fade/>
+      </p:transition>
+    </mc:Fallback>
+  </mc:AlternateContent>
 </p:sldLayout>
 </file>
 
@@ -1451,6 +1511,18 @@
   <p:clrMapOvr>
     <a:masterClrMapping/>
   </p:clrMapOvr>
+  <mc:AlternateContent xmlns:mc="http://schemas.openxmlformats.org/markup-compatibility/2006">
+    <mc:Choice xmlns:p14="http://schemas.microsoft.com/office/powerpoint/2010/main" Requires="p14">
+      <p:transition spd="slow" p14:dur="1500" advClick="0">
+        <p14:ripple dir="rd"/>
+      </p:transition>
+    </mc:Choice>
+    <mc:Fallback>
+      <p:transition xmlns:p14="http://schemas.microsoft.com/office/powerpoint/2010/main" spd="slow" advClick="0">
+        <p:fade/>
+      </p:transition>
+    </mc:Fallback>
+  </mc:AlternateContent>
 </p:sldLayout>
 </file>
 
@@ -1873,6 +1945,18 @@
   <p:clrMapOvr>
     <a:masterClrMapping/>
   </p:clrMapOvr>
+  <mc:AlternateContent xmlns:mc="http://schemas.openxmlformats.org/markup-compatibility/2006">
+    <mc:Choice xmlns:p14="http://schemas.microsoft.com/office/powerpoint/2010/main" Requires="p14">
+      <p:transition spd="slow" p14:dur="1500" advClick="0">
+        <p14:ripple dir="rd"/>
+      </p:transition>
+    </mc:Choice>
+    <mc:Fallback>
+      <p:transition xmlns:p14="http://schemas.microsoft.com/office/powerpoint/2010/main" spd="slow" advClick="0">
+        <p:fade/>
+      </p:transition>
+    </mc:Fallback>
+  </mc:AlternateContent>
 </p:sldLayout>
 </file>
 
@@ -1991,6 +2075,18 @@
   <p:clrMapOvr>
     <a:masterClrMapping/>
   </p:clrMapOvr>
+  <mc:AlternateContent xmlns:mc="http://schemas.openxmlformats.org/markup-compatibility/2006">
+    <mc:Choice xmlns:p14="http://schemas.microsoft.com/office/powerpoint/2010/main" Requires="p14">
+      <p:transition spd="slow" p14:dur="1500" advClick="0">
+        <p14:ripple dir="rd"/>
+      </p:transition>
+    </mc:Choice>
+    <mc:Fallback>
+      <p:transition xmlns:p14="http://schemas.microsoft.com/office/powerpoint/2010/main" spd="slow" advClick="0">
+        <p:fade/>
+      </p:transition>
+    </mc:Fallback>
+  </mc:AlternateContent>
 </p:sldLayout>
 </file>
 
@@ -2086,6 +2182,18 @@
   <p:clrMapOvr>
     <a:masterClrMapping/>
   </p:clrMapOvr>
+  <mc:AlternateContent xmlns:mc="http://schemas.openxmlformats.org/markup-compatibility/2006">
+    <mc:Choice xmlns:p14="http://schemas.microsoft.com/office/powerpoint/2010/main" Requires="p14">
+      <p:transition spd="slow" p14:dur="1500" advClick="0">
+        <p14:ripple dir="rd"/>
+      </p:transition>
+    </mc:Choice>
+    <mc:Fallback>
+      <p:transition xmlns:p14="http://schemas.microsoft.com/office/powerpoint/2010/main" spd="slow" advClick="0">
+        <p:fade/>
+      </p:transition>
+    </mc:Fallback>
+  </mc:AlternateContent>
 </p:sldLayout>
 </file>
 
@@ -2363,6 +2471,18 @@
   <p:clrMapOvr>
     <a:masterClrMapping/>
   </p:clrMapOvr>
+  <mc:AlternateContent xmlns:mc="http://schemas.openxmlformats.org/markup-compatibility/2006">
+    <mc:Choice xmlns:p14="http://schemas.microsoft.com/office/powerpoint/2010/main" Requires="p14">
+      <p:transition spd="slow" p14:dur="1500" advClick="0">
+        <p14:ripple dir="rd"/>
+      </p:transition>
+    </mc:Choice>
+    <mc:Fallback>
+      <p:transition xmlns:p14="http://schemas.microsoft.com/office/powerpoint/2010/main" spd="slow" advClick="0">
+        <p:fade/>
+      </p:transition>
+    </mc:Fallback>
+  </mc:AlternateContent>
 </p:sldLayout>
 </file>
 
@@ -2616,6 +2736,18 @@
   <p:clrMapOvr>
     <a:masterClrMapping/>
   </p:clrMapOvr>
+  <mc:AlternateContent xmlns:mc="http://schemas.openxmlformats.org/markup-compatibility/2006">
+    <mc:Choice xmlns:p14="http://schemas.microsoft.com/office/powerpoint/2010/main" Requires="p14">
+      <p:transition spd="slow" p14:dur="1500" advClick="0">
+        <p14:ripple dir="rd"/>
+      </p:transition>
+    </mc:Choice>
+    <mc:Fallback>
+      <p:transition xmlns:p14="http://schemas.microsoft.com/office/powerpoint/2010/main" spd="slow" advClick="0">
+        <p:fade/>
+      </p:transition>
+    </mc:Fallback>
+  </mc:AlternateContent>
 </p:sldLayout>
 </file>
 
@@ -2876,6 +3008,18 @@
     <p:sldLayoutId id="2147484392" r:id="rId10"/>
     <p:sldLayoutId id="2147484393" r:id="rId11"/>
   </p:sldLayoutIdLst>
+  <mc:AlternateContent xmlns:mc="http://schemas.openxmlformats.org/markup-compatibility/2006">
+    <mc:Choice xmlns:p14="http://schemas.microsoft.com/office/powerpoint/2010/main" Requires="p14">
+      <p:transition spd="slow" p14:dur="1500" advClick="0">
+        <p14:ripple dir="rd"/>
+      </p:transition>
+    </mc:Choice>
+    <mc:Fallback>
+      <p:transition xmlns:p14="http://schemas.microsoft.com/office/powerpoint/2010/main" spd="slow" advClick="0">
+        <p:fade/>
+      </p:transition>
+    </mc:Fallback>
+  </mc:AlternateContent>
   <p:txStyles>
     <p:titleStyle>
       <a:lvl1pPr algn="ctr" defTabSz="457200" rtl="0" eaLnBrk="1" latinLnBrk="0" hangingPunct="1">
@@ -3339,11 +3483,7 @@
           <a:p>
             <a:r>
               <a:rPr lang="es-ES" b="1" dirty="0" smtClean="0"/>
-              <a:t>Escuela de Ingen</a:t>
-            </a:r>
-            <a:r>
-              <a:rPr lang="es-ES" b="1" dirty="0" smtClean="0"/>
-              <a:t>iería Informática</a:t>
+              <a:t>Escuela de Ingeniería Informática</a:t>
             </a:r>
             <a:endParaRPr lang="es-ES" b="1" dirty="0"/>
           </a:p>
@@ -3423,10 +3563,14 @@
   </p:clrMapOvr>
   <mc:AlternateContent xmlns:mc="http://schemas.openxmlformats.org/markup-compatibility/2006">
     <mc:Choice xmlns:p14="http://schemas.microsoft.com/office/powerpoint/2010/main" Requires="p14">
-      <p:transition spd="slow" p14:dur="2000"/>
+      <p:transition spd="slow" p14:dur="1400" advClick="0">
+        <p14:ripple/>
+      </p:transition>
     </mc:Choice>
     <mc:Fallback>
-      <p:transition xmlns:p14="http://schemas.microsoft.com/office/powerpoint/2010/main" spd="slow"/>
+      <p:transition xmlns:p14="http://schemas.microsoft.com/office/powerpoint/2010/main" spd="slow" advClick="0">
+        <p:fade/>
+      </p:transition>
     </mc:Fallback>
   </mc:AlternateContent>
   <p:timing>
@@ -3649,11 +3793,7 @@
           <a:p>
             <a:r>
               <a:rPr lang="es-ES" b="1" dirty="0" smtClean="0"/>
-              <a:t>Escuela de Ingen</a:t>
-            </a:r>
-            <a:r>
-              <a:rPr lang="es-ES" b="1" dirty="0" smtClean="0"/>
-              <a:t>iería Informática</a:t>
+              <a:t>Escuela de Ingeniería Informática</a:t>
             </a:r>
             <a:endParaRPr lang="es-ES" b="1" dirty="0"/>
           </a:p>
@@ -3671,10 +3811,10 @@
   </p:clrMapOvr>
   <mc:AlternateContent xmlns:mc="http://schemas.openxmlformats.org/markup-compatibility/2006">
     <mc:Choice xmlns:p14="http://schemas.microsoft.com/office/powerpoint/2010/main" Requires="p14">
-      <p:transition spd="slow" p14:dur="2000"/>
+      <p:transition p14:dur="0" advClick="0"/>
     </mc:Choice>
     <mc:Fallback>
-      <p:transition xmlns:p14="http://schemas.microsoft.com/office/powerpoint/2010/main" spd="slow"/>
+      <p:transition xmlns:p14="http://schemas.microsoft.com/office/powerpoint/2010/main" advClick="0"/>
     </mc:Fallback>
   </mc:AlternateContent>
   <p:timing>
@@ -3897,11 +4037,7 @@
           <a:p>
             <a:r>
               <a:rPr lang="es-ES" b="1" dirty="0" smtClean="0"/>
-              <a:t>Escuela de Ingen</a:t>
-            </a:r>
-            <a:r>
-              <a:rPr lang="es-ES" b="1" dirty="0" smtClean="0"/>
-              <a:t>iería Informática</a:t>
+              <a:t>Escuela de Ingeniería Informática</a:t>
             </a:r>
             <a:endParaRPr lang="es-ES" b="1" dirty="0"/>
           </a:p>
@@ -3919,10 +4055,10 @@
   </p:clrMapOvr>
   <mc:AlternateContent xmlns:mc="http://schemas.openxmlformats.org/markup-compatibility/2006">
     <mc:Choice xmlns:p14="http://schemas.microsoft.com/office/powerpoint/2010/main" Requires="p14">
-      <p:transition spd="slow" p14:dur="2000"/>
+      <p:transition p14:dur="0" advClick="0"/>
     </mc:Choice>
     <mc:Fallback>
-      <p:transition xmlns:p14="http://schemas.microsoft.com/office/powerpoint/2010/main" spd="slow"/>
+      <p:transition xmlns:p14="http://schemas.microsoft.com/office/powerpoint/2010/main" advClick="0"/>
     </mc:Fallback>
   </mc:AlternateContent>
   <p:timing>
@@ -4145,11 +4281,7 @@
           <a:p>
             <a:r>
               <a:rPr lang="es-ES" b="1" dirty="0" smtClean="0"/>
-              <a:t>Escuela de Ingen</a:t>
-            </a:r>
-            <a:r>
-              <a:rPr lang="es-ES" b="1" dirty="0" smtClean="0"/>
-              <a:t>iería Informática</a:t>
+              <a:t>Escuela de Ingeniería Informática</a:t>
             </a:r>
             <a:endParaRPr lang="es-ES" b="1" dirty="0"/>
           </a:p>
@@ -4167,10 +4299,10 @@
   </p:clrMapOvr>
   <mc:AlternateContent xmlns:mc="http://schemas.openxmlformats.org/markup-compatibility/2006">
     <mc:Choice xmlns:p14="http://schemas.microsoft.com/office/powerpoint/2010/main" Requires="p14">
-      <p:transition spd="slow" p14:dur="2000"/>
+      <p:transition p14:dur="0" advClick="0"/>
     </mc:Choice>
     <mc:Fallback>
-      <p:transition xmlns:p14="http://schemas.microsoft.com/office/powerpoint/2010/main" spd="slow"/>
+      <p:transition xmlns:p14="http://schemas.microsoft.com/office/powerpoint/2010/main" advClick="0"/>
     </mc:Fallback>
   </mc:AlternateContent>
   <p:timing>
@@ -4393,11 +4525,7 @@
           <a:p>
             <a:r>
               <a:rPr lang="es-ES" b="1" dirty="0" smtClean="0"/>
-              <a:t>Escuela de Ingen</a:t>
-            </a:r>
-            <a:r>
-              <a:rPr lang="es-ES" b="1" dirty="0" smtClean="0"/>
-              <a:t>iería Informática</a:t>
+              <a:t>Escuela de Ingeniería Informática</a:t>
             </a:r>
             <a:endParaRPr lang="es-ES" b="1" dirty="0"/>
           </a:p>
@@ -4415,10 +4543,10 @@
   </p:clrMapOvr>
   <mc:AlternateContent xmlns:mc="http://schemas.openxmlformats.org/markup-compatibility/2006">
     <mc:Choice xmlns:p14="http://schemas.microsoft.com/office/powerpoint/2010/main" Requires="p14">
-      <p:transition spd="slow" p14:dur="2000"/>
+      <p:transition p14:dur="0" advClick="0"/>
     </mc:Choice>
     <mc:Fallback>
-      <p:transition xmlns:p14="http://schemas.microsoft.com/office/powerpoint/2010/main" spd="slow"/>
+      <p:transition xmlns:p14="http://schemas.microsoft.com/office/powerpoint/2010/main" advClick="0"/>
     </mc:Fallback>
   </mc:AlternateContent>
   <p:timing>
@@ -4641,11 +4769,7 @@
           <a:p>
             <a:r>
               <a:rPr lang="es-ES" b="1" dirty="0" smtClean="0"/>
-              <a:t>Escuela de Ingen</a:t>
-            </a:r>
-            <a:r>
-              <a:rPr lang="es-ES" b="1" dirty="0" smtClean="0"/>
-              <a:t>iería Informática</a:t>
+              <a:t>Escuela de Ingeniería Informática</a:t>
             </a:r>
             <a:endParaRPr lang="es-ES" b="1" dirty="0"/>
           </a:p>
@@ -4663,10 +4787,10 @@
   </p:clrMapOvr>
   <mc:AlternateContent xmlns:mc="http://schemas.openxmlformats.org/markup-compatibility/2006">
     <mc:Choice xmlns:p14="http://schemas.microsoft.com/office/powerpoint/2010/main" Requires="p14">
-      <p:transition spd="slow" p14:dur="2000"/>
+      <p:transition p14:dur="0" advClick="0"/>
     </mc:Choice>
     <mc:Fallback>
-      <p:transition xmlns:p14="http://schemas.microsoft.com/office/powerpoint/2010/main" spd="slow"/>
+      <p:transition xmlns:p14="http://schemas.microsoft.com/office/powerpoint/2010/main" advClick="0"/>
     </mc:Fallback>
   </mc:AlternateContent>
   <p:timing>
@@ -4889,11 +5013,7 @@
           <a:p>
             <a:r>
               <a:rPr lang="es-ES" b="1" dirty="0" smtClean="0"/>
-              <a:t>Escuela de Ingen</a:t>
-            </a:r>
-            <a:r>
-              <a:rPr lang="es-ES" b="1" dirty="0" smtClean="0"/>
-              <a:t>iería Informática</a:t>
+              <a:t>Escuela de Ingeniería Informática</a:t>
             </a:r>
             <a:endParaRPr lang="es-ES" b="1" dirty="0"/>
           </a:p>
@@ -4911,10 +5031,10 @@
   </p:clrMapOvr>
   <mc:AlternateContent xmlns:mc="http://schemas.openxmlformats.org/markup-compatibility/2006">
     <mc:Choice xmlns:p14="http://schemas.microsoft.com/office/powerpoint/2010/main" Requires="p14">
-      <p:transition spd="slow" p14:dur="2000"/>
+      <p:transition p14:dur="0" advClick="0"/>
     </mc:Choice>
     <mc:Fallback>
-      <p:transition xmlns:p14="http://schemas.microsoft.com/office/powerpoint/2010/main" spd="slow"/>
+      <p:transition xmlns:p14="http://schemas.microsoft.com/office/powerpoint/2010/main" advClick="0"/>
     </mc:Fallback>
   </mc:AlternateContent>
   <p:timing>
@@ -5137,11 +5257,7 @@
           <a:p>
             <a:r>
               <a:rPr lang="es-ES" b="1" dirty="0" smtClean="0"/>
-              <a:t>Escuela de Ingen</a:t>
-            </a:r>
-            <a:r>
-              <a:rPr lang="es-ES" b="1" dirty="0" smtClean="0"/>
-              <a:t>iería Informática</a:t>
+              <a:t>Escuela de Ingeniería Informática</a:t>
             </a:r>
             <a:endParaRPr lang="es-ES" b="1" dirty="0"/>
           </a:p>
@@ -5159,10 +5275,10 @@
   </p:clrMapOvr>
   <mc:AlternateContent xmlns:mc="http://schemas.openxmlformats.org/markup-compatibility/2006">
     <mc:Choice xmlns:p14="http://schemas.microsoft.com/office/powerpoint/2010/main" Requires="p14">
-      <p:transition spd="slow" p14:dur="2000"/>
+      <p:transition p14:dur="0" advClick="0"/>
     </mc:Choice>
     <mc:Fallback>
-      <p:transition xmlns:p14="http://schemas.microsoft.com/office/powerpoint/2010/main" spd="slow"/>
+      <p:transition xmlns:p14="http://schemas.microsoft.com/office/powerpoint/2010/main" advClick="0"/>
     </mc:Fallback>
   </mc:AlternateContent>
   <p:timing>
@@ -5385,11 +5501,7 @@
           <a:p>
             <a:r>
               <a:rPr lang="es-ES" b="1" dirty="0" smtClean="0"/>
-              <a:t>Escuela de Ingen</a:t>
-            </a:r>
-            <a:r>
-              <a:rPr lang="es-ES" b="1" dirty="0" smtClean="0"/>
-              <a:t>iería Informática</a:t>
+              <a:t>Escuela de Ingeniería Informática</a:t>
             </a:r>
             <a:endParaRPr lang="es-ES" b="1" dirty="0"/>
           </a:p>
@@ -5407,10 +5519,10 @@
   </p:clrMapOvr>
   <mc:AlternateContent xmlns:mc="http://schemas.openxmlformats.org/markup-compatibility/2006">
     <mc:Choice xmlns:p14="http://schemas.microsoft.com/office/powerpoint/2010/main" Requires="p14">
-      <p:transition spd="slow" p14:dur="2000"/>
+      <p:transition p14:dur="0" advClick="0"/>
     </mc:Choice>
     <mc:Fallback>
-      <p:transition xmlns:p14="http://schemas.microsoft.com/office/powerpoint/2010/main" spd="slow"/>
+      <p:transition xmlns:p14="http://schemas.microsoft.com/office/powerpoint/2010/main" advClick="0"/>
     </mc:Fallback>
   </mc:AlternateContent>
   <p:timing>
@@ -5633,11 +5745,7 @@
           <a:p>
             <a:r>
               <a:rPr lang="es-ES" b="1" dirty="0" smtClean="0"/>
-              <a:t>Escuela de Ingen</a:t>
-            </a:r>
-            <a:r>
-              <a:rPr lang="es-ES" b="1" dirty="0" smtClean="0"/>
-              <a:t>iería Informática</a:t>
+              <a:t>Escuela de Ingeniería Informática</a:t>
             </a:r>
             <a:endParaRPr lang="es-ES" b="1" dirty="0"/>
           </a:p>
@@ -5655,10 +5763,10 @@
   </p:clrMapOvr>
   <mc:AlternateContent xmlns:mc="http://schemas.openxmlformats.org/markup-compatibility/2006">
     <mc:Choice xmlns:p14="http://schemas.microsoft.com/office/powerpoint/2010/main" Requires="p14">
-      <p:transition spd="slow" p14:dur="2000"/>
+      <p:transition p14:dur="0" advClick="0"/>
     </mc:Choice>
     <mc:Fallback>
-      <p:transition xmlns:p14="http://schemas.microsoft.com/office/powerpoint/2010/main" spd="slow"/>
+      <p:transition xmlns:p14="http://schemas.microsoft.com/office/powerpoint/2010/main" advClick="0"/>
     </mc:Fallback>
   </mc:AlternateContent>
   <p:timing>
@@ -5881,11 +5989,7 @@
           <a:p>
             <a:r>
               <a:rPr lang="es-ES" b="1" dirty="0" smtClean="0"/>
-              <a:t>Escuela de Ingen</a:t>
-            </a:r>
-            <a:r>
-              <a:rPr lang="es-ES" b="1" dirty="0" smtClean="0"/>
-              <a:t>iería Informática</a:t>
+              <a:t>Escuela de Ingeniería Informática</a:t>
             </a:r>
             <a:endParaRPr lang="es-ES" b="1" dirty="0"/>
           </a:p>
@@ -5903,10 +6007,10 @@
   </p:clrMapOvr>
   <mc:AlternateContent xmlns:mc="http://schemas.openxmlformats.org/markup-compatibility/2006">
     <mc:Choice xmlns:p14="http://schemas.microsoft.com/office/powerpoint/2010/main" Requires="p14">
-      <p:transition spd="slow" p14:dur="2000"/>
+      <p:transition p14:dur="0" advClick="0"/>
     </mc:Choice>
     <mc:Fallback>
-      <p:transition xmlns:p14="http://schemas.microsoft.com/office/powerpoint/2010/main" spd="slow"/>
+      <p:transition xmlns:p14="http://schemas.microsoft.com/office/powerpoint/2010/main" advClick="0"/>
     </mc:Fallback>
   </mc:AlternateContent>
   <p:timing>
@@ -6129,13 +6233,158 @@
           <a:p>
             <a:r>
               <a:rPr lang="es-ES" b="1" dirty="0" smtClean="0"/>
-              <a:t>Escuela de Ingen</a:t>
-            </a:r>
-            <a:r>
-              <a:rPr lang="es-ES" b="1" dirty="0" smtClean="0"/>
-              <a:t>iería Informática</a:t>
+              <a:t>Escuela de Ingeniería Informática</a:t>
             </a:r>
             <a:endParaRPr lang="es-ES" b="1" dirty="0"/>
+          </a:p>
+        </p:txBody>
+      </p:sp>
+      <p:sp>
+        <p:nvSpPr>
+          <p:cNvPr id="7" name="4 CuadroTexto"/>
+          <p:cNvSpPr txBox="1"/>
+          <p:nvPr/>
+        </p:nvSpPr>
+        <p:spPr>
+          <a:xfrm>
+            <a:off x="228600" y="1334213"/>
+            <a:ext cx="8686800" cy="3943388"/>
+          </a:xfrm>
+          <a:prstGeom prst="rect">
+            <a:avLst/>
+          </a:prstGeom>
+          <a:noFill/>
+        </p:spPr>
+        <p:txBody>
+          <a:bodyPr wrap="square" rtlCol="0">
+            <a:spAutoFit/>
+          </a:bodyPr>
+          <a:lstStyle/>
+          <a:p>
+            <a:pPr marL="742950" lvl="1" indent="-285750">
+              <a:lnSpc>
+                <a:spcPct val="150000"/>
+              </a:lnSpc>
+              <a:buFont typeface="Arial" pitchFamily="34" charset="0"/>
+              <a:buChar char="•"/>
+            </a:pPr>
+            <a:r>
+              <a:rPr lang="es-ES" sz="2100" dirty="0" smtClean="0"/>
+              <a:t>La</a:t>
+            </a:r>
+            <a:endParaRPr lang="es-ES" sz="2100" dirty="0" smtClean="0"/>
+          </a:p>
+          <a:p>
+            <a:pPr marL="742950" lvl="1" indent="-285750">
+              <a:lnSpc>
+                <a:spcPct val="150000"/>
+              </a:lnSpc>
+              <a:buFont typeface="Arial" pitchFamily="34" charset="0"/>
+              <a:buChar char="•"/>
+            </a:pPr>
+            <a:r>
+              <a:rPr lang="en-US" sz="2100" dirty="0" err="1" smtClean="0"/>
+              <a:t>Objetivos</a:t>
+            </a:r>
+            <a:endParaRPr lang="es-ES" sz="2100" dirty="0" smtClean="0"/>
+          </a:p>
+          <a:p>
+            <a:pPr marL="742950" lvl="1" indent="-285750">
+              <a:lnSpc>
+                <a:spcPct val="150000"/>
+              </a:lnSpc>
+              <a:buFont typeface="Arial" pitchFamily="34" charset="0"/>
+              <a:buChar char="•"/>
+            </a:pPr>
+            <a:r>
+              <a:rPr lang="es-ES" sz="2100" dirty="0" smtClean="0"/>
+              <a:t>Metodología de </a:t>
+            </a:r>
+            <a:r>
+              <a:rPr lang="es-ES" sz="2100" dirty="0" smtClean="0"/>
+              <a:t>trabajo</a:t>
+            </a:r>
+            <a:endParaRPr lang="es-ES" sz="2100" dirty="0" smtClean="0"/>
+          </a:p>
+          <a:p>
+            <a:pPr marL="742950" lvl="1" indent="-285750">
+              <a:lnSpc>
+                <a:spcPct val="150000"/>
+              </a:lnSpc>
+              <a:buFont typeface="Arial" pitchFamily="34" charset="0"/>
+              <a:buChar char="•"/>
+            </a:pPr>
+            <a:r>
+              <a:rPr lang="en-US" sz="2100" dirty="0" err="1" smtClean="0"/>
+              <a:t>Desarrollo</a:t>
+            </a:r>
+            <a:r>
+              <a:rPr lang="en-US" sz="2100" dirty="0" smtClean="0"/>
+              <a:t> del </a:t>
+            </a:r>
+            <a:r>
+              <a:rPr lang="en-US" sz="2100" dirty="0" err="1" smtClean="0"/>
+              <a:t>trabajo</a:t>
+            </a:r>
+            <a:endParaRPr lang="en-US" sz="2100" dirty="0"/>
+          </a:p>
+          <a:p>
+            <a:pPr marL="742950" lvl="1" indent="-285750">
+              <a:lnSpc>
+                <a:spcPct val="150000"/>
+              </a:lnSpc>
+              <a:buFont typeface="Arial" pitchFamily="34" charset="0"/>
+              <a:buChar char="•"/>
+            </a:pPr>
+            <a:r>
+              <a:rPr lang="es-ES" sz="2100" dirty="0" smtClean="0"/>
+              <a:t>Resultados</a:t>
+            </a:r>
+            <a:endParaRPr lang="es-ES" sz="2100" dirty="0" smtClean="0"/>
+          </a:p>
+          <a:p>
+            <a:pPr marL="742950" lvl="1" indent="-285750">
+              <a:lnSpc>
+                <a:spcPct val="150000"/>
+              </a:lnSpc>
+              <a:buFont typeface="Arial" pitchFamily="34" charset="0"/>
+              <a:buChar char="•"/>
+            </a:pPr>
+            <a:r>
+              <a:rPr lang="es-ES" sz="2100" dirty="0" smtClean="0"/>
+              <a:t>Demostración</a:t>
+            </a:r>
+            <a:endParaRPr lang="en-US" sz="2100" dirty="0" smtClean="0"/>
+          </a:p>
+          <a:p>
+            <a:pPr marL="742950" lvl="1" indent="-285750">
+              <a:lnSpc>
+                <a:spcPct val="150000"/>
+              </a:lnSpc>
+              <a:buFont typeface="Arial" pitchFamily="34" charset="0"/>
+              <a:buChar char="•"/>
+            </a:pPr>
+            <a:r>
+              <a:rPr lang="es-ES" sz="2100" dirty="0" smtClean="0"/>
+              <a:t>Conclusiones y </a:t>
+            </a:r>
+            <a:r>
+              <a:rPr lang="es-ES" sz="2100" dirty="0" smtClean="0"/>
+              <a:t>recomendaciones</a:t>
+            </a:r>
+            <a:endParaRPr lang="es-ES" sz="2100" dirty="0" smtClean="0"/>
+          </a:p>
+          <a:p>
+            <a:pPr marL="742950" lvl="1" indent="-285750">
+              <a:lnSpc>
+                <a:spcPct val="150000"/>
+              </a:lnSpc>
+              <a:buFont typeface="Arial" pitchFamily="34" charset="0"/>
+              <a:buChar char="•"/>
+            </a:pPr>
+            <a:endParaRPr lang="es-ES" sz="2100" dirty="0" smtClean="0">
+              <a:latin typeface="Century Gothic" pitchFamily="34" charset="0"/>
+            </a:endParaRPr>
           </a:p>
         </p:txBody>
       </p:sp>
@@ -6151,10 +6400,10 @@
   </p:clrMapOvr>
   <mc:AlternateContent xmlns:mc="http://schemas.openxmlformats.org/markup-compatibility/2006">
     <mc:Choice xmlns:p14="http://schemas.microsoft.com/office/powerpoint/2010/main" Requires="p14">
-      <p:transition spd="slow" p14:dur="2000"/>
+      <p:transition p14:dur="0" advClick="0"/>
     </mc:Choice>
     <mc:Fallback>
-      <p:transition xmlns:p14="http://schemas.microsoft.com/office/powerpoint/2010/main" spd="slow"/>
+      <p:transition xmlns:p14="http://schemas.microsoft.com/office/powerpoint/2010/main" advClick="0"/>
     </mc:Fallback>
   </mc:AlternateContent>
   <p:timing>
@@ -6377,11 +6626,7 @@
           <a:p>
             <a:r>
               <a:rPr lang="es-ES" b="1" dirty="0" smtClean="0"/>
-              <a:t>Escuela de Ingen</a:t>
-            </a:r>
-            <a:r>
-              <a:rPr lang="es-ES" b="1" dirty="0" smtClean="0"/>
-              <a:t>iería Informática</a:t>
+              <a:t>Escuela de Ingeniería Informática</a:t>
             </a:r>
             <a:endParaRPr lang="es-ES" b="1" dirty="0"/>
           </a:p>
@@ -6399,10 +6644,10 @@
   </p:clrMapOvr>
   <mc:AlternateContent xmlns:mc="http://schemas.openxmlformats.org/markup-compatibility/2006">
     <mc:Choice xmlns:p14="http://schemas.microsoft.com/office/powerpoint/2010/main" Requires="p14">
-      <p:transition spd="slow" p14:dur="2000"/>
+      <p:transition p14:dur="0" advClick="0"/>
     </mc:Choice>
     <mc:Fallback>
-      <p:transition xmlns:p14="http://schemas.microsoft.com/office/powerpoint/2010/main" spd="slow"/>
+      <p:transition xmlns:p14="http://schemas.microsoft.com/office/powerpoint/2010/main" advClick="0"/>
     </mc:Fallback>
   </mc:AlternateContent>
   <p:timing>
@@ -6625,11 +6870,7 @@
           <a:p>
             <a:r>
               <a:rPr lang="es-ES" b="1" dirty="0" smtClean="0"/>
-              <a:t>Escuela de Ingen</a:t>
-            </a:r>
-            <a:r>
-              <a:rPr lang="es-ES" b="1" dirty="0" smtClean="0"/>
-              <a:t>iería Informática</a:t>
+              <a:t>Escuela de Ingeniería Informática</a:t>
             </a:r>
             <a:endParaRPr lang="es-ES" b="1" dirty="0"/>
           </a:p>
@@ -6647,10 +6888,10 @@
   </p:clrMapOvr>
   <mc:AlternateContent xmlns:mc="http://schemas.openxmlformats.org/markup-compatibility/2006">
     <mc:Choice xmlns:p14="http://schemas.microsoft.com/office/powerpoint/2010/main" Requires="p14">
-      <p:transition spd="slow" p14:dur="2000"/>
+      <p:transition p14:dur="0" advClick="0"/>
     </mc:Choice>
     <mc:Fallback>
-      <p:transition xmlns:p14="http://schemas.microsoft.com/office/powerpoint/2010/main" spd="slow"/>
+      <p:transition xmlns:p14="http://schemas.microsoft.com/office/powerpoint/2010/main" advClick="0"/>
     </mc:Fallback>
   </mc:AlternateContent>
   <p:timing>
@@ -6873,11 +7114,7 @@
           <a:p>
             <a:r>
               <a:rPr lang="es-ES" b="1" dirty="0" smtClean="0"/>
-              <a:t>Escuela de Ingen</a:t>
-            </a:r>
-            <a:r>
-              <a:rPr lang="es-ES" b="1" dirty="0" smtClean="0"/>
-              <a:t>iería Informática</a:t>
+              <a:t>Escuela de Ingeniería Informática</a:t>
             </a:r>
             <a:endParaRPr lang="es-ES" b="1" dirty="0"/>
           </a:p>
@@ -6895,10 +7132,10 @@
   </p:clrMapOvr>
   <mc:AlternateContent xmlns:mc="http://schemas.openxmlformats.org/markup-compatibility/2006">
     <mc:Choice xmlns:p14="http://schemas.microsoft.com/office/powerpoint/2010/main" Requires="p14">
-      <p:transition spd="slow" p14:dur="2000"/>
+      <p:transition p14:dur="0" advClick="0"/>
     </mc:Choice>
     <mc:Fallback>
-      <p:transition xmlns:p14="http://schemas.microsoft.com/office/powerpoint/2010/main" spd="slow"/>
+      <p:transition xmlns:p14="http://schemas.microsoft.com/office/powerpoint/2010/main" advClick="0"/>
     </mc:Fallback>
   </mc:AlternateContent>
   <p:timing>
@@ -7121,11 +7358,7 @@
           <a:p>
             <a:r>
               <a:rPr lang="es-ES" b="1" dirty="0" smtClean="0"/>
-              <a:t>Escuela de Ingen</a:t>
-            </a:r>
-            <a:r>
-              <a:rPr lang="es-ES" b="1" dirty="0" smtClean="0"/>
-              <a:t>iería Informática</a:t>
+              <a:t>Escuela de Ingeniería Informática</a:t>
             </a:r>
             <a:endParaRPr lang="es-ES" b="1" dirty="0"/>
           </a:p>
@@ -7143,10 +7376,10 @@
   </p:clrMapOvr>
   <mc:AlternateContent xmlns:mc="http://schemas.openxmlformats.org/markup-compatibility/2006">
     <mc:Choice xmlns:p14="http://schemas.microsoft.com/office/powerpoint/2010/main" Requires="p14">
-      <p:transition spd="slow" p14:dur="2000"/>
+      <p:transition p14:dur="0" advClick="0"/>
     </mc:Choice>
     <mc:Fallback>
-      <p:transition xmlns:p14="http://schemas.microsoft.com/office/powerpoint/2010/main" spd="slow"/>
+      <p:transition xmlns:p14="http://schemas.microsoft.com/office/powerpoint/2010/main" advClick="0"/>
     </mc:Fallback>
   </mc:AlternateContent>
   <p:timing>
@@ -7369,11 +7602,7 @@
           <a:p>
             <a:r>
               <a:rPr lang="es-ES" b="1" dirty="0" smtClean="0"/>
-              <a:t>Escuela de Ingen</a:t>
-            </a:r>
-            <a:r>
-              <a:rPr lang="es-ES" b="1" dirty="0" smtClean="0"/>
-              <a:t>iería Informática</a:t>
+              <a:t>Escuela de Ingeniería Informática</a:t>
             </a:r>
             <a:endParaRPr lang="es-ES" b="1" dirty="0"/>
           </a:p>
@@ -7391,10 +7620,10 @@
   </p:clrMapOvr>
   <mc:AlternateContent xmlns:mc="http://schemas.openxmlformats.org/markup-compatibility/2006">
     <mc:Choice xmlns:p14="http://schemas.microsoft.com/office/powerpoint/2010/main" Requires="p14">
-      <p:transition spd="slow" p14:dur="2000"/>
+      <p:transition p14:dur="0" advClick="0"/>
     </mc:Choice>
     <mc:Fallback>
-      <p:transition xmlns:p14="http://schemas.microsoft.com/office/powerpoint/2010/main" spd="slow"/>
+      <p:transition xmlns:p14="http://schemas.microsoft.com/office/powerpoint/2010/main" advClick="0"/>
     </mc:Fallback>
   </mc:AlternateContent>
   <p:timing>
@@ -7617,11 +7846,7 @@
           <a:p>
             <a:r>
               <a:rPr lang="es-ES" b="1" dirty="0" smtClean="0"/>
-              <a:t>Escuela de Ingen</a:t>
-            </a:r>
-            <a:r>
-              <a:rPr lang="es-ES" b="1" dirty="0" smtClean="0"/>
-              <a:t>iería Informática</a:t>
+              <a:t>Escuela de Ingeniería Informática</a:t>
             </a:r>
             <a:endParaRPr lang="es-ES" b="1" dirty="0"/>
           </a:p>
@@ -7639,10 +7864,10 @@
   </p:clrMapOvr>
   <mc:AlternateContent xmlns:mc="http://schemas.openxmlformats.org/markup-compatibility/2006">
     <mc:Choice xmlns:p14="http://schemas.microsoft.com/office/powerpoint/2010/main" Requires="p14">
-      <p:transition spd="slow" p14:dur="2000"/>
+      <p:transition p14:dur="0" advClick="0"/>
     </mc:Choice>
     <mc:Fallback>
-      <p:transition xmlns:p14="http://schemas.microsoft.com/office/powerpoint/2010/main" spd="slow"/>
+      <p:transition xmlns:p14="http://schemas.microsoft.com/office/powerpoint/2010/main" advClick="0"/>
     </mc:Fallback>
   </mc:AlternateContent>
   <p:timing>
@@ -7865,11 +8090,7 @@
           <a:p>
             <a:r>
               <a:rPr lang="es-ES" b="1" dirty="0" smtClean="0"/>
-              <a:t>Escuela de Ingen</a:t>
-            </a:r>
-            <a:r>
-              <a:rPr lang="es-ES" b="1" dirty="0" smtClean="0"/>
-              <a:t>iería Informática</a:t>
+              <a:t>Escuela de Ingeniería Informática</a:t>
             </a:r>
             <a:endParaRPr lang="es-ES" b="1" dirty="0"/>
           </a:p>
@@ -7887,10 +8108,10 @@
   </p:clrMapOvr>
   <mc:AlternateContent xmlns:mc="http://schemas.openxmlformats.org/markup-compatibility/2006">
     <mc:Choice xmlns:p14="http://schemas.microsoft.com/office/powerpoint/2010/main" Requires="p14">
-      <p:transition spd="slow" p14:dur="2000"/>
+      <p:transition p14:dur="0" advClick="0"/>
     </mc:Choice>
     <mc:Fallback>
-      <p:transition xmlns:p14="http://schemas.microsoft.com/office/powerpoint/2010/main" spd="slow"/>
+      <p:transition xmlns:p14="http://schemas.microsoft.com/office/powerpoint/2010/main" advClick="0"/>
     </mc:Fallback>
   </mc:AlternateContent>
   <p:timing>
@@ -8113,11 +8334,7 @@
           <a:p>
             <a:r>
               <a:rPr lang="es-ES" b="1" dirty="0" smtClean="0"/>
-              <a:t>Escuela de Ingen</a:t>
-            </a:r>
-            <a:r>
-              <a:rPr lang="es-ES" b="1" dirty="0" smtClean="0"/>
-              <a:t>iería Informática</a:t>
+              <a:t>Escuela de Ingeniería Informática</a:t>
             </a:r>
             <a:endParaRPr lang="es-ES" b="1" dirty="0"/>
           </a:p>
@@ -8135,10 +8352,10 @@
   </p:clrMapOvr>
   <mc:AlternateContent xmlns:mc="http://schemas.openxmlformats.org/markup-compatibility/2006">
     <mc:Choice xmlns:p14="http://schemas.microsoft.com/office/powerpoint/2010/main" Requires="p14">
-      <p:transition spd="slow" p14:dur="2000"/>
+      <p:transition p14:dur="0" advClick="0"/>
     </mc:Choice>
     <mc:Fallback>
-      <p:transition xmlns:p14="http://schemas.microsoft.com/office/powerpoint/2010/main" spd="slow"/>
+      <p:transition xmlns:p14="http://schemas.microsoft.com/office/powerpoint/2010/main" advClick="0"/>
     </mc:Fallback>
   </mc:AlternateContent>
   <p:timing>
@@ -8361,11 +8578,7 @@
           <a:p>
             <a:r>
               <a:rPr lang="es-ES" b="1" dirty="0" smtClean="0"/>
-              <a:t>Escuela de Ingen</a:t>
-            </a:r>
-            <a:r>
-              <a:rPr lang="es-ES" b="1" dirty="0" smtClean="0"/>
-              <a:t>iería Informática</a:t>
+              <a:t>Escuela de Ingeniería Informática</a:t>
             </a:r>
             <a:endParaRPr lang="es-ES" b="1" dirty="0"/>
           </a:p>
@@ -8383,10 +8596,10 @@
   </p:clrMapOvr>
   <mc:AlternateContent xmlns:mc="http://schemas.openxmlformats.org/markup-compatibility/2006">
     <mc:Choice xmlns:p14="http://schemas.microsoft.com/office/powerpoint/2010/main" Requires="p14">
-      <p:transition spd="slow" p14:dur="2000"/>
+      <p:transition p14:dur="0" advClick="0"/>
     </mc:Choice>
     <mc:Fallback>
-      <p:transition xmlns:p14="http://schemas.microsoft.com/office/powerpoint/2010/main" spd="slow"/>
+      <p:transition xmlns:p14="http://schemas.microsoft.com/office/powerpoint/2010/main" advClick="0"/>
     </mc:Fallback>
   </mc:AlternateContent>
   <p:timing>
@@ -8609,11 +8822,7 @@
           <a:p>
             <a:r>
               <a:rPr lang="es-ES" b="1" dirty="0" smtClean="0"/>
-              <a:t>Escuela de Ingen</a:t>
-            </a:r>
-            <a:r>
-              <a:rPr lang="es-ES" b="1" dirty="0" smtClean="0"/>
-              <a:t>iería Informática</a:t>
+              <a:t>Escuela de Ingeniería Informática</a:t>
             </a:r>
             <a:endParaRPr lang="es-ES" b="1" dirty="0"/>
           </a:p>
@@ -8631,10 +8840,10 @@
   </p:clrMapOvr>
   <mc:AlternateContent xmlns:mc="http://schemas.openxmlformats.org/markup-compatibility/2006">
     <mc:Choice xmlns:p14="http://schemas.microsoft.com/office/powerpoint/2010/main" Requires="p14">
-      <p:transition spd="slow" p14:dur="2000"/>
+      <p:transition p14:dur="0" advClick="0"/>
     </mc:Choice>
     <mc:Fallback>
-      <p:transition xmlns:p14="http://schemas.microsoft.com/office/powerpoint/2010/main" spd="slow"/>
+      <p:transition xmlns:p14="http://schemas.microsoft.com/office/powerpoint/2010/main" advClick="0"/>
     </mc:Fallback>
   </mc:AlternateContent>
   <p:timing>
@@ -8857,11 +9066,7 @@
           <a:p>
             <a:r>
               <a:rPr lang="es-ES" b="1" dirty="0" smtClean="0"/>
-              <a:t>Escuela de Ingen</a:t>
-            </a:r>
-            <a:r>
-              <a:rPr lang="es-ES" b="1" dirty="0" smtClean="0"/>
-              <a:t>iería Informática</a:t>
+              <a:t>Escuela de Ingeniería Informática</a:t>
             </a:r>
             <a:endParaRPr lang="es-ES" b="1" dirty="0"/>
           </a:p>
@@ -8879,10 +9084,10 @@
   </p:clrMapOvr>
   <mc:AlternateContent xmlns:mc="http://schemas.openxmlformats.org/markup-compatibility/2006">
     <mc:Choice xmlns:p14="http://schemas.microsoft.com/office/powerpoint/2010/main" Requires="p14">
-      <p:transition spd="slow" p14:dur="2000"/>
+      <p:transition p14:dur="0" advClick="0"/>
     </mc:Choice>
     <mc:Fallback>
-      <p:transition xmlns:p14="http://schemas.microsoft.com/office/powerpoint/2010/main" spd="slow"/>
+      <p:transition xmlns:p14="http://schemas.microsoft.com/office/powerpoint/2010/main" advClick="0"/>
     </mc:Fallback>
   </mc:AlternateContent>
   <p:timing>
@@ -9105,11 +9310,7 @@
           <a:p>
             <a:r>
               <a:rPr lang="es-ES" b="1" dirty="0" smtClean="0"/>
-              <a:t>Escuela de Ingen</a:t>
-            </a:r>
-            <a:r>
-              <a:rPr lang="es-ES" b="1" dirty="0" smtClean="0"/>
-              <a:t>iería Informática</a:t>
+              <a:t>Escuela de Ingeniería Informática</a:t>
             </a:r>
             <a:endParaRPr lang="es-ES" b="1" dirty="0"/>
           </a:p>
@@ -9127,10 +9328,10 @@
   </p:clrMapOvr>
   <mc:AlternateContent xmlns:mc="http://schemas.openxmlformats.org/markup-compatibility/2006">
     <mc:Choice xmlns:p14="http://schemas.microsoft.com/office/powerpoint/2010/main" Requires="p14">
-      <p:transition spd="slow" p14:dur="2000"/>
+      <p:transition p14:dur="0" advClick="0"/>
     </mc:Choice>
     <mc:Fallback>
-      <p:transition xmlns:p14="http://schemas.microsoft.com/office/powerpoint/2010/main" spd="slow"/>
+      <p:transition xmlns:p14="http://schemas.microsoft.com/office/powerpoint/2010/main" advClick="0"/>
     </mc:Fallback>
   </mc:AlternateContent>
   <p:timing>
@@ -9353,11 +9554,7 @@
           <a:p>
             <a:r>
               <a:rPr lang="es-ES" b="1" dirty="0" smtClean="0"/>
-              <a:t>Escuela de Ingen</a:t>
-            </a:r>
-            <a:r>
-              <a:rPr lang="es-ES" b="1" dirty="0" smtClean="0"/>
-              <a:t>iería Informática</a:t>
+              <a:t>Escuela de Ingeniería Informática</a:t>
             </a:r>
             <a:endParaRPr lang="es-ES" b="1" dirty="0"/>
           </a:p>
@@ -9375,10 +9572,10 @@
   </p:clrMapOvr>
   <mc:AlternateContent xmlns:mc="http://schemas.openxmlformats.org/markup-compatibility/2006">
     <mc:Choice xmlns:p14="http://schemas.microsoft.com/office/powerpoint/2010/main" Requires="p14">
-      <p:transition spd="slow" p14:dur="2000"/>
+      <p:transition p14:dur="0" advClick="0"/>
     </mc:Choice>
     <mc:Fallback>
-      <p:transition xmlns:p14="http://schemas.microsoft.com/office/powerpoint/2010/main" spd="slow"/>
+      <p:transition xmlns:p14="http://schemas.microsoft.com/office/powerpoint/2010/main" advClick="0"/>
     </mc:Fallback>
   </mc:AlternateContent>
   <p:timing>
@@ -9601,11 +9798,7 @@
           <a:p>
             <a:r>
               <a:rPr lang="es-ES" b="1" dirty="0" smtClean="0"/>
-              <a:t>Escuela de Ingen</a:t>
-            </a:r>
-            <a:r>
-              <a:rPr lang="es-ES" b="1" dirty="0" smtClean="0"/>
-              <a:t>iería Informática</a:t>
+              <a:t>Escuela de Ingeniería Informática</a:t>
             </a:r>
             <a:endParaRPr lang="es-ES" b="1" dirty="0"/>
           </a:p>
@@ -9623,10 +9816,10 @@
   </p:clrMapOvr>
   <mc:AlternateContent xmlns:mc="http://schemas.openxmlformats.org/markup-compatibility/2006">
     <mc:Choice xmlns:p14="http://schemas.microsoft.com/office/powerpoint/2010/main" Requires="p14">
-      <p:transition spd="slow" p14:dur="2000"/>
+      <p:transition p14:dur="0" advClick="0"/>
     </mc:Choice>
     <mc:Fallback>
-      <p:transition xmlns:p14="http://schemas.microsoft.com/office/powerpoint/2010/main" spd="slow"/>
+      <p:transition xmlns:p14="http://schemas.microsoft.com/office/powerpoint/2010/main" advClick="0"/>
     </mc:Fallback>
   </mc:AlternateContent>
   <p:timing>
@@ -9849,11 +10042,7 @@
           <a:p>
             <a:r>
               <a:rPr lang="es-ES" b="1" dirty="0" smtClean="0"/>
-              <a:t>Escuela de Ingen</a:t>
-            </a:r>
-            <a:r>
-              <a:rPr lang="es-ES" b="1" dirty="0" smtClean="0"/>
-              <a:t>iería Informática</a:t>
+              <a:t>Escuela de Ingeniería Informática</a:t>
             </a:r>
             <a:endParaRPr lang="es-ES" b="1" dirty="0"/>
           </a:p>
@@ -9871,10 +10060,10 @@
   </p:clrMapOvr>
   <mc:AlternateContent xmlns:mc="http://schemas.openxmlformats.org/markup-compatibility/2006">
     <mc:Choice xmlns:p14="http://schemas.microsoft.com/office/powerpoint/2010/main" Requires="p14">
-      <p:transition spd="slow" p14:dur="2000"/>
+      <p:transition p14:dur="0" advClick="0"/>
     </mc:Choice>
     <mc:Fallback>
-      <p:transition xmlns:p14="http://schemas.microsoft.com/office/powerpoint/2010/main" spd="slow"/>
+      <p:transition xmlns:p14="http://schemas.microsoft.com/office/powerpoint/2010/main" advClick="0"/>
     </mc:Fallback>
   </mc:AlternateContent>
   <p:timing>
@@ -10097,11 +10286,7 @@
           <a:p>
             <a:r>
               <a:rPr lang="es-ES" b="1" dirty="0" smtClean="0"/>
-              <a:t>Escuela de Ingen</a:t>
-            </a:r>
-            <a:r>
-              <a:rPr lang="es-ES" b="1" dirty="0" smtClean="0"/>
-              <a:t>iería Informática</a:t>
+              <a:t>Escuela de Ingeniería Informática</a:t>
             </a:r>
             <a:endParaRPr lang="es-ES" b="1" dirty="0"/>
           </a:p>
@@ -10119,10 +10304,10 @@
   </p:clrMapOvr>
   <mc:AlternateContent xmlns:mc="http://schemas.openxmlformats.org/markup-compatibility/2006">
     <mc:Choice xmlns:p14="http://schemas.microsoft.com/office/powerpoint/2010/main" Requires="p14">
-      <p:transition spd="slow" p14:dur="2000"/>
+      <p:transition p14:dur="0" advClick="0"/>
     </mc:Choice>
     <mc:Fallback>
-      <p:transition xmlns:p14="http://schemas.microsoft.com/office/powerpoint/2010/main" spd="slow"/>
+      <p:transition xmlns:p14="http://schemas.microsoft.com/office/powerpoint/2010/main" advClick="0"/>
     </mc:Fallback>
   </mc:AlternateContent>
   <p:timing>
@@ -10345,11 +10530,7 @@
           <a:p>
             <a:r>
               <a:rPr lang="es-ES" b="1" dirty="0" smtClean="0"/>
-              <a:t>Escuela de Ingen</a:t>
-            </a:r>
-            <a:r>
-              <a:rPr lang="es-ES" b="1" dirty="0" smtClean="0"/>
-              <a:t>iería Informática</a:t>
+              <a:t>Escuela de Ingeniería Informática</a:t>
             </a:r>
             <a:endParaRPr lang="es-ES" b="1" dirty="0"/>
           </a:p>
@@ -10367,10 +10548,10 @@
   </p:clrMapOvr>
   <mc:AlternateContent xmlns:mc="http://schemas.openxmlformats.org/markup-compatibility/2006">
     <mc:Choice xmlns:p14="http://schemas.microsoft.com/office/powerpoint/2010/main" Requires="p14">
-      <p:transition spd="slow" p14:dur="2000"/>
+      <p:transition p14:dur="0" advClick="0"/>
     </mc:Choice>
     <mc:Fallback>
-      <p:transition xmlns:p14="http://schemas.microsoft.com/office/powerpoint/2010/main" spd="slow"/>
+      <p:transition xmlns:p14="http://schemas.microsoft.com/office/powerpoint/2010/main" advClick="0"/>
     </mc:Fallback>
   </mc:AlternateContent>
   <p:timing>
@@ -10593,11 +10774,7 @@
           <a:p>
             <a:r>
               <a:rPr lang="es-ES" b="1" dirty="0" smtClean="0"/>
-              <a:t>Escuela de Ingen</a:t>
-            </a:r>
-            <a:r>
-              <a:rPr lang="es-ES" b="1" dirty="0" smtClean="0"/>
-              <a:t>iería Informática</a:t>
+              <a:t>Escuela de Ingeniería Informática</a:t>
             </a:r>
             <a:endParaRPr lang="es-ES" b="1" dirty="0"/>
           </a:p>
@@ -10615,10 +10792,10 @@
   </p:clrMapOvr>
   <mc:AlternateContent xmlns:mc="http://schemas.openxmlformats.org/markup-compatibility/2006">
     <mc:Choice xmlns:p14="http://schemas.microsoft.com/office/powerpoint/2010/main" Requires="p14">
-      <p:transition spd="slow" p14:dur="2000"/>
+      <p:transition p14:dur="0" advClick="0"/>
     </mc:Choice>
     <mc:Fallback>
-      <p:transition xmlns:p14="http://schemas.microsoft.com/office/powerpoint/2010/main" spd="slow"/>
+      <p:transition xmlns:p14="http://schemas.microsoft.com/office/powerpoint/2010/main" advClick="0"/>
     </mc:Fallback>
   </mc:AlternateContent>
   <p:timing>
@@ -10841,11 +11018,7 @@
           <a:p>
             <a:r>
               <a:rPr lang="es-ES" b="1" dirty="0" smtClean="0"/>
-              <a:t>Escuela de Ingen</a:t>
-            </a:r>
-            <a:r>
-              <a:rPr lang="es-ES" b="1" dirty="0" smtClean="0"/>
-              <a:t>iería Informática</a:t>
+              <a:t>Escuela de Ingeniería Informática</a:t>
             </a:r>
             <a:endParaRPr lang="es-ES" b="1" dirty="0"/>
           </a:p>
@@ -10863,10 +11036,10 @@
   </p:clrMapOvr>
   <mc:AlternateContent xmlns:mc="http://schemas.openxmlformats.org/markup-compatibility/2006">
     <mc:Choice xmlns:p14="http://schemas.microsoft.com/office/powerpoint/2010/main" Requires="p14">
-      <p:transition spd="slow" p14:dur="2000"/>
+      <p:transition p14:dur="0" advClick="0"/>
     </mc:Choice>
     <mc:Fallback>
-      <p:transition xmlns:p14="http://schemas.microsoft.com/office/powerpoint/2010/main" spd="slow"/>
+      <p:transition xmlns:p14="http://schemas.microsoft.com/office/powerpoint/2010/main" advClick="0"/>
     </mc:Fallback>
   </mc:AlternateContent>
   <p:timing>
@@ -11089,11 +11262,7 @@
           <a:p>
             <a:r>
               <a:rPr lang="es-ES" b="1" dirty="0" smtClean="0"/>
-              <a:t>Escuela de Ingen</a:t>
-            </a:r>
-            <a:r>
-              <a:rPr lang="es-ES" b="1" dirty="0" smtClean="0"/>
-              <a:t>iería Informática</a:t>
+              <a:t>Escuela de Ingeniería Informática</a:t>
             </a:r>
             <a:endParaRPr lang="es-ES" b="1" dirty="0"/>
           </a:p>
@@ -11111,10 +11280,10 @@
   </p:clrMapOvr>
   <mc:AlternateContent xmlns:mc="http://schemas.openxmlformats.org/markup-compatibility/2006">
     <mc:Choice xmlns:p14="http://schemas.microsoft.com/office/powerpoint/2010/main" Requires="p14">
-      <p:transition spd="slow" p14:dur="2000"/>
+      <p:transition p14:dur="0" advClick="0"/>
     </mc:Choice>
     <mc:Fallback>
-      <p:transition xmlns:p14="http://schemas.microsoft.com/office/powerpoint/2010/main" spd="slow"/>
+      <p:transition xmlns:p14="http://schemas.microsoft.com/office/powerpoint/2010/main" advClick="0"/>
     </mc:Fallback>
   </mc:AlternateContent>
   <p:timing>
@@ -11337,13 +11506,39 @@
           <a:p>
             <a:r>
               <a:rPr lang="es-ES" b="1" dirty="0" smtClean="0"/>
-              <a:t>Escuela de Ingen</a:t>
-            </a:r>
-            <a:r>
-              <a:rPr lang="es-ES" b="1" dirty="0" smtClean="0"/>
-              <a:t>iería Informática</a:t>
+              <a:t>Escuela de Ingeniería Informática</a:t>
             </a:r>
             <a:endParaRPr lang="es-ES" b="1" dirty="0"/>
+          </a:p>
+        </p:txBody>
+      </p:sp>
+      <p:sp>
+        <p:nvSpPr>
+          <p:cNvPr id="2" name="CuadroTexto 1"/>
+          <p:cNvSpPr txBox="1"/>
+          <p:nvPr/>
+        </p:nvSpPr>
+        <p:spPr>
+          <a:xfrm>
+            <a:off x="558213" y="1035741"/>
+            <a:ext cx="3715681" cy="584776"/>
+          </a:xfrm>
+          <a:prstGeom prst="rect">
+            <a:avLst/>
+          </a:prstGeom>
+          <a:noFill/>
+        </p:spPr>
+        <p:txBody>
+          <a:bodyPr wrap="none" rtlCol="0">
+            <a:spAutoFit/>
+          </a:bodyPr>
+          <a:lstStyle/>
+          <a:p>
+            <a:r>
+              <a:rPr lang="es-ES" sz="3200" b="1" dirty="0" smtClean="0"/>
+              <a:t>RECOMENDACIONES</a:t>
+            </a:r>
+            <a:endParaRPr lang="es-ES" sz="3200" b="1" dirty="0"/>
           </a:p>
         </p:txBody>
       </p:sp>
@@ -11359,10 +11554,10 @@
   </p:clrMapOvr>
   <mc:AlternateContent xmlns:mc="http://schemas.openxmlformats.org/markup-compatibility/2006">
     <mc:Choice xmlns:p14="http://schemas.microsoft.com/office/powerpoint/2010/main" Requires="p14">
-      <p:transition spd="slow" p14:dur="2000"/>
+      <p:transition p14:dur="0" advClick="0"/>
     </mc:Choice>
     <mc:Fallback>
-      <p:transition xmlns:p14="http://schemas.microsoft.com/office/powerpoint/2010/main" spd="slow"/>
+      <p:transition xmlns:p14="http://schemas.microsoft.com/office/powerpoint/2010/main" advClick="0"/>
     </mc:Fallback>
   </mc:AlternateContent>
   <p:timing>
@@ -11585,13 +11780,77 @@
           <a:p>
             <a:r>
               <a:rPr lang="es-ES" b="1" dirty="0" smtClean="0"/>
-              <a:t>Escuela de Ingen</a:t>
-            </a:r>
-            <a:r>
-              <a:rPr lang="es-ES" b="1" dirty="0" smtClean="0"/>
-              <a:t>iería Informática</a:t>
+              <a:t>Escuela de Ingeniería Informática</a:t>
             </a:r>
             <a:endParaRPr lang="es-ES" b="1" dirty="0"/>
+          </a:p>
+        </p:txBody>
+      </p:sp>
+      <p:sp>
+        <p:nvSpPr>
+          <p:cNvPr id="7" name="CuadroTexto 6"/>
+          <p:cNvSpPr txBox="1"/>
+          <p:nvPr/>
+        </p:nvSpPr>
+        <p:spPr>
+          <a:xfrm>
+            <a:off x="558213" y="1035741"/>
+            <a:ext cx="3539150" cy="584776"/>
+          </a:xfrm>
+          <a:prstGeom prst="rect">
+            <a:avLst/>
+          </a:prstGeom>
+          <a:noFill/>
+        </p:spPr>
+        <p:txBody>
+          <a:bodyPr wrap="none" rtlCol="0">
+            <a:spAutoFit/>
+          </a:bodyPr>
+          <a:lstStyle/>
+          <a:p>
+            <a:r>
+              <a:rPr lang="es-ES" sz="3200" b="1" dirty="0" smtClean="0"/>
+              <a:t>OBJETIVO GENERAL</a:t>
+            </a:r>
+            <a:endParaRPr lang="es-ES" sz="3200" b="1" dirty="0"/>
+          </a:p>
+        </p:txBody>
+      </p:sp>
+      <p:sp>
+        <p:nvSpPr>
+          <p:cNvPr id="3" name="Rectángulo 2"/>
+          <p:cNvSpPr/>
+          <p:nvPr/>
+        </p:nvSpPr>
+        <p:spPr>
+          <a:xfrm>
+            <a:off x="788307" y="1941698"/>
+            <a:ext cx="7488920" cy="3046988"/>
+          </a:xfrm>
+          <a:prstGeom prst="rect">
+            <a:avLst/>
+          </a:prstGeom>
+        </p:spPr>
+        <p:txBody>
+          <a:bodyPr wrap="square">
+            <a:spAutoFit/>
+          </a:bodyPr>
+          <a:lstStyle/>
+          <a:p>
+            <a:pPr algn="ctr"/>
+            <a:r>
+              <a:rPr lang="es-VE" sz="3200" dirty="0"/>
+              <a:t>Desarrollar una aplicación móvil incorporando tecnología de Realidad Aumentada y NFC que facilite la ubicación e información específica de los espacios físicos de la Universidad Católica Andrés Bello</a:t>
+            </a:r>
+            <a:r>
+              <a:rPr lang="es-VE" dirty="0"/>
+              <a:t>.</a:t>
+            </a:r>
+            <a:r>
+              <a:rPr lang="es-ES_tradnl" dirty="0"/>
+              <a:t> </a:t>
+            </a:r>
+            <a:endParaRPr lang="es-ES" dirty="0"/>
           </a:p>
         </p:txBody>
       </p:sp>
@@ -11607,10 +11866,10 @@
   </p:clrMapOvr>
   <mc:AlternateContent xmlns:mc="http://schemas.openxmlformats.org/markup-compatibility/2006">
     <mc:Choice xmlns:p14="http://schemas.microsoft.com/office/powerpoint/2010/main" Requires="p14">
-      <p:transition spd="slow" p14:dur="2000"/>
+      <p:transition p14:dur="0" advClick="0"/>
     </mc:Choice>
     <mc:Fallback>
-      <p:transition xmlns:p14="http://schemas.microsoft.com/office/powerpoint/2010/main" spd="slow"/>
+      <p:transition xmlns:p14="http://schemas.microsoft.com/office/powerpoint/2010/main" advClick="0"/>
     </mc:Fallback>
   </mc:AlternateContent>
   <p:timing>
@@ -11833,13 +12092,44 @@
           <a:p>
             <a:r>
               <a:rPr lang="es-ES" b="1" dirty="0" smtClean="0"/>
-              <a:t>Escuela de Ingen</a:t>
-            </a:r>
-            <a:r>
-              <a:rPr lang="es-ES" b="1" dirty="0" smtClean="0"/>
-              <a:t>iería Informática</a:t>
+              <a:t>Escuela de Ingeniería Informática</a:t>
             </a:r>
             <a:endParaRPr lang="es-ES" b="1" dirty="0"/>
+          </a:p>
+        </p:txBody>
+      </p:sp>
+      <p:sp>
+        <p:nvSpPr>
+          <p:cNvPr id="7" name="CuadroTexto 6"/>
+          <p:cNvSpPr txBox="1"/>
+          <p:nvPr/>
+        </p:nvSpPr>
+        <p:spPr>
+          <a:xfrm>
+            <a:off x="463176" y="1418226"/>
+            <a:ext cx="8277412" cy="523220"/>
+          </a:xfrm>
+          <a:prstGeom prst="rect">
+            <a:avLst/>
+          </a:prstGeom>
+          <a:noFill/>
+        </p:spPr>
+        <p:txBody>
+          <a:bodyPr wrap="square" rtlCol="0">
+            <a:spAutoFit/>
+          </a:bodyPr>
+          <a:lstStyle/>
+          <a:p>
+            <a:pPr algn="ctr"/>
+            <a:r>
+              <a:rPr lang="es-ES" sz="2800" dirty="0" smtClean="0"/>
+              <a:t>¡ GRACIAS POR SU ATENCI</a:t>
+            </a:r>
+            <a:r>
+              <a:rPr lang="es-ES" sz="2800" dirty="0" smtClean="0"/>
+              <a:t>ÓN !</a:t>
+            </a:r>
+            <a:endParaRPr lang="es-ES" sz="2800" dirty="0"/>
           </a:p>
         </p:txBody>
       </p:sp>
@@ -11855,10 +12145,14 @@
   </p:clrMapOvr>
   <mc:AlternateContent xmlns:mc="http://schemas.openxmlformats.org/markup-compatibility/2006">
     <mc:Choice xmlns:p14="http://schemas.microsoft.com/office/powerpoint/2010/main" Requires="p14">
-      <p:transition spd="slow" p14:dur="2000"/>
+      <p:transition spd="slow" p14:dur="1400" advClick="0">
+        <p14:ripple/>
+      </p:transition>
     </mc:Choice>
     <mc:Fallback>
-      <p:transition xmlns:p14="http://schemas.microsoft.com/office/powerpoint/2010/main" spd="slow"/>
+      <p:transition xmlns:p14="http://schemas.microsoft.com/office/powerpoint/2010/main" spd="slow" advClick="0">
+        <p:fade/>
+      </p:transition>
     </mc:Fallback>
   </mc:AlternateContent>
   <p:timing>
@@ -12081,11 +12375,7 @@
           <a:p>
             <a:r>
               <a:rPr lang="es-ES" b="1" dirty="0" smtClean="0"/>
-              <a:t>Escuela de Ingen</a:t>
-            </a:r>
-            <a:r>
-              <a:rPr lang="es-ES" b="1" dirty="0" smtClean="0"/>
-              <a:t>iería Informática</a:t>
+              <a:t>Escuela de Ingeniería Informática</a:t>
             </a:r>
             <a:endParaRPr lang="es-ES" b="1" dirty="0"/>
           </a:p>
@@ -12103,10 +12393,10 @@
   </p:clrMapOvr>
   <mc:AlternateContent xmlns:mc="http://schemas.openxmlformats.org/markup-compatibility/2006">
     <mc:Choice xmlns:p14="http://schemas.microsoft.com/office/powerpoint/2010/main" Requires="p14">
-      <p:transition spd="slow" p14:dur="2000"/>
+      <p:transition p14:dur="0" advClick="0"/>
     </mc:Choice>
     <mc:Fallback>
-      <p:transition xmlns:p14="http://schemas.microsoft.com/office/powerpoint/2010/main" spd="slow"/>
+      <p:transition xmlns:p14="http://schemas.microsoft.com/office/powerpoint/2010/main" advClick="0"/>
     </mc:Fallback>
   </mc:AlternateContent>
   <p:timing>
@@ -12329,11 +12619,7 @@
           <a:p>
             <a:r>
               <a:rPr lang="es-ES" b="1" dirty="0" smtClean="0"/>
-              <a:t>Escuela de Ingen</a:t>
-            </a:r>
-            <a:r>
-              <a:rPr lang="es-ES" b="1" dirty="0" smtClean="0"/>
-              <a:t>iería Informática</a:t>
+              <a:t>Escuela de Ingeniería Informática</a:t>
             </a:r>
             <a:endParaRPr lang="es-ES" b="1" dirty="0"/>
           </a:p>
@@ -12351,10 +12637,10 @@
   </p:clrMapOvr>
   <mc:AlternateContent xmlns:mc="http://schemas.openxmlformats.org/markup-compatibility/2006">
     <mc:Choice xmlns:p14="http://schemas.microsoft.com/office/powerpoint/2010/main" Requires="p14">
-      <p:transition spd="slow" p14:dur="2000"/>
+      <p:transition p14:dur="0" advClick="0"/>
     </mc:Choice>
     <mc:Fallback>
-      <p:transition xmlns:p14="http://schemas.microsoft.com/office/powerpoint/2010/main" spd="slow"/>
+      <p:transition xmlns:p14="http://schemas.microsoft.com/office/powerpoint/2010/main" advClick="0"/>
     </mc:Fallback>
   </mc:AlternateContent>
   <p:timing>
@@ -12577,11 +12863,7 @@
           <a:p>
             <a:r>
               <a:rPr lang="es-ES" b="1" dirty="0" smtClean="0"/>
-              <a:t>Escuela de Ingen</a:t>
-            </a:r>
-            <a:r>
-              <a:rPr lang="es-ES" b="1" dirty="0" smtClean="0"/>
-              <a:t>iería Informática</a:t>
+              <a:t>Escuela de Ingeniería Informática</a:t>
             </a:r>
             <a:endParaRPr lang="es-ES" b="1" dirty="0"/>
           </a:p>
@@ -12599,10 +12881,10 @@
   </p:clrMapOvr>
   <mc:AlternateContent xmlns:mc="http://schemas.openxmlformats.org/markup-compatibility/2006">
     <mc:Choice xmlns:p14="http://schemas.microsoft.com/office/powerpoint/2010/main" Requires="p14">
-      <p:transition spd="slow" p14:dur="2000"/>
+      <p:transition p14:dur="0" advClick="0"/>
     </mc:Choice>
     <mc:Fallback>
-      <p:transition xmlns:p14="http://schemas.microsoft.com/office/powerpoint/2010/main" spd="slow"/>
+      <p:transition xmlns:p14="http://schemas.microsoft.com/office/powerpoint/2010/main" advClick="0"/>
     </mc:Fallback>
   </mc:AlternateContent>
   <p:timing>
@@ -12825,11 +13107,7 @@
           <a:p>
             <a:r>
               <a:rPr lang="es-ES" b="1" dirty="0" smtClean="0"/>
-              <a:t>Escuela de Ingen</a:t>
-            </a:r>
-            <a:r>
-              <a:rPr lang="es-ES" b="1" dirty="0" smtClean="0"/>
-              <a:t>iería Informática</a:t>
+              <a:t>Escuela de Ingeniería Informática</a:t>
             </a:r>
             <a:endParaRPr lang="es-ES" b="1" dirty="0"/>
           </a:p>
@@ -12847,10 +13125,10 @@
   </p:clrMapOvr>
   <mc:AlternateContent xmlns:mc="http://schemas.openxmlformats.org/markup-compatibility/2006">
     <mc:Choice xmlns:p14="http://schemas.microsoft.com/office/powerpoint/2010/main" Requires="p14">
-      <p:transition spd="slow" p14:dur="2000"/>
+      <p:transition p14:dur="0" advClick="0"/>
     </mc:Choice>
     <mc:Fallback>
-      <p:transition xmlns:p14="http://schemas.microsoft.com/office/powerpoint/2010/main" spd="slow"/>
+      <p:transition xmlns:p14="http://schemas.microsoft.com/office/powerpoint/2010/main" advClick="0"/>
     </mc:Fallback>
   </mc:AlternateContent>
   <p:timing>
@@ -13073,11 +13351,7 @@
           <a:p>
             <a:r>
               <a:rPr lang="es-ES" b="1" dirty="0" smtClean="0"/>
-              <a:t>Escuela de Ingen</a:t>
-            </a:r>
-            <a:r>
-              <a:rPr lang="es-ES" b="1" dirty="0" smtClean="0"/>
-              <a:t>iería Informática</a:t>
+              <a:t>Escuela de Ingeniería Informática</a:t>
             </a:r>
             <a:endParaRPr lang="es-ES" b="1" dirty="0"/>
           </a:p>
@@ -13095,10 +13369,10 @@
   </p:clrMapOvr>
   <mc:AlternateContent xmlns:mc="http://schemas.openxmlformats.org/markup-compatibility/2006">
     <mc:Choice xmlns:p14="http://schemas.microsoft.com/office/powerpoint/2010/main" Requires="p14">
-      <p:transition spd="slow" p14:dur="2000"/>
+      <p:transition p14:dur="0" advClick="0"/>
     </mc:Choice>
     <mc:Fallback>
-      <p:transition xmlns:p14="http://schemas.microsoft.com/office/powerpoint/2010/main" spd="slow"/>
+      <p:transition xmlns:p14="http://schemas.microsoft.com/office/powerpoint/2010/main" advClick="0"/>
     </mc:Fallback>
   </mc:AlternateContent>
   <p:timing>

--- a/Documentacion/Presentacion/Presentacion V1.0.pptx
+++ b/Documentacion/Presentacion/Presentacion V1.0.pptx
@@ -329,7 +329,7 @@
             <a:fld id="{9D21D778-B565-4D7E-94D7-64010A445B68}" type="datetimeFigureOut">
               <a:rPr lang="en-US" smtClean="0"/>
               <a:pPr eaLnBrk="1" latinLnBrk="0" hangingPunct="1"/>
-              <a:t>18/04/17</a:t>
+              <a:t>20/04/17</a:t>
             </a:fld>
             <a:endParaRPr lang="en-US"/>
           </a:p>
@@ -387,13 +387,13 @@
   <p:clrMapOvr>
     <a:masterClrMapping/>
   </p:clrMapOvr>
-  <mc:AlternateContent xmlns:mc="http://schemas.openxmlformats.org/markup-compatibility/2006">
-    <mc:Choice xmlns:p14="http://schemas.microsoft.com/office/powerpoint/2010/main" Requires="p14">
+  <mc:AlternateContent xmlns:mc="http://schemas.openxmlformats.org/markup-compatibility/2006" xmlns:p14="http://schemas.microsoft.com/office/powerpoint/2010/main">
+    <mc:Choice Requires="p14">
       <p:transition spd="slow" p14:dur="1500" advClick="0">
         <p14:ripple dir="rd"/>
       </p:transition>
     </mc:Choice>
-    <mc:Fallback>
+    <mc:Fallback xmlns="">
       <p:transition xmlns:p14="http://schemas.microsoft.com/office/powerpoint/2010/main" spd="slow" advClick="0">
         <p:fade/>
       </p:transition>
@@ -511,7 +511,7 @@
           <a:p>
             <a:fld id="{60256078-59C6-6649-AA44-91FB9C51CB94}" type="datetimeFigureOut">
               <a:rPr lang="es-ES" smtClean="0"/>
-              <a:t>18/04/17</a:t>
+              <a:t>20/04/17</a:t>
             </a:fld>
             <a:endParaRPr lang="es-ES"/>
           </a:p>
@@ -569,13 +569,13 @@
   <p:clrMapOvr>
     <a:masterClrMapping/>
   </p:clrMapOvr>
-  <mc:AlternateContent xmlns:mc="http://schemas.openxmlformats.org/markup-compatibility/2006">
-    <mc:Choice xmlns:p14="http://schemas.microsoft.com/office/powerpoint/2010/main" Requires="p14">
+  <mc:AlternateContent xmlns:mc="http://schemas.openxmlformats.org/markup-compatibility/2006" xmlns:p14="http://schemas.microsoft.com/office/powerpoint/2010/main">
+    <mc:Choice Requires="p14">
       <p:transition spd="slow" p14:dur="1500" advClick="0">
         <p14:ripple dir="rd"/>
       </p:transition>
     </mc:Choice>
-    <mc:Fallback>
+    <mc:Fallback xmlns="">
       <p:transition xmlns:p14="http://schemas.microsoft.com/office/powerpoint/2010/main" spd="slow" advClick="0">
         <p:fade/>
       </p:transition>
@@ -703,7 +703,7 @@
           <a:p>
             <a:fld id="{60256078-59C6-6649-AA44-91FB9C51CB94}" type="datetimeFigureOut">
               <a:rPr lang="es-ES" smtClean="0"/>
-              <a:t>18/04/17</a:t>
+              <a:t>20/04/17</a:t>
             </a:fld>
             <a:endParaRPr lang="es-ES"/>
           </a:p>
@@ -761,13 +761,13 @@
   <p:clrMapOvr>
     <a:masterClrMapping/>
   </p:clrMapOvr>
-  <mc:AlternateContent xmlns:mc="http://schemas.openxmlformats.org/markup-compatibility/2006">
-    <mc:Choice xmlns:p14="http://schemas.microsoft.com/office/powerpoint/2010/main" Requires="p14">
+  <mc:AlternateContent xmlns:mc="http://schemas.openxmlformats.org/markup-compatibility/2006" xmlns:p14="http://schemas.microsoft.com/office/powerpoint/2010/main">
+    <mc:Choice Requires="p14">
       <p:transition spd="slow" p14:dur="1500" advClick="0">
         <p14:ripple dir="rd"/>
       </p:transition>
     </mc:Choice>
-    <mc:Fallback>
+    <mc:Fallback xmlns="">
       <p:transition xmlns:p14="http://schemas.microsoft.com/office/powerpoint/2010/main" spd="slow" advClick="0">
         <p:fade/>
       </p:transition>
@@ -885,7 +885,7 @@
           <a:p>
             <a:fld id="{60256078-59C6-6649-AA44-91FB9C51CB94}" type="datetimeFigureOut">
               <a:rPr lang="es-ES" smtClean="0"/>
-              <a:t>18/04/17</a:t>
+              <a:t>20/04/17</a:t>
             </a:fld>
             <a:endParaRPr lang="es-ES"/>
           </a:p>
@@ -943,13 +943,13 @@
   <p:clrMapOvr>
     <a:masterClrMapping/>
   </p:clrMapOvr>
-  <mc:AlternateContent xmlns:mc="http://schemas.openxmlformats.org/markup-compatibility/2006">
-    <mc:Choice xmlns:p14="http://schemas.microsoft.com/office/powerpoint/2010/main" Requires="p14">
+  <mc:AlternateContent xmlns:mc="http://schemas.openxmlformats.org/markup-compatibility/2006" xmlns:p14="http://schemas.microsoft.com/office/powerpoint/2010/main">
+    <mc:Choice Requires="p14">
       <p:transition spd="slow" p14:dur="1500" advClick="0">
         <p14:ripple dir="rd"/>
       </p:transition>
     </mc:Choice>
-    <mc:Fallback>
+    <mc:Fallback xmlns="">
       <p:transition xmlns:p14="http://schemas.microsoft.com/office/powerpoint/2010/main" spd="slow" advClick="0">
         <p:fade/>
       </p:transition>
@@ -1145,7 +1145,7 @@
             <a:fld id="{9D21D778-B565-4D7E-94D7-64010A445B68}" type="datetimeFigureOut">
               <a:rPr lang="en-US" smtClean="0"/>
               <a:pPr eaLnBrk="1" latinLnBrk="0" hangingPunct="1"/>
-              <a:t>18/04/17</a:t>
+              <a:t>20/04/17</a:t>
             </a:fld>
             <a:endParaRPr lang="en-US"/>
           </a:p>
@@ -1211,13 +1211,13 @@
   <p:clrMapOvr>
     <a:masterClrMapping/>
   </p:clrMapOvr>
-  <mc:AlternateContent xmlns:mc="http://schemas.openxmlformats.org/markup-compatibility/2006">
-    <mc:Choice xmlns:p14="http://schemas.microsoft.com/office/powerpoint/2010/main" Requires="p14">
+  <mc:AlternateContent xmlns:mc="http://schemas.openxmlformats.org/markup-compatibility/2006" xmlns:p14="http://schemas.microsoft.com/office/powerpoint/2010/main">
+    <mc:Choice Requires="p14">
       <p:transition spd="slow" p14:dur="1500" advClick="0">
         <p14:ripple dir="rd"/>
       </p:transition>
     </mc:Choice>
-    <mc:Fallback>
+    <mc:Fallback xmlns="">
       <p:transition xmlns:p14="http://schemas.microsoft.com/office/powerpoint/2010/main" spd="slow" advClick="0">
         <p:fade/>
       </p:transition>
@@ -1453,7 +1453,7 @@
           <a:p>
             <a:fld id="{60256078-59C6-6649-AA44-91FB9C51CB94}" type="datetimeFigureOut">
               <a:rPr lang="es-ES" smtClean="0"/>
-              <a:t>18/04/17</a:t>
+              <a:t>20/04/17</a:t>
             </a:fld>
             <a:endParaRPr lang="es-ES"/>
           </a:p>
@@ -1511,13 +1511,13 @@
   <p:clrMapOvr>
     <a:masterClrMapping/>
   </p:clrMapOvr>
-  <mc:AlternateContent xmlns:mc="http://schemas.openxmlformats.org/markup-compatibility/2006">
-    <mc:Choice xmlns:p14="http://schemas.microsoft.com/office/powerpoint/2010/main" Requires="p14">
+  <mc:AlternateContent xmlns:mc="http://schemas.openxmlformats.org/markup-compatibility/2006" xmlns:p14="http://schemas.microsoft.com/office/powerpoint/2010/main">
+    <mc:Choice Requires="p14">
       <p:transition spd="slow" p14:dur="1500" advClick="0">
         <p14:ripple dir="rd"/>
       </p:transition>
     </mc:Choice>
-    <mc:Fallback>
+    <mc:Fallback xmlns="">
       <p:transition xmlns:p14="http://schemas.microsoft.com/office/powerpoint/2010/main" spd="slow" advClick="0">
         <p:fade/>
       </p:transition>
@@ -1887,7 +1887,7 @@
           <a:p>
             <a:fld id="{60256078-59C6-6649-AA44-91FB9C51CB94}" type="datetimeFigureOut">
               <a:rPr lang="es-ES" smtClean="0"/>
-              <a:t>18/04/17</a:t>
+              <a:t>20/04/17</a:t>
             </a:fld>
             <a:endParaRPr lang="es-ES"/>
           </a:p>
@@ -1945,13 +1945,13 @@
   <p:clrMapOvr>
     <a:masterClrMapping/>
   </p:clrMapOvr>
-  <mc:AlternateContent xmlns:mc="http://schemas.openxmlformats.org/markup-compatibility/2006">
-    <mc:Choice xmlns:p14="http://schemas.microsoft.com/office/powerpoint/2010/main" Requires="p14">
+  <mc:AlternateContent xmlns:mc="http://schemas.openxmlformats.org/markup-compatibility/2006" xmlns:p14="http://schemas.microsoft.com/office/powerpoint/2010/main">
+    <mc:Choice Requires="p14">
       <p:transition spd="slow" p14:dur="1500" advClick="0">
         <p14:ripple dir="rd"/>
       </p:transition>
     </mc:Choice>
-    <mc:Fallback>
+    <mc:Fallback xmlns="">
       <p:transition xmlns:p14="http://schemas.microsoft.com/office/powerpoint/2010/main" spd="slow" advClick="0">
         <p:fade/>
       </p:transition>
@@ -2017,7 +2017,7 @@
           <a:p>
             <a:fld id="{60256078-59C6-6649-AA44-91FB9C51CB94}" type="datetimeFigureOut">
               <a:rPr lang="es-ES" smtClean="0"/>
-              <a:t>18/04/17</a:t>
+              <a:t>20/04/17</a:t>
             </a:fld>
             <a:endParaRPr lang="es-ES"/>
           </a:p>
@@ -2075,13 +2075,13 @@
   <p:clrMapOvr>
     <a:masterClrMapping/>
   </p:clrMapOvr>
-  <mc:AlternateContent xmlns:mc="http://schemas.openxmlformats.org/markup-compatibility/2006">
-    <mc:Choice xmlns:p14="http://schemas.microsoft.com/office/powerpoint/2010/main" Requires="p14">
+  <mc:AlternateContent xmlns:mc="http://schemas.openxmlformats.org/markup-compatibility/2006" xmlns:p14="http://schemas.microsoft.com/office/powerpoint/2010/main">
+    <mc:Choice Requires="p14">
       <p:transition spd="slow" p14:dur="1500" advClick="0">
         <p14:ripple dir="rd"/>
       </p:transition>
     </mc:Choice>
-    <mc:Fallback>
+    <mc:Fallback xmlns="">
       <p:transition xmlns:p14="http://schemas.microsoft.com/office/powerpoint/2010/main" spd="slow" advClick="0">
         <p:fade/>
       </p:transition>
@@ -2124,7 +2124,7 @@
           <a:p>
             <a:fld id="{60256078-59C6-6649-AA44-91FB9C51CB94}" type="datetimeFigureOut">
               <a:rPr lang="es-ES" smtClean="0"/>
-              <a:t>18/04/17</a:t>
+              <a:t>20/04/17</a:t>
             </a:fld>
             <a:endParaRPr lang="es-ES"/>
           </a:p>
@@ -2182,13 +2182,13 @@
   <p:clrMapOvr>
     <a:masterClrMapping/>
   </p:clrMapOvr>
-  <mc:AlternateContent xmlns:mc="http://schemas.openxmlformats.org/markup-compatibility/2006">
-    <mc:Choice xmlns:p14="http://schemas.microsoft.com/office/powerpoint/2010/main" Requires="p14">
+  <mc:AlternateContent xmlns:mc="http://schemas.openxmlformats.org/markup-compatibility/2006" xmlns:p14="http://schemas.microsoft.com/office/powerpoint/2010/main">
+    <mc:Choice Requires="p14">
       <p:transition spd="slow" p14:dur="1500" advClick="0">
         <p14:ripple dir="rd"/>
       </p:transition>
     </mc:Choice>
-    <mc:Fallback>
+    <mc:Fallback xmlns="">
       <p:transition xmlns:p14="http://schemas.microsoft.com/office/powerpoint/2010/main" spd="slow" advClick="0">
         <p:fade/>
       </p:transition>
@@ -2413,7 +2413,7 @@
           <a:p>
             <a:fld id="{60256078-59C6-6649-AA44-91FB9C51CB94}" type="datetimeFigureOut">
               <a:rPr lang="es-ES" smtClean="0"/>
-              <a:t>18/04/17</a:t>
+              <a:t>20/04/17</a:t>
             </a:fld>
             <a:endParaRPr lang="es-ES"/>
           </a:p>
@@ -2471,13 +2471,13 @@
   <p:clrMapOvr>
     <a:masterClrMapping/>
   </p:clrMapOvr>
-  <mc:AlternateContent xmlns:mc="http://schemas.openxmlformats.org/markup-compatibility/2006">
-    <mc:Choice xmlns:p14="http://schemas.microsoft.com/office/powerpoint/2010/main" Requires="p14">
+  <mc:AlternateContent xmlns:mc="http://schemas.openxmlformats.org/markup-compatibility/2006" xmlns:p14="http://schemas.microsoft.com/office/powerpoint/2010/main">
+    <mc:Choice Requires="p14">
       <p:transition spd="slow" p14:dur="1500" advClick="0">
         <p14:ripple dir="rd"/>
       </p:transition>
     </mc:Choice>
-    <mc:Fallback>
+    <mc:Fallback xmlns="">
       <p:transition xmlns:p14="http://schemas.microsoft.com/office/powerpoint/2010/main" spd="slow" advClick="0">
         <p:fade/>
       </p:transition>
@@ -2678,7 +2678,7 @@
           <a:p>
             <a:fld id="{60256078-59C6-6649-AA44-91FB9C51CB94}" type="datetimeFigureOut">
               <a:rPr lang="es-ES" smtClean="0"/>
-              <a:t>18/04/17</a:t>
+              <a:t>20/04/17</a:t>
             </a:fld>
             <a:endParaRPr lang="es-ES"/>
           </a:p>
@@ -2736,13 +2736,13 @@
   <p:clrMapOvr>
     <a:masterClrMapping/>
   </p:clrMapOvr>
-  <mc:AlternateContent xmlns:mc="http://schemas.openxmlformats.org/markup-compatibility/2006">
-    <mc:Choice xmlns:p14="http://schemas.microsoft.com/office/powerpoint/2010/main" Requires="p14">
+  <mc:AlternateContent xmlns:mc="http://schemas.openxmlformats.org/markup-compatibility/2006" xmlns:p14="http://schemas.microsoft.com/office/powerpoint/2010/main">
+    <mc:Choice Requires="p14">
       <p:transition spd="slow" p14:dur="1500" advClick="0">
         <p14:ripple dir="rd"/>
       </p:transition>
     </mc:Choice>
-    <mc:Fallback>
+    <mc:Fallback xmlns="">
       <p:transition xmlns:p14="http://schemas.microsoft.com/office/powerpoint/2010/main" spd="slow" advClick="0">
         <p:fade/>
       </p:transition>
@@ -2903,7 +2903,7 @@
           <a:p>
             <a:fld id="{60256078-59C6-6649-AA44-91FB9C51CB94}" type="datetimeFigureOut">
               <a:rPr lang="es-ES" smtClean="0"/>
-              <a:t>18/04/17</a:t>
+              <a:t>20/04/17</a:t>
             </a:fld>
             <a:endParaRPr lang="es-ES"/>
           </a:p>
@@ -3008,13 +3008,13 @@
     <p:sldLayoutId id="2147484392" r:id="rId10"/>
     <p:sldLayoutId id="2147484393" r:id="rId11"/>
   </p:sldLayoutIdLst>
-  <mc:AlternateContent xmlns:mc="http://schemas.openxmlformats.org/markup-compatibility/2006">
-    <mc:Choice xmlns:p14="http://schemas.microsoft.com/office/powerpoint/2010/main" Requires="p14">
+  <mc:AlternateContent xmlns:mc="http://schemas.openxmlformats.org/markup-compatibility/2006" xmlns:p14="http://schemas.microsoft.com/office/powerpoint/2010/main">
+    <mc:Choice Requires="p14">
       <p:transition spd="slow" p14:dur="1500" advClick="0">
         <p14:ripple dir="rd"/>
       </p:transition>
     </mc:Choice>
-    <mc:Fallback>
+    <mc:Fallback xmlns="">
       <p:transition xmlns:p14="http://schemas.microsoft.com/office/powerpoint/2010/main" spd="slow" advClick="0">
         <p:fade/>
       </p:transition>
@@ -3561,13 +3561,13 @@
   <p:clrMapOvr>
     <a:masterClrMapping/>
   </p:clrMapOvr>
-  <mc:AlternateContent xmlns:mc="http://schemas.openxmlformats.org/markup-compatibility/2006">
-    <mc:Choice xmlns:p14="http://schemas.microsoft.com/office/powerpoint/2010/main" Requires="p14">
+  <mc:AlternateContent xmlns:mc="http://schemas.openxmlformats.org/markup-compatibility/2006" xmlns:p14="http://schemas.microsoft.com/office/powerpoint/2010/main">
+    <mc:Choice Requires="p14">
       <p:transition spd="slow" p14:dur="1400" advClick="0">
         <p14:ripple/>
       </p:transition>
     </mc:Choice>
-    <mc:Fallback>
+    <mc:Fallback xmlns="">
       <p:transition xmlns:p14="http://schemas.microsoft.com/office/powerpoint/2010/main" spd="slow" advClick="0">
         <p:fade/>
       </p:transition>
@@ -3809,11 +3809,11 @@
   <p:clrMapOvr>
     <a:masterClrMapping/>
   </p:clrMapOvr>
-  <mc:AlternateContent xmlns:mc="http://schemas.openxmlformats.org/markup-compatibility/2006">
-    <mc:Choice xmlns:p14="http://schemas.microsoft.com/office/powerpoint/2010/main" Requires="p14">
+  <mc:AlternateContent xmlns:mc="http://schemas.openxmlformats.org/markup-compatibility/2006" xmlns:p14="http://schemas.microsoft.com/office/powerpoint/2010/main">
+    <mc:Choice Requires="p14">
       <p:transition p14:dur="0" advClick="0"/>
     </mc:Choice>
-    <mc:Fallback>
+    <mc:Fallback xmlns="">
       <p:transition xmlns:p14="http://schemas.microsoft.com/office/powerpoint/2010/main" advClick="0"/>
     </mc:Fallback>
   </mc:AlternateContent>
@@ -4053,11 +4053,11 @@
   <p:clrMapOvr>
     <a:masterClrMapping/>
   </p:clrMapOvr>
-  <mc:AlternateContent xmlns:mc="http://schemas.openxmlformats.org/markup-compatibility/2006">
-    <mc:Choice xmlns:p14="http://schemas.microsoft.com/office/powerpoint/2010/main" Requires="p14">
+  <mc:AlternateContent xmlns:mc="http://schemas.openxmlformats.org/markup-compatibility/2006" xmlns:p14="http://schemas.microsoft.com/office/powerpoint/2010/main">
+    <mc:Choice Requires="p14">
       <p:transition p14:dur="0" advClick="0"/>
     </mc:Choice>
-    <mc:Fallback>
+    <mc:Fallback xmlns="">
       <p:transition xmlns:p14="http://schemas.microsoft.com/office/powerpoint/2010/main" advClick="0"/>
     </mc:Fallback>
   </mc:AlternateContent>
@@ -4297,11 +4297,11 @@
   <p:clrMapOvr>
     <a:masterClrMapping/>
   </p:clrMapOvr>
-  <mc:AlternateContent xmlns:mc="http://schemas.openxmlformats.org/markup-compatibility/2006">
-    <mc:Choice xmlns:p14="http://schemas.microsoft.com/office/powerpoint/2010/main" Requires="p14">
+  <mc:AlternateContent xmlns:mc="http://schemas.openxmlformats.org/markup-compatibility/2006" xmlns:p14="http://schemas.microsoft.com/office/powerpoint/2010/main">
+    <mc:Choice Requires="p14">
       <p:transition p14:dur="0" advClick="0"/>
     </mc:Choice>
-    <mc:Fallback>
+    <mc:Fallback xmlns="">
       <p:transition xmlns:p14="http://schemas.microsoft.com/office/powerpoint/2010/main" advClick="0"/>
     </mc:Fallback>
   </mc:AlternateContent>
@@ -4541,11 +4541,11 @@
   <p:clrMapOvr>
     <a:masterClrMapping/>
   </p:clrMapOvr>
-  <mc:AlternateContent xmlns:mc="http://schemas.openxmlformats.org/markup-compatibility/2006">
-    <mc:Choice xmlns:p14="http://schemas.microsoft.com/office/powerpoint/2010/main" Requires="p14">
+  <mc:AlternateContent xmlns:mc="http://schemas.openxmlformats.org/markup-compatibility/2006" xmlns:p14="http://schemas.microsoft.com/office/powerpoint/2010/main">
+    <mc:Choice Requires="p14">
       <p:transition p14:dur="0" advClick="0"/>
     </mc:Choice>
-    <mc:Fallback>
+    <mc:Fallback xmlns="">
       <p:transition xmlns:p14="http://schemas.microsoft.com/office/powerpoint/2010/main" advClick="0"/>
     </mc:Fallback>
   </mc:AlternateContent>
@@ -4785,11 +4785,11 @@
   <p:clrMapOvr>
     <a:masterClrMapping/>
   </p:clrMapOvr>
-  <mc:AlternateContent xmlns:mc="http://schemas.openxmlformats.org/markup-compatibility/2006">
-    <mc:Choice xmlns:p14="http://schemas.microsoft.com/office/powerpoint/2010/main" Requires="p14">
+  <mc:AlternateContent xmlns:mc="http://schemas.openxmlformats.org/markup-compatibility/2006" xmlns:p14="http://schemas.microsoft.com/office/powerpoint/2010/main">
+    <mc:Choice Requires="p14">
       <p:transition p14:dur="0" advClick="0"/>
     </mc:Choice>
-    <mc:Fallback>
+    <mc:Fallback xmlns="">
       <p:transition xmlns:p14="http://schemas.microsoft.com/office/powerpoint/2010/main" advClick="0"/>
     </mc:Fallback>
   </mc:AlternateContent>
@@ -5029,11 +5029,11 @@
   <p:clrMapOvr>
     <a:masterClrMapping/>
   </p:clrMapOvr>
-  <mc:AlternateContent xmlns:mc="http://schemas.openxmlformats.org/markup-compatibility/2006">
-    <mc:Choice xmlns:p14="http://schemas.microsoft.com/office/powerpoint/2010/main" Requires="p14">
+  <mc:AlternateContent xmlns:mc="http://schemas.openxmlformats.org/markup-compatibility/2006" xmlns:p14="http://schemas.microsoft.com/office/powerpoint/2010/main">
+    <mc:Choice Requires="p14">
       <p:transition p14:dur="0" advClick="0"/>
     </mc:Choice>
-    <mc:Fallback>
+    <mc:Fallback xmlns="">
       <p:transition xmlns:p14="http://schemas.microsoft.com/office/powerpoint/2010/main" advClick="0"/>
     </mc:Fallback>
   </mc:AlternateContent>
@@ -5273,11 +5273,11 @@
   <p:clrMapOvr>
     <a:masterClrMapping/>
   </p:clrMapOvr>
-  <mc:AlternateContent xmlns:mc="http://schemas.openxmlformats.org/markup-compatibility/2006">
-    <mc:Choice xmlns:p14="http://schemas.microsoft.com/office/powerpoint/2010/main" Requires="p14">
+  <mc:AlternateContent xmlns:mc="http://schemas.openxmlformats.org/markup-compatibility/2006" xmlns:p14="http://schemas.microsoft.com/office/powerpoint/2010/main">
+    <mc:Choice Requires="p14">
       <p:transition p14:dur="0" advClick="0"/>
     </mc:Choice>
-    <mc:Fallback>
+    <mc:Fallback xmlns="">
       <p:transition xmlns:p14="http://schemas.microsoft.com/office/powerpoint/2010/main" advClick="0"/>
     </mc:Fallback>
   </mc:AlternateContent>
@@ -5517,11 +5517,11 @@
   <p:clrMapOvr>
     <a:masterClrMapping/>
   </p:clrMapOvr>
-  <mc:AlternateContent xmlns:mc="http://schemas.openxmlformats.org/markup-compatibility/2006">
-    <mc:Choice xmlns:p14="http://schemas.microsoft.com/office/powerpoint/2010/main" Requires="p14">
+  <mc:AlternateContent xmlns:mc="http://schemas.openxmlformats.org/markup-compatibility/2006" xmlns:p14="http://schemas.microsoft.com/office/powerpoint/2010/main">
+    <mc:Choice Requires="p14">
       <p:transition p14:dur="0" advClick="0"/>
     </mc:Choice>
-    <mc:Fallback>
+    <mc:Fallback xmlns="">
       <p:transition xmlns:p14="http://schemas.microsoft.com/office/powerpoint/2010/main" advClick="0"/>
     </mc:Fallback>
   </mc:AlternateContent>
@@ -5761,11 +5761,11 @@
   <p:clrMapOvr>
     <a:masterClrMapping/>
   </p:clrMapOvr>
-  <mc:AlternateContent xmlns:mc="http://schemas.openxmlformats.org/markup-compatibility/2006">
-    <mc:Choice xmlns:p14="http://schemas.microsoft.com/office/powerpoint/2010/main" Requires="p14">
+  <mc:AlternateContent xmlns:mc="http://schemas.openxmlformats.org/markup-compatibility/2006" xmlns:p14="http://schemas.microsoft.com/office/powerpoint/2010/main">
+    <mc:Choice Requires="p14">
       <p:transition p14:dur="0" advClick="0"/>
     </mc:Choice>
-    <mc:Fallback>
+    <mc:Fallback xmlns="">
       <p:transition xmlns:p14="http://schemas.microsoft.com/office/powerpoint/2010/main" advClick="0"/>
     </mc:Fallback>
   </mc:AlternateContent>
@@ -6005,11 +6005,11 @@
   <p:clrMapOvr>
     <a:masterClrMapping/>
   </p:clrMapOvr>
-  <mc:AlternateContent xmlns:mc="http://schemas.openxmlformats.org/markup-compatibility/2006">
-    <mc:Choice xmlns:p14="http://schemas.microsoft.com/office/powerpoint/2010/main" Requires="p14">
+  <mc:AlternateContent xmlns:mc="http://schemas.openxmlformats.org/markup-compatibility/2006" xmlns:p14="http://schemas.microsoft.com/office/powerpoint/2010/main">
+    <mc:Choice Requires="p14">
       <p:transition p14:dur="0" advClick="0"/>
     </mc:Choice>
-    <mc:Fallback>
+    <mc:Fallback xmlns="">
       <p:transition xmlns:p14="http://schemas.microsoft.com/office/powerpoint/2010/main" advClick="0"/>
     </mc:Fallback>
   </mc:AlternateContent>
@@ -6272,7 +6272,6 @@
               <a:rPr lang="es-ES" sz="2100" dirty="0" smtClean="0"/>
               <a:t>La</a:t>
             </a:r>
-            <a:endParaRPr lang="es-ES" sz="2100" dirty="0" smtClean="0"/>
           </a:p>
           <a:p>
             <a:pPr marL="742950" lvl="1" indent="-285750">
@@ -6298,13 +6297,8 @@
             </a:pPr>
             <a:r>
               <a:rPr lang="es-ES" sz="2100" dirty="0" smtClean="0"/>
-              <a:t>Metodología de </a:t>
-            </a:r>
-            <a:r>
-              <a:rPr lang="es-ES" sz="2100" dirty="0" smtClean="0"/>
-              <a:t>trabajo</a:t>
-            </a:r>
-            <a:endParaRPr lang="es-ES" sz="2100" dirty="0" smtClean="0"/>
+              <a:t>Metodología de trabajo</a:t>
+            </a:r>
           </a:p>
           <a:p>
             <a:pPr marL="742950" lvl="1" indent="-285750">
@@ -6340,7 +6334,6 @@
               <a:rPr lang="es-ES" sz="2100" dirty="0" smtClean="0"/>
               <a:t>Resultados</a:t>
             </a:r>
-            <a:endParaRPr lang="es-ES" sz="2100" dirty="0" smtClean="0"/>
           </a:p>
           <a:p>
             <a:pPr marL="742950" lvl="1" indent="-285750">
@@ -6366,13 +6359,8 @@
             </a:pPr>
             <a:r>
               <a:rPr lang="es-ES" sz="2100" dirty="0" smtClean="0"/>
-              <a:t>Conclusiones y </a:t>
-            </a:r>
-            <a:r>
-              <a:rPr lang="es-ES" sz="2100" dirty="0" smtClean="0"/>
-              <a:t>recomendaciones</a:t>
-            </a:r>
-            <a:endParaRPr lang="es-ES" sz="2100" dirty="0" smtClean="0"/>
+              <a:t>Conclusiones y recomendaciones</a:t>
+            </a:r>
           </a:p>
           <a:p>
             <a:pPr marL="742950" lvl="1" indent="-285750">
@@ -6398,11 +6386,11 @@
   <p:clrMapOvr>
     <a:masterClrMapping/>
   </p:clrMapOvr>
-  <mc:AlternateContent xmlns:mc="http://schemas.openxmlformats.org/markup-compatibility/2006">
-    <mc:Choice xmlns:p14="http://schemas.microsoft.com/office/powerpoint/2010/main" Requires="p14">
+  <mc:AlternateContent xmlns:mc="http://schemas.openxmlformats.org/markup-compatibility/2006" xmlns:p14="http://schemas.microsoft.com/office/powerpoint/2010/main">
+    <mc:Choice Requires="p14">
       <p:transition p14:dur="0" advClick="0"/>
     </mc:Choice>
-    <mc:Fallback>
+    <mc:Fallback xmlns="">
       <p:transition xmlns:p14="http://schemas.microsoft.com/office/powerpoint/2010/main" advClick="0"/>
     </mc:Fallback>
   </mc:AlternateContent>
@@ -6642,11 +6630,11 @@
   <p:clrMapOvr>
     <a:masterClrMapping/>
   </p:clrMapOvr>
-  <mc:AlternateContent xmlns:mc="http://schemas.openxmlformats.org/markup-compatibility/2006">
-    <mc:Choice xmlns:p14="http://schemas.microsoft.com/office/powerpoint/2010/main" Requires="p14">
+  <mc:AlternateContent xmlns:mc="http://schemas.openxmlformats.org/markup-compatibility/2006" xmlns:p14="http://schemas.microsoft.com/office/powerpoint/2010/main">
+    <mc:Choice Requires="p14">
       <p:transition p14:dur="0" advClick="0"/>
     </mc:Choice>
-    <mc:Fallback>
+    <mc:Fallback xmlns="">
       <p:transition xmlns:p14="http://schemas.microsoft.com/office/powerpoint/2010/main" advClick="0"/>
     </mc:Fallback>
   </mc:AlternateContent>
@@ -6886,11 +6874,11 @@
   <p:clrMapOvr>
     <a:masterClrMapping/>
   </p:clrMapOvr>
-  <mc:AlternateContent xmlns:mc="http://schemas.openxmlformats.org/markup-compatibility/2006">
-    <mc:Choice xmlns:p14="http://schemas.microsoft.com/office/powerpoint/2010/main" Requires="p14">
+  <mc:AlternateContent xmlns:mc="http://schemas.openxmlformats.org/markup-compatibility/2006" xmlns:p14="http://schemas.microsoft.com/office/powerpoint/2010/main">
+    <mc:Choice Requires="p14">
       <p:transition p14:dur="0" advClick="0"/>
     </mc:Choice>
-    <mc:Fallback>
+    <mc:Fallback xmlns="">
       <p:transition xmlns:p14="http://schemas.microsoft.com/office/powerpoint/2010/main" advClick="0"/>
     </mc:Fallback>
   </mc:AlternateContent>
@@ -7130,11 +7118,11 @@
   <p:clrMapOvr>
     <a:masterClrMapping/>
   </p:clrMapOvr>
-  <mc:AlternateContent xmlns:mc="http://schemas.openxmlformats.org/markup-compatibility/2006">
-    <mc:Choice xmlns:p14="http://schemas.microsoft.com/office/powerpoint/2010/main" Requires="p14">
+  <mc:AlternateContent xmlns:mc="http://schemas.openxmlformats.org/markup-compatibility/2006" xmlns:p14="http://schemas.microsoft.com/office/powerpoint/2010/main">
+    <mc:Choice Requires="p14">
       <p:transition p14:dur="0" advClick="0"/>
     </mc:Choice>
-    <mc:Fallback>
+    <mc:Fallback xmlns="">
       <p:transition xmlns:p14="http://schemas.microsoft.com/office/powerpoint/2010/main" advClick="0"/>
     </mc:Fallback>
   </mc:AlternateContent>
@@ -7374,11 +7362,11 @@
   <p:clrMapOvr>
     <a:masterClrMapping/>
   </p:clrMapOvr>
-  <mc:AlternateContent xmlns:mc="http://schemas.openxmlformats.org/markup-compatibility/2006">
-    <mc:Choice xmlns:p14="http://schemas.microsoft.com/office/powerpoint/2010/main" Requires="p14">
+  <mc:AlternateContent xmlns:mc="http://schemas.openxmlformats.org/markup-compatibility/2006" xmlns:p14="http://schemas.microsoft.com/office/powerpoint/2010/main">
+    <mc:Choice Requires="p14">
       <p:transition p14:dur="0" advClick="0"/>
     </mc:Choice>
-    <mc:Fallback>
+    <mc:Fallback xmlns="">
       <p:transition xmlns:p14="http://schemas.microsoft.com/office/powerpoint/2010/main" advClick="0"/>
     </mc:Fallback>
   </mc:AlternateContent>
@@ -7618,11 +7606,11 @@
   <p:clrMapOvr>
     <a:masterClrMapping/>
   </p:clrMapOvr>
-  <mc:AlternateContent xmlns:mc="http://schemas.openxmlformats.org/markup-compatibility/2006">
-    <mc:Choice xmlns:p14="http://schemas.microsoft.com/office/powerpoint/2010/main" Requires="p14">
+  <mc:AlternateContent xmlns:mc="http://schemas.openxmlformats.org/markup-compatibility/2006" xmlns:p14="http://schemas.microsoft.com/office/powerpoint/2010/main">
+    <mc:Choice Requires="p14">
       <p:transition p14:dur="0" advClick="0"/>
     </mc:Choice>
-    <mc:Fallback>
+    <mc:Fallback xmlns="">
       <p:transition xmlns:p14="http://schemas.microsoft.com/office/powerpoint/2010/main" advClick="0"/>
     </mc:Fallback>
   </mc:AlternateContent>
@@ -7862,11 +7850,11 @@
   <p:clrMapOvr>
     <a:masterClrMapping/>
   </p:clrMapOvr>
-  <mc:AlternateContent xmlns:mc="http://schemas.openxmlformats.org/markup-compatibility/2006">
-    <mc:Choice xmlns:p14="http://schemas.microsoft.com/office/powerpoint/2010/main" Requires="p14">
+  <mc:AlternateContent xmlns:mc="http://schemas.openxmlformats.org/markup-compatibility/2006" xmlns:p14="http://schemas.microsoft.com/office/powerpoint/2010/main">
+    <mc:Choice Requires="p14">
       <p:transition p14:dur="0" advClick="0"/>
     </mc:Choice>
-    <mc:Fallback>
+    <mc:Fallback xmlns="">
       <p:transition xmlns:p14="http://schemas.microsoft.com/office/powerpoint/2010/main" advClick="0"/>
     </mc:Fallback>
   </mc:AlternateContent>
@@ -8106,11 +8094,11 @@
   <p:clrMapOvr>
     <a:masterClrMapping/>
   </p:clrMapOvr>
-  <mc:AlternateContent xmlns:mc="http://schemas.openxmlformats.org/markup-compatibility/2006">
-    <mc:Choice xmlns:p14="http://schemas.microsoft.com/office/powerpoint/2010/main" Requires="p14">
+  <mc:AlternateContent xmlns:mc="http://schemas.openxmlformats.org/markup-compatibility/2006" xmlns:p14="http://schemas.microsoft.com/office/powerpoint/2010/main">
+    <mc:Choice Requires="p14">
       <p:transition p14:dur="0" advClick="0"/>
     </mc:Choice>
-    <mc:Fallback>
+    <mc:Fallback xmlns="">
       <p:transition xmlns:p14="http://schemas.microsoft.com/office/powerpoint/2010/main" advClick="0"/>
     </mc:Fallback>
   </mc:AlternateContent>
@@ -8350,11 +8338,11 @@
   <p:clrMapOvr>
     <a:masterClrMapping/>
   </p:clrMapOvr>
-  <mc:AlternateContent xmlns:mc="http://schemas.openxmlformats.org/markup-compatibility/2006">
-    <mc:Choice xmlns:p14="http://schemas.microsoft.com/office/powerpoint/2010/main" Requires="p14">
+  <mc:AlternateContent xmlns:mc="http://schemas.openxmlformats.org/markup-compatibility/2006" xmlns:p14="http://schemas.microsoft.com/office/powerpoint/2010/main">
+    <mc:Choice Requires="p14">
       <p:transition p14:dur="0" advClick="0"/>
     </mc:Choice>
-    <mc:Fallback>
+    <mc:Fallback xmlns="">
       <p:transition xmlns:p14="http://schemas.microsoft.com/office/powerpoint/2010/main" advClick="0"/>
     </mc:Fallback>
   </mc:AlternateContent>
@@ -8594,11 +8582,11 @@
   <p:clrMapOvr>
     <a:masterClrMapping/>
   </p:clrMapOvr>
-  <mc:AlternateContent xmlns:mc="http://schemas.openxmlformats.org/markup-compatibility/2006">
-    <mc:Choice xmlns:p14="http://schemas.microsoft.com/office/powerpoint/2010/main" Requires="p14">
+  <mc:AlternateContent xmlns:mc="http://schemas.openxmlformats.org/markup-compatibility/2006" xmlns:p14="http://schemas.microsoft.com/office/powerpoint/2010/main">
+    <mc:Choice Requires="p14">
       <p:transition p14:dur="0" advClick="0"/>
     </mc:Choice>
-    <mc:Fallback>
+    <mc:Fallback xmlns="">
       <p:transition xmlns:p14="http://schemas.microsoft.com/office/powerpoint/2010/main" advClick="0"/>
     </mc:Fallback>
   </mc:AlternateContent>
@@ -8838,11 +8826,11 @@
   <p:clrMapOvr>
     <a:masterClrMapping/>
   </p:clrMapOvr>
-  <mc:AlternateContent xmlns:mc="http://schemas.openxmlformats.org/markup-compatibility/2006">
-    <mc:Choice xmlns:p14="http://schemas.microsoft.com/office/powerpoint/2010/main" Requires="p14">
+  <mc:AlternateContent xmlns:mc="http://schemas.openxmlformats.org/markup-compatibility/2006" xmlns:p14="http://schemas.microsoft.com/office/powerpoint/2010/main">
+    <mc:Choice Requires="p14">
       <p:transition p14:dur="0" advClick="0"/>
     </mc:Choice>
-    <mc:Fallback>
+    <mc:Fallback xmlns="">
       <p:transition xmlns:p14="http://schemas.microsoft.com/office/powerpoint/2010/main" advClick="0"/>
     </mc:Fallback>
   </mc:AlternateContent>
@@ -9082,11 +9070,11 @@
   <p:clrMapOvr>
     <a:masterClrMapping/>
   </p:clrMapOvr>
-  <mc:AlternateContent xmlns:mc="http://schemas.openxmlformats.org/markup-compatibility/2006">
-    <mc:Choice xmlns:p14="http://schemas.microsoft.com/office/powerpoint/2010/main" Requires="p14">
+  <mc:AlternateContent xmlns:mc="http://schemas.openxmlformats.org/markup-compatibility/2006" xmlns:p14="http://schemas.microsoft.com/office/powerpoint/2010/main">
+    <mc:Choice Requires="p14">
       <p:transition p14:dur="0" advClick="0"/>
     </mc:Choice>
-    <mc:Fallback>
+    <mc:Fallback xmlns="">
       <p:transition xmlns:p14="http://schemas.microsoft.com/office/powerpoint/2010/main" advClick="0"/>
     </mc:Fallback>
   </mc:AlternateContent>
@@ -9326,11 +9314,11 @@
   <p:clrMapOvr>
     <a:masterClrMapping/>
   </p:clrMapOvr>
-  <mc:AlternateContent xmlns:mc="http://schemas.openxmlformats.org/markup-compatibility/2006">
-    <mc:Choice xmlns:p14="http://schemas.microsoft.com/office/powerpoint/2010/main" Requires="p14">
+  <mc:AlternateContent xmlns:mc="http://schemas.openxmlformats.org/markup-compatibility/2006" xmlns:p14="http://schemas.microsoft.com/office/powerpoint/2010/main">
+    <mc:Choice Requires="p14">
       <p:transition p14:dur="0" advClick="0"/>
     </mc:Choice>
-    <mc:Fallback>
+    <mc:Fallback xmlns="">
       <p:transition xmlns:p14="http://schemas.microsoft.com/office/powerpoint/2010/main" advClick="0"/>
     </mc:Fallback>
   </mc:AlternateContent>
@@ -9570,11 +9558,11 @@
   <p:clrMapOvr>
     <a:masterClrMapping/>
   </p:clrMapOvr>
-  <mc:AlternateContent xmlns:mc="http://schemas.openxmlformats.org/markup-compatibility/2006">
-    <mc:Choice xmlns:p14="http://schemas.microsoft.com/office/powerpoint/2010/main" Requires="p14">
+  <mc:AlternateContent xmlns:mc="http://schemas.openxmlformats.org/markup-compatibility/2006" xmlns:p14="http://schemas.microsoft.com/office/powerpoint/2010/main">
+    <mc:Choice Requires="p14">
       <p:transition p14:dur="0" advClick="0"/>
     </mc:Choice>
-    <mc:Fallback>
+    <mc:Fallback xmlns="">
       <p:transition xmlns:p14="http://schemas.microsoft.com/office/powerpoint/2010/main" advClick="0"/>
     </mc:Fallback>
   </mc:AlternateContent>
@@ -9814,11 +9802,11 @@
   <p:clrMapOvr>
     <a:masterClrMapping/>
   </p:clrMapOvr>
-  <mc:AlternateContent xmlns:mc="http://schemas.openxmlformats.org/markup-compatibility/2006">
-    <mc:Choice xmlns:p14="http://schemas.microsoft.com/office/powerpoint/2010/main" Requires="p14">
+  <mc:AlternateContent xmlns:mc="http://schemas.openxmlformats.org/markup-compatibility/2006" xmlns:p14="http://schemas.microsoft.com/office/powerpoint/2010/main">
+    <mc:Choice Requires="p14">
       <p:transition p14:dur="0" advClick="0"/>
     </mc:Choice>
-    <mc:Fallback>
+    <mc:Fallback xmlns="">
       <p:transition xmlns:p14="http://schemas.microsoft.com/office/powerpoint/2010/main" advClick="0"/>
     </mc:Fallback>
   </mc:AlternateContent>
@@ -10058,11 +10046,11 @@
   <p:clrMapOvr>
     <a:masterClrMapping/>
   </p:clrMapOvr>
-  <mc:AlternateContent xmlns:mc="http://schemas.openxmlformats.org/markup-compatibility/2006">
-    <mc:Choice xmlns:p14="http://schemas.microsoft.com/office/powerpoint/2010/main" Requires="p14">
+  <mc:AlternateContent xmlns:mc="http://schemas.openxmlformats.org/markup-compatibility/2006" xmlns:p14="http://schemas.microsoft.com/office/powerpoint/2010/main">
+    <mc:Choice Requires="p14">
       <p:transition p14:dur="0" advClick="0"/>
     </mc:Choice>
-    <mc:Fallback>
+    <mc:Fallback xmlns="">
       <p:transition xmlns:p14="http://schemas.microsoft.com/office/powerpoint/2010/main" advClick="0"/>
     </mc:Fallback>
   </mc:AlternateContent>
@@ -10302,11 +10290,11 @@
   <p:clrMapOvr>
     <a:masterClrMapping/>
   </p:clrMapOvr>
-  <mc:AlternateContent xmlns:mc="http://schemas.openxmlformats.org/markup-compatibility/2006">
-    <mc:Choice xmlns:p14="http://schemas.microsoft.com/office/powerpoint/2010/main" Requires="p14">
+  <mc:AlternateContent xmlns:mc="http://schemas.openxmlformats.org/markup-compatibility/2006" xmlns:p14="http://schemas.microsoft.com/office/powerpoint/2010/main">
+    <mc:Choice Requires="p14">
       <p:transition p14:dur="0" advClick="0"/>
     </mc:Choice>
-    <mc:Fallback>
+    <mc:Fallback xmlns="">
       <p:transition xmlns:p14="http://schemas.microsoft.com/office/powerpoint/2010/main" advClick="0"/>
     </mc:Fallback>
   </mc:AlternateContent>
@@ -10546,11 +10534,11 @@
   <p:clrMapOvr>
     <a:masterClrMapping/>
   </p:clrMapOvr>
-  <mc:AlternateContent xmlns:mc="http://schemas.openxmlformats.org/markup-compatibility/2006">
-    <mc:Choice xmlns:p14="http://schemas.microsoft.com/office/powerpoint/2010/main" Requires="p14">
+  <mc:AlternateContent xmlns:mc="http://schemas.openxmlformats.org/markup-compatibility/2006" xmlns:p14="http://schemas.microsoft.com/office/powerpoint/2010/main">
+    <mc:Choice Requires="p14">
       <p:transition p14:dur="0" advClick="0"/>
     </mc:Choice>
-    <mc:Fallback>
+    <mc:Fallback xmlns="">
       <p:transition xmlns:p14="http://schemas.microsoft.com/office/powerpoint/2010/main" advClick="0"/>
     </mc:Fallback>
   </mc:AlternateContent>
@@ -10790,11 +10778,11 @@
   <p:clrMapOvr>
     <a:masterClrMapping/>
   </p:clrMapOvr>
-  <mc:AlternateContent xmlns:mc="http://schemas.openxmlformats.org/markup-compatibility/2006">
-    <mc:Choice xmlns:p14="http://schemas.microsoft.com/office/powerpoint/2010/main" Requires="p14">
+  <mc:AlternateContent xmlns:mc="http://schemas.openxmlformats.org/markup-compatibility/2006" xmlns:p14="http://schemas.microsoft.com/office/powerpoint/2010/main">
+    <mc:Choice Requires="p14">
       <p:transition p14:dur="0" advClick="0"/>
     </mc:Choice>
-    <mc:Fallback>
+    <mc:Fallback xmlns="">
       <p:transition xmlns:p14="http://schemas.microsoft.com/office/powerpoint/2010/main" advClick="0"/>
     </mc:Fallback>
   </mc:AlternateContent>
@@ -11034,11 +11022,11 @@
   <p:clrMapOvr>
     <a:masterClrMapping/>
   </p:clrMapOvr>
-  <mc:AlternateContent xmlns:mc="http://schemas.openxmlformats.org/markup-compatibility/2006">
-    <mc:Choice xmlns:p14="http://schemas.microsoft.com/office/powerpoint/2010/main" Requires="p14">
+  <mc:AlternateContent xmlns:mc="http://schemas.openxmlformats.org/markup-compatibility/2006" xmlns:p14="http://schemas.microsoft.com/office/powerpoint/2010/main">
+    <mc:Choice Requires="p14">
       <p:transition p14:dur="0" advClick="0"/>
     </mc:Choice>
-    <mc:Fallback>
+    <mc:Fallback xmlns="">
       <p:transition xmlns:p14="http://schemas.microsoft.com/office/powerpoint/2010/main" advClick="0"/>
     </mc:Fallback>
   </mc:AlternateContent>
@@ -11278,11 +11266,11 @@
   <p:clrMapOvr>
     <a:masterClrMapping/>
   </p:clrMapOvr>
-  <mc:AlternateContent xmlns:mc="http://schemas.openxmlformats.org/markup-compatibility/2006">
-    <mc:Choice xmlns:p14="http://schemas.microsoft.com/office/powerpoint/2010/main" Requires="p14">
+  <mc:AlternateContent xmlns:mc="http://schemas.openxmlformats.org/markup-compatibility/2006" xmlns:p14="http://schemas.microsoft.com/office/powerpoint/2010/main">
+    <mc:Choice Requires="p14">
       <p:transition p14:dur="0" advClick="0"/>
     </mc:Choice>
-    <mc:Fallback>
+    <mc:Fallback xmlns="">
       <p:transition xmlns:p14="http://schemas.microsoft.com/office/powerpoint/2010/main" advClick="0"/>
     </mc:Fallback>
   </mc:AlternateContent>
@@ -11552,11 +11540,11 @@
   <p:clrMapOvr>
     <a:masterClrMapping/>
   </p:clrMapOvr>
-  <mc:AlternateContent xmlns:mc="http://schemas.openxmlformats.org/markup-compatibility/2006">
-    <mc:Choice xmlns:p14="http://schemas.microsoft.com/office/powerpoint/2010/main" Requires="p14">
+  <mc:AlternateContent xmlns:mc="http://schemas.openxmlformats.org/markup-compatibility/2006" xmlns:p14="http://schemas.microsoft.com/office/powerpoint/2010/main">
+    <mc:Choice Requires="p14">
       <p:transition p14:dur="0" advClick="0"/>
     </mc:Choice>
-    <mc:Fallback>
+    <mc:Fallback xmlns="">
       <p:transition xmlns:p14="http://schemas.microsoft.com/office/powerpoint/2010/main" advClick="0"/>
     </mc:Fallback>
   </mc:AlternateContent>
@@ -11864,11 +11852,11 @@
   <p:clrMapOvr>
     <a:masterClrMapping/>
   </p:clrMapOvr>
-  <mc:AlternateContent xmlns:mc="http://schemas.openxmlformats.org/markup-compatibility/2006">
-    <mc:Choice xmlns:p14="http://schemas.microsoft.com/office/powerpoint/2010/main" Requires="p14">
+  <mc:AlternateContent xmlns:mc="http://schemas.openxmlformats.org/markup-compatibility/2006" xmlns:p14="http://schemas.microsoft.com/office/powerpoint/2010/main">
+    <mc:Choice Requires="p14">
       <p:transition p14:dur="0" advClick="0"/>
     </mc:Choice>
-    <mc:Fallback>
+    <mc:Fallback xmlns="">
       <p:transition xmlns:p14="http://schemas.microsoft.com/office/powerpoint/2010/main" advClick="0"/>
     </mc:Fallback>
   </mc:AlternateContent>
@@ -12123,11 +12111,7 @@
             <a:pPr algn="ctr"/>
             <a:r>
               <a:rPr lang="es-ES" sz="2800" dirty="0" smtClean="0"/>
-              <a:t>¡ GRACIAS POR SU ATENCI</a:t>
-            </a:r>
-            <a:r>
-              <a:rPr lang="es-ES" sz="2800" dirty="0" smtClean="0"/>
-              <a:t>ÓN !</a:t>
+              <a:t>¡ GRACIAS POR SU ATENCIÓN !</a:t>
             </a:r>
             <a:endParaRPr lang="es-ES" sz="2800" dirty="0"/>
           </a:p>
@@ -12143,13 +12127,13 @@
   <p:clrMapOvr>
     <a:masterClrMapping/>
   </p:clrMapOvr>
-  <mc:AlternateContent xmlns:mc="http://schemas.openxmlformats.org/markup-compatibility/2006">
-    <mc:Choice xmlns:p14="http://schemas.microsoft.com/office/powerpoint/2010/main" Requires="p14">
+  <mc:AlternateContent xmlns:mc="http://schemas.openxmlformats.org/markup-compatibility/2006" xmlns:p14="http://schemas.microsoft.com/office/powerpoint/2010/main">
+    <mc:Choice Requires="p14">
       <p:transition spd="slow" p14:dur="1400" advClick="0">
         <p14:ripple/>
       </p:transition>
     </mc:Choice>
-    <mc:Fallback>
+    <mc:Fallback xmlns="">
       <p:transition xmlns:p14="http://schemas.microsoft.com/office/powerpoint/2010/main" spd="slow" advClick="0">
         <p:fade/>
       </p:transition>
@@ -12381,6 +12365,137 @@
           </a:p>
         </p:txBody>
       </p:sp>
+      <p:sp>
+        <p:nvSpPr>
+          <p:cNvPr id="7" name="CuadroTexto 6"/>
+          <p:cNvSpPr txBox="1"/>
+          <p:nvPr/>
+        </p:nvSpPr>
+        <p:spPr>
+          <a:xfrm>
+            <a:off x="558213" y="1035741"/>
+            <a:ext cx="4079562" cy="584776"/>
+          </a:xfrm>
+          <a:prstGeom prst="rect">
+            <a:avLst/>
+          </a:prstGeom>
+          <a:noFill/>
+        </p:spPr>
+        <p:txBody>
+          <a:bodyPr wrap="none" rtlCol="0">
+            <a:spAutoFit/>
+          </a:bodyPr>
+          <a:lstStyle/>
+          <a:p>
+            <a:r>
+              <a:rPr lang="es-ES" sz="3200" b="1" dirty="0" smtClean="0"/>
+              <a:t>OBJETIVO </a:t>
+            </a:r>
+            <a:r>
+              <a:rPr lang="es-ES" sz="3200" b="1" dirty="0" smtClean="0"/>
+              <a:t>ESPEC</a:t>
+            </a:r>
+            <a:r>
+              <a:rPr lang="es-ES" sz="3200" b="1" dirty="0" smtClean="0"/>
+              <a:t>Í</a:t>
+            </a:r>
+            <a:r>
+              <a:rPr lang="es-ES" sz="3200" b="1" dirty="0" smtClean="0"/>
+              <a:t>FICOS</a:t>
+            </a:r>
+            <a:endParaRPr lang="es-ES" sz="3200" b="1" dirty="0"/>
+          </a:p>
+        </p:txBody>
+      </p:sp>
+      <p:sp>
+        <p:nvSpPr>
+          <p:cNvPr id="8" name="Rectángulo 7"/>
+          <p:cNvSpPr/>
+          <p:nvPr/>
+        </p:nvSpPr>
+        <p:spPr>
+          <a:xfrm>
+            <a:off x="788307" y="1941698"/>
+            <a:ext cx="7488920" cy="3785652"/>
+          </a:xfrm>
+          <a:prstGeom prst="rect">
+            <a:avLst/>
+          </a:prstGeom>
+        </p:spPr>
+        <p:txBody>
+          <a:bodyPr wrap="square">
+            <a:spAutoFit/>
+          </a:bodyPr>
+          <a:lstStyle/>
+          <a:p>
+            <a:pPr marL="342900" lvl="0" indent="-342900">
+              <a:buFont typeface="+mj-lt"/>
+              <a:buAutoNum type="arabicPeriod"/>
+            </a:pPr>
+            <a:r>
+              <a:rPr lang="es-VE" sz="2000" dirty="0"/>
+              <a:t>Diseñar e implementar un buscador para seleccionar el lugar que se desea encontrar</a:t>
+            </a:r>
+            <a:r>
+              <a:rPr lang="es-VE" sz="2000" dirty="0" smtClean="0"/>
+              <a:t>.</a:t>
+            </a:r>
+          </a:p>
+          <a:p>
+            <a:pPr lvl="0"/>
+            <a:endParaRPr lang="es-ES" sz="2000" dirty="0"/>
+          </a:p>
+          <a:p>
+            <a:pPr marL="342900" indent="-342900">
+              <a:buFont typeface="+mj-lt"/>
+              <a:buAutoNum type="arabicPeriod"/>
+            </a:pPr>
+            <a:r>
+              <a:rPr lang="es-VE" sz="2000" dirty="0"/>
+              <a:t>Diseñar e implementar un módulo para la geolocalización a través de Realidad Aumentada</a:t>
+            </a:r>
+            <a:r>
+              <a:rPr lang="es-VE" sz="2000" dirty="0" smtClean="0"/>
+              <a:t>.</a:t>
+            </a:r>
+          </a:p>
+          <a:p>
+            <a:endParaRPr lang="es-ES_tradnl" sz="2000" dirty="0"/>
+          </a:p>
+          <a:p>
+            <a:pPr marL="342900" indent="-342900">
+              <a:buFont typeface="+mj-lt"/>
+              <a:buAutoNum type="arabicPeriod"/>
+            </a:pPr>
+            <a:r>
+              <a:rPr lang="es-VE" sz="2000" dirty="0"/>
+              <a:t>Determinar, seleccionar y analizar puntos clave para facilitar la ubicación rápida del usuario haciendo uso de NFC o Realidad Aumentada</a:t>
+            </a:r>
+            <a:r>
+              <a:rPr lang="es-VE" sz="2000" dirty="0" smtClean="0"/>
+              <a:t>.</a:t>
+            </a:r>
+          </a:p>
+          <a:p>
+            <a:endParaRPr lang="es-ES_tradnl" sz="2000" dirty="0"/>
+          </a:p>
+          <a:p>
+            <a:pPr marL="342900" indent="-342900">
+              <a:buFont typeface="+mj-lt"/>
+              <a:buAutoNum type="arabicPeriod"/>
+            </a:pPr>
+            <a:r>
+              <a:rPr lang="es-VE" sz="2000" dirty="0"/>
+              <a:t>Diseñar e implementar un módulo que suministre información de interés combinando NFC y Realidad Aumentada</a:t>
+            </a:r>
+            <a:r>
+              <a:rPr lang="es-VE" sz="2000" dirty="0" smtClean="0"/>
+              <a:t>.</a:t>
+            </a:r>
+            <a:endParaRPr lang="es-ES_tradnl" sz="2000" dirty="0"/>
+          </a:p>
+        </p:txBody>
+      </p:sp>
     </p:spTree>
     <p:extLst>
       <p:ext uri="{BB962C8B-B14F-4D97-AF65-F5344CB8AC3E}">
@@ -12391,11 +12506,11 @@
   <p:clrMapOvr>
     <a:masterClrMapping/>
   </p:clrMapOvr>
-  <mc:AlternateContent xmlns:mc="http://schemas.openxmlformats.org/markup-compatibility/2006">
-    <mc:Choice xmlns:p14="http://schemas.microsoft.com/office/powerpoint/2010/main" Requires="p14">
+  <mc:AlternateContent xmlns:mc="http://schemas.openxmlformats.org/markup-compatibility/2006" xmlns:p14="http://schemas.microsoft.com/office/powerpoint/2010/main">
+    <mc:Choice Requires="p14">
       <p:transition p14:dur="0" advClick="0"/>
     </mc:Choice>
-    <mc:Fallback>
+    <mc:Fallback xmlns="">
       <p:transition xmlns:p14="http://schemas.microsoft.com/office/powerpoint/2010/main" advClick="0"/>
     </mc:Fallback>
   </mc:AlternateContent>
@@ -12625,6 +12740,133 @@
           </a:p>
         </p:txBody>
       </p:sp>
+      <p:sp>
+        <p:nvSpPr>
+          <p:cNvPr id="7" name="CuadroTexto 6"/>
+          <p:cNvSpPr txBox="1"/>
+          <p:nvPr/>
+        </p:nvSpPr>
+        <p:spPr>
+          <a:xfrm>
+            <a:off x="558213" y="1035741"/>
+            <a:ext cx="4079562" cy="584776"/>
+          </a:xfrm>
+          <a:prstGeom prst="rect">
+            <a:avLst/>
+          </a:prstGeom>
+          <a:noFill/>
+        </p:spPr>
+        <p:txBody>
+          <a:bodyPr wrap="none" rtlCol="0">
+            <a:spAutoFit/>
+          </a:bodyPr>
+          <a:lstStyle/>
+          <a:p>
+            <a:r>
+              <a:rPr lang="es-ES" sz="3200" b="1" dirty="0" smtClean="0"/>
+              <a:t>OBJETIVO </a:t>
+            </a:r>
+            <a:r>
+              <a:rPr lang="es-ES" sz="3200" b="1" dirty="0" smtClean="0"/>
+              <a:t>ESPEC</a:t>
+            </a:r>
+            <a:r>
+              <a:rPr lang="es-ES" sz="3200" b="1" dirty="0" smtClean="0"/>
+              <a:t>Í</a:t>
+            </a:r>
+            <a:r>
+              <a:rPr lang="es-ES" sz="3200" b="1" dirty="0" smtClean="0"/>
+              <a:t>FICOS</a:t>
+            </a:r>
+            <a:endParaRPr lang="es-ES" sz="3200" b="1" dirty="0"/>
+          </a:p>
+        </p:txBody>
+      </p:sp>
+      <p:sp>
+        <p:nvSpPr>
+          <p:cNvPr id="8" name="Rectángulo 7"/>
+          <p:cNvSpPr/>
+          <p:nvPr/>
+        </p:nvSpPr>
+        <p:spPr>
+          <a:xfrm>
+            <a:off x="788307" y="1941698"/>
+            <a:ext cx="7488920" cy="4093428"/>
+          </a:xfrm>
+          <a:prstGeom prst="rect">
+            <a:avLst/>
+          </a:prstGeom>
+        </p:spPr>
+        <p:txBody>
+          <a:bodyPr wrap="square">
+            <a:spAutoFit/>
+          </a:bodyPr>
+          <a:lstStyle/>
+          <a:p>
+            <a:pPr marL="457200" indent="-457200">
+              <a:buFont typeface="+mj-lt"/>
+              <a:buAutoNum type="arabicPeriod" startAt="5"/>
+            </a:pPr>
+            <a:r>
+              <a:rPr lang="es-VE" sz="2000" dirty="0"/>
+              <a:t>Diseñar e implementar una Base de Datos que contenga la información necesaria para el uso de la aplicación</a:t>
+            </a:r>
+            <a:r>
+              <a:rPr lang="es-VE" sz="2000" dirty="0" smtClean="0"/>
+              <a:t>.</a:t>
+            </a:r>
+          </a:p>
+          <a:p>
+            <a:endParaRPr lang="es-ES_tradnl" sz="2000" dirty="0"/>
+          </a:p>
+          <a:p>
+            <a:pPr marL="457200" indent="-457200">
+              <a:buFont typeface="+mj-lt"/>
+              <a:buAutoNum type="arabicPeriod" startAt="5"/>
+            </a:pPr>
+            <a:r>
+              <a:rPr lang="es-VE" sz="2000" dirty="0"/>
+              <a:t>Diseñar e implementar un módulo de guía al usuario y consejos útiles que permita ayudarlo en el correcto uso de la aplicación</a:t>
+            </a:r>
+            <a:r>
+              <a:rPr lang="es-VE" sz="2000" dirty="0" smtClean="0"/>
+              <a:t>.</a:t>
+            </a:r>
+          </a:p>
+          <a:p>
+            <a:endParaRPr lang="es-ES_tradnl" sz="2000" dirty="0"/>
+          </a:p>
+          <a:p>
+            <a:pPr marL="457200" indent="-457200">
+              <a:buFont typeface="+mj-lt"/>
+              <a:buAutoNum type="arabicPeriod" startAt="5"/>
+            </a:pPr>
+            <a:r>
+              <a:rPr lang="es-VE" sz="2000" dirty="0"/>
+              <a:t>Diseñar e implementar una interfaz gráfica amigable que interactuará con el usuario en los diferentes módulos de la aplicación. </a:t>
+            </a:r>
+            <a:endParaRPr lang="es-VE" sz="2000" dirty="0" smtClean="0"/>
+          </a:p>
+          <a:p>
+            <a:endParaRPr lang="es-ES_tradnl" sz="2000" dirty="0"/>
+          </a:p>
+          <a:p>
+            <a:pPr marL="457200" indent="-457200">
+              <a:buFont typeface="+mj-lt"/>
+              <a:buAutoNum type="arabicPeriod" startAt="5"/>
+            </a:pPr>
+            <a:r>
+              <a:rPr lang="es-VE" sz="2000" dirty="0"/>
+              <a:t>Diseñar e implementar un Backend que maneje toda la lógica y servicios web de la aplicación.  </a:t>
+            </a:r>
+            <a:endParaRPr lang="es-ES_tradnl" sz="2000" dirty="0"/>
+          </a:p>
+          <a:p>
+            <a:pPr lvl="0"/>
+            <a:endParaRPr lang="es-ES_tradnl" sz="2000" dirty="0"/>
+          </a:p>
+        </p:txBody>
+      </p:sp>
     </p:spTree>
     <p:extLst>
       <p:ext uri="{BB962C8B-B14F-4D97-AF65-F5344CB8AC3E}">
@@ -12635,11 +12877,11 @@
   <p:clrMapOvr>
     <a:masterClrMapping/>
   </p:clrMapOvr>
-  <mc:AlternateContent xmlns:mc="http://schemas.openxmlformats.org/markup-compatibility/2006">
-    <mc:Choice xmlns:p14="http://schemas.microsoft.com/office/powerpoint/2010/main" Requires="p14">
+  <mc:AlternateContent xmlns:mc="http://schemas.openxmlformats.org/markup-compatibility/2006" xmlns:p14="http://schemas.microsoft.com/office/powerpoint/2010/main">
+    <mc:Choice Requires="p14">
       <p:transition p14:dur="0" advClick="0"/>
     </mc:Choice>
-    <mc:Fallback>
+    <mc:Fallback xmlns="">
       <p:transition xmlns:p14="http://schemas.microsoft.com/office/powerpoint/2010/main" advClick="0"/>
     </mc:Fallback>
   </mc:AlternateContent>
@@ -12879,11 +13121,11 @@
   <p:clrMapOvr>
     <a:masterClrMapping/>
   </p:clrMapOvr>
-  <mc:AlternateContent xmlns:mc="http://schemas.openxmlformats.org/markup-compatibility/2006">
-    <mc:Choice xmlns:p14="http://schemas.microsoft.com/office/powerpoint/2010/main" Requires="p14">
+  <mc:AlternateContent xmlns:mc="http://schemas.openxmlformats.org/markup-compatibility/2006" xmlns:p14="http://schemas.microsoft.com/office/powerpoint/2010/main">
+    <mc:Choice Requires="p14">
       <p:transition p14:dur="0" advClick="0"/>
     </mc:Choice>
-    <mc:Fallback>
+    <mc:Fallback xmlns="">
       <p:transition xmlns:p14="http://schemas.microsoft.com/office/powerpoint/2010/main" advClick="0"/>
     </mc:Fallback>
   </mc:AlternateContent>
@@ -13123,11 +13365,11 @@
   <p:clrMapOvr>
     <a:masterClrMapping/>
   </p:clrMapOvr>
-  <mc:AlternateContent xmlns:mc="http://schemas.openxmlformats.org/markup-compatibility/2006">
-    <mc:Choice xmlns:p14="http://schemas.microsoft.com/office/powerpoint/2010/main" Requires="p14">
+  <mc:AlternateContent xmlns:mc="http://schemas.openxmlformats.org/markup-compatibility/2006" xmlns:p14="http://schemas.microsoft.com/office/powerpoint/2010/main">
+    <mc:Choice Requires="p14">
       <p:transition p14:dur="0" advClick="0"/>
     </mc:Choice>
-    <mc:Fallback>
+    <mc:Fallback xmlns="">
       <p:transition xmlns:p14="http://schemas.microsoft.com/office/powerpoint/2010/main" advClick="0"/>
     </mc:Fallback>
   </mc:AlternateContent>
@@ -13367,11 +13609,11 @@
   <p:clrMapOvr>
     <a:masterClrMapping/>
   </p:clrMapOvr>
-  <mc:AlternateContent xmlns:mc="http://schemas.openxmlformats.org/markup-compatibility/2006">
-    <mc:Choice xmlns:p14="http://schemas.microsoft.com/office/powerpoint/2010/main" Requires="p14">
+  <mc:AlternateContent xmlns:mc="http://schemas.openxmlformats.org/markup-compatibility/2006" xmlns:p14="http://schemas.microsoft.com/office/powerpoint/2010/main">
+    <mc:Choice Requires="p14">
       <p:transition p14:dur="0" advClick="0"/>
     </mc:Choice>
-    <mc:Fallback>
+    <mc:Fallback xmlns="">
       <p:transition xmlns:p14="http://schemas.microsoft.com/office/powerpoint/2010/main" advClick="0"/>
     </mc:Fallback>
   </mc:AlternateContent>

--- a/Documentacion/Presentacion/Presentacion V1.0.pptx
+++ b/Documentacion/Presentacion/Presentacion V1.0.pptx
@@ -23,28 +23,39 @@
     <p:sldId id="272" r:id="rId17"/>
     <p:sldId id="273" r:id="rId18"/>
     <p:sldId id="274" r:id="rId19"/>
-    <p:sldId id="275" r:id="rId20"/>
-    <p:sldId id="276" r:id="rId21"/>
-    <p:sldId id="277" r:id="rId22"/>
-    <p:sldId id="278" r:id="rId23"/>
-    <p:sldId id="279" r:id="rId24"/>
-    <p:sldId id="280" r:id="rId25"/>
-    <p:sldId id="281" r:id="rId26"/>
-    <p:sldId id="282" r:id="rId27"/>
-    <p:sldId id="283" r:id="rId28"/>
-    <p:sldId id="284" r:id="rId29"/>
-    <p:sldId id="285" r:id="rId30"/>
-    <p:sldId id="286" r:id="rId31"/>
-    <p:sldId id="287" r:id="rId32"/>
-    <p:sldId id="288" r:id="rId33"/>
-    <p:sldId id="289" r:id="rId34"/>
-    <p:sldId id="290" r:id="rId35"/>
-    <p:sldId id="291" r:id="rId36"/>
-    <p:sldId id="292" r:id="rId37"/>
-    <p:sldId id="293" r:id="rId38"/>
-    <p:sldId id="294" r:id="rId39"/>
-    <p:sldId id="295" r:id="rId40"/>
-    <p:sldId id="296" r:id="rId41"/>
+    <p:sldId id="300" r:id="rId20"/>
+    <p:sldId id="298" r:id="rId21"/>
+    <p:sldId id="297" r:id="rId22"/>
+    <p:sldId id="301" r:id="rId23"/>
+    <p:sldId id="275" r:id="rId24"/>
+    <p:sldId id="302" r:id="rId25"/>
+    <p:sldId id="303" r:id="rId26"/>
+    <p:sldId id="276" r:id="rId27"/>
+    <p:sldId id="304" r:id="rId28"/>
+    <p:sldId id="277" r:id="rId29"/>
+    <p:sldId id="308" r:id="rId30"/>
+    <p:sldId id="306" r:id="rId31"/>
+    <p:sldId id="305" r:id="rId32"/>
+    <p:sldId id="307" r:id="rId33"/>
+    <p:sldId id="278" r:id="rId34"/>
+    <p:sldId id="279" r:id="rId35"/>
+    <p:sldId id="280" r:id="rId36"/>
+    <p:sldId id="281" r:id="rId37"/>
+    <p:sldId id="282" r:id="rId38"/>
+    <p:sldId id="283" r:id="rId39"/>
+    <p:sldId id="284" r:id="rId40"/>
+    <p:sldId id="285" r:id="rId41"/>
+    <p:sldId id="286" r:id="rId42"/>
+    <p:sldId id="287" r:id="rId43"/>
+    <p:sldId id="288" r:id="rId44"/>
+    <p:sldId id="289" r:id="rId45"/>
+    <p:sldId id="290" r:id="rId46"/>
+    <p:sldId id="291" r:id="rId47"/>
+    <p:sldId id="292" r:id="rId48"/>
+    <p:sldId id="293" r:id="rId49"/>
+    <p:sldId id="294" r:id="rId50"/>
+    <p:sldId id="295" r:id="rId51"/>
+    <p:sldId id="296" r:id="rId52"/>
   </p:sldIdLst>
   <p:sldSz cx="9144000" cy="6858000" type="screen4x3"/>
   <p:notesSz cx="6858000" cy="9144000"/>
@@ -329,7 +340,7 @@
             <a:fld id="{9D21D778-B565-4D7E-94D7-64010A445B68}" type="datetimeFigureOut">
               <a:rPr lang="en-US" smtClean="0"/>
               <a:pPr eaLnBrk="1" latinLnBrk="0" hangingPunct="1"/>
-              <a:t>20/04/17</a:t>
+              <a:t>21/04/17</a:t>
             </a:fld>
             <a:endParaRPr lang="en-US"/>
           </a:p>
@@ -511,7 +522,7 @@
           <a:p>
             <a:fld id="{60256078-59C6-6649-AA44-91FB9C51CB94}" type="datetimeFigureOut">
               <a:rPr lang="es-ES" smtClean="0"/>
-              <a:t>20/04/17</a:t>
+              <a:t>21/04/17</a:t>
             </a:fld>
             <a:endParaRPr lang="es-ES"/>
           </a:p>
@@ -703,7 +714,7 @@
           <a:p>
             <a:fld id="{60256078-59C6-6649-AA44-91FB9C51CB94}" type="datetimeFigureOut">
               <a:rPr lang="es-ES" smtClean="0"/>
-              <a:t>20/04/17</a:t>
+              <a:t>21/04/17</a:t>
             </a:fld>
             <a:endParaRPr lang="es-ES"/>
           </a:p>
@@ -885,7 +896,7 @@
           <a:p>
             <a:fld id="{60256078-59C6-6649-AA44-91FB9C51CB94}" type="datetimeFigureOut">
               <a:rPr lang="es-ES" smtClean="0"/>
-              <a:t>20/04/17</a:t>
+              <a:t>21/04/17</a:t>
             </a:fld>
             <a:endParaRPr lang="es-ES"/>
           </a:p>
@@ -1145,7 +1156,7 @@
             <a:fld id="{9D21D778-B565-4D7E-94D7-64010A445B68}" type="datetimeFigureOut">
               <a:rPr lang="en-US" smtClean="0"/>
               <a:pPr eaLnBrk="1" latinLnBrk="0" hangingPunct="1"/>
-              <a:t>20/04/17</a:t>
+              <a:t>21/04/17</a:t>
             </a:fld>
             <a:endParaRPr lang="en-US"/>
           </a:p>
@@ -1453,7 +1464,7 @@
           <a:p>
             <a:fld id="{60256078-59C6-6649-AA44-91FB9C51CB94}" type="datetimeFigureOut">
               <a:rPr lang="es-ES" smtClean="0"/>
-              <a:t>20/04/17</a:t>
+              <a:t>21/04/17</a:t>
             </a:fld>
             <a:endParaRPr lang="es-ES"/>
           </a:p>
@@ -1887,7 +1898,7 @@
           <a:p>
             <a:fld id="{60256078-59C6-6649-AA44-91FB9C51CB94}" type="datetimeFigureOut">
               <a:rPr lang="es-ES" smtClean="0"/>
-              <a:t>20/04/17</a:t>
+              <a:t>21/04/17</a:t>
             </a:fld>
             <a:endParaRPr lang="es-ES"/>
           </a:p>
@@ -2017,7 +2028,7 @@
           <a:p>
             <a:fld id="{60256078-59C6-6649-AA44-91FB9C51CB94}" type="datetimeFigureOut">
               <a:rPr lang="es-ES" smtClean="0"/>
-              <a:t>20/04/17</a:t>
+              <a:t>21/04/17</a:t>
             </a:fld>
             <a:endParaRPr lang="es-ES"/>
           </a:p>
@@ -2124,7 +2135,7 @@
           <a:p>
             <a:fld id="{60256078-59C6-6649-AA44-91FB9C51CB94}" type="datetimeFigureOut">
               <a:rPr lang="es-ES" smtClean="0"/>
-              <a:t>20/04/17</a:t>
+              <a:t>21/04/17</a:t>
             </a:fld>
             <a:endParaRPr lang="es-ES"/>
           </a:p>
@@ -2413,7 +2424,7 @@
           <a:p>
             <a:fld id="{60256078-59C6-6649-AA44-91FB9C51CB94}" type="datetimeFigureOut">
               <a:rPr lang="es-ES" smtClean="0"/>
-              <a:t>20/04/17</a:t>
+              <a:t>21/04/17</a:t>
             </a:fld>
             <a:endParaRPr lang="es-ES"/>
           </a:p>
@@ -2678,7 +2689,7 @@
           <a:p>
             <a:fld id="{60256078-59C6-6649-AA44-91FB9C51CB94}" type="datetimeFigureOut">
               <a:rPr lang="es-ES" smtClean="0"/>
-              <a:t>20/04/17</a:t>
+              <a:t>21/04/17</a:t>
             </a:fld>
             <a:endParaRPr lang="es-ES"/>
           </a:p>
@@ -2903,7 +2914,7 @@
           <a:p>
             <a:fld id="{60256078-59C6-6649-AA44-91FB9C51CB94}" type="datetimeFigureOut">
               <a:rPr lang="es-ES" smtClean="0"/>
-              <a:t>20/04/17</a:t>
+              <a:t>21/04/17</a:t>
             </a:fld>
             <a:endParaRPr lang="es-ES"/>
           </a:p>
@@ -5751,6 +5762,112 @@
           </a:p>
         </p:txBody>
       </p:sp>
+      <p:sp>
+        <p:nvSpPr>
+          <p:cNvPr id="7" name="CuadroTexto 6"/>
+          <p:cNvSpPr txBox="1"/>
+          <p:nvPr/>
+        </p:nvSpPr>
+        <p:spPr>
+          <a:xfrm>
+            <a:off x="558213" y="1035741"/>
+            <a:ext cx="2433278" cy="584776"/>
+          </a:xfrm>
+          <a:prstGeom prst="rect">
+            <a:avLst/>
+          </a:prstGeom>
+          <a:noFill/>
+        </p:spPr>
+        <p:txBody>
+          <a:bodyPr wrap="none" rtlCol="0">
+            <a:spAutoFit/>
+          </a:bodyPr>
+          <a:lstStyle/>
+          <a:p>
+            <a:r>
+              <a:rPr lang="es-ES" sz="3200" b="1" dirty="0" smtClean="0"/>
+              <a:t>RESULTADOS</a:t>
+            </a:r>
+            <a:endParaRPr lang="es-ES" sz="3200" b="1" dirty="0"/>
+          </a:p>
+        </p:txBody>
+      </p:sp>
+      <p:sp>
+        <p:nvSpPr>
+          <p:cNvPr id="8" name="Rectángulo 7"/>
+          <p:cNvSpPr/>
+          <p:nvPr/>
+        </p:nvSpPr>
+        <p:spPr>
+          <a:xfrm>
+            <a:off x="788307" y="1989919"/>
+            <a:ext cx="7488920" cy="2554545"/>
+          </a:xfrm>
+          <a:prstGeom prst="rect">
+            <a:avLst/>
+          </a:prstGeom>
+        </p:spPr>
+        <p:txBody>
+          <a:bodyPr wrap="square">
+            <a:spAutoFit/>
+          </a:bodyPr>
+          <a:lstStyle/>
+          <a:p>
+            <a:pPr marL="457200" lvl="0" indent="-457200">
+              <a:buFont typeface="+mj-lt"/>
+              <a:buAutoNum type="arabicPeriod"/>
+            </a:pPr>
+            <a:r>
+              <a:rPr lang="es-VE" sz="2000" b="1" dirty="0"/>
+              <a:t>Diseñar e implementar un buscador para seleccionar el lugar que se desea </a:t>
+            </a:r>
+            <a:r>
+              <a:rPr lang="es-VE" sz="2000" b="1" dirty="0" smtClean="0"/>
+              <a:t>encontrar</a:t>
+            </a:r>
+          </a:p>
+          <a:p>
+            <a:pPr marL="457200" lvl="0" indent="-457200">
+              <a:buFont typeface="+mj-lt"/>
+              <a:buAutoNum type="arabicPeriod"/>
+            </a:pPr>
+            <a:endParaRPr lang="es-VE" sz="2000" b="1" dirty="0" smtClean="0"/>
+          </a:p>
+          <a:p>
+            <a:r>
+              <a:rPr lang="es-VE" sz="2000" dirty="0" smtClean="0"/>
+              <a:t>	Se despliegan </a:t>
+            </a:r>
+            <a:r>
+              <a:rPr lang="es-VE" sz="2000" dirty="0"/>
+              <a:t>todos los sitios que se encuentran en la universidad y </a:t>
+            </a:r>
+            <a:r>
+              <a:rPr lang="es-VE" sz="2000" dirty="0" smtClean="0"/>
+              <a:t>se elige </a:t>
+            </a:r>
+            <a:r>
+              <a:rPr lang="es-VE" sz="2000" dirty="0"/>
+              <a:t>el que se </a:t>
+            </a:r>
+            <a:r>
+              <a:rPr lang="es-VE" sz="2000" dirty="0" smtClean="0"/>
+              <a:t>requiera, pudiendose efectuar de dos formas:</a:t>
+            </a:r>
+          </a:p>
+          <a:p>
+            <a:pPr lvl="0"/>
+            <a:endParaRPr lang="es-VE" sz="2000" b="1" dirty="0"/>
+          </a:p>
+          <a:p>
+            <a:pPr lvl="0"/>
+            <a:endParaRPr lang="es-VE" sz="2000" b="1" dirty="0"/>
+          </a:p>
+          <a:p>
+            <a:endParaRPr lang="es-ES" sz="2000" dirty="0"/>
+          </a:p>
+        </p:txBody>
+      </p:sp>
     </p:spTree>
     <p:extLst>
       <p:ext uri="{BB962C8B-B14F-4D97-AF65-F5344CB8AC3E}">
@@ -5995,10 +6112,137 @@
           </a:p>
         </p:txBody>
       </p:sp>
+      <p:sp>
+        <p:nvSpPr>
+          <p:cNvPr id="7" name="CuadroTexto 6"/>
+          <p:cNvSpPr txBox="1"/>
+          <p:nvPr/>
+        </p:nvSpPr>
+        <p:spPr>
+          <a:xfrm>
+            <a:off x="558213" y="1035741"/>
+            <a:ext cx="2433278" cy="584776"/>
+          </a:xfrm>
+          <a:prstGeom prst="rect">
+            <a:avLst/>
+          </a:prstGeom>
+          <a:noFill/>
+        </p:spPr>
+        <p:txBody>
+          <a:bodyPr wrap="none" rtlCol="0">
+            <a:spAutoFit/>
+          </a:bodyPr>
+          <a:lstStyle/>
+          <a:p>
+            <a:r>
+              <a:rPr lang="es-ES" sz="3200" b="1" dirty="0" smtClean="0"/>
+              <a:t>RESULTADOS</a:t>
+            </a:r>
+            <a:endParaRPr lang="es-ES" sz="3200" b="1" dirty="0"/>
+          </a:p>
+        </p:txBody>
+      </p:sp>
+      <p:sp>
+        <p:nvSpPr>
+          <p:cNvPr id="8" name="Rectángulo 7"/>
+          <p:cNvSpPr/>
+          <p:nvPr/>
+        </p:nvSpPr>
+        <p:spPr>
+          <a:xfrm>
+            <a:off x="788307" y="1989919"/>
+            <a:ext cx="7488920" cy="3477875"/>
+          </a:xfrm>
+          <a:prstGeom prst="rect">
+            <a:avLst/>
+          </a:prstGeom>
+        </p:spPr>
+        <p:txBody>
+          <a:bodyPr wrap="square">
+            <a:spAutoFit/>
+          </a:bodyPr>
+          <a:lstStyle/>
+          <a:p>
+            <a:pPr marL="457200" lvl="0" indent="-457200">
+              <a:buFont typeface="+mj-lt"/>
+              <a:buAutoNum type="arabicPeriod"/>
+            </a:pPr>
+            <a:r>
+              <a:rPr lang="es-VE" sz="2000" b="1" dirty="0"/>
+              <a:t>Diseñar e implementar un buscador para seleccionar el lugar que se desea </a:t>
+            </a:r>
+            <a:r>
+              <a:rPr lang="es-VE" sz="2000" b="1" dirty="0" smtClean="0"/>
+              <a:t>encontrar</a:t>
+            </a:r>
+          </a:p>
+          <a:p>
+            <a:pPr marL="457200" lvl="0" indent="-457200">
+              <a:buFont typeface="+mj-lt"/>
+              <a:buAutoNum type="arabicPeriod"/>
+            </a:pPr>
+            <a:endParaRPr lang="es-VE" sz="2000" b="1" dirty="0" smtClean="0"/>
+          </a:p>
+          <a:p>
+            <a:r>
+              <a:rPr lang="es-VE" sz="2000" dirty="0" smtClean="0"/>
+              <a:t>	</a:t>
+            </a:r>
+            <a:r>
+              <a:rPr lang="es-VE" sz="2000" dirty="0"/>
+              <a:t>Se despliegan todos los sitios que se encuentran en la universidad y se elige el que se requiera, pudiendose efectuar de dos formas:</a:t>
+            </a:r>
+          </a:p>
+          <a:p>
+            <a:endParaRPr lang="es-VE" sz="2000" dirty="0"/>
+          </a:p>
+          <a:p>
+            <a:pPr marL="800100" lvl="1" indent="-342900">
+              <a:buFont typeface="Arial"/>
+              <a:buChar char="•"/>
+            </a:pPr>
+            <a:r>
+              <a:rPr lang="es-VE" sz="2000" b="1" u="sng" dirty="0" smtClean="0"/>
+              <a:t>Escrita</a:t>
+            </a:r>
+            <a:r>
+              <a:rPr lang="es-VE" sz="2000" dirty="0" smtClean="0"/>
+              <a:t>: </a:t>
+            </a:r>
+            <a:r>
+              <a:rPr lang="es-VE" sz="2000" dirty="0"/>
+              <a:t>utilizando palabras claves</a:t>
+            </a:r>
+            <a:r>
+              <a:rPr lang="es-ES_tradnl" sz="2000" dirty="0"/>
+              <a:t> </a:t>
+            </a:r>
+            <a:endParaRPr lang="es-VE" sz="2000" dirty="0" smtClean="0"/>
+          </a:p>
+          <a:p>
+            <a:pPr marL="800100" lvl="1" indent="-342900">
+              <a:buFont typeface="Arial"/>
+              <a:buChar char="•"/>
+            </a:pPr>
+            <a:endParaRPr lang="es-VE" sz="2000" dirty="0"/>
+          </a:p>
+          <a:p>
+            <a:pPr lvl="0"/>
+            <a:endParaRPr lang="es-VE" sz="2000" b="1" dirty="0"/>
+          </a:p>
+          <a:p>
+            <a:pPr lvl="0"/>
+            <a:endParaRPr lang="es-VE" sz="2000" b="1" dirty="0"/>
+          </a:p>
+          <a:p>
+            <a:endParaRPr lang="es-ES" sz="2000" dirty="0"/>
+          </a:p>
+        </p:txBody>
+      </p:sp>
     </p:spTree>
     <p:extLst>
       <p:ext uri="{BB962C8B-B14F-4D97-AF65-F5344CB8AC3E}">
-        <p14:creationId xmlns:p14="http://schemas.microsoft.com/office/powerpoint/2010/main" val="987517464"/>
+        <p14:creationId xmlns:p14="http://schemas.microsoft.com/office/powerpoint/2010/main" val="418134923"/>
       </p:ext>
     </p:extLst>
   </p:cSld>
@@ -6620,10 +6864,101 @@
           </a:p>
         </p:txBody>
       </p:sp>
+      <p:sp>
+        <p:nvSpPr>
+          <p:cNvPr id="7" name="CuadroTexto 6"/>
+          <p:cNvSpPr txBox="1"/>
+          <p:nvPr/>
+        </p:nvSpPr>
+        <p:spPr>
+          <a:xfrm>
+            <a:off x="558213" y="1035741"/>
+            <a:ext cx="2433278" cy="584776"/>
+          </a:xfrm>
+          <a:prstGeom prst="rect">
+            <a:avLst/>
+          </a:prstGeom>
+          <a:noFill/>
+        </p:spPr>
+        <p:txBody>
+          <a:bodyPr wrap="none" rtlCol="0">
+            <a:spAutoFit/>
+          </a:bodyPr>
+          <a:lstStyle/>
+          <a:p>
+            <a:r>
+              <a:rPr lang="es-ES" sz="3200" b="1" dirty="0" smtClean="0"/>
+              <a:t>RESULTADOS</a:t>
+            </a:r>
+            <a:endParaRPr lang="es-ES" sz="3200" b="1" dirty="0"/>
+          </a:p>
+        </p:txBody>
+      </p:sp>
+      <p:sp>
+        <p:nvSpPr>
+          <p:cNvPr id="8" name="Rectángulo 7"/>
+          <p:cNvSpPr/>
+          <p:nvPr/>
+        </p:nvSpPr>
+        <p:spPr>
+          <a:xfrm>
+            <a:off x="788307" y="1989919"/>
+            <a:ext cx="7488920" cy="1938992"/>
+          </a:xfrm>
+          <a:prstGeom prst="rect">
+            <a:avLst/>
+          </a:prstGeom>
+        </p:spPr>
+        <p:txBody>
+          <a:bodyPr wrap="square">
+            <a:spAutoFit/>
+          </a:bodyPr>
+          <a:lstStyle/>
+          <a:p>
+            <a:pPr marL="457200" lvl="0" indent="-457200">
+              <a:buFont typeface="+mj-lt"/>
+              <a:buAutoNum type="arabicPeriod"/>
+            </a:pPr>
+            <a:r>
+              <a:rPr lang="es-VE" sz="2000" b="1" dirty="0"/>
+              <a:t>Diseñar e implementar un buscador para seleccionar el lugar que se desea </a:t>
+            </a:r>
+            <a:r>
+              <a:rPr lang="es-VE" sz="2000" b="1" dirty="0" smtClean="0"/>
+              <a:t>encontrar</a:t>
+            </a:r>
+          </a:p>
+          <a:p>
+            <a:pPr marL="457200" lvl="0" indent="-457200">
+              <a:buFont typeface="+mj-lt"/>
+              <a:buAutoNum type="arabicPeriod"/>
+            </a:pPr>
+            <a:endParaRPr lang="es-VE" sz="2000" b="1" dirty="0" smtClean="0"/>
+          </a:p>
+          <a:p>
+            <a:r>
+              <a:rPr lang="es-VE" sz="2000" dirty="0" smtClean="0"/>
+              <a:t>	</a:t>
+            </a:r>
+            <a:endParaRPr lang="es-VE" sz="2000" b="1" dirty="0"/>
+          </a:p>
+          <a:p>
+            <a:pPr lvl="0"/>
+            <a:r>
+              <a:rPr lang="es-VE" sz="2000" b="1" dirty="0" smtClean="0"/>
+              <a:t>Fotos de secuencia</a:t>
+            </a:r>
+            <a:endParaRPr lang="es-VE" sz="2000" b="1" dirty="0"/>
+          </a:p>
+          <a:p>
+            <a:endParaRPr lang="es-ES" sz="2000" dirty="0"/>
+          </a:p>
+        </p:txBody>
+      </p:sp>
     </p:spTree>
     <p:extLst>
       <p:ext uri="{BB962C8B-B14F-4D97-AF65-F5344CB8AC3E}">
-        <p14:creationId xmlns:p14="http://schemas.microsoft.com/office/powerpoint/2010/main" val="2022901413"/>
+        <p14:creationId xmlns:p14="http://schemas.microsoft.com/office/powerpoint/2010/main" val="110643543"/>
       </p:ext>
     </p:extLst>
   </p:cSld>
@@ -6864,10 +7199,160 @@
           </a:p>
         </p:txBody>
       </p:sp>
+      <p:sp>
+        <p:nvSpPr>
+          <p:cNvPr id="7" name="CuadroTexto 6"/>
+          <p:cNvSpPr txBox="1"/>
+          <p:nvPr/>
+        </p:nvSpPr>
+        <p:spPr>
+          <a:xfrm>
+            <a:off x="558213" y="1035741"/>
+            <a:ext cx="2433278" cy="584776"/>
+          </a:xfrm>
+          <a:prstGeom prst="rect">
+            <a:avLst/>
+          </a:prstGeom>
+          <a:noFill/>
+        </p:spPr>
+        <p:txBody>
+          <a:bodyPr wrap="none" rtlCol="0">
+            <a:spAutoFit/>
+          </a:bodyPr>
+          <a:lstStyle/>
+          <a:p>
+            <a:r>
+              <a:rPr lang="es-ES" sz="3200" b="1" dirty="0" smtClean="0"/>
+              <a:t>RESULTADOS</a:t>
+            </a:r>
+            <a:endParaRPr lang="es-ES" sz="3200" b="1" dirty="0"/>
+          </a:p>
+        </p:txBody>
+      </p:sp>
+      <p:sp>
+        <p:nvSpPr>
+          <p:cNvPr id="8" name="Rectángulo 7"/>
+          <p:cNvSpPr/>
+          <p:nvPr/>
+        </p:nvSpPr>
+        <p:spPr>
+          <a:xfrm>
+            <a:off x="788307" y="1989919"/>
+            <a:ext cx="7488920" cy="3785652"/>
+          </a:xfrm>
+          <a:prstGeom prst="rect">
+            <a:avLst/>
+          </a:prstGeom>
+        </p:spPr>
+        <p:txBody>
+          <a:bodyPr wrap="square">
+            <a:spAutoFit/>
+          </a:bodyPr>
+          <a:lstStyle/>
+          <a:p>
+            <a:pPr marL="457200" lvl="0" indent="-457200">
+              <a:buFont typeface="+mj-lt"/>
+              <a:buAutoNum type="arabicPeriod"/>
+            </a:pPr>
+            <a:r>
+              <a:rPr lang="es-VE" sz="2000" b="1" dirty="0"/>
+              <a:t>Diseñar e implementar un buscador para seleccionar el lugar que se desea </a:t>
+            </a:r>
+            <a:r>
+              <a:rPr lang="es-VE" sz="2000" b="1" dirty="0" smtClean="0"/>
+              <a:t>encontrar</a:t>
+            </a:r>
+          </a:p>
+          <a:p>
+            <a:pPr marL="457200" lvl="0" indent="-457200">
+              <a:buFont typeface="+mj-lt"/>
+              <a:buAutoNum type="arabicPeriod"/>
+            </a:pPr>
+            <a:endParaRPr lang="es-VE" sz="2000" b="1" dirty="0" smtClean="0"/>
+          </a:p>
+          <a:p>
+            <a:r>
+              <a:rPr lang="es-VE" sz="2000" dirty="0" smtClean="0"/>
+              <a:t>	</a:t>
+            </a:r>
+            <a:r>
+              <a:rPr lang="es-VE" sz="2000" dirty="0"/>
+              <a:t>Se despliegan todos los sitios que se encuentran en la universidad y se elige el que se requiera, pudiendose efectuar de dos formas:</a:t>
+            </a:r>
+          </a:p>
+          <a:p>
+            <a:endParaRPr lang="es-VE" sz="2000" dirty="0"/>
+          </a:p>
+          <a:p>
+            <a:pPr marL="800100" lvl="1" indent="-342900">
+              <a:buFont typeface="Arial"/>
+              <a:buChar char="•"/>
+            </a:pPr>
+            <a:r>
+              <a:rPr lang="es-VE" sz="2000" b="1" dirty="0" smtClean="0"/>
+              <a:t>Escrita</a:t>
+            </a:r>
+            <a:r>
+              <a:rPr lang="es-VE" sz="2000" dirty="0" smtClean="0"/>
+              <a:t>: </a:t>
+            </a:r>
+            <a:r>
+              <a:rPr lang="es-VE" sz="2000" dirty="0"/>
+              <a:t>utilizando palabras claves</a:t>
+            </a:r>
+            <a:r>
+              <a:rPr lang="es-ES_tradnl" sz="2000" dirty="0"/>
+              <a:t> </a:t>
+            </a:r>
+            <a:endParaRPr lang="es-VE" sz="2000" dirty="0" smtClean="0"/>
+          </a:p>
+          <a:p>
+            <a:pPr marL="800100" lvl="1" indent="-342900">
+              <a:buFont typeface="Arial"/>
+              <a:buChar char="•"/>
+            </a:pPr>
+            <a:endParaRPr lang="es-VE" sz="2000" dirty="0"/>
+          </a:p>
+          <a:p>
+            <a:pPr marL="800100" lvl="1" indent="-342900">
+              <a:buFont typeface="Arial"/>
+              <a:buChar char="•"/>
+            </a:pPr>
+            <a:r>
+              <a:rPr lang="es-VE" sz="2000" b="1" u="sng" dirty="0" smtClean="0"/>
+              <a:t>Lista</a:t>
+            </a:r>
+            <a:r>
+              <a:rPr lang="es-VE" sz="2000" dirty="0" smtClean="0"/>
+              <a:t>: categorizados </a:t>
+            </a:r>
+            <a:r>
+              <a:rPr lang="es-VE" sz="2000" dirty="0"/>
+              <a:t>por servicios y </a:t>
+            </a:r>
+            <a:r>
+              <a:rPr lang="es-VE" sz="2000" dirty="0" smtClean="0"/>
+              <a:t>áreas</a:t>
+            </a:r>
+            <a:endParaRPr lang="es-ES_tradnl" sz="2000" dirty="0"/>
+          </a:p>
+          <a:p>
+            <a:pPr lvl="0"/>
+            <a:endParaRPr lang="es-VE" sz="2000" b="1" dirty="0"/>
+          </a:p>
+          <a:p>
+            <a:pPr lvl="0"/>
+            <a:endParaRPr lang="es-VE" sz="2000" b="1" dirty="0"/>
+          </a:p>
+          <a:p>
+            <a:endParaRPr lang="es-ES" sz="2000" dirty="0"/>
+          </a:p>
+        </p:txBody>
+      </p:sp>
     </p:spTree>
     <p:extLst>
       <p:ext uri="{BB962C8B-B14F-4D97-AF65-F5344CB8AC3E}">
-        <p14:creationId xmlns:p14="http://schemas.microsoft.com/office/powerpoint/2010/main" val="3661334780"/>
+        <p14:creationId xmlns:p14="http://schemas.microsoft.com/office/powerpoint/2010/main" val="2497333088"/>
       </p:ext>
     </p:extLst>
   </p:cSld>
@@ -7108,10 +7593,97 @@
           </a:p>
         </p:txBody>
       </p:sp>
+      <p:sp>
+        <p:nvSpPr>
+          <p:cNvPr id="7" name="CuadroTexto 6"/>
+          <p:cNvSpPr txBox="1"/>
+          <p:nvPr/>
+        </p:nvSpPr>
+        <p:spPr>
+          <a:xfrm>
+            <a:off x="558213" y="1035741"/>
+            <a:ext cx="2433278" cy="584776"/>
+          </a:xfrm>
+          <a:prstGeom prst="rect">
+            <a:avLst/>
+          </a:prstGeom>
+          <a:noFill/>
+        </p:spPr>
+        <p:txBody>
+          <a:bodyPr wrap="none" rtlCol="0">
+            <a:spAutoFit/>
+          </a:bodyPr>
+          <a:lstStyle/>
+          <a:p>
+            <a:r>
+              <a:rPr lang="es-ES" sz="3200" b="1" dirty="0" smtClean="0"/>
+              <a:t>RESULTADOS</a:t>
+            </a:r>
+            <a:endParaRPr lang="es-ES" sz="3200" b="1" dirty="0"/>
+          </a:p>
+        </p:txBody>
+      </p:sp>
+      <p:sp>
+        <p:nvSpPr>
+          <p:cNvPr id="8" name="Rectángulo 7"/>
+          <p:cNvSpPr/>
+          <p:nvPr/>
+        </p:nvSpPr>
+        <p:spPr>
+          <a:xfrm>
+            <a:off x="788307" y="1989919"/>
+            <a:ext cx="7488920" cy="1938992"/>
+          </a:xfrm>
+          <a:prstGeom prst="rect">
+            <a:avLst/>
+          </a:prstGeom>
+        </p:spPr>
+        <p:txBody>
+          <a:bodyPr wrap="square">
+            <a:spAutoFit/>
+          </a:bodyPr>
+          <a:lstStyle/>
+          <a:p>
+            <a:pPr marL="457200" lvl="0" indent="-457200">
+              <a:buFont typeface="+mj-lt"/>
+              <a:buAutoNum type="arabicPeriod"/>
+            </a:pPr>
+            <a:r>
+              <a:rPr lang="es-VE" sz="2000" b="1" dirty="0"/>
+              <a:t>Diseñar e implementar un buscador para seleccionar el lugar que se desea </a:t>
+            </a:r>
+            <a:r>
+              <a:rPr lang="es-VE" sz="2000" b="1" dirty="0" smtClean="0"/>
+              <a:t>encontrar</a:t>
+            </a:r>
+          </a:p>
+          <a:p>
+            <a:pPr marL="457200" lvl="0" indent="-457200">
+              <a:buFont typeface="+mj-lt"/>
+              <a:buAutoNum type="arabicPeriod"/>
+            </a:pPr>
+            <a:endParaRPr lang="es-VE" sz="2000" b="1" dirty="0" smtClean="0"/>
+          </a:p>
+          <a:p>
+            <a:r>
+              <a:rPr lang="es-VE" sz="2000" dirty="0" smtClean="0"/>
+              <a:t>	secuencia</a:t>
+            </a:r>
+            <a:endParaRPr lang="es-VE" sz="2000" b="1" dirty="0"/>
+          </a:p>
+          <a:p>
+            <a:pPr lvl="0"/>
+            <a:endParaRPr lang="es-VE" sz="2000" b="1" dirty="0"/>
+          </a:p>
+          <a:p>
+            <a:endParaRPr lang="es-ES" sz="2000" dirty="0"/>
+          </a:p>
+        </p:txBody>
+      </p:sp>
     </p:spTree>
     <p:extLst>
       <p:ext uri="{BB962C8B-B14F-4D97-AF65-F5344CB8AC3E}">
-        <p14:creationId xmlns:p14="http://schemas.microsoft.com/office/powerpoint/2010/main" val="2190836126"/>
+        <p14:creationId xmlns:p14="http://schemas.microsoft.com/office/powerpoint/2010/main" val="3245071784"/>
       </p:ext>
     </p:extLst>
   </p:cSld>
@@ -7352,10 +7924,106 @@
           </a:p>
         </p:txBody>
       </p:sp>
+      <p:sp>
+        <p:nvSpPr>
+          <p:cNvPr id="7" name="CuadroTexto 6"/>
+          <p:cNvSpPr txBox="1"/>
+          <p:nvPr/>
+        </p:nvSpPr>
+        <p:spPr>
+          <a:xfrm>
+            <a:off x="558213" y="1035741"/>
+            <a:ext cx="2433278" cy="584776"/>
+          </a:xfrm>
+          <a:prstGeom prst="rect">
+            <a:avLst/>
+          </a:prstGeom>
+          <a:noFill/>
+        </p:spPr>
+        <p:txBody>
+          <a:bodyPr wrap="none" rtlCol="0">
+            <a:spAutoFit/>
+          </a:bodyPr>
+          <a:lstStyle/>
+          <a:p>
+            <a:r>
+              <a:rPr lang="es-ES" sz="3200" b="1" dirty="0" smtClean="0"/>
+              <a:t>RESULTADOS</a:t>
+            </a:r>
+            <a:endParaRPr lang="es-ES" sz="3200" b="1" dirty="0"/>
+          </a:p>
+        </p:txBody>
+      </p:sp>
+      <p:sp>
+        <p:nvSpPr>
+          <p:cNvPr id="8" name="Rectángulo 7"/>
+          <p:cNvSpPr/>
+          <p:nvPr/>
+        </p:nvSpPr>
+        <p:spPr>
+          <a:xfrm>
+            <a:off x="788307" y="1989919"/>
+            <a:ext cx="7488920" cy="1938992"/>
+          </a:xfrm>
+          <a:prstGeom prst="rect">
+            <a:avLst/>
+          </a:prstGeom>
+        </p:spPr>
+        <p:txBody>
+          <a:bodyPr wrap="square">
+            <a:spAutoFit/>
+          </a:bodyPr>
+          <a:lstStyle/>
+          <a:p>
+            <a:pPr marL="457200" indent="-457200">
+              <a:buFont typeface="+mj-lt"/>
+              <a:buAutoNum type="arabicPeriod" startAt="2"/>
+            </a:pPr>
+            <a:r>
+              <a:rPr lang="es-VE" sz="2000" b="1" dirty="0"/>
+              <a:t>Diseñar e implementar un módulo para la geolocalización a través de Realidad </a:t>
+            </a:r>
+            <a:r>
+              <a:rPr lang="es-VE" sz="2000" b="1" dirty="0" smtClean="0"/>
+              <a:t>Aumentada</a:t>
+            </a:r>
+          </a:p>
+          <a:p>
+            <a:pPr marL="457200" indent="-457200">
+              <a:buFont typeface="+mj-lt"/>
+              <a:buAutoNum type="arabicPeriod" startAt="2"/>
+            </a:pPr>
+            <a:endParaRPr lang="es-VE" sz="2000" b="1" dirty="0"/>
+          </a:p>
+          <a:p>
+            <a:r>
+              <a:rPr lang="es-VE" sz="2000" dirty="0" smtClean="0"/>
+              <a:t>	Permitiendo </a:t>
+            </a:r>
+            <a:r>
+              <a:rPr lang="es-VE" sz="2000" dirty="0"/>
+              <a:t>a los usuarios, </a:t>
+            </a:r>
+            <a:r>
+              <a:rPr lang="es-VE" sz="2000" dirty="0" smtClean="0"/>
+              <a:t>ver </a:t>
+            </a:r>
+            <a:r>
+              <a:rPr lang="es-VE" sz="2000" dirty="0"/>
+              <a:t>un POIS que está indicando la posición donde se encuentra la ubicación que </a:t>
+            </a:r>
+            <a:r>
+              <a:rPr lang="es-VE" sz="2000" dirty="0" smtClean="0"/>
+              <a:t>desea y distancia aproximada.</a:t>
+            </a:r>
+            <a:endParaRPr lang="es-ES" sz="2000" b="1" dirty="0"/>
+          </a:p>
+        </p:txBody>
+      </p:sp>
     </p:spTree>
     <p:extLst>
       <p:ext uri="{BB962C8B-B14F-4D97-AF65-F5344CB8AC3E}">
-        <p14:creationId xmlns:p14="http://schemas.microsoft.com/office/powerpoint/2010/main" val="2734856374"/>
+        <p14:creationId xmlns:p14="http://schemas.microsoft.com/office/powerpoint/2010/main" val="987517464"/>
       </p:ext>
     </p:extLst>
   </p:cSld>
@@ -7596,10 +8264,183 @@
           </a:p>
         </p:txBody>
       </p:sp>
+      <p:sp>
+        <p:nvSpPr>
+          <p:cNvPr id="7" name="CuadroTexto 6"/>
+          <p:cNvSpPr txBox="1"/>
+          <p:nvPr/>
+        </p:nvSpPr>
+        <p:spPr>
+          <a:xfrm>
+            <a:off x="558213" y="1035741"/>
+            <a:ext cx="2433278" cy="584776"/>
+          </a:xfrm>
+          <a:prstGeom prst="rect">
+            <a:avLst/>
+          </a:prstGeom>
+          <a:noFill/>
+        </p:spPr>
+        <p:txBody>
+          <a:bodyPr wrap="none" rtlCol="0">
+            <a:spAutoFit/>
+          </a:bodyPr>
+          <a:lstStyle/>
+          <a:p>
+            <a:r>
+              <a:rPr lang="es-ES" sz="3200" b="1" dirty="0" smtClean="0"/>
+              <a:t>RESULTADOS</a:t>
+            </a:r>
+            <a:endParaRPr lang="es-ES" sz="3200" b="1" dirty="0"/>
+          </a:p>
+        </p:txBody>
+      </p:sp>
+      <p:sp>
+        <p:nvSpPr>
+          <p:cNvPr id="8" name="Rectángulo 7"/>
+          <p:cNvSpPr/>
+          <p:nvPr/>
+        </p:nvSpPr>
+        <p:spPr>
+          <a:xfrm>
+            <a:off x="788307" y="1989919"/>
+            <a:ext cx="7488920" cy="1323439"/>
+          </a:xfrm>
+          <a:prstGeom prst="rect">
+            <a:avLst/>
+          </a:prstGeom>
+        </p:spPr>
+        <p:txBody>
+          <a:bodyPr wrap="square">
+            <a:spAutoFit/>
+          </a:bodyPr>
+          <a:lstStyle/>
+          <a:p>
+            <a:pPr marL="457200" indent="-457200">
+              <a:buFont typeface="+mj-lt"/>
+              <a:buAutoNum type="arabicPeriod" startAt="2"/>
+            </a:pPr>
+            <a:r>
+              <a:rPr lang="es-VE" sz="2000" b="1" dirty="0"/>
+              <a:t>Diseñar e implementar un módulo para la geolocalización a través de Realidad </a:t>
+            </a:r>
+            <a:r>
+              <a:rPr lang="es-VE" sz="2000" b="1" dirty="0" smtClean="0"/>
+              <a:t>Aumentada</a:t>
+            </a:r>
+          </a:p>
+          <a:p>
+            <a:pPr marL="457200" indent="-457200">
+              <a:buFont typeface="+mj-lt"/>
+              <a:buAutoNum type="arabicPeriod" startAt="2"/>
+            </a:pPr>
+            <a:endParaRPr lang="es-VE" sz="2000" b="1" dirty="0"/>
+          </a:p>
+          <a:p>
+            <a:r>
+              <a:rPr lang="es-VE" sz="2000" dirty="0" smtClean="0"/>
+              <a:t>	</a:t>
+            </a:r>
+            <a:endParaRPr lang="es-ES" sz="2000" b="1" dirty="0"/>
+          </a:p>
+        </p:txBody>
+      </p:sp>
+      <p:pic>
+        <p:nvPicPr>
+          <p:cNvPr id="9" name="Imagen 8" descr="Macintosh HD:Users:sandravillamizar:Desktop:apendice imagenes:D-26.png"/>
+          <p:cNvPicPr/>
+          <p:nvPr/>
+        </p:nvPicPr>
+        <p:blipFill>
+          <a:blip r:embed="rId4">
+            <a:extLst>
+              <a:ext uri="{28A0092B-C50C-407E-A947-70E740481C1C}">
+                <a14:useLocalDpi xmlns:a14="http://schemas.microsoft.com/office/drawing/2010/main" val="0"/>
+              </a:ext>
+            </a:extLst>
+          </a:blip>
+          <a:srcRect/>
+          <a:stretch>
+            <a:fillRect/>
+          </a:stretch>
+        </p:blipFill>
+        <p:spPr bwMode="auto">
+          <a:xfrm>
+            <a:off x="5303933" y="3052243"/>
+            <a:ext cx="2973294" cy="1951885"/>
+          </a:xfrm>
+          <a:prstGeom prst="rect">
+            <a:avLst/>
+          </a:prstGeom>
+          <a:noFill/>
+          <a:ln>
+            <a:noFill/>
+          </a:ln>
+        </p:spPr>
+      </p:pic>
+      <p:sp>
+        <p:nvSpPr>
+          <p:cNvPr id="2" name="CuadroTexto 1"/>
+          <p:cNvSpPr txBox="1"/>
+          <p:nvPr/>
+        </p:nvSpPr>
+        <p:spPr>
+          <a:xfrm>
+            <a:off x="6547089" y="5140193"/>
+            <a:ext cx="620971" cy="369332"/>
+          </a:xfrm>
+          <a:prstGeom prst="rect">
+            <a:avLst/>
+          </a:prstGeom>
+          <a:noFill/>
+        </p:spPr>
+        <p:txBody>
+          <a:bodyPr wrap="none" rtlCol="0">
+            <a:spAutoFit/>
+          </a:bodyPr>
+          <a:lstStyle/>
+          <a:p>
+            <a:r>
+              <a:rPr lang="es-ES" dirty="0" smtClean="0"/>
+              <a:t>POIS</a:t>
+            </a:r>
+            <a:endParaRPr lang="es-ES" dirty="0"/>
+          </a:p>
+        </p:txBody>
+      </p:sp>
+      <p:sp>
+        <p:nvSpPr>
+          <p:cNvPr id="3" name="CuadroTexto 2"/>
+          <p:cNvSpPr txBox="1"/>
+          <p:nvPr/>
+        </p:nvSpPr>
+        <p:spPr>
+          <a:xfrm>
+            <a:off x="1995879" y="3945854"/>
+            <a:ext cx="1105967" cy="369332"/>
+          </a:xfrm>
+          <a:prstGeom prst="rect">
+            <a:avLst/>
+          </a:prstGeom>
+          <a:noFill/>
+        </p:spPr>
+        <p:txBody>
+          <a:bodyPr wrap="none" rtlCol="0">
+            <a:spAutoFit/>
+          </a:bodyPr>
+          <a:lstStyle/>
+          <a:p>
+            <a:r>
+              <a:rPr lang="es-ES" dirty="0" smtClean="0"/>
+              <a:t>secuencia</a:t>
+            </a:r>
+            <a:endParaRPr lang="es-ES" dirty="0"/>
+          </a:p>
+        </p:txBody>
+      </p:sp>
     </p:spTree>
     <p:extLst>
       <p:ext uri="{BB962C8B-B14F-4D97-AF65-F5344CB8AC3E}">
-        <p14:creationId xmlns:p14="http://schemas.microsoft.com/office/powerpoint/2010/main" val="3957437265"/>
+        <p14:creationId xmlns:p14="http://schemas.microsoft.com/office/powerpoint/2010/main" val="2136164235"/>
       </p:ext>
     </p:extLst>
   </p:cSld>
@@ -7840,10 +8681,153 @@
           </a:p>
         </p:txBody>
       </p:sp>
+      <p:sp>
+        <p:nvSpPr>
+          <p:cNvPr id="7" name="CuadroTexto 6"/>
+          <p:cNvSpPr txBox="1"/>
+          <p:nvPr/>
+        </p:nvSpPr>
+        <p:spPr>
+          <a:xfrm>
+            <a:off x="558213" y="1035741"/>
+            <a:ext cx="2433278" cy="584776"/>
+          </a:xfrm>
+          <a:prstGeom prst="rect">
+            <a:avLst/>
+          </a:prstGeom>
+          <a:noFill/>
+        </p:spPr>
+        <p:txBody>
+          <a:bodyPr wrap="none" rtlCol="0">
+            <a:spAutoFit/>
+          </a:bodyPr>
+          <a:lstStyle/>
+          <a:p>
+            <a:r>
+              <a:rPr lang="es-ES" sz="3200" b="1" dirty="0" smtClean="0"/>
+              <a:t>RESULTADOS</a:t>
+            </a:r>
+            <a:endParaRPr lang="es-ES" sz="3200" b="1" dirty="0"/>
+          </a:p>
+        </p:txBody>
+      </p:sp>
+      <p:sp>
+        <p:nvSpPr>
+          <p:cNvPr id="8" name="Rectángulo 7"/>
+          <p:cNvSpPr/>
+          <p:nvPr/>
+        </p:nvSpPr>
+        <p:spPr>
+          <a:xfrm>
+            <a:off x="788307" y="1989919"/>
+            <a:ext cx="7488920" cy="1323439"/>
+          </a:xfrm>
+          <a:prstGeom prst="rect">
+            <a:avLst/>
+          </a:prstGeom>
+        </p:spPr>
+        <p:txBody>
+          <a:bodyPr wrap="square">
+            <a:spAutoFit/>
+          </a:bodyPr>
+          <a:lstStyle/>
+          <a:p>
+            <a:pPr marL="457200" indent="-457200">
+              <a:buFont typeface="+mj-lt"/>
+              <a:buAutoNum type="arabicPeriod" startAt="2"/>
+            </a:pPr>
+            <a:r>
+              <a:rPr lang="es-VE" sz="2000" b="1" dirty="0"/>
+              <a:t>Diseñar e implementar un módulo para la geolocalización a través de Realidad </a:t>
+            </a:r>
+            <a:r>
+              <a:rPr lang="es-VE" sz="2000" b="1" dirty="0" smtClean="0"/>
+              <a:t>Aumentada</a:t>
+            </a:r>
+          </a:p>
+          <a:p>
+            <a:pPr marL="457200" indent="-457200">
+              <a:buFont typeface="+mj-lt"/>
+              <a:buAutoNum type="arabicPeriod" startAt="2"/>
+            </a:pPr>
+            <a:endParaRPr lang="es-VE" sz="2000" b="1" dirty="0"/>
+          </a:p>
+          <a:p>
+            <a:r>
+              <a:rPr lang="es-VE" sz="2000" dirty="0" smtClean="0"/>
+              <a:t>	</a:t>
+            </a:r>
+            <a:endParaRPr lang="es-ES" sz="2000" b="1" dirty="0"/>
+          </a:p>
+        </p:txBody>
+      </p:sp>
+      <p:pic>
+        <p:nvPicPr>
+          <p:cNvPr id="9" name="Imagen 8" descr="Macintosh HD:Users:sandravillamizar:Desktop:apendice imagenes:D-26.png"/>
+          <p:cNvPicPr/>
+          <p:nvPr/>
+        </p:nvPicPr>
+        <p:blipFill>
+          <a:blip r:embed="rId4">
+            <a:extLst>
+              <a:ext uri="{28A0092B-C50C-407E-A947-70E740481C1C}">
+                <a14:useLocalDpi xmlns:a14="http://schemas.microsoft.com/office/drawing/2010/main" val="0"/>
+              </a:ext>
+            </a:extLst>
+          </a:blip>
+          <a:srcRect/>
+          <a:stretch>
+            <a:fillRect/>
+          </a:stretch>
+        </p:blipFill>
+        <p:spPr bwMode="auto">
+          <a:xfrm>
+            <a:off x="5303933" y="3052243"/>
+            <a:ext cx="2973294" cy="1951885"/>
+          </a:xfrm>
+          <a:prstGeom prst="rect">
+            <a:avLst/>
+          </a:prstGeom>
+          <a:noFill/>
+          <a:ln>
+            <a:noFill/>
+          </a:ln>
+        </p:spPr>
+      </p:pic>
+      <p:sp>
+        <p:nvSpPr>
+          <p:cNvPr id="10" name="CuadroTexto 9"/>
+          <p:cNvSpPr txBox="1"/>
+          <p:nvPr/>
+        </p:nvSpPr>
+        <p:spPr>
+          <a:xfrm>
+            <a:off x="1995879" y="3945854"/>
+            <a:ext cx="1105967" cy="369332"/>
+          </a:xfrm>
+          <a:prstGeom prst="rect">
+            <a:avLst/>
+          </a:prstGeom>
+          <a:noFill/>
+        </p:spPr>
+        <p:txBody>
+          <a:bodyPr wrap="none" rtlCol="0">
+            <a:spAutoFit/>
+          </a:bodyPr>
+          <a:lstStyle/>
+          <a:p>
+            <a:r>
+              <a:rPr lang="es-ES" dirty="0" smtClean="0"/>
+              <a:t>secuencia</a:t>
+            </a:r>
+            <a:endParaRPr lang="es-ES" dirty="0"/>
+          </a:p>
+        </p:txBody>
+      </p:sp>
     </p:spTree>
     <p:extLst>
       <p:ext uri="{BB962C8B-B14F-4D97-AF65-F5344CB8AC3E}">
-        <p14:creationId xmlns:p14="http://schemas.microsoft.com/office/powerpoint/2010/main" val="1699508303"/>
+        <p14:creationId xmlns:p14="http://schemas.microsoft.com/office/powerpoint/2010/main" val="882544020"/>
       </p:ext>
     </p:extLst>
   </p:cSld>
@@ -8084,10 +9068,102 @@
           </a:p>
         </p:txBody>
       </p:sp>
+      <p:sp>
+        <p:nvSpPr>
+          <p:cNvPr id="7" name="CuadroTexto 6"/>
+          <p:cNvSpPr txBox="1"/>
+          <p:nvPr/>
+        </p:nvSpPr>
+        <p:spPr>
+          <a:xfrm>
+            <a:off x="558213" y="1035741"/>
+            <a:ext cx="2433278" cy="584776"/>
+          </a:xfrm>
+          <a:prstGeom prst="rect">
+            <a:avLst/>
+          </a:prstGeom>
+          <a:noFill/>
+        </p:spPr>
+        <p:txBody>
+          <a:bodyPr wrap="none" rtlCol="0">
+            <a:spAutoFit/>
+          </a:bodyPr>
+          <a:lstStyle/>
+          <a:p>
+            <a:r>
+              <a:rPr lang="es-ES" sz="3200" b="1" dirty="0" smtClean="0"/>
+              <a:t>RESULTADOS</a:t>
+            </a:r>
+            <a:endParaRPr lang="es-ES" sz="3200" b="1" dirty="0"/>
+          </a:p>
+        </p:txBody>
+      </p:sp>
+      <p:sp>
+        <p:nvSpPr>
+          <p:cNvPr id="9" name="Rectángulo 8"/>
+          <p:cNvSpPr/>
+          <p:nvPr/>
+        </p:nvSpPr>
+        <p:spPr>
+          <a:xfrm>
+            <a:off x="788307" y="1989919"/>
+            <a:ext cx="7488920" cy="2246769"/>
+          </a:xfrm>
+          <a:prstGeom prst="rect">
+            <a:avLst/>
+          </a:prstGeom>
+        </p:spPr>
+        <p:txBody>
+          <a:bodyPr wrap="square">
+            <a:spAutoFit/>
+          </a:bodyPr>
+          <a:lstStyle/>
+          <a:p>
+            <a:pPr marL="457200" indent="-457200">
+              <a:buFont typeface="+mj-lt"/>
+              <a:buAutoNum type="arabicPeriod" startAt="3"/>
+            </a:pPr>
+            <a:r>
+              <a:rPr lang="es-VE" sz="2000" b="1" dirty="0"/>
+              <a:t>Determinar, seleccionar y analizar puntos clave para facilitar la ubicación rápida del usuario haciendo uso de NFC o Realidad </a:t>
+            </a:r>
+            <a:r>
+              <a:rPr lang="es-VE" sz="2000" b="1" dirty="0" smtClean="0"/>
+              <a:t>Aumentada</a:t>
+            </a:r>
+            <a:r>
+              <a:rPr lang="es-ES_tradnl" sz="2000" b="1" dirty="0" smtClean="0"/>
+              <a:t> </a:t>
+            </a:r>
+          </a:p>
+          <a:p>
+            <a:pPr marL="457200" indent="-457200">
+              <a:buFont typeface="+mj-lt"/>
+              <a:buAutoNum type="arabicPeriod" startAt="3"/>
+            </a:pPr>
+            <a:endParaRPr lang="es-ES_tradnl" sz="2000" b="1" dirty="0"/>
+          </a:p>
+          <a:p>
+            <a:r>
+              <a:rPr lang="es-VE" sz="2000" dirty="0" smtClean="0"/>
+              <a:t>	Se </a:t>
+            </a:r>
+            <a:r>
+              <a:rPr lang="es-VE" sz="2000" dirty="0"/>
+              <a:t>obtuvo una categorización de todos ellos, dicha categorización determinó qué tipo de tecnología debería ser utilizada de acuerdo al caso</a:t>
+            </a:r>
+            <a:r>
+              <a:rPr lang="es-ES_tradnl" sz="2000" dirty="0"/>
+              <a:t> </a:t>
+            </a:r>
+            <a:endParaRPr lang="es-ES" sz="2000" b="1" dirty="0"/>
+          </a:p>
+        </p:txBody>
+      </p:sp>
     </p:spTree>
     <p:extLst>
       <p:ext uri="{BB962C8B-B14F-4D97-AF65-F5344CB8AC3E}">
-        <p14:creationId xmlns:p14="http://schemas.microsoft.com/office/powerpoint/2010/main" val="1277649564"/>
+        <p14:creationId xmlns:p14="http://schemas.microsoft.com/office/powerpoint/2010/main" val="2022901413"/>
       </p:ext>
     </p:extLst>
   </p:cSld>
@@ -8328,10 +9404,146 @@
           </a:p>
         </p:txBody>
       </p:sp>
+      <p:sp>
+        <p:nvSpPr>
+          <p:cNvPr id="7" name="CuadroTexto 6"/>
+          <p:cNvSpPr txBox="1"/>
+          <p:nvPr/>
+        </p:nvSpPr>
+        <p:spPr>
+          <a:xfrm>
+            <a:off x="558213" y="1035741"/>
+            <a:ext cx="2433278" cy="584776"/>
+          </a:xfrm>
+          <a:prstGeom prst="rect">
+            <a:avLst/>
+          </a:prstGeom>
+          <a:noFill/>
+        </p:spPr>
+        <p:txBody>
+          <a:bodyPr wrap="none" rtlCol="0">
+            <a:spAutoFit/>
+          </a:bodyPr>
+          <a:lstStyle/>
+          <a:p>
+            <a:r>
+              <a:rPr lang="es-ES" sz="3200" b="1" dirty="0" smtClean="0"/>
+              <a:t>RESULTADOS</a:t>
+            </a:r>
+            <a:endParaRPr lang="es-ES" sz="3200" b="1" dirty="0"/>
+          </a:p>
+        </p:txBody>
+      </p:sp>
+      <p:sp>
+        <p:nvSpPr>
+          <p:cNvPr id="9" name="Rectángulo 8"/>
+          <p:cNvSpPr/>
+          <p:nvPr/>
+        </p:nvSpPr>
+        <p:spPr>
+          <a:xfrm>
+            <a:off x="788307" y="1989919"/>
+            <a:ext cx="7488920" cy="3785652"/>
+          </a:xfrm>
+          <a:prstGeom prst="rect">
+            <a:avLst/>
+          </a:prstGeom>
+        </p:spPr>
+        <p:txBody>
+          <a:bodyPr wrap="square">
+            <a:spAutoFit/>
+          </a:bodyPr>
+          <a:lstStyle/>
+          <a:p>
+            <a:pPr marL="457200" indent="-457200">
+              <a:buFont typeface="+mj-lt"/>
+              <a:buAutoNum type="arabicPeriod" startAt="3"/>
+            </a:pPr>
+            <a:r>
+              <a:rPr lang="es-VE" sz="2000" b="1" dirty="0"/>
+              <a:t>Determinar, seleccionar y analizar puntos clave para facilitar la ubicación rápida del usuario haciendo uso de NFC o Realidad </a:t>
+            </a:r>
+            <a:r>
+              <a:rPr lang="es-VE" sz="2000" b="1" dirty="0" smtClean="0"/>
+              <a:t>Aumentada</a:t>
+            </a:r>
+            <a:r>
+              <a:rPr lang="es-ES_tradnl" sz="2000" b="1" dirty="0" smtClean="0"/>
+              <a:t> </a:t>
+            </a:r>
+          </a:p>
+          <a:p>
+            <a:pPr marL="457200" indent="-457200">
+              <a:buFont typeface="+mj-lt"/>
+              <a:buAutoNum type="arabicPeriod" startAt="3"/>
+            </a:pPr>
+            <a:endParaRPr lang="es-ES_tradnl" sz="2000" b="1" dirty="0" smtClean="0"/>
+          </a:p>
+          <a:p>
+            <a:pPr marL="457200" indent="-457200">
+              <a:buFont typeface="+mj-lt"/>
+              <a:buAutoNum type="arabicPeriod" startAt="3"/>
+            </a:pPr>
+            <a:endParaRPr lang="es-ES_tradnl" sz="2000" b="1" dirty="0"/>
+          </a:p>
+          <a:p>
+            <a:r>
+              <a:rPr lang="es-ES_tradnl" sz="2000" dirty="0" smtClean="0"/>
+              <a:t>Diagrama de flujo </a:t>
+            </a:r>
+          </a:p>
+          <a:p>
+            <a:pPr marL="457200" indent="-457200">
+              <a:buFont typeface="+mj-lt"/>
+              <a:buAutoNum type="arabicPeriod" startAt="3"/>
+            </a:pPr>
+            <a:endParaRPr lang="es-ES_tradnl" sz="2000" b="1" dirty="0"/>
+          </a:p>
+          <a:p>
+            <a:pPr marL="457200" indent="-457200">
+              <a:buFont typeface="+mj-lt"/>
+              <a:buAutoNum type="arabicPeriod" startAt="3"/>
+            </a:pPr>
+            <a:endParaRPr lang="es-ES_tradnl" sz="2000" b="1" dirty="0" smtClean="0"/>
+          </a:p>
+          <a:p>
+            <a:pPr marL="457200" indent="-457200">
+              <a:buFont typeface="+mj-lt"/>
+              <a:buAutoNum type="arabicPeriod" startAt="3"/>
+            </a:pPr>
+            <a:endParaRPr lang="es-ES_tradnl" sz="2000" b="1" dirty="0"/>
+          </a:p>
+          <a:p>
+            <a:pPr marL="457200" indent="-457200">
+              <a:buFont typeface="+mj-lt"/>
+              <a:buAutoNum type="arabicPeriod" startAt="3"/>
+            </a:pPr>
+            <a:endParaRPr lang="es-ES_tradnl" sz="2000" b="1" dirty="0" smtClean="0"/>
+          </a:p>
+          <a:p>
+            <a:pPr marL="342900" indent="-342900">
+              <a:buFont typeface="Arial"/>
+              <a:buChar char="•"/>
+            </a:pPr>
+            <a:r>
+              <a:rPr lang="es-ES_tradnl" sz="2000" dirty="0" smtClean="0"/>
+              <a:t>Ver tabla 1</a:t>
+            </a:r>
+            <a:endParaRPr lang="es-ES_tradnl" sz="2000" dirty="0"/>
+          </a:p>
+          <a:p>
+            <a:r>
+              <a:rPr lang="es-VE" sz="2000" dirty="0" smtClean="0"/>
+              <a:t>	</a:t>
+            </a:r>
+            <a:endParaRPr lang="es-ES" sz="2000" b="1" dirty="0"/>
+          </a:p>
+        </p:txBody>
+      </p:sp>
     </p:spTree>
     <p:extLst>
       <p:ext uri="{BB962C8B-B14F-4D97-AF65-F5344CB8AC3E}">
-        <p14:creationId xmlns:p14="http://schemas.microsoft.com/office/powerpoint/2010/main" val="1439971121"/>
+        <p14:creationId xmlns:p14="http://schemas.microsoft.com/office/powerpoint/2010/main" val="3451884693"/>
       </p:ext>
     </p:extLst>
   </p:cSld>
@@ -8572,10 +9784,79 @@
           </a:p>
         </p:txBody>
       </p:sp>
+      <p:sp>
+        <p:nvSpPr>
+          <p:cNvPr id="7" name="CuadroTexto 6"/>
+          <p:cNvSpPr txBox="1"/>
+          <p:nvPr/>
+        </p:nvSpPr>
+        <p:spPr>
+          <a:xfrm>
+            <a:off x="558213" y="1035741"/>
+            <a:ext cx="2433278" cy="584776"/>
+          </a:xfrm>
+          <a:prstGeom prst="rect">
+            <a:avLst/>
+          </a:prstGeom>
+          <a:noFill/>
+        </p:spPr>
+        <p:txBody>
+          <a:bodyPr wrap="none" rtlCol="0">
+            <a:spAutoFit/>
+          </a:bodyPr>
+          <a:lstStyle/>
+          <a:p>
+            <a:r>
+              <a:rPr lang="es-ES" sz="3200" b="1" dirty="0" smtClean="0"/>
+              <a:t>RESULTADOS</a:t>
+            </a:r>
+            <a:endParaRPr lang="es-ES" sz="3200" b="1" dirty="0"/>
+          </a:p>
+        </p:txBody>
+      </p:sp>
+      <p:sp>
+        <p:nvSpPr>
+          <p:cNvPr id="8" name="Rectángulo 7"/>
+          <p:cNvSpPr/>
+          <p:nvPr/>
+        </p:nvSpPr>
+        <p:spPr>
+          <a:xfrm>
+            <a:off x="788307" y="1989919"/>
+            <a:ext cx="7488920" cy="1015663"/>
+          </a:xfrm>
+          <a:prstGeom prst="rect">
+            <a:avLst/>
+          </a:prstGeom>
+        </p:spPr>
+        <p:txBody>
+          <a:bodyPr wrap="square">
+            <a:spAutoFit/>
+          </a:bodyPr>
+          <a:lstStyle/>
+          <a:p>
+            <a:pPr marL="457200" indent="-457200">
+              <a:buFont typeface="+mj-lt"/>
+              <a:buAutoNum type="arabicPeriod" startAt="4"/>
+            </a:pPr>
+            <a:r>
+              <a:rPr lang="es-VE" sz="2000" b="1" dirty="0"/>
+              <a:t>Diseñar e implementar un módulo que suministre información de interés combinando NFC y Realidad </a:t>
+            </a:r>
+            <a:r>
+              <a:rPr lang="es-VE" sz="2000" b="1" dirty="0" smtClean="0"/>
+              <a:t>Aumentada</a:t>
+            </a:r>
+          </a:p>
+          <a:p>
+            <a:endParaRPr lang="es-VE" sz="2000" b="1" dirty="0"/>
+          </a:p>
+        </p:txBody>
+      </p:sp>
     </p:spTree>
     <p:extLst>
       <p:ext uri="{BB962C8B-B14F-4D97-AF65-F5344CB8AC3E}">
-        <p14:creationId xmlns:p14="http://schemas.microsoft.com/office/powerpoint/2010/main" val="4173359480"/>
+        <p14:creationId xmlns:p14="http://schemas.microsoft.com/office/powerpoint/2010/main" val="3661334780"/>
       </p:ext>
     </p:extLst>
   </p:cSld>
@@ -8816,10 +10097,114 @@
           </a:p>
         </p:txBody>
       </p:sp>
+      <p:sp>
+        <p:nvSpPr>
+          <p:cNvPr id="7" name="CuadroTexto 6"/>
+          <p:cNvSpPr txBox="1"/>
+          <p:nvPr/>
+        </p:nvSpPr>
+        <p:spPr>
+          <a:xfrm>
+            <a:off x="558213" y="1035741"/>
+            <a:ext cx="2433278" cy="584776"/>
+          </a:xfrm>
+          <a:prstGeom prst="rect">
+            <a:avLst/>
+          </a:prstGeom>
+          <a:noFill/>
+        </p:spPr>
+        <p:txBody>
+          <a:bodyPr wrap="none" rtlCol="0">
+            <a:spAutoFit/>
+          </a:bodyPr>
+          <a:lstStyle/>
+          <a:p>
+            <a:r>
+              <a:rPr lang="es-ES" sz="3200" b="1" dirty="0" smtClean="0"/>
+              <a:t>RESULTADOS</a:t>
+            </a:r>
+            <a:endParaRPr lang="es-ES" sz="3200" b="1" dirty="0"/>
+          </a:p>
+        </p:txBody>
+      </p:sp>
+      <p:sp>
+        <p:nvSpPr>
+          <p:cNvPr id="8" name="Rectángulo 7"/>
+          <p:cNvSpPr/>
+          <p:nvPr/>
+        </p:nvSpPr>
+        <p:spPr>
+          <a:xfrm>
+            <a:off x="788307" y="1989919"/>
+            <a:ext cx="7488920" cy="1631216"/>
+          </a:xfrm>
+          <a:prstGeom prst="rect">
+            <a:avLst/>
+          </a:prstGeom>
+        </p:spPr>
+        <p:txBody>
+          <a:bodyPr wrap="square">
+            <a:spAutoFit/>
+          </a:bodyPr>
+          <a:lstStyle/>
+          <a:p>
+            <a:pPr marL="457200" indent="-457200">
+              <a:buFont typeface="+mj-lt"/>
+              <a:buAutoNum type="arabicPeriod" startAt="4"/>
+            </a:pPr>
+            <a:r>
+              <a:rPr lang="es-VE" sz="2000" b="1" dirty="0"/>
+              <a:t>Diseñar e implementar un módulo que suministre información de interés combinando NFC y Realidad </a:t>
+            </a:r>
+            <a:r>
+              <a:rPr lang="es-VE" sz="2000" b="1" dirty="0" smtClean="0"/>
+              <a:t>Aumentada</a:t>
+            </a:r>
+          </a:p>
+          <a:p>
+            <a:pPr marL="457200" indent="-457200">
+              <a:buFont typeface="+mj-lt"/>
+              <a:buAutoNum type="arabicPeriod" startAt="4"/>
+            </a:pPr>
+            <a:endParaRPr lang="es-VE" sz="2000" b="1" dirty="0"/>
+          </a:p>
+          <a:p>
+            <a:pPr marL="342900" indent="-342900">
+              <a:buFont typeface="Arial"/>
+              <a:buChar char="•"/>
+            </a:pPr>
+            <a:r>
+              <a:rPr lang="es-VE" sz="2000" u="sng" dirty="0"/>
+              <a:t>Opción </a:t>
+            </a:r>
+            <a:r>
+              <a:rPr lang="es-VE" sz="2000" u="sng" dirty="0" smtClean="0"/>
+              <a:t>para </a:t>
+            </a:r>
+            <a:r>
+              <a:rPr lang="es-VE" sz="2000" u="sng" dirty="0"/>
+              <a:t>interactuar con los NFC </a:t>
+            </a:r>
+            <a:r>
+              <a:rPr lang="es-VE" sz="2000" u="sng" dirty="0" smtClean="0"/>
+              <a:t>desplegando información </a:t>
+            </a:r>
+            <a:r>
+              <a:rPr lang="es-VE" sz="2000" u="sng" dirty="0"/>
+              <a:t>puntual de acuerdo al sitio donde se encuentra</a:t>
+            </a:r>
+            <a:r>
+              <a:rPr lang="es-ES_tradnl" sz="2000" b="1" dirty="0" smtClean="0"/>
+              <a:t>.</a:t>
+            </a:r>
+            <a:endParaRPr lang="es-ES_tradnl" sz="2000" b="1" dirty="0"/>
+          </a:p>
+        </p:txBody>
+      </p:sp>
     </p:spTree>
     <p:extLst>
       <p:ext uri="{BB962C8B-B14F-4D97-AF65-F5344CB8AC3E}">
-        <p14:creationId xmlns:p14="http://schemas.microsoft.com/office/powerpoint/2010/main" val="4141829519"/>
+        <p14:creationId xmlns:p14="http://schemas.microsoft.com/office/powerpoint/2010/main" val="2744873706"/>
       </p:ext>
     </p:extLst>
   </p:cSld>
@@ -9304,10 +10689,97 @@
           </a:p>
         </p:txBody>
       </p:sp>
+      <p:sp>
+        <p:nvSpPr>
+          <p:cNvPr id="7" name="CuadroTexto 6"/>
+          <p:cNvSpPr txBox="1"/>
+          <p:nvPr/>
+        </p:nvSpPr>
+        <p:spPr>
+          <a:xfrm>
+            <a:off x="558213" y="1035741"/>
+            <a:ext cx="2433278" cy="584776"/>
+          </a:xfrm>
+          <a:prstGeom prst="rect">
+            <a:avLst/>
+          </a:prstGeom>
+          <a:noFill/>
+        </p:spPr>
+        <p:txBody>
+          <a:bodyPr wrap="none" rtlCol="0">
+            <a:spAutoFit/>
+          </a:bodyPr>
+          <a:lstStyle/>
+          <a:p>
+            <a:r>
+              <a:rPr lang="es-ES" sz="3200" b="1" dirty="0" smtClean="0"/>
+              <a:t>RESULTADOS</a:t>
+            </a:r>
+            <a:endParaRPr lang="es-ES" sz="3200" b="1" dirty="0"/>
+          </a:p>
+        </p:txBody>
+      </p:sp>
+      <p:sp>
+        <p:nvSpPr>
+          <p:cNvPr id="8" name="Rectángulo 7"/>
+          <p:cNvSpPr/>
+          <p:nvPr/>
+        </p:nvSpPr>
+        <p:spPr>
+          <a:xfrm>
+            <a:off x="788307" y="1989919"/>
+            <a:ext cx="7488920" cy="1323439"/>
+          </a:xfrm>
+          <a:prstGeom prst="rect">
+            <a:avLst/>
+          </a:prstGeom>
+        </p:spPr>
+        <p:txBody>
+          <a:bodyPr wrap="square">
+            <a:spAutoFit/>
+          </a:bodyPr>
+          <a:lstStyle/>
+          <a:p>
+            <a:pPr marL="457200" indent="-457200">
+              <a:buFont typeface="+mj-lt"/>
+              <a:buAutoNum type="arabicPeriod" startAt="4"/>
+            </a:pPr>
+            <a:r>
+              <a:rPr lang="es-VE" sz="2000" b="1" dirty="0"/>
+              <a:t>Diseñar e implementar un módulo que suministre información de interés combinando NFC y Realidad </a:t>
+            </a:r>
+            <a:r>
+              <a:rPr lang="es-VE" sz="2000" b="1" dirty="0" smtClean="0"/>
+              <a:t>Aumentada</a:t>
+            </a:r>
+          </a:p>
+          <a:p>
+            <a:pPr marL="457200" indent="-457200">
+              <a:buFont typeface="+mj-lt"/>
+              <a:buAutoNum type="arabicPeriod" startAt="4"/>
+            </a:pPr>
+            <a:endParaRPr lang="es-VE" sz="2000" b="1" dirty="0"/>
+          </a:p>
+          <a:p>
+            <a:pPr marL="342900" indent="-342900">
+              <a:buFont typeface="Arial"/>
+              <a:buChar char="•"/>
+            </a:pPr>
+            <a:r>
+              <a:rPr lang="es-VE" sz="2000" dirty="0" smtClean="0"/>
+              <a:t>Colocar imagen</a:t>
+            </a:r>
+            <a:r>
+              <a:rPr lang="es-ES_tradnl" sz="2000" b="1" dirty="0" smtClean="0"/>
+              <a:t>.</a:t>
+            </a:r>
+          </a:p>
+        </p:txBody>
+      </p:sp>
     </p:spTree>
     <p:extLst>
       <p:ext uri="{BB962C8B-B14F-4D97-AF65-F5344CB8AC3E}">
-        <p14:creationId xmlns:p14="http://schemas.microsoft.com/office/powerpoint/2010/main" val="2423455539"/>
+        <p14:creationId xmlns:p14="http://schemas.microsoft.com/office/powerpoint/2010/main" val="221538523"/>
       </p:ext>
     </p:extLst>
   </p:cSld>
@@ -9548,10 +11020,111 @@
           </a:p>
         </p:txBody>
       </p:sp>
+      <p:sp>
+        <p:nvSpPr>
+          <p:cNvPr id="7" name="CuadroTexto 6"/>
+          <p:cNvSpPr txBox="1"/>
+          <p:nvPr/>
+        </p:nvSpPr>
+        <p:spPr>
+          <a:xfrm>
+            <a:off x="558213" y="1035741"/>
+            <a:ext cx="2433278" cy="584776"/>
+          </a:xfrm>
+          <a:prstGeom prst="rect">
+            <a:avLst/>
+          </a:prstGeom>
+          <a:noFill/>
+        </p:spPr>
+        <p:txBody>
+          <a:bodyPr wrap="none" rtlCol="0">
+            <a:spAutoFit/>
+          </a:bodyPr>
+          <a:lstStyle/>
+          <a:p>
+            <a:r>
+              <a:rPr lang="es-ES" sz="3200" b="1" dirty="0" smtClean="0"/>
+              <a:t>RESULTADOS</a:t>
+            </a:r>
+            <a:endParaRPr lang="es-ES" sz="3200" b="1" dirty="0"/>
+          </a:p>
+        </p:txBody>
+      </p:sp>
+      <p:sp>
+        <p:nvSpPr>
+          <p:cNvPr id="8" name="Rectángulo 7"/>
+          <p:cNvSpPr/>
+          <p:nvPr/>
+        </p:nvSpPr>
+        <p:spPr>
+          <a:xfrm>
+            <a:off x="788307" y="1989919"/>
+            <a:ext cx="7488920" cy="2554545"/>
+          </a:xfrm>
+          <a:prstGeom prst="rect">
+            <a:avLst/>
+          </a:prstGeom>
+        </p:spPr>
+        <p:txBody>
+          <a:bodyPr wrap="square">
+            <a:spAutoFit/>
+          </a:bodyPr>
+          <a:lstStyle/>
+          <a:p>
+            <a:pPr marL="457200" indent="-457200">
+              <a:buFont typeface="+mj-lt"/>
+              <a:buAutoNum type="arabicPeriod" startAt="4"/>
+            </a:pPr>
+            <a:r>
+              <a:rPr lang="es-VE" sz="2000" b="1" dirty="0"/>
+              <a:t>Diseñar e implementar un módulo que suministre información de interés combinando NFC y Realidad Aumentada</a:t>
+            </a:r>
+          </a:p>
+          <a:p>
+            <a:pPr marL="457200" indent="-457200">
+              <a:buFont typeface="+mj-lt"/>
+              <a:buAutoNum type="arabicPeriod" startAt="4"/>
+            </a:pPr>
+            <a:endParaRPr lang="es-VE" sz="2000" b="1" dirty="0"/>
+          </a:p>
+          <a:p>
+            <a:pPr marL="342900" indent="-342900">
+              <a:buFont typeface="Arial"/>
+              <a:buChar char="•"/>
+            </a:pPr>
+            <a:r>
+              <a:rPr lang="es-VE" sz="2000" dirty="0"/>
+              <a:t>Opción para interactuar con los NFC desplegando información puntual de acuerdo al sitio donde se encuentra</a:t>
+            </a:r>
+            <a:r>
+              <a:rPr lang="es-ES_tradnl" sz="2000" b="1" dirty="0"/>
+              <a:t>.</a:t>
+            </a:r>
+          </a:p>
+          <a:p>
+            <a:endParaRPr lang="es-ES_tradnl" sz="2000" b="1" dirty="0"/>
+          </a:p>
+          <a:p>
+            <a:pPr marL="342900" indent="-342900">
+              <a:buFont typeface="Arial"/>
+              <a:buChar char="•"/>
+            </a:pPr>
+            <a:r>
+              <a:rPr lang="es-VE" sz="2000" u="sng" dirty="0"/>
+              <a:t>Opción de Realidad Aumentada 3D desplegando información de los sitios que puede encontrar a su alrededor según la imagen</a:t>
+            </a:r>
+            <a:r>
+              <a:rPr lang="es-ES_tradnl" sz="2000" dirty="0"/>
+              <a:t>.</a:t>
+            </a:r>
+            <a:endParaRPr lang="es-ES" sz="2000" b="1" dirty="0"/>
+          </a:p>
+        </p:txBody>
+      </p:sp>
     </p:spTree>
     <p:extLst>
       <p:ext uri="{BB962C8B-B14F-4D97-AF65-F5344CB8AC3E}">
-        <p14:creationId xmlns:p14="http://schemas.microsoft.com/office/powerpoint/2010/main" val="3103891138"/>
+        <p14:creationId xmlns:p14="http://schemas.microsoft.com/office/powerpoint/2010/main" val="4051898485"/>
       </p:ext>
     </p:extLst>
   </p:cSld>
@@ -9792,10 +11365,102 @@
           </a:p>
         </p:txBody>
       </p:sp>
+      <p:sp>
+        <p:nvSpPr>
+          <p:cNvPr id="7" name="CuadroTexto 6"/>
+          <p:cNvSpPr txBox="1"/>
+          <p:nvPr/>
+        </p:nvSpPr>
+        <p:spPr>
+          <a:xfrm>
+            <a:off x="558213" y="1035741"/>
+            <a:ext cx="2433278" cy="584776"/>
+          </a:xfrm>
+          <a:prstGeom prst="rect">
+            <a:avLst/>
+          </a:prstGeom>
+          <a:noFill/>
+        </p:spPr>
+        <p:txBody>
+          <a:bodyPr wrap="none" rtlCol="0">
+            <a:spAutoFit/>
+          </a:bodyPr>
+          <a:lstStyle/>
+          <a:p>
+            <a:r>
+              <a:rPr lang="es-ES" sz="3200" b="1" dirty="0" smtClean="0"/>
+              <a:t>RESULTADOS</a:t>
+            </a:r>
+            <a:endParaRPr lang="es-ES" sz="3200" b="1" dirty="0"/>
+          </a:p>
+        </p:txBody>
+      </p:sp>
+      <p:sp>
+        <p:nvSpPr>
+          <p:cNvPr id="8" name="Rectángulo 7"/>
+          <p:cNvSpPr/>
+          <p:nvPr/>
+        </p:nvSpPr>
+        <p:spPr>
+          <a:xfrm>
+            <a:off x="788307" y="1989919"/>
+            <a:ext cx="7488920" cy="1323439"/>
+          </a:xfrm>
+          <a:prstGeom prst="rect">
+            <a:avLst/>
+          </a:prstGeom>
+        </p:spPr>
+        <p:txBody>
+          <a:bodyPr wrap="square">
+            <a:spAutoFit/>
+          </a:bodyPr>
+          <a:lstStyle/>
+          <a:p>
+            <a:pPr marL="457200" indent="-457200">
+              <a:buFont typeface="+mj-lt"/>
+              <a:buAutoNum type="arabicPeriod" startAt="4"/>
+            </a:pPr>
+            <a:r>
+              <a:rPr lang="es-VE" sz="2000" b="1" dirty="0"/>
+              <a:t>Diseñar e implementar un módulo que suministre información de interés combinando NFC y Realidad </a:t>
+            </a:r>
+            <a:r>
+              <a:rPr lang="es-VE" sz="2000" b="1" dirty="0" smtClean="0"/>
+              <a:t>Aumentada</a:t>
+            </a:r>
+          </a:p>
+          <a:p>
+            <a:pPr marL="457200" indent="-457200">
+              <a:buFont typeface="+mj-lt"/>
+              <a:buAutoNum type="arabicPeriod" startAt="4"/>
+            </a:pPr>
+            <a:endParaRPr lang="es-VE" sz="2000" b="1" dirty="0"/>
+          </a:p>
+          <a:p>
+            <a:pPr marL="342900" indent="-342900">
+              <a:buFont typeface="Arial"/>
+              <a:buChar char="•"/>
+            </a:pPr>
+            <a:r>
+              <a:rPr lang="es-VE" sz="2000" dirty="0" smtClean="0"/>
+              <a:t>C</a:t>
+            </a:r>
+            <a:r>
+              <a:rPr lang="es-ES_tradnl" sz="2000" dirty="0" err="1" smtClean="0"/>
+              <a:t>olocar</a:t>
+            </a:r>
+            <a:r>
+              <a:rPr lang="es-ES_tradnl" sz="2000" dirty="0" smtClean="0"/>
+              <a:t> imagen</a:t>
+            </a:r>
+            <a:endParaRPr lang="es-ES" sz="2000" b="1" dirty="0"/>
+          </a:p>
+        </p:txBody>
+      </p:sp>
     </p:spTree>
     <p:extLst>
       <p:ext uri="{BB962C8B-B14F-4D97-AF65-F5344CB8AC3E}">
-        <p14:creationId xmlns:p14="http://schemas.microsoft.com/office/powerpoint/2010/main" val="601860428"/>
+        <p14:creationId xmlns:p14="http://schemas.microsoft.com/office/powerpoint/2010/main" val="3768613342"/>
       </p:ext>
     </p:extLst>
   </p:cSld>
@@ -10036,10 +11701,77 @@
           </a:p>
         </p:txBody>
       </p:sp>
+      <p:sp>
+        <p:nvSpPr>
+          <p:cNvPr id="7" name="CuadroTexto 6"/>
+          <p:cNvSpPr txBox="1"/>
+          <p:nvPr/>
+        </p:nvSpPr>
+        <p:spPr>
+          <a:xfrm>
+            <a:off x="558213" y="1035741"/>
+            <a:ext cx="2433278" cy="584776"/>
+          </a:xfrm>
+          <a:prstGeom prst="rect">
+            <a:avLst/>
+          </a:prstGeom>
+          <a:noFill/>
+        </p:spPr>
+        <p:txBody>
+          <a:bodyPr wrap="none" rtlCol="0">
+            <a:spAutoFit/>
+          </a:bodyPr>
+          <a:lstStyle/>
+          <a:p>
+            <a:r>
+              <a:rPr lang="es-ES" sz="3200" b="1" dirty="0" smtClean="0"/>
+              <a:t>RESULTADOS</a:t>
+            </a:r>
+            <a:endParaRPr lang="es-ES" sz="3200" b="1" dirty="0"/>
+          </a:p>
+        </p:txBody>
+      </p:sp>
+      <p:sp>
+        <p:nvSpPr>
+          <p:cNvPr id="8" name="Rectángulo 7"/>
+          <p:cNvSpPr/>
+          <p:nvPr/>
+        </p:nvSpPr>
+        <p:spPr>
+          <a:xfrm>
+            <a:off x="788307" y="1989919"/>
+            <a:ext cx="7488920" cy="707886"/>
+          </a:xfrm>
+          <a:prstGeom prst="rect">
+            <a:avLst/>
+          </a:prstGeom>
+        </p:spPr>
+        <p:txBody>
+          <a:bodyPr wrap="square">
+            <a:spAutoFit/>
+          </a:bodyPr>
+          <a:lstStyle/>
+          <a:p>
+            <a:pPr marL="457200" indent="-457200">
+              <a:buFont typeface="+mj-lt"/>
+              <a:buAutoNum type="arabicPeriod" startAt="5"/>
+            </a:pPr>
+            <a:r>
+              <a:rPr lang="es-VE" sz="2000" b="1" dirty="0"/>
+              <a:t>Diseñar e implementar una Base de Datos que contenga la información necesaria para el uso de la </a:t>
+            </a:r>
+            <a:r>
+              <a:rPr lang="es-VE" sz="2000" b="1" dirty="0" smtClean="0"/>
+              <a:t>aplicación</a:t>
+            </a:r>
+            <a:endParaRPr lang="es-ES" sz="2000" b="1" dirty="0"/>
+          </a:p>
+        </p:txBody>
+      </p:sp>
     </p:spTree>
     <p:extLst>
       <p:ext uri="{BB962C8B-B14F-4D97-AF65-F5344CB8AC3E}">
-        <p14:creationId xmlns:p14="http://schemas.microsoft.com/office/powerpoint/2010/main" val="2449295398"/>
+        <p14:creationId xmlns:p14="http://schemas.microsoft.com/office/powerpoint/2010/main" val="2190836126"/>
       </p:ext>
     </p:extLst>
   </p:cSld>
@@ -10280,10 +12012,77 @@
           </a:p>
         </p:txBody>
       </p:sp>
+      <p:sp>
+        <p:nvSpPr>
+          <p:cNvPr id="7" name="CuadroTexto 6"/>
+          <p:cNvSpPr txBox="1"/>
+          <p:nvPr/>
+        </p:nvSpPr>
+        <p:spPr>
+          <a:xfrm>
+            <a:off x="558213" y="1035741"/>
+            <a:ext cx="2433278" cy="584776"/>
+          </a:xfrm>
+          <a:prstGeom prst="rect">
+            <a:avLst/>
+          </a:prstGeom>
+          <a:noFill/>
+        </p:spPr>
+        <p:txBody>
+          <a:bodyPr wrap="none" rtlCol="0">
+            <a:spAutoFit/>
+          </a:bodyPr>
+          <a:lstStyle/>
+          <a:p>
+            <a:r>
+              <a:rPr lang="es-ES" sz="3200" b="1" dirty="0" smtClean="0"/>
+              <a:t>RESULTADOS</a:t>
+            </a:r>
+            <a:endParaRPr lang="es-ES" sz="3200" b="1" dirty="0"/>
+          </a:p>
+        </p:txBody>
+      </p:sp>
+      <p:sp>
+        <p:nvSpPr>
+          <p:cNvPr id="8" name="Rectángulo 7"/>
+          <p:cNvSpPr/>
+          <p:nvPr/>
+        </p:nvSpPr>
+        <p:spPr>
+          <a:xfrm>
+            <a:off x="788307" y="1989919"/>
+            <a:ext cx="7488920" cy="707886"/>
+          </a:xfrm>
+          <a:prstGeom prst="rect">
+            <a:avLst/>
+          </a:prstGeom>
+        </p:spPr>
+        <p:txBody>
+          <a:bodyPr wrap="square">
+            <a:spAutoFit/>
+          </a:bodyPr>
+          <a:lstStyle/>
+          <a:p>
+            <a:pPr marL="457200" indent="-457200">
+              <a:buFont typeface="+mj-lt"/>
+              <a:buAutoNum type="arabicPeriod" startAt="6"/>
+            </a:pPr>
+            <a:r>
+              <a:rPr lang="es-VE" sz="2000" b="1" dirty="0"/>
+              <a:t>Diseñar e implementar un módulo de guía al usuario y consejos útiles que permita ayudarlo en el correcto uso de la aplicación</a:t>
+            </a:r>
+            <a:r>
+              <a:rPr lang="es-ES_tradnl" sz="2000" b="1" dirty="0"/>
+              <a:t> </a:t>
+            </a:r>
+            <a:endParaRPr lang="es-ES" sz="2000" b="1" dirty="0"/>
+          </a:p>
+        </p:txBody>
+      </p:sp>
     </p:spTree>
     <p:extLst>
       <p:ext uri="{BB962C8B-B14F-4D97-AF65-F5344CB8AC3E}">
-        <p14:creationId xmlns:p14="http://schemas.microsoft.com/office/powerpoint/2010/main" val="1674319255"/>
+        <p14:creationId xmlns:p14="http://schemas.microsoft.com/office/powerpoint/2010/main" val="2734856374"/>
       </p:ext>
     </p:extLst>
   </p:cSld>
@@ -10524,10 +12323,77 @@
           </a:p>
         </p:txBody>
       </p:sp>
+      <p:sp>
+        <p:nvSpPr>
+          <p:cNvPr id="7" name="CuadroTexto 6"/>
+          <p:cNvSpPr txBox="1"/>
+          <p:nvPr/>
+        </p:nvSpPr>
+        <p:spPr>
+          <a:xfrm>
+            <a:off x="558213" y="1035741"/>
+            <a:ext cx="2433278" cy="584776"/>
+          </a:xfrm>
+          <a:prstGeom prst="rect">
+            <a:avLst/>
+          </a:prstGeom>
+          <a:noFill/>
+        </p:spPr>
+        <p:txBody>
+          <a:bodyPr wrap="none" rtlCol="0">
+            <a:spAutoFit/>
+          </a:bodyPr>
+          <a:lstStyle/>
+          <a:p>
+            <a:r>
+              <a:rPr lang="es-ES" sz="3200" b="1" dirty="0" smtClean="0"/>
+              <a:t>RESULTADOS</a:t>
+            </a:r>
+            <a:endParaRPr lang="es-ES" sz="3200" b="1" dirty="0"/>
+          </a:p>
+        </p:txBody>
+      </p:sp>
+      <p:sp>
+        <p:nvSpPr>
+          <p:cNvPr id="8" name="Rectángulo 7"/>
+          <p:cNvSpPr/>
+          <p:nvPr/>
+        </p:nvSpPr>
+        <p:spPr>
+          <a:xfrm>
+            <a:off x="788307" y="1989919"/>
+            <a:ext cx="7488920" cy="1015663"/>
+          </a:xfrm>
+          <a:prstGeom prst="rect">
+            <a:avLst/>
+          </a:prstGeom>
+        </p:spPr>
+        <p:txBody>
+          <a:bodyPr wrap="square">
+            <a:spAutoFit/>
+          </a:bodyPr>
+          <a:lstStyle/>
+          <a:p>
+            <a:pPr marL="457200" indent="-457200">
+              <a:buFont typeface="+mj-lt"/>
+              <a:buAutoNum type="arabicPeriod" startAt="7"/>
+            </a:pPr>
+            <a:r>
+              <a:rPr lang="es-VE" sz="2000" b="1" dirty="0"/>
+              <a:t>Diseñar e implementar una interfaz gráfica amigable que interactuará con el usuario en los diferentes módulos de la aplicación</a:t>
+            </a:r>
+            <a:r>
+              <a:rPr lang="es-ES_tradnl" sz="2000" b="1" dirty="0"/>
+              <a:t> </a:t>
+            </a:r>
+            <a:endParaRPr lang="es-ES" sz="2000" b="1" dirty="0"/>
+          </a:p>
+        </p:txBody>
+      </p:sp>
     </p:spTree>
     <p:extLst>
       <p:ext uri="{BB962C8B-B14F-4D97-AF65-F5344CB8AC3E}">
-        <p14:creationId xmlns:p14="http://schemas.microsoft.com/office/powerpoint/2010/main" val="3207815526"/>
+        <p14:creationId xmlns:p14="http://schemas.microsoft.com/office/powerpoint/2010/main" val="3957437265"/>
       </p:ext>
     </p:extLst>
   </p:cSld>
@@ -10768,10 +12634,77 @@
           </a:p>
         </p:txBody>
       </p:sp>
+      <p:sp>
+        <p:nvSpPr>
+          <p:cNvPr id="7" name="CuadroTexto 6"/>
+          <p:cNvSpPr txBox="1"/>
+          <p:nvPr/>
+        </p:nvSpPr>
+        <p:spPr>
+          <a:xfrm>
+            <a:off x="558213" y="1035741"/>
+            <a:ext cx="2433278" cy="584776"/>
+          </a:xfrm>
+          <a:prstGeom prst="rect">
+            <a:avLst/>
+          </a:prstGeom>
+          <a:noFill/>
+        </p:spPr>
+        <p:txBody>
+          <a:bodyPr wrap="none" rtlCol="0">
+            <a:spAutoFit/>
+          </a:bodyPr>
+          <a:lstStyle/>
+          <a:p>
+            <a:r>
+              <a:rPr lang="es-ES" sz="3200" b="1" dirty="0" smtClean="0"/>
+              <a:t>RESULTADOS</a:t>
+            </a:r>
+            <a:endParaRPr lang="es-ES" sz="3200" b="1" dirty="0"/>
+          </a:p>
+        </p:txBody>
+      </p:sp>
+      <p:sp>
+        <p:nvSpPr>
+          <p:cNvPr id="8" name="Rectángulo 7"/>
+          <p:cNvSpPr/>
+          <p:nvPr/>
+        </p:nvSpPr>
+        <p:spPr>
+          <a:xfrm>
+            <a:off x="788307" y="1989919"/>
+            <a:ext cx="7488920" cy="707886"/>
+          </a:xfrm>
+          <a:prstGeom prst="rect">
+            <a:avLst/>
+          </a:prstGeom>
+        </p:spPr>
+        <p:txBody>
+          <a:bodyPr wrap="square">
+            <a:spAutoFit/>
+          </a:bodyPr>
+          <a:lstStyle/>
+          <a:p>
+            <a:pPr marL="457200" indent="-457200">
+              <a:buFont typeface="+mj-lt"/>
+              <a:buAutoNum type="arabicPeriod" startAt="8"/>
+            </a:pPr>
+            <a:r>
+              <a:rPr lang="es-VE" sz="2000" b="1" dirty="0"/>
+              <a:t>Diseñar e implementar un Backend que maneje toda la lógica y servicios web de la aplicación</a:t>
+            </a:r>
+            <a:r>
+              <a:rPr lang="es-ES_tradnl" sz="2000" b="1" dirty="0"/>
+              <a:t> </a:t>
+            </a:r>
+            <a:endParaRPr lang="es-ES" sz="2000" b="1" dirty="0"/>
+          </a:p>
+        </p:txBody>
+      </p:sp>
     </p:spTree>
     <p:extLst>
       <p:ext uri="{BB962C8B-B14F-4D97-AF65-F5344CB8AC3E}">
-        <p14:creationId xmlns:p14="http://schemas.microsoft.com/office/powerpoint/2010/main" val="3300688876"/>
+        <p14:creationId xmlns:p14="http://schemas.microsoft.com/office/powerpoint/2010/main" val="1699508303"/>
       </p:ext>
     </p:extLst>
   </p:cSld>
@@ -11012,10 +12945,40 @@
           </a:p>
         </p:txBody>
       </p:sp>
+      <p:sp>
+        <p:nvSpPr>
+          <p:cNvPr id="7" name="CuadroTexto 6"/>
+          <p:cNvSpPr txBox="1"/>
+          <p:nvPr/>
+        </p:nvSpPr>
+        <p:spPr>
+          <a:xfrm>
+            <a:off x="558213" y="1035741"/>
+            <a:ext cx="2433278" cy="584776"/>
+          </a:xfrm>
+          <a:prstGeom prst="rect">
+            <a:avLst/>
+          </a:prstGeom>
+          <a:noFill/>
+        </p:spPr>
+        <p:txBody>
+          <a:bodyPr wrap="none" rtlCol="0">
+            <a:spAutoFit/>
+          </a:bodyPr>
+          <a:lstStyle/>
+          <a:p>
+            <a:r>
+              <a:rPr lang="es-ES" sz="3200" b="1" dirty="0" smtClean="0"/>
+              <a:t>RESULTADOS</a:t>
+            </a:r>
+            <a:endParaRPr lang="es-ES" sz="3200" b="1" dirty="0"/>
+          </a:p>
+        </p:txBody>
+      </p:sp>
     </p:spTree>
     <p:extLst>
       <p:ext uri="{BB962C8B-B14F-4D97-AF65-F5344CB8AC3E}">
-        <p14:creationId xmlns:p14="http://schemas.microsoft.com/office/powerpoint/2010/main" val="1478846154"/>
+        <p14:creationId xmlns:p14="http://schemas.microsoft.com/office/powerpoint/2010/main" val="1277649564"/>
       </p:ext>
     </p:extLst>
   </p:cSld>
@@ -11256,10 +13219,40 @@
           </a:p>
         </p:txBody>
       </p:sp>
+      <p:sp>
+        <p:nvSpPr>
+          <p:cNvPr id="7" name="CuadroTexto 6"/>
+          <p:cNvSpPr txBox="1"/>
+          <p:nvPr/>
+        </p:nvSpPr>
+        <p:spPr>
+          <a:xfrm>
+            <a:off x="558213" y="1035741"/>
+            <a:ext cx="2433278" cy="584776"/>
+          </a:xfrm>
+          <a:prstGeom prst="rect">
+            <a:avLst/>
+          </a:prstGeom>
+          <a:noFill/>
+        </p:spPr>
+        <p:txBody>
+          <a:bodyPr wrap="none" rtlCol="0">
+            <a:spAutoFit/>
+          </a:bodyPr>
+          <a:lstStyle/>
+          <a:p>
+            <a:r>
+              <a:rPr lang="es-ES" sz="3200" b="1" dirty="0" smtClean="0"/>
+              <a:t>RESULTADOS</a:t>
+            </a:r>
+            <a:endParaRPr lang="es-ES" sz="3200" b="1" dirty="0"/>
+          </a:p>
+        </p:txBody>
+      </p:sp>
     </p:spTree>
     <p:extLst>
       <p:ext uri="{BB962C8B-B14F-4D97-AF65-F5344CB8AC3E}">
-        <p14:creationId xmlns:p14="http://schemas.microsoft.com/office/powerpoint/2010/main" val="1365234536"/>
+        <p14:creationId xmlns:p14="http://schemas.microsoft.com/office/powerpoint/2010/main" val="1439971121"/>
       </p:ext>
     </p:extLst>
   </p:cSld>
@@ -11502,14 +13495,14 @@
       </p:sp>
       <p:sp>
         <p:nvSpPr>
-          <p:cNvPr id="2" name="CuadroTexto 1"/>
+          <p:cNvPr id="7" name="CuadroTexto 6"/>
           <p:cNvSpPr txBox="1"/>
           <p:nvPr/>
         </p:nvSpPr>
         <p:spPr>
           <a:xfrm>
             <a:off x="558213" y="1035741"/>
-            <a:ext cx="3715681" cy="584776"/>
+            <a:ext cx="2433278" cy="584776"/>
           </a:xfrm>
           <a:prstGeom prst="rect">
             <a:avLst/>
@@ -11524,7 +13517,7 @@
           <a:p>
             <a:r>
               <a:rPr lang="es-ES" sz="3200" b="1" dirty="0" smtClean="0"/>
-              <a:t>RECOMENDACIONES</a:t>
+              <a:t>RESULTADOS</a:t>
             </a:r>
             <a:endParaRPr lang="es-ES" sz="3200" b="1" dirty="0"/>
           </a:p>
@@ -11533,7 +13526,7 @@
     </p:spTree>
     <p:extLst>
       <p:ext uri="{BB962C8B-B14F-4D97-AF65-F5344CB8AC3E}">
-        <p14:creationId xmlns:p14="http://schemas.microsoft.com/office/powerpoint/2010/main" val="3233043201"/>
+        <p14:creationId xmlns:p14="http://schemas.microsoft.com/office/powerpoint/2010/main" val="4173359480"/>
       </p:ext>
     </p:extLst>
   </p:cSld>
@@ -12094,6 +14087,3727 @@
         </p:nvSpPr>
         <p:spPr>
           <a:xfrm>
+            <a:off x="558213" y="1035741"/>
+            <a:ext cx="2433278" cy="584776"/>
+          </a:xfrm>
+          <a:prstGeom prst="rect">
+            <a:avLst/>
+          </a:prstGeom>
+          <a:noFill/>
+        </p:spPr>
+        <p:txBody>
+          <a:bodyPr wrap="none" rtlCol="0">
+            <a:spAutoFit/>
+          </a:bodyPr>
+          <a:lstStyle/>
+          <a:p>
+            <a:r>
+              <a:rPr lang="es-ES" sz="3200" b="1" dirty="0" smtClean="0"/>
+              <a:t>RESULTADOS</a:t>
+            </a:r>
+            <a:endParaRPr lang="es-ES" sz="3200" b="1" dirty="0"/>
+          </a:p>
+        </p:txBody>
+      </p:sp>
+    </p:spTree>
+    <p:extLst>
+      <p:ext uri="{BB962C8B-B14F-4D97-AF65-F5344CB8AC3E}">
+        <p14:creationId xmlns:p14="http://schemas.microsoft.com/office/powerpoint/2010/main" val="4141829519"/>
+      </p:ext>
+    </p:extLst>
+  </p:cSld>
+  <p:clrMapOvr>
+    <a:masterClrMapping/>
+  </p:clrMapOvr>
+  <mc:AlternateContent xmlns:mc="http://schemas.openxmlformats.org/markup-compatibility/2006" xmlns:p14="http://schemas.microsoft.com/office/powerpoint/2010/main">
+    <mc:Choice Requires="p14">
+      <p:transition p14:dur="0" advClick="0"/>
+    </mc:Choice>
+    <mc:Fallback xmlns="">
+      <p:transition xmlns:p14="http://schemas.microsoft.com/office/powerpoint/2010/main" advClick="0"/>
+    </mc:Fallback>
+  </mc:AlternateContent>
+  <p:timing>
+    <p:tnLst>
+      <p:par>
+        <p:cTn xmlns:p14="http://schemas.microsoft.com/office/powerpoint/2010/main" id="1" dur="indefinite" restart="never" nodeType="tmRoot"/>
+      </p:par>
+    </p:tnLst>
+  </p:timing>
+</p:sld>
+</file>
+
+<file path=ppt/slides/slide41.xml><?xml version="1.0" encoding="utf-8"?>
+<p:sld xmlns:a="http://schemas.openxmlformats.org/drawingml/2006/main" xmlns:r="http://schemas.openxmlformats.org/officeDocument/2006/relationships" xmlns:p="http://schemas.openxmlformats.org/presentationml/2006/main">
+  <p:cSld>
+    <p:bg>
+      <p:bgPr>
+        <a:gradFill flip="none" rotWithShape="1">
+          <a:gsLst>
+            <a:gs pos="92000">
+              <a:schemeClr val="bg1"/>
+            </a:gs>
+            <a:gs pos="98000">
+              <a:srgbClr val="0A4E19"/>
+            </a:gs>
+            <a:gs pos="94000">
+              <a:srgbClr val="FECC2B"/>
+            </a:gs>
+            <a:gs pos="96000">
+              <a:srgbClr val="14A4DA">
+                <a:alpha val="83000"/>
+              </a:srgbClr>
+            </a:gs>
+            <a:gs pos="0">
+              <a:schemeClr val="bg1">
+                <a:alpha val="76000"/>
+              </a:schemeClr>
+            </a:gs>
+            <a:gs pos="17000">
+              <a:schemeClr val="bg1">
+                <a:alpha val="76000"/>
+              </a:schemeClr>
+            </a:gs>
+          </a:gsLst>
+          <a:lin ang="5400000" scaled="0"/>
+          <a:tileRect/>
+        </a:gradFill>
+        <a:effectLst/>
+      </p:bgPr>
+    </p:bg>
+    <p:spTree>
+      <p:nvGrpSpPr>
+        <p:cNvPr id="1" name=""/>
+        <p:cNvGrpSpPr/>
+        <p:nvPr/>
+      </p:nvGrpSpPr>
+      <p:grpSpPr>
+        <a:xfrm>
+          <a:off x="0" y="0"/>
+          <a:ext cx="0" cy="0"/>
+          <a:chOff x="0" y="0"/>
+          <a:chExt cx="0" cy="0"/>
+        </a:xfrm>
+      </p:grpSpPr>
+      <p:pic>
+        <p:nvPicPr>
+          <p:cNvPr id="14" name="Imagen 13" descr="ic_launcher.png"/>
+          <p:cNvPicPr>
+            <a:picLocks noChangeAspect="1"/>
+          </p:cNvPicPr>
+          <p:nvPr/>
+        </p:nvPicPr>
+        <p:blipFill>
+          <a:blip r:embed="rId2">
+            <a:extLst>
+              <a:ext uri="{28A0092B-C50C-407E-A947-70E740481C1C}">
+                <a14:useLocalDpi xmlns:a14="http://schemas.microsoft.com/office/drawing/2010/main" val="0"/>
+              </a:ext>
+            </a:extLst>
+          </a:blip>
+          <a:stretch>
+            <a:fillRect/>
+          </a:stretch>
+        </p:blipFill>
+        <p:spPr>
+          <a:xfrm>
+            <a:off x="8069306" y="5411694"/>
+            <a:ext cx="914400" cy="914400"/>
+          </a:xfrm>
+          <a:prstGeom prst="rect">
+            <a:avLst/>
+          </a:prstGeom>
+        </p:spPr>
+      </p:pic>
+      <p:pic>
+        <p:nvPicPr>
+          <p:cNvPr id="16" name="Imagen 15" descr="LogoUCAB600x123.png"/>
+          <p:cNvPicPr>
+            <a:picLocks noChangeAspect="1"/>
+          </p:cNvPicPr>
+          <p:nvPr/>
+        </p:nvPicPr>
+        <p:blipFill>
+          <a:blip r:embed="rId3">
+            <a:extLst>
+              <a:ext uri="{28A0092B-C50C-407E-A947-70E740481C1C}">
+                <a14:useLocalDpi xmlns:a14="http://schemas.microsoft.com/office/drawing/2010/main" val="0"/>
+              </a:ext>
+            </a:extLst>
+          </a:blip>
+          <a:stretch>
+            <a:fillRect/>
+          </a:stretch>
+        </p:blipFill>
+        <p:spPr>
+          <a:xfrm>
+            <a:off x="0" y="39706"/>
+            <a:ext cx="3839881" cy="787176"/>
+          </a:xfrm>
+          <a:prstGeom prst="rect">
+            <a:avLst/>
+          </a:prstGeom>
+        </p:spPr>
+      </p:pic>
+      <p:sp>
+        <p:nvSpPr>
+          <p:cNvPr id="17" name="CuadroTexto 16"/>
+          <p:cNvSpPr txBox="1"/>
+          <p:nvPr/>
+        </p:nvSpPr>
+        <p:spPr>
+          <a:xfrm>
+            <a:off x="5065059" y="5734425"/>
+            <a:ext cx="2973294" cy="584776"/>
+          </a:xfrm>
+          <a:prstGeom prst="rect">
+            <a:avLst/>
+          </a:prstGeom>
+          <a:noFill/>
+        </p:spPr>
+        <p:txBody>
+          <a:bodyPr wrap="square" rtlCol="0">
+            <a:spAutoFit/>
+          </a:bodyPr>
+          <a:lstStyle/>
+          <a:p>
+            <a:r>
+              <a:rPr lang="es-ES" sz="1600" b="1" dirty="0" smtClean="0"/>
+              <a:t>Sears </a:t>
+            </a:r>
+            <a:r>
+              <a:rPr lang="es-ES" sz="1600" b="1" dirty="0" err="1" smtClean="0"/>
+              <a:t>Zuñiga</a:t>
+            </a:r>
+            <a:r>
+              <a:rPr lang="es-ES" sz="1600" b="1" dirty="0" smtClean="0"/>
+              <a:t>, Teddy John</a:t>
+            </a:r>
+          </a:p>
+          <a:p>
+            <a:r>
+              <a:rPr lang="es-ES" sz="1600" b="1" dirty="0" smtClean="0"/>
+              <a:t>Villamizar Meza, Sandra </a:t>
+            </a:r>
+            <a:r>
+              <a:rPr lang="es-ES" sz="1600" b="1" dirty="0" err="1" smtClean="0"/>
+              <a:t>Lisett</a:t>
+            </a:r>
+            <a:endParaRPr lang="es-ES" sz="1600" b="1" dirty="0"/>
+          </a:p>
+        </p:txBody>
+      </p:sp>
+      <p:sp>
+        <p:nvSpPr>
+          <p:cNvPr id="18" name="CuadroTexto 17"/>
+          <p:cNvSpPr txBox="1"/>
+          <p:nvPr/>
+        </p:nvSpPr>
+        <p:spPr>
+          <a:xfrm>
+            <a:off x="1613647" y="433294"/>
+            <a:ext cx="184666" cy="369332"/>
+          </a:xfrm>
+          <a:prstGeom prst="rect">
+            <a:avLst/>
+          </a:prstGeom>
+          <a:noFill/>
+        </p:spPr>
+        <p:txBody>
+          <a:bodyPr wrap="none" rtlCol="0">
+            <a:spAutoFit/>
+          </a:bodyPr>
+          <a:lstStyle/>
+          <a:p>
+            <a:endParaRPr lang="es-ES" dirty="0"/>
+          </a:p>
+        </p:txBody>
+      </p:sp>
+      <p:sp>
+        <p:nvSpPr>
+          <p:cNvPr id="19" name="CuadroTexto 18"/>
+          <p:cNvSpPr txBox="1"/>
+          <p:nvPr/>
+        </p:nvSpPr>
+        <p:spPr>
+          <a:xfrm>
+            <a:off x="5558117" y="248628"/>
+            <a:ext cx="3365825" cy="369332"/>
+          </a:xfrm>
+          <a:prstGeom prst="rect">
+            <a:avLst/>
+          </a:prstGeom>
+          <a:noFill/>
+        </p:spPr>
+        <p:txBody>
+          <a:bodyPr wrap="none" rtlCol="0">
+            <a:spAutoFit/>
+          </a:bodyPr>
+          <a:lstStyle/>
+          <a:p>
+            <a:r>
+              <a:rPr lang="es-ES" b="1" dirty="0" smtClean="0"/>
+              <a:t>Escuela de Ingeniería Informática</a:t>
+            </a:r>
+            <a:endParaRPr lang="es-ES" b="1" dirty="0"/>
+          </a:p>
+        </p:txBody>
+      </p:sp>
+      <p:sp>
+        <p:nvSpPr>
+          <p:cNvPr id="7" name="CuadroTexto 6"/>
+          <p:cNvSpPr txBox="1"/>
+          <p:nvPr/>
+        </p:nvSpPr>
+        <p:spPr>
+          <a:xfrm>
+            <a:off x="558213" y="1035741"/>
+            <a:ext cx="2433278" cy="584776"/>
+          </a:xfrm>
+          <a:prstGeom prst="rect">
+            <a:avLst/>
+          </a:prstGeom>
+          <a:noFill/>
+        </p:spPr>
+        <p:txBody>
+          <a:bodyPr wrap="none" rtlCol="0">
+            <a:spAutoFit/>
+          </a:bodyPr>
+          <a:lstStyle/>
+          <a:p>
+            <a:r>
+              <a:rPr lang="es-ES" sz="3200" b="1" dirty="0" smtClean="0"/>
+              <a:t>RESULTADOS</a:t>
+            </a:r>
+            <a:endParaRPr lang="es-ES" sz="3200" b="1" dirty="0"/>
+          </a:p>
+        </p:txBody>
+      </p:sp>
+    </p:spTree>
+    <p:extLst>
+      <p:ext uri="{BB962C8B-B14F-4D97-AF65-F5344CB8AC3E}">
+        <p14:creationId xmlns:p14="http://schemas.microsoft.com/office/powerpoint/2010/main" val="2423455539"/>
+      </p:ext>
+    </p:extLst>
+  </p:cSld>
+  <p:clrMapOvr>
+    <a:masterClrMapping/>
+  </p:clrMapOvr>
+  <mc:AlternateContent xmlns:mc="http://schemas.openxmlformats.org/markup-compatibility/2006" xmlns:p14="http://schemas.microsoft.com/office/powerpoint/2010/main">
+    <mc:Choice Requires="p14">
+      <p:transition p14:dur="0" advClick="0"/>
+    </mc:Choice>
+    <mc:Fallback xmlns="">
+      <p:transition xmlns:p14="http://schemas.microsoft.com/office/powerpoint/2010/main" advClick="0"/>
+    </mc:Fallback>
+  </mc:AlternateContent>
+  <p:timing>
+    <p:tnLst>
+      <p:par>
+        <p:cTn xmlns:p14="http://schemas.microsoft.com/office/powerpoint/2010/main" id="1" dur="indefinite" restart="never" nodeType="tmRoot"/>
+      </p:par>
+    </p:tnLst>
+  </p:timing>
+</p:sld>
+</file>
+
+<file path=ppt/slides/slide42.xml><?xml version="1.0" encoding="utf-8"?>
+<p:sld xmlns:a="http://schemas.openxmlformats.org/drawingml/2006/main" xmlns:r="http://schemas.openxmlformats.org/officeDocument/2006/relationships" xmlns:p="http://schemas.openxmlformats.org/presentationml/2006/main">
+  <p:cSld>
+    <p:bg>
+      <p:bgPr>
+        <a:gradFill flip="none" rotWithShape="1">
+          <a:gsLst>
+            <a:gs pos="92000">
+              <a:schemeClr val="bg1"/>
+            </a:gs>
+            <a:gs pos="98000">
+              <a:srgbClr val="0A4E19"/>
+            </a:gs>
+            <a:gs pos="94000">
+              <a:srgbClr val="FECC2B"/>
+            </a:gs>
+            <a:gs pos="96000">
+              <a:srgbClr val="14A4DA">
+                <a:alpha val="83000"/>
+              </a:srgbClr>
+            </a:gs>
+            <a:gs pos="0">
+              <a:schemeClr val="bg1">
+                <a:alpha val="76000"/>
+              </a:schemeClr>
+            </a:gs>
+            <a:gs pos="17000">
+              <a:schemeClr val="bg1">
+                <a:alpha val="76000"/>
+              </a:schemeClr>
+            </a:gs>
+          </a:gsLst>
+          <a:lin ang="5400000" scaled="0"/>
+          <a:tileRect/>
+        </a:gradFill>
+        <a:effectLst/>
+      </p:bgPr>
+    </p:bg>
+    <p:spTree>
+      <p:nvGrpSpPr>
+        <p:cNvPr id="1" name=""/>
+        <p:cNvGrpSpPr/>
+        <p:nvPr/>
+      </p:nvGrpSpPr>
+      <p:grpSpPr>
+        <a:xfrm>
+          <a:off x="0" y="0"/>
+          <a:ext cx="0" cy="0"/>
+          <a:chOff x="0" y="0"/>
+          <a:chExt cx="0" cy="0"/>
+        </a:xfrm>
+      </p:grpSpPr>
+      <p:pic>
+        <p:nvPicPr>
+          <p:cNvPr id="14" name="Imagen 13" descr="ic_launcher.png"/>
+          <p:cNvPicPr>
+            <a:picLocks noChangeAspect="1"/>
+          </p:cNvPicPr>
+          <p:nvPr/>
+        </p:nvPicPr>
+        <p:blipFill>
+          <a:blip r:embed="rId2">
+            <a:extLst>
+              <a:ext uri="{28A0092B-C50C-407E-A947-70E740481C1C}">
+                <a14:useLocalDpi xmlns:a14="http://schemas.microsoft.com/office/drawing/2010/main" val="0"/>
+              </a:ext>
+            </a:extLst>
+          </a:blip>
+          <a:stretch>
+            <a:fillRect/>
+          </a:stretch>
+        </p:blipFill>
+        <p:spPr>
+          <a:xfrm>
+            <a:off x="8069306" y="5411694"/>
+            <a:ext cx="914400" cy="914400"/>
+          </a:xfrm>
+          <a:prstGeom prst="rect">
+            <a:avLst/>
+          </a:prstGeom>
+        </p:spPr>
+      </p:pic>
+      <p:pic>
+        <p:nvPicPr>
+          <p:cNvPr id="16" name="Imagen 15" descr="LogoUCAB600x123.png"/>
+          <p:cNvPicPr>
+            <a:picLocks noChangeAspect="1"/>
+          </p:cNvPicPr>
+          <p:nvPr/>
+        </p:nvPicPr>
+        <p:blipFill>
+          <a:blip r:embed="rId3">
+            <a:extLst>
+              <a:ext uri="{28A0092B-C50C-407E-A947-70E740481C1C}">
+                <a14:useLocalDpi xmlns:a14="http://schemas.microsoft.com/office/drawing/2010/main" val="0"/>
+              </a:ext>
+            </a:extLst>
+          </a:blip>
+          <a:stretch>
+            <a:fillRect/>
+          </a:stretch>
+        </p:blipFill>
+        <p:spPr>
+          <a:xfrm>
+            <a:off x="0" y="39706"/>
+            <a:ext cx="3839881" cy="787176"/>
+          </a:xfrm>
+          <a:prstGeom prst="rect">
+            <a:avLst/>
+          </a:prstGeom>
+        </p:spPr>
+      </p:pic>
+      <p:sp>
+        <p:nvSpPr>
+          <p:cNvPr id="17" name="CuadroTexto 16"/>
+          <p:cNvSpPr txBox="1"/>
+          <p:nvPr/>
+        </p:nvSpPr>
+        <p:spPr>
+          <a:xfrm>
+            <a:off x="5065059" y="5734425"/>
+            <a:ext cx="2973294" cy="584776"/>
+          </a:xfrm>
+          <a:prstGeom prst="rect">
+            <a:avLst/>
+          </a:prstGeom>
+          <a:noFill/>
+        </p:spPr>
+        <p:txBody>
+          <a:bodyPr wrap="square" rtlCol="0">
+            <a:spAutoFit/>
+          </a:bodyPr>
+          <a:lstStyle/>
+          <a:p>
+            <a:r>
+              <a:rPr lang="es-ES" sz="1600" b="1" dirty="0" smtClean="0"/>
+              <a:t>Sears </a:t>
+            </a:r>
+            <a:r>
+              <a:rPr lang="es-ES" sz="1600" b="1" dirty="0" err="1" smtClean="0"/>
+              <a:t>Zuñiga</a:t>
+            </a:r>
+            <a:r>
+              <a:rPr lang="es-ES" sz="1600" b="1" dirty="0" smtClean="0"/>
+              <a:t>, Teddy John</a:t>
+            </a:r>
+          </a:p>
+          <a:p>
+            <a:r>
+              <a:rPr lang="es-ES" sz="1600" b="1" dirty="0" smtClean="0"/>
+              <a:t>Villamizar Meza, Sandra </a:t>
+            </a:r>
+            <a:r>
+              <a:rPr lang="es-ES" sz="1600" b="1" dirty="0" err="1" smtClean="0"/>
+              <a:t>Lisett</a:t>
+            </a:r>
+            <a:endParaRPr lang="es-ES" sz="1600" b="1" dirty="0"/>
+          </a:p>
+        </p:txBody>
+      </p:sp>
+      <p:sp>
+        <p:nvSpPr>
+          <p:cNvPr id="18" name="CuadroTexto 17"/>
+          <p:cNvSpPr txBox="1"/>
+          <p:nvPr/>
+        </p:nvSpPr>
+        <p:spPr>
+          <a:xfrm>
+            <a:off x="1613647" y="433294"/>
+            <a:ext cx="184666" cy="369332"/>
+          </a:xfrm>
+          <a:prstGeom prst="rect">
+            <a:avLst/>
+          </a:prstGeom>
+          <a:noFill/>
+        </p:spPr>
+        <p:txBody>
+          <a:bodyPr wrap="none" rtlCol="0">
+            <a:spAutoFit/>
+          </a:bodyPr>
+          <a:lstStyle/>
+          <a:p>
+            <a:endParaRPr lang="es-ES" dirty="0"/>
+          </a:p>
+        </p:txBody>
+      </p:sp>
+      <p:sp>
+        <p:nvSpPr>
+          <p:cNvPr id="19" name="CuadroTexto 18"/>
+          <p:cNvSpPr txBox="1"/>
+          <p:nvPr/>
+        </p:nvSpPr>
+        <p:spPr>
+          <a:xfrm>
+            <a:off x="5558117" y="248628"/>
+            <a:ext cx="3365825" cy="369332"/>
+          </a:xfrm>
+          <a:prstGeom prst="rect">
+            <a:avLst/>
+          </a:prstGeom>
+          <a:noFill/>
+        </p:spPr>
+        <p:txBody>
+          <a:bodyPr wrap="none" rtlCol="0">
+            <a:spAutoFit/>
+          </a:bodyPr>
+          <a:lstStyle/>
+          <a:p>
+            <a:r>
+              <a:rPr lang="es-ES" b="1" dirty="0" smtClean="0"/>
+              <a:t>Escuela de Ingeniería Informática</a:t>
+            </a:r>
+            <a:endParaRPr lang="es-ES" b="1" dirty="0"/>
+          </a:p>
+        </p:txBody>
+      </p:sp>
+      <p:sp>
+        <p:nvSpPr>
+          <p:cNvPr id="7" name="CuadroTexto 6"/>
+          <p:cNvSpPr txBox="1"/>
+          <p:nvPr/>
+        </p:nvSpPr>
+        <p:spPr>
+          <a:xfrm>
+            <a:off x="558213" y="1035741"/>
+            <a:ext cx="2433278" cy="584776"/>
+          </a:xfrm>
+          <a:prstGeom prst="rect">
+            <a:avLst/>
+          </a:prstGeom>
+          <a:noFill/>
+        </p:spPr>
+        <p:txBody>
+          <a:bodyPr wrap="none" rtlCol="0">
+            <a:spAutoFit/>
+          </a:bodyPr>
+          <a:lstStyle/>
+          <a:p>
+            <a:r>
+              <a:rPr lang="es-ES" sz="3200" b="1" dirty="0" smtClean="0"/>
+              <a:t>RESULTADOS</a:t>
+            </a:r>
+            <a:endParaRPr lang="es-ES" sz="3200" b="1" dirty="0"/>
+          </a:p>
+        </p:txBody>
+      </p:sp>
+    </p:spTree>
+    <p:extLst>
+      <p:ext uri="{BB962C8B-B14F-4D97-AF65-F5344CB8AC3E}">
+        <p14:creationId xmlns:p14="http://schemas.microsoft.com/office/powerpoint/2010/main" val="3103891138"/>
+      </p:ext>
+    </p:extLst>
+  </p:cSld>
+  <p:clrMapOvr>
+    <a:masterClrMapping/>
+  </p:clrMapOvr>
+  <mc:AlternateContent xmlns:mc="http://schemas.openxmlformats.org/markup-compatibility/2006" xmlns:p14="http://schemas.microsoft.com/office/powerpoint/2010/main">
+    <mc:Choice Requires="p14">
+      <p:transition p14:dur="0" advClick="0"/>
+    </mc:Choice>
+    <mc:Fallback xmlns="">
+      <p:transition xmlns:p14="http://schemas.microsoft.com/office/powerpoint/2010/main" advClick="0"/>
+    </mc:Fallback>
+  </mc:AlternateContent>
+  <p:timing>
+    <p:tnLst>
+      <p:par>
+        <p:cTn xmlns:p14="http://schemas.microsoft.com/office/powerpoint/2010/main" id="1" dur="indefinite" restart="never" nodeType="tmRoot"/>
+      </p:par>
+    </p:tnLst>
+  </p:timing>
+</p:sld>
+</file>
+
+<file path=ppt/slides/slide43.xml><?xml version="1.0" encoding="utf-8"?>
+<p:sld xmlns:a="http://schemas.openxmlformats.org/drawingml/2006/main" xmlns:r="http://schemas.openxmlformats.org/officeDocument/2006/relationships" xmlns:p="http://schemas.openxmlformats.org/presentationml/2006/main">
+  <p:cSld>
+    <p:bg>
+      <p:bgPr>
+        <a:gradFill flip="none" rotWithShape="1">
+          <a:gsLst>
+            <a:gs pos="92000">
+              <a:schemeClr val="bg1"/>
+            </a:gs>
+            <a:gs pos="98000">
+              <a:srgbClr val="0A4E19"/>
+            </a:gs>
+            <a:gs pos="94000">
+              <a:srgbClr val="FECC2B"/>
+            </a:gs>
+            <a:gs pos="96000">
+              <a:srgbClr val="14A4DA">
+                <a:alpha val="83000"/>
+              </a:srgbClr>
+            </a:gs>
+            <a:gs pos="0">
+              <a:schemeClr val="bg1">
+                <a:alpha val="76000"/>
+              </a:schemeClr>
+            </a:gs>
+            <a:gs pos="17000">
+              <a:schemeClr val="bg1">
+                <a:alpha val="76000"/>
+              </a:schemeClr>
+            </a:gs>
+          </a:gsLst>
+          <a:lin ang="5400000" scaled="0"/>
+          <a:tileRect/>
+        </a:gradFill>
+        <a:effectLst/>
+      </p:bgPr>
+    </p:bg>
+    <p:spTree>
+      <p:nvGrpSpPr>
+        <p:cNvPr id="1" name=""/>
+        <p:cNvGrpSpPr/>
+        <p:nvPr/>
+      </p:nvGrpSpPr>
+      <p:grpSpPr>
+        <a:xfrm>
+          <a:off x="0" y="0"/>
+          <a:ext cx="0" cy="0"/>
+          <a:chOff x="0" y="0"/>
+          <a:chExt cx="0" cy="0"/>
+        </a:xfrm>
+      </p:grpSpPr>
+      <p:pic>
+        <p:nvPicPr>
+          <p:cNvPr id="14" name="Imagen 13" descr="ic_launcher.png"/>
+          <p:cNvPicPr>
+            <a:picLocks noChangeAspect="1"/>
+          </p:cNvPicPr>
+          <p:nvPr/>
+        </p:nvPicPr>
+        <p:blipFill>
+          <a:blip r:embed="rId2">
+            <a:extLst>
+              <a:ext uri="{28A0092B-C50C-407E-A947-70E740481C1C}">
+                <a14:useLocalDpi xmlns:a14="http://schemas.microsoft.com/office/drawing/2010/main" val="0"/>
+              </a:ext>
+            </a:extLst>
+          </a:blip>
+          <a:stretch>
+            <a:fillRect/>
+          </a:stretch>
+        </p:blipFill>
+        <p:spPr>
+          <a:xfrm>
+            <a:off x="8069306" y="5411694"/>
+            <a:ext cx="914400" cy="914400"/>
+          </a:xfrm>
+          <a:prstGeom prst="rect">
+            <a:avLst/>
+          </a:prstGeom>
+        </p:spPr>
+      </p:pic>
+      <p:pic>
+        <p:nvPicPr>
+          <p:cNvPr id="16" name="Imagen 15" descr="LogoUCAB600x123.png"/>
+          <p:cNvPicPr>
+            <a:picLocks noChangeAspect="1"/>
+          </p:cNvPicPr>
+          <p:nvPr/>
+        </p:nvPicPr>
+        <p:blipFill>
+          <a:blip r:embed="rId3">
+            <a:extLst>
+              <a:ext uri="{28A0092B-C50C-407E-A947-70E740481C1C}">
+                <a14:useLocalDpi xmlns:a14="http://schemas.microsoft.com/office/drawing/2010/main" val="0"/>
+              </a:ext>
+            </a:extLst>
+          </a:blip>
+          <a:stretch>
+            <a:fillRect/>
+          </a:stretch>
+        </p:blipFill>
+        <p:spPr>
+          <a:xfrm>
+            <a:off x="0" y="39706"/>
+            <a:ext cx="3839881" cy="787176"/>
+          </a:xfrm>
+          <a:prstGeom prst="rect">
+            <a:avLst/>
+          </a:prstGeom>
+        </p:spPr>
+      </p:pic>
+      <p:sp>
+        <p:nvSpPr>
+          <p:cNvPr id="17" name="CuadroTexto 16"/>
+          <p:cNvSpPr txBox="1"/>
+          <p:nvPr/>
+        </p:nvSpPr>
+        <p:spPr>
+          <a:xfrm>
+            <a:off x="5065059" y="5734425"/>
+            <a:ext cx="2973294" cy="584776"/>
+          </a:xfrm>
+          <a:prstGeom prst="rect">
+            <a:avLst/>
+          </a:prstGeom>
+          <a:noFill/>
+        </p:spPr>
+        <p:txBody>
+          <a:bodyPr wrap="square" rtlCol="0">
+            <a:spAutoFit/>
+          </a:bodyPr>
+          <a:lstStyle/>
+          <a:p>
+            <a:r>
+              <a:rPr lang="es-ES" sz="1600" b="1" dirty="0" smtClean="0"/>
+              <a:t>Sears </a:t>
+            </a:r>
+            <a:r>
+              <a:rPr lang="es-ES" sz="1600" b="1" dirty="0" err="1" smtClean="0"/>
+              <a:t>Zuñiga</a:t>
+            </a:r>
+            <a:r>
+              <a:rPr lang="es-ES" sz="1600" b="1" dirty="0" smtClean="0"/>
+              <a:t>, Teddy John</a:t>
+            </a:r>
+          </a:p>
+          <a:p>
+            <a:r>
+              <a:rPr lang="es-ES" sz="1600" b="1" dirty="0" smtClean="0"/>
+              <a:t>Villamizar Meza, Sandra </a:t>
+            </a:r>
+            <a:r>
+              <a:rPr lang="es-ES" sz="1600" b="1" dirty="0" err="1" smtClean="0"/>
+              <a:t>Lisett</a:t>
+            </a:r>
+            <a:endParaRPr lang="es-ES" sz="1600" b="1" dirty="0"/>
+          </a:p>
+        </p:txBody>
+      </p:sp>
+      <p:sp>
+        <p:nvSpPr>
+          <p:cNvPr id="18" name="CuadroTexto 17"/>
+          <p:cNvSpPr txBox="1"/>
+          <p:nvPr/>
+        </p:nvSpPr>
+        <p:spPr>
+          <a:xfrm>
+            <a:off x="1613647" y="433294"/>
+            <a:ext cx="184666" cy="369332"/>
+          </a:xfrm>
+          <a:prstGeom prst="rect">
+            <a:avLst/>
+          </a:prstGeom>
+          <a:noFill/>
+        </p:spPr>
+        <p:txBody>
+          <a:bodyPr wrap="none" rtlCol="0">
+            <a:spAutoFit/>
+          </a:bodyPr>
+          <a:lstStyle/>
+          <a:p>
+            <a:endParaRPr lang="es-ES" dirty="0"/>
+          </a:p>
+        </p:txBody>
+      </p:sp>
+      <p:sp>
+        <p:nvSpPr>
+          <p:cNvPr id="19" name="CuadroTexto 18"/>
+          <p:cNvSpPr txBox="1"/>
+          <p:nvPr/>
+        </p:nvSpPr>
+        <p:spPr>
+          <a:xfrm>
+            <a:off x="5558117" y="248628"/>
+            <a:ext cx="3365825" cy="369332"/>
+          </a:xfrm>
+          <a:prstGeom prst="rect">
+            <a:avLst/>
+          </a:prstGeom>
+          <a:noFill/>
+        </p:spPr>
+        <p:txBody>
+          <a:bodyPr wrap="none" rtlCol="0">
+            <a:spAutoFit/>
+          </a:bodyPr>
+          <a:lstStyle/>
+          <a:p>
+            <a:r>
+              <a:rPr lang="es-ES" b="1" dirty="0" smtClean="0"/>
+              <a:t>Escuela de Ingeniería Informática</a:t>
+            </a:r>
+            <a:endParaRPr lang="es-ES" b="1" dirty="0"/>
+          </a:p>
+        </p:txBody>
+      </p:sp>
+      <p:sp>
+        <p:nvSpPr>
+          <p:cNvPr id="7" name="CuadroTexto 6"/>
+          <p:cNvSpPr txBox="1"/>
+          <p:nvPr/>
+        </p:nvSpPr>
+        <p:spPr>
+          <a:xfrm>
+            <a:off x="558213" y="1035741"/>
+            <a:ext cx="2433278" cy="584776"/>
+          </a:xfrm>
+          <a:prstGeom prst="rect">
+            <a:avLst/>
+          </a:prstGeom>
+          <a:noFill/>
+        </p:spPr>
+        <p:txBody>
+          <a:bodyPr wrap="none" rtlCol="0">
+            <a:spAutoFit/>
+          </a:bodyPr>
+          <a:lstStyle/>
+          <a:p>
+            <a:r>
+              <a:rPr lang="es-ES" sz="3200" b="1" dirty="0" smtClean="0"/>
+              <a:t>RESULTADOS</a:t>
+            </a:r>
+            <a:endParaRPr lang="es-ES" sz="3200" b="1" dirty="0"/>
+          </a:p>
+        </p:txBody>
+      </p:sp>
+    </p:spTree>
+    <p:extLst>
+      <p:ext uri="{BB962C8B-B14F-4D97-AF65-F5344CB8AC3E}">
+        <p14:creationId xmlns:p14="http://schemas.microsoft.com/office/powerpoint/2010/main" val="601860428"/>
+      </p:ext>
+    </p:extLst>
+  </p:cSld>
+  <p:clrMapOvr>
+    <a:masterClrMapping/>
+  </p:clrMapOvr>
+  <mc:AlternateContent xmlns:mc="http://schemas.openxmlformats.org/markup-compatibility/2006" xmlns:p14="http://schemas.microsoft.com/office/powerpoint/2010/main">
+    <mc:Choice Requires="p14">
+      <p:transition p14:dur="0" advClick="0"/>
+    </mc:Choice>
+    <mc:Fallback xmlns="">
+      <p:transition xmlns:p14="http://schemas.microsoft.com/office/powerpoint/2010/main" advClick="0"/>
+    </mc:Fallback>
+  </mc:AlternateContent>
+  <p:timing>
+    <p:tnLst>
+      <p:par>
+        <p:cTn xmlns:p14="http://schemas.microsoft.com/office/powerpoint/2010/main" id="1" dur="indefinite" restart="never" nodeType="tmRoot"/>
+      </p:par>
+    </p:tnLst>
+  </p:timing>
+</p:sld>
+</file>
+
+<file path=ppt/slides/slide44.xml><?xml version="1.0" encoding="utf-8"?>
+<p:sld xmlns:a="http://schemas.openxmlformats.org/drawingml/2006/main" xmlns:r="http://schemas.openxmlformats.org/officeDocument/2006/relationships" xmlns:p="http://schemas.openxmlformats.org/presentationml/2006/main">
+  <p:cSld>
+    <p:bg>
+      <p:bgPr>
+        <a:gradFill flip="none" rotWithShape="1">
+          <a:gsLst>
+            <a:gs pos="92000">
+              <a:schemeClr val="bg1"/>
+            </a:gs>
+            <a:gs pos="98000">
+              <a:srgbClr val="0A4E19"/>
+            </a:gs>
+            <a:gs pos="94000">
+              <a:srgbClr val="FECC2B"/>
+            </a:gs>
+            <a:gs pos="96000">
+              <a:srgbClr val="14A4DA">
+                <a:alpha val="83000"/>
+              </a:srgbClr>
+            </a:gs>
+            <a:gs pos="0">
+              <a:schemeClr val="bg1">
+                <a:alpha val="76000"/>
+              </a:schemeClr>
+            </a:gs>
+            <a:gs pos="17000">
+              <a:schemeClr val="bg1">
+                <a:alpha val="76000"/>
+              </a:schemeClr>
+            </a:gs>
+          </a:gsLst>
+          <a:lin ang="5400000" scaled="0"/>
+          <a:tileRect/>
+        </a:gradFill>
+        <a:effectLst/>
+      </p:bgPr>
+    </p:bg>
+    <p:spTree>
+      <p:nvGrpSpPr>
+        <p:cNvPr id="1" name=""/>
+        <p:cNvGrpSpPr/>
+        <p:nvPr/>
+      </p:nvGrpSpPr>
+      <p:grpSpPr>
+        <a:xfrm>
+          <a:off x="0" y="0"/>
+          <a:ext cx="0" cy="0"/>
+          <a:chOff x="0" y="0"/>
+          <a:chExt cx="0" cy="0"/>
+        </a:xfrm>
+      </p:grpSpPr>
+      <p:pic>
+        <p:nvPicPr>
+          <p:cNvPr id="14" name="Imagen 13" descr="ic_launcher.png"/>
+          <p:cNvPicPr>
+            <a:picLocks noChangeAspect="1"/>
+          </p:cNvPicPr>
+          <p:nvPr/>
+        </p:nvPicPr>
+        <p:blipFill>
+          <a:blip r:embed="rId2">
+            <a:extLst>
+              <a:ext uri="{28A0092B-C50C-407E-A947-70E740481C1C}">
+                <a14:useLocalDpi xmlns:a14="http://schemas.microsoft.com/office/drawing/2010/main" val="0"/>
+              </a:ext>
+            </a:extLst>
+          </a:blip>
+          <a:stretch>
+            <a:fillRect/>
+          </a:stretch>
+        </p:blipFill>
+        <p:spPr>
+          <a:xfrm>
+            <a:off x="8069306" y="5411694"/>
+            <a:ext cx="914400" cy="914400"/>
+          </a:xfrm>
+          <a:prstGeom prst="rect">
+            <a:avLst/>
+          </a:prstGeom>
+        </p:spPr>
+      </p:pic>
+      <p:pic>
+        <p:nvPicPr>
+          <p:cNvPr id="16" name="Imagen 15" descr="LogoUCAB600x123.png"/>
+          <p:cNvPicPr>
+            <a:picLocks noChangeAspect="1"/>
+          </p:cNvPicPr>
+          <p:nvPr/>
+        </p:nvPicPr>
+        <p:blipFill>
+          <a:blip r:embed="rId3">
+            <a:extLst>
+              <a:ext uri="{28A0092B-C50C-407E-A947-70E740481C1C}">
+                <a14:useLocalDpi xmlns:a14="http://schemas.microsoft.com/office/drawing/2010/main" val="0"/>
+              </a:ext>
+            </a:extLst>
+          </a:blip>
+          <a:stretch>
+            <a:fillRect/>
+          </a:stretch>
+        </p:blipFill>
+        <p:spPr>
+          <a:xfrm>
+            <a:off x="0" y="39706"/>
+            <a:ext cx="3839881" cy="787176"/>
+          </a:xfrm>
+          <a:prstGeom prst="rect">
+            <a:avLst/>
+          </a:prstGeom>
+        </p:spPr>
+      </p:pic>
+      <p:sp>
+        <p:nvSpPr>
+          <p:cNvPr id="17" name="CuadroTexto 16"/>
+          <p:cNvSpPr txBox="1"/>
+          <p:nvPr/>
+        </p:nvSpPr>
+        <p:spPr>
+          <a:xfrm>
+            <a:off x="5065059" y="5734425"/>
+            <a:ext cx="2973294" cy="584776"/>
+          </a:xfrm>
+          <a:prstGeom prst="rect">
+            <a:avLst/>
+          </a:prstGeom>
+          <a:noFill/>
+        </p:spPr>
+        <p:txBody>
+          <a:bodyPr wrap="square" rtlCol="0">
+            <a:spAutoFit/>
+          </a:bodyPr>
+          <a:lstStyle/>
+          <a:p>
+            <a:r>
+              <a:rPr lang="es-ES" sz="1600" b="1" dirty="0" smtClean="0"/>
+              <a:t>Sears </a:t>
+            </a:r>
+            <a:r>
+              <a:rPr lang="es-ES" sz="1600" b="1" dirty="0" err="1" smtClean="0"/>
+              <a:t>Zuñiga</a:t>
+            </a:r>
+            <a:r>
+              <a:rPr lang="es-ES" sz="1600" b="1" dirty="0" smtClean="0"/>
+              <a:t>, Teddy John</a:t>
+            </a:r>
+          </a:p>
+          <a:p>
+            <a:r>
+              <a:rPr lang="es-ES" sz="1600" b="1" dirty="0" smtClean="0"/>
+              <a:t>Villamizar Meza, Sandra </a:t>
+            </a:r>
+            <a:r>
+              <a:rPr lang="es-ES" sz="1600" b="1" dirty="0" err="1" smtClean="0"/>
+              <a:t>Lisett</a:t>
+            </a:r>
+            <a:endParaRPr lang="es-ES" sz="1600" b="1" dirty="0"/>
+          </a:p>
+        </p:txBody>
+      </p:sp>
+      <p:sp>
+        <p:nvSpPr>
+          <p:cNvPr id="18" name="CuadroTexto 17"/>
+          <p:cNvSpPr txBox="1"/>
+          <p:nvPr/>
+        </p:nvSpPr>
+        <p:spPr>
+          <a:xfrm>
+            <a:off x="1613647" y="433294"/>
+            <a:ext cx="184666" cy="369332"/>
+          </a:xfrm>
+          <a:prstGeom prst="rect">
+            <a:avLst/>
+          </a:prstGeom>
+          <a:noFill/>
+        </p:spPr>
+        <p:txBody>
+          <a:bodyPr wrap="none" rtlCol="0">
+            <a:spAutoFit/>
+          </a:bodyPr>
+          <a:lstStyle/>
+          <a:p>
+            <a:endParaRPr lang="es-ES" dirty="0"/>
+          </a:p>
+        </p:txBody>
+      </p:sp>
+      <p:sp>
+        <p:nvSpPr>
+          <p:cNvPr id="19" name="CuadroTexto 18"/>
+          <p:cNvSpPr txBox="1"/>
+          <p:nvPr/>
+        </p:nvSpPr>
+        <p:spPr>
+          <a:xfrm>
+            <a:off x="5558117" y="248628"/>
+            <a:ext cx="3365825" cy="369332"/>
+          </a:xfrm>
+          <a:prstGeom prst="rect">
+            <a:avLst/>
+          </a:prstGeom>
+          <a:noFill/>
+        </p:spPr>
+        <p:txBody>
+          <a:bodyPr wrap="none" rtlCol="0">
+            <a:spAutoFit/>
+          </a:bodyPr>
+          <a:lstStyle/>
+          <a:p>
+            <a:r>
+              <a:rPr lang="es-ES" b="1" dirty="0" smtClean="0"/>
+              <a:t>Escuela de Ingeniería Informática</a:t>
+            </a:r>
+            <a:endParaRPr lang="es-ES" b="1" dirty="0"/>
+          </a:p>
+        </p:txBody>
+      </p:sp>
+      <p:sp>
+        <p:nvSpPr>
+          <p:cNvPr id="7" name="CuadroTexto 6"/>
+          <p:cNvSpPr txBox="1"/>
+          <p:nvPr/>
+        </p:nvSpPr>
+        <p:spPr>
+          <a:xfrm>
+            <a:off x="558213" y="1035741"/>
+            <a:ext cx="2433278" cy="584776"/>
+          </a:xfrm>
+          <a:prstGeom prst="rect">
+            <a:avLst/>
+          </a:prstGeom>
+          <a:noFill/>
+        </p:spPr>
+        <p:txBody>
+          <a:bodyPr wrap="none" rtlCol="0">
+            <a:spAutoFit/>
+          </a:bodyPr>
+          <a:lstStyle/>
+          <a:p>
+            <a:r>
+              <a:rPr lang="es-ES" sz="3200" b="1" dirty="0" smtClean="0"/>
+              <a:t>RESULTADOS</a:t>
+            </a:r>
+            <a:endParaRPr lang="es-ES" sz="3200" b="1" dirty="0"/>
+          </a:p>
+        </p:txBody>
+      </p:sp>
+    </p:spTree>
+    <p:extLst>
+      <p:ext uri="{BB962C8B-B14F-4D97-AF65-F5344CB8AC3E}">
+        <p14:creationId xmlns:p14="http://schemas.microsoft.com/office/powerpoint/2010/main" val="2449295398"/>
+      </p:ext>
+    </p:extLst>
+  </p:cSld>
+  <p:clrMapOvr>
+    <a:masterClrMapping/>
+  </p:clrMapOvr>
+  <mc:AlternateContent xmlns:mc="http://schemas.openxmlformats.org/markup-compatibility/2006" xmlns:p14="http://schemas.microsoft.com/office/powerpoint/2010/main">
+    <mc:Choice Requires="p14">
+      <p:transition p14:dur="0" advClick="0"/>
+    </mc:Choice>
+    <mc:Fallback xmlns="">
+      <p:transition xmlns:p14="http://schemas.microsoft.com/office/powerpoint/2010/main" advClick="0"/>
+    </mc:Fallback>
+  </mc:AlternateContent>
+  <p:timing>
+    <p:tnLst>
+      <p:par>
+        <p:cTn xmlns:p14="http://schemas.microsoft.com/office/powerpoint/2010/main" id="1" dur="indefinite" restart="never" nodeType="tmRoot"/>
+      </p:par>
+    </p:tnLst>
+  </p:timing>
+</p:sld>
+</file>
+
+<file path=ppt/slides/slide45.xml><?xml version="1.0" encoding="utf-8"?>
+<p:sld xmlns:a="http://schemas.openxmlformats.org/drawingml/2006/main" xmlns:r="http://schemas.openxmlformats.org/officeDocument/2006/relationships" xmlns:p="http://schemas.openxmlformats.org/presentationml/2006/main">
+  <p:cSld>
+    <p:bg>
+      <p:bgPr>
+        <a:gradFill flip="none" rotWithShape="1">
+          <a:gsLst>
+            <a:gs pos="92000">
+              <a:schemeClr val="bg1"/>
+            </a:gs>
+            <a:gs pos="98000">
+              <a:srgbClr val="0A4E19"/>
+            </a:gs>
+            <a:gs pos="94000">
+              <a:srgbClr val="FECC2B"/>
+            </a:gs>
+            <a:gs pos="96000">
+              <a:srgbClr val="14A4DA">
+                <a:alpha val="83000"/>
+              </a:srgbClr>
+            </a:gs>
+            <a:gs pos="0">
+              <a:schemeClr val="bg1">
+                <a:alpha val="76000"/>
+              </a:schemeClr>
+            </a:gs>
+            <a:gs pos="17000">
+              <a:schemeClr val="bg1">
+                <a:alpha val="76000"/>
+              </a:schemeClr>
+            </a:gs>
+          </a:gsLst>
+          <a:lin ang="5400000" scaled="0"/>
+          <a:tileRect/>
+        </a:gradFill>
+        <a:effectLst/>
+      </p:bgPr>
+    </p:bg>
+    <p:spTree>
+      <p:nvGrpSpPr>
+        <p:cNvPr id="1" name=""/>
+        <p:cNvGrpSpPr/>
+        <p:nvPr/>
+      </p:nvGrpSpPr>
+      <p:grpSpPr>
+        <a:xfrm>
+          <a:off x="0" y="0"/>
+          <a:ext cx="0" cy="0"/>
+          <a:chOff x="0" y="0"/>
+          <a:chExt cx="0" cy="0"/>
+        </a:xfrm>
+      </p:grpSpPr>
+      <p:pic>
+        <p:nvPicPr>
+          <p:cNvPr id="14" name="Imagen 13" descr="ic_launcher.png"/>
+          <p:cNvPicPr>
+            <a:picLocks noChangeAspect="1"/>
+          </p:cNvPicPr>
+          <p:nvPr/>
+        </p:nvPicPr>
+        <p:blipFill>
+          <a:blip r:embed="rId2">
+            <a:extLst>
+              <a:ext uri="{28A0092B-C50C-407E-A947-70E740481C1C}">
+                <a14:useLocalDpi xmlns:a14="http://schemas.microsoft.com/office/drawing/2010/main" val="0"/>
+              </a:ext>
+            </a:extLst>
+          </a:blip>
+          <a:stretch>
+            <a:fillRect/>
+          </a:stretch>
+        </p:blipFill>
+        <p:spPr>
+          <a:xfrm>
+            <a:off x="8069306" y="5411694"/>
+            <a:ext cx="914400" cy="914400"/>
+          </a:xfrm>
+          <a:prstGeom prst="rect">
+            <a:avLst/>
+          </a:prstGeom>
+        </p:spPr>
+      </p:pic>
+      <p:pic>
+        <p:nvPicPr>
+          <p:cNvPr id="16" name="Imagen 15" descr="LogoUCAB600x123.png"/>
+          <p:cNvPicPr>
+            <a:picLocks noChangeAspect="1"/>
+          </p:cNvPicPr>
+          <p:nvPr/>
+        </p:nvPicPr>
+        <p:blipFill>
+          <a:blip r:embed="rId3">
+            <a:extLst>
+              <a:ext uri="{28A0092B-C50C-407E-A947-70E740481C1C}">
+                <a14:useLocalDpi xmlns:a14="http://schemas.microsoft.com/office/drawing/2010/main" val="0"/>
+              </a:ext>
+            </a:extLst>
+          </a:blip>
+          <a:stretch>
+            <a:fillRect/>
+          </a:stretch>
+        </p:blipFill>
+        <p:spPr>
+          <a:xfrm>
+            <a:off x="0" y="39706"/>
+            <a:ext cx="3839881" cy="787176"/>
+          </a:xfrm>
+          <a:prstGeom prst="rect">
+            <a:avLst/>
+          </a:prstGeom>
+        </p:spPr>
+      </p:pic>
+      <p:sp>
+        <p:nvSpPr>
+          <p:cNvPr id="17" name="CuadroTexto 16"/>
+          <p:cNvSpPr txBox="1"/>
+          <p:nvPr/>
+        </p:nvSpPr>
+        <p:spPr>
+          <a:xfrm>
+            <a:off x="5065059" y="5734425"/>
+            <a:ext cx="2973294" cy="584776"/>
+          </a:xfrm>
+          <a:prstGeom prst="rect">
+            <a:avLst/>
+          </a:prstGeom>
+          <a:noFill/>
+        </p:spPr>
+        <p:txBody>
+          <a:bodyPr wrap="square" rtlCol="0">
+            <a:spAutoFit/>
+          </a:bodyPr>
+          <a:lstStyle/>
+          <a:p>
+            <a:r>
+              <a:rPr lang="es-ES" sz="1600" b="1" dirty="0" smtClean="0"/>
+              <a:t>Sears </a:t>
+            </a:r>
+            <a:r>
+              <a:rPr lang="es-ES" sz="1600" b="1" dirty="0" err="1" smtClean="0"/>
+              <a:t>Zuñiga</a:t>
+            </a:r>
+            <a:r>
+              <a:rPr lang="es-ES" sz="1600" b="1" dirty="0" smtClean="0"/>
+              <a:t>, Teddy John</a:t>
+            </a:r>
+          </a:p>
+          <a:p>
+            <a:r>
+              <a:rPr lang="es-ES" sz="1600" b="1" dirty="0" smtClean="0"/>
+              <a:t>Villamizar Meza, Sandra </a:t>
+            </a:r>
+            <a:r>
+              <a:rPr lang="es-ES" sz="1600" b="1" dirty="0" err="1" smtClean="0"/>
+              <a:t>Lisett</a:t>
+            </a:r>
+            <a:endParaRPr lang="es-ES" sz="1600" b="1" dirty="0"/>
+          </a:p>
+        </p:txBody>
+      </p:sp>
+      <p:sp>
+        <p:nvSpPr>
+          <p:cNvPr id="18" name="CuadroTexto 17"/>
+          <p:cNvSpPr txBox="1"/>
+          <p:nvPr/>
+        </p:nvSpPr>
+        <p:spPr>
+          <a:xfrm>
+            <a:off x="1613647" y="433294"/>
+            <a:ext cx="184666" cy="369332"/>
+          </a:xfrm>
+          <a:prstGeom prst="rect">
+            <a:avLst/>
+          </a:prstGeom>
+          <a:noFill/>
+        </p:spPr>
+        <p:txBody>
+          <a:bodyPr wrap="none" rtlCol="0">
+            <a:spAutoFit/>
+          </a:bodyPr>
+          <a:lstStyle/>
+          <a:p>
+            <a:endParaRPr lang="es-ES" dirty="0"/>
+          </a:p>
+        </p:txBody>
+      </p:sp>
+      <p:sp>
+        <p:nvSpPr>
+          <p:cNvPr id="19" name="CuadroTexto 18"/>
+          <p:cNvSpPr txBox="1"/>
+          <p:nvPr/>
+        </p:nvSpPr>
+        <p:spPr>
+          <a:xfrm>
+            <a:off x="5558117" y="248628"/>
+            <a:ext cx="3365825" cy="369332"/>
+          </a:xfrm>
+          <a:prstGeom prst="rect">
+            <a:avLst/>
+          </a:prstGeom>
+          <a:noFill/>
+        </p:spPr>
+        <p:txBody>
+          <a:bodyPr wrap="none" rtlCol="0">
+            <a:spAutoFit/>
+          </a:bodyPr>
+          <a:lstStyle/>
+          <a:p>
+            <a:r>
+              <a:rPr lang="es-ES" b="1" dirty="0" smtClean="0"/>
+              <a:t>Escuela de Ingeniería Informática</a:t>
+            </a:r>
+            <a:endParaRPr lang="es-ES" b="1" dirty="0"/>
+          </a:p>
+        </p:txBody>
+      </p:sp>
+      <p:sp>
+        <p:nvSpPr>
+          <p:cNvPr id="7" name="CuadroTexto 6"/>
+          <p:cNvSpPr txBox="1"/>
+          <p:nvPr/>
+        </p:nvSpPr>
+        <p:spPr>
+          <a:xfrm>
+            <a:off x="558213" y="1035741"/>
+            <a:ext cx="2433278" cy="584776"/>
+          </a:xfrm>
+          <a:prstGeom prst="rect">
+            <a:avLst/>
+          </a:prstGeom>
+          <a:noFill/>
+        </p:spPr>
+        <p:txBody>
+          <a:bodyPr wrap="none" rtlCol="0">
+            <a:spAutoFit/>
+          </a:bodyPr>
+          <a:lstStyle/>
+          <a:p>
+            <a:r>
+              <a:rPr lang="es-ES" sz="3200" b="1" dirty="0" smtClean="0"/>
+              <a:t>RESULTADOS</a:t>
+            </a:r>
+            <a:endParaRPr lang="es-ES" sz="3200" b="1" dirty="0"/>
+          </a:p>
+        </p:txBody>
+      </p:sp>
+    </p:spTree>
+    <p:extLst>
+      <p:ext uri="{BB962C8B-B14F-4D97-AF65-F5344CB8AC3E}">
+        <p14:creationId xmlns:p14="http://schemas.microsoft.com/office/powerpoint/2010/main" val="1674319255"/>
+      </p:ext>
+    </p:extLst>
+  </p:cSld>
+  <p:clrMapOvr>
+    <a:masterClrMapping/>
+  </p:clrMapOvr>
+  <mc:AlternateContent xmlns:mc="http://schemas.openxmlformats.org/markup-compatibility/2006" xmlns:p14="http://schemas.microsoft.com/office/powerpoint/2010/main">
+    <mc:Choice Requires="p14">
+      <p:transition p14:dur="0" advClick="0"/>
+    </mc:Choice>
+    <mc:Fallback xmlns="">
+      <p:transition xmlns:p14="http://schemas.microsoft.com/office/powerpoint/2010/main" advClick="0"/>
+    </mc:Fallback>
+  </mc:AlternateContent>
+  <p:timing>
+    <p:tnLst>
+      <p:par>
+        <p:cTn xmlns:p14="http://schemas.microsoft.com/office/powerpoint/2010/main" id="1" dur="indefinite" restart="never" nodeType="tmRoot"/>
+      </p:par>
+    </p:tnLst>
+  </p:timing>
+</p:sld>
+</file>
+
+<file path=ppt/slides/slide46.xml><?xml version="1.0" encoding="utf-8"?>
+<p:sld xmlns:a="http://schemas.openxmlformats.org/drawingml/2006/main" xmlns:r="http://schemas.openxmlformats.org/officeDocument/2006/relationships" xmlns:p="http://schemas.openxmlformats.org/presentationml/2006/main">
+  <p:cSld>
+    <p:bg>
+      <p:bgPr>
+        <a:gradFill flip="none" rotWithShape="1">
+          <a:gsLst>
+            <a:gs pos="92000">
+              <a:schemeClr val="bg1"/>
+            </a:gs>
+            <a:gs pos="98000">
+              <a:srgbClr val="0A4E19"/>
+            </a:gs>
+            <a:gs pos="94000">
+              <a:srgbClr val="FECC2B"/>
+            </a:gs>
+            <a:gs pos="96000">
+              <a:srgbClr val="14A4DA">
+                <a:alpha val="83000"/>
+              </a:srgbClr>
+            </a:gs>
+            <a:gs pos="0">
+              <a:schemeClr val="bg1">
+                <a:alpha val="76000"/>
+              </a:schemeClr>
+            </a:gs>
+            <a:gs pos="17000">
+              <a:schemeClr val="bg1">
+                <a:alpha val="76000"/>
+              </a:schemeClr>
+            </a:gs>
+          </a:gsLst>
+          <a:lin ang="5400000" scaled="0"/>
+          <a:tileRect/>
+        </a:gradFill>
+        <a:effectLst/>
+      </p:bgPr>
+    </p:bg>
+    <p:spTree>
+      <p:nvGrpSpPr>
+        <p:cNvPr id="1" name=""/>
+        <p:cNvGrpSpPr/>
+        <p:nvPr/>
+      </p:nvGrpSpPr>
+      <p:grpSpPr>
+        <a:xfrm>
+          <a:off x="0" y="0"/>
+          <a:ext cx="0" cy="0"/>
+          <a:chOff x="0" y="0"/>
+          <a:chExt cx="0" cy="0"/>
+        </a:xfrm>
+      </p:grpSpPr>
+      <p:pic>
+        <p:nvPicPr>
+          <p:cNvPr id="14" name="Imagen 13" descr="ic_launcher.png"/>
+          <p:cNvPicPr>
+            <a:picLocks noChangeAspect="1"/>
+          </p:cNvPicPr>
+          <p:nvPr/>
+        </p:nvPicPr>
+        <p:blipFill>
+          <a:blip r:embed="rId2">
+            <a:extLst>
+              <a:ext uri="{28A0092B-C50C-407E-A947-70E740481C1C}">
+                <a14:useLocalDpi xmlns:a14="http://schemas.microsoft.com/office/drawing/2010/main" val="0"/>
+              </a:ext>
+            </a:extLst>
+          </a:blip>
+          <a:stretch>
+            <a:fillRect/>
+          </a:stretch>
+        </p:blipFill>
+        <p:spPr>
+          <a:xfrm>
+            <a:off x="8069306" y="5411694"/>
+            <a:ext cx="914400" cy="914400"/>
+          </a:xfrm>
+          <a:prstGeom prst="rect">
+            <a:avLst/>
+          </a:prstGeom>
+        </p:spPr>
+      </p:pic>
+      <p:pic>
+        <p:nvPicPr>
+          <p:cNvPr id="16" name="Imagen 15" descr="LogoUCAB600x123.png"/>
+          <p:cNvPicPr>
+            <a:picLocks noChangeAspect="1"/>
+          </p:cNvPicPr>
+          <p:nvPr/>
+        </p:nvPicPr>
+        <p:blipFill>
+          <a:blip r:embed="rId3">
+            <a:extLst>
+              <a:ext uri="{28A0092B-C50C-407E-A947-70E740481C1C}">
+                <a14:useLocalDpi xmlns:a14="http://schemas.microsoft.com/office/drawing/2010/main" val="0"/>
+              </a:ext>
+            </a:extLst>
+          </a:blip>
+          <a:stretch>
+            <a:fillRect/>
+          </a:stretch>
+        </p:blipFill>
+        <p:spPr>
+          <a:xfrm>
+            <a:off x="0" y="39706"/>
+            <a:ext cx="3839881" cy="787176"/>
+          </a:xfrm>
+          <a:prstGeom prst="rect">
+            <a:avLst/>
+          </a:prstGeom>
+        </p:spPr>
+      </p:pic>
+      <p:sp>
+        <p:nvSpPr>
+          <p:cNvPr id="17" name="CuadroTexto 16"/>
+          <p:cNvSpPr txBox="1"/>
+          <p:nvPr/>
+        </p:nvSpPr>
+        <p:spPr>
+          <a:xfrm>
+            <a:off x="5065059" y="5734425"/>
+            <a:ext cx="2973294" cy="584776"/>
+          </a:xfrm>
+          <a:prstGeom prst="rect">
+            <a:avLst/>
+          </a:prstGeom>
+          <a:noFill/>
+        </p:spPr>
+        <p:txBody>
+          <a:bodyPr wrap="square" rtlCol="0">
+            <a:spAutoFit/>
+          </a:bodyPr>
+          <a:lstStyle/>
+          <a:p>
+            <a:r>
+              <a:rPr lang="es-ES" sz="1600" b="1" dirty="0" smtClean="0"/>
+              <a:t>Sears </a:t>
+            </a:r>
+            <a:r>
+              <a:rPr lang="es-ES" sz="1600" b="1" dirty="0" err="1" smtClean="0"/>
+              <a:t>Zuñiga</a:t>
+            </a:r>
+            <a:r>
+              <a:rPr lang="es-ES" sz="1600" b="1" dirty="0" smtClean="0"/>
+              <a:t>, Teddy John</a:t>
+            </a:r>
+          </a:p>
+          <a:p>
+            <a:r>
+              <a:rPr lang="es-ES" sz="1600" b="1" dirty="0" smtClean="0"/>
+              <a:t>Villamizar Meza, Sandra </a:t>
+            </a:r>
+            <a:r>
+              <a:rPr lang="es-ES" sz="1600" b="1" dirty="0" err="1" smtClean="0"/>
+              <a:t>Lisett</a:t>
+            </a:r>
+            <a:endParaRPr lang="es-ES" sz="1600" b="1" dirty="0"/>
+          </a:p>
+        </p:txBody>
+      </p:sp>
+      <p:sp>
+        <p:nvSpPr>
+          <p:cNvPr id="18" name="CuadroTexto 17"/>
+          <p:cNvSpPr txBox="1"/>
+          <p:nvPr/>
+        </p:nvSpPr>
+        <p:spPr>
+          <a:xfrm>
+            <a:off x="1613647" y="433294"/>
+            <a:ext cx="184666" cy="369332"/>
+          </a:xfrm>
+          <a:prstGeom prst="rect">
+            <a:avLst/>
+          </a:prstGeom>
+          <a:noFill/>
+        </p:spPr>
+        <p:txBody>
+          <a:bodyPr wrap="none" rtlCol="0">
+            <a:spAutoFit/>
+          </a:bodyPr>
+          <a:lstStyle/>
+          <a:p>
+            <a:endParaRPr lang="es-ES" dirty="0"/>
+          </a:p>
+        </p:txBody>
+      </p:sp>
+      <p:sp>
+        <p:nvSpPr>
+          <p:cNvPr id="19" name="CuadroTexto 18"/>
+          <p:cNvSpPr txBox="1"/>
+          <p:nvPr/>
+        </p:nvSpPr>
+        <p:spPr>
+          <a:xfrm>
+            <a:off x="5558117" y="248628"/>
+            <a:ext cx="3365825" cy="369332"/>
+          </a:xfrm>
+          <a:prstGeom prst="rect">
+            <a:avLst/>
+          </a:prstGeom>
+          <a:noFill/>
+        </p:spPr>
+        <p:txBody>
+          <a:bodyPr wrap="none" rtlCol="0">
+            <a:spAutoFit/>
+          </a:bodyPr>
+          <a:lstStyle/>
+          <a:p>
+            <a:r>
+              <a:rPr lang="es-ES" b="1" dirty="0" smtClean="0"/>
+              <a:t>Escuela de Ingeniería Informática</a:t>
+            </a:r>
+            <a:endParaRPr lang="es-ES" b="1" dirty="0"/>
+          </a:p>
+        </p:txBody>
+      </p:sp>
+      <p:sp>
+        <p:nvSpPr>
+          <p:cNvPr id="7" name="CuadroTexto 6"/>
+          <p:cNvSpPr txBox="1"/>
+          <p:nvPr/>
+        </p:nvSpPr>
+        <p:spPr>
+          <a:xfrm>
+            <a:off x="558213" y="1035741"/>
+            <a:ext cx="3030998" cy="584776"/>
+          </a:xfrm>
+          <a:prstGeom prst="rect">
+            <a:avLst/>
+          </a:prstGeom>
+          <a:noFill/>
+        </p:spPr>
+        <p:txBody>
+          <a:bodyPr wrap="none" rtlCol="0">
+            <a:spAutoFit/>
+          </a:bodyPr>
+          <a:lstStyle/>
+          <a:p>
+            <a:r>
+              <a:rPr lang="es-ES" sz="3200" b="1" dirty="0" smtClean="0"/>
+              <a:t>DEMOSTRACI</a:t>
+            </a:r>
+            <a:r>
+              <a:rPr lang="es-ES" sz="3200" b="1" dirty="0" smtClean="0"/>
+              <a:t>ÓN</a:t>
+            </a:r>
+            <a:endParaRPr lang="es-ES" sz="3200" b="1" dirty="0"/>
+          </a:p>
+        </p:txBody>
+      </p:sp>
+    </p:spTree>
+    <p:extLst>
+      <p:ext uri="{BB962C8B-B14F-4D97-AF65-F5344CB8AC3E}">
+        <p14:creationId xmlns:p14="http://schemas.microsoft.com/office/powerpoint/2010/main" val="3207815526"/>
+      </p:ext>
+    </p:extLst>
+  </p:cSld>
+  <p:clrMapOvr>
+    <a:masterClrMapping/>
+  </p:clrMapOvr>
+  <mc:AlternateContent xmlns:mc="http://schemas.openxmlformats.org/markup-compatibility/2006" xmlns:p14="http://schemas.microsoft.com/office/powerpoint/2010/main">
+    <mc:Choice Requires="p14">
+      <p:transition p14:dur="0" advClick="0"/>
+    </mc:Choice>
+    <mc:Fallback xmlns="">
+      <p:transition xmlns:p14="http://schemas.microsoft.com/office/powerpoint/2010/main" advClick="0"/>
+    </mc:Fallback>
+  </mc:AlternateContent>
+  <p:timing>
+    <p:tnLst>
+      <p:par>
+        <p:cTn xmlns:p14="http://schemas.microsoft.com/office/powerpoint/2010/main" id="1" dur="indefinite" restart="never" nodeType="tmRoot"/>
+      </p:par>
+    </p:tnLst>
+  </p:timing>
+</p:sld>
+</file>
+
+<file path=ppt/slides/slide47.xml><?xml version="1.0" encoding="utf-8"?>
+<p:sld xmlns:a="http://schemas.openxmlformats.org/drawingml/2006/main" xmlns:r="http://schemas.openxmlformats.org/officeDocument/2006/relationships" xmlns:p="http://schemas.openxmlformats.org/presentationml/2006/main">
+  <p:cSld>
+    <p:bg>
+      <p:bgPr>
+        <a:gradFill flip="none" rotWithShape="1">
+          <a:gsLst>
+            <a:gs pos="92000">
+              <a:schemeClr val="bg1"/>
+            </a:gs>
+            <a:gs pos="98000">
+              <a:srgbClr val="0A4E19"/>
+            </a:gs>
+            <a:gs pos="94000">
+              <a:srgbClr val="FECC2B"/>
+            </a:gs>
+            <a:gs pos="96000">
+              <a:srgbClr val="14A4DA">
+                <a:alpha val="83000"/>
+              </a:srgbClr>
+            </a:gs>
+            <a:gs pos="0">
+              <a:schemeClr val="bg1">
+                <a:alpha val="76000"/>
+              </a:schemeClr>
+            </a:gs>
+            <a:gs pos="17000">
+              <a:schemeClr val="bg1">
+                <a:alpha val="76000"/>
+              </a:schemeClr>
+            </a:gs>
+          </a:gsLst>
+          <a:lin ang="5400000" scaled="0"/>
+          <a:tileRect/>
+        </a:gradFill>
+        <a:effectLst/>
+      </p:bgPr>
+    </p:bg>
+    <p:spTree>
+      <p:nvGrpSpPr>
+        <p:cNvPr id="1" name=""/>
+        <p:cNvGrpSpPr/>
+        <p:nvPr/>
+      </p:nvGrpSpPr>
+      <p:grpSpPr>
+        <a:xfrm>
+          <a:off x="0" y="0"/>
+          <a:ext cx="0" cy="0"/>
+          <a:chOff x="0" y="0"/>
+          <a:chExt cx="0" cy="0"/>
+        </a:xfrm>
+      </p:grpSpPr>
+      <p:pic>
+        <p:nvPicPr>
+          <p:cNvPr id="14" name="Imagen 13" descr="ic_launcher.png"/>
+          <p:cNvPicPr>
+            <a:picLocks noChangeAspect="1"/>
+          </p:cNvPicPr>
+          <p:nvPr/>
+        </p:nvPicPr>
+        <p:blipFill>
+          <a:blip r:embed="rId2">
+            <a:extLst>
+              <a:ext uri="{28A0092B-C50C-407E-A947-70E740481C1C}">
+                <a14:useLocalDpi xmlns:a14="http://schemas.microsoft.com/office/drawing/2010/main" val="0"/>
+              </a:ext>
+            </a:extLst>
+          </a:blip>
+          <a:stretch>
+            <a:fillRect/>
+          </a:stretch>
+        </p:blipFill>
+        <p:spPr>
+          <a:xfrm>
+            <a:off x="8069306" y="5411694"/>
+            <a:ext cx="914400" cy="914400"/>
+          </a:xfrm>
+          <a:prstGeom prst="rect">
+            <a:avLst/>
+          </a:prstGeom>
+        </p:spPr>
+      </p:pic>
+      <p:pic>
+        <p:nvPicPr>
+          <p:cNvPr id="16" name="Imagen 15" descr="LogoUCAB600x123.png"/>
+          <p:cNvPicPr>
+            <a:picLocks noChangeAspect="1"/>
+          </p:cNvPicPr>
+          <p:nvPr/>
+        </p:nvPicPr>
+        <p:blipFill>
+          <a:blip r:embed="rId3">
+            <a:extLst>
+              <a:ext uri="{28A0092B-C50C-407E-A947-70E740481C1C}">
+                <a14:useLocalDpi xmlns:a14="http://schemas.microsoft.com/office/drawing/2010/main" val="0"/>
+              </a:ext>
+            </a:extLst>
+          </a:blip>
+          <a:stretch>
+            <a:fillRect/>
+          </a:stretch>
+        </p:blipFill>
+        <p:spPr>
+          <a:xfrm>
+            <a:off x="0" y="39706"/>
+            <a:ext cx="3839881" cy="787176"/>
+          </a:xfrm>
+          <a:prstGeom prst="rect">
+            <a:avLst/>
+          </a:prstGeom>
+        </p:spPr>
+      </p:pic>
+      <p:sp>
+        <p:nvSpPr>
+          <p:cNvPr id="17" name="CuadroTexto 16"/>
+          <p:cNvSpPr txBox="1"/>
+          <p:nvPr/>
+        </p:nvSpPr>
+        <p:spPr>
+          <a:xfrm>
+            <a:off x="5065059" y="5734425"/>
+            <a:ext cx="2973294" cy="584776"/>
+          </a:xfrm>
+          <a:prstGeom prst="rect">
+            <a:avLst/>
+          </a:prstGeom>
+          <a:noFill/>
+        </p:spPr>
+        <p:txBody>
+          <a:bodyPr wrap="square" rtlCol="0">
+            <a:spAutoFit/>
+          </a:bodyPr>
+          <a:lstStyle/>
+          <a:p>
+            <a:r>
+              <a:rPr lang="es-ES" sz="1600" b="1" dirty="0" smtClean="0"/>
+              <a:t>Sears </a:t>
+            </a:r>
+            <a:r>
+              <a:rPr lang="es-ES" sz="1600" b="1" dirty="0" err="1" smtClean="0"/>
+              <a:t>Zuñiga</a:t>
+            </a:r>
+            <a:r>
+              <a:rPr lang="es-ES" sz="1600" b="1" dirty="0" smtClean="0"/>
+              <a:t>, Teddy John</a:t>
+            </a:r>
+          </a:p>
+          <a:p>
+            <a:r>
+              <a:rPr lang="es-ES" sz="1600" b="1" dirty="0" smtClean="0"/>
+              <a:t>Villamizar Meza, Sandra </a:t>
+            </a:r>
+            <a:r>
+              <a:rPr lang="es-ES" sz="1600" b="1" dirty="0" err="1" smtClean="0"/>
+              <a:t>Lisett</a:t>
+            </a:r>
+            <a:endParaRPr lang="es-ES" sz="1600" b="1" dirty="0"/>
+          </a:p>
+        </p:txBody>
+      </p:sp>
+      <p:sp>
+        <p:nvSpPr>
+          <p:cNvPr id="18" name="CuadroTexto 17"/>
+          <p:cNvSpPr txBox="1"/>
+          <p:nvPr/>
+        </p:nvSpPr>
+        <p:spPr>
+          <a:xfrm>
+            <a:off x="1613647" y="433294"/>
+            <a:ext cx="184666" cy="369332"/>
+          </a:xfrm>
+          <a:prstGeom prst="rect">
+            <a:avLst/>
+          </a:prstGeom>
+          <a:noFill/>
+        </p:spPr>
+        <p:txBody>
+          <a:bodyPr wrap="none" rtlCol="0">
+            <a:spAutoFit/>
+          </a:bodyPr>
+          <a:lstStyle/>
+          <a:p>
+            <a:endParaRPr lang="es-ES" dirty="0"/>
+          </a:p>
+        </p:txBody>
+      </p:sp>
+      <p:sp>
+        <p:nvSpPr>
+          <p:cNvPr id="19" name="CuadroTexto 18"/>
+          <p:cNvSpPr txBox="1"/>
+          <p:nvPr/>
+        </p:nvSpPr>
+        <p:spPr>
+          <a:xfrm>
+            <a:off x="5558117" y="248628"/>
+            <a:ext cx="3365825" cy="369332"/>
+          </a:xfrm>
+          <a:prstGeom prst="rect">
+            <a:avLst/>
+          </a:prstGeom>
+          <a:noFill/>
+        </p:spPr>
+        <p:txBody>
+          <a:bodyPr wrap="none" rtlCol="0">
+            <a:spAutoFit/>
+          </a:bodyPr>
+          <a:lstStyle/>
+          <a:p>
+            <a:r>
+              <a:rPr lang="es-ES" b="1" dirty="0" smtClean="0"/>
+              <a:t>Escuela de Ingeniería Informática</a:t>
+            </a:r>
+            <a:endParaRPr lang="es-ES" b="1" dirty="0"/>
+          </a:p>
+        </p:txBody>
+      </p:sp>
+      <p:sp>
+        <p:nvSpPr>
+          <p:cNvPr id="7" name="CuadroTexto 6"/>
+          <p:cNvSpPr txBox="1"/>
+          <p:nvPr/>
+        </p:nvSpPr>
+        <p:spPr>
+          <a:xfrm>
+            <a:off x="558213" y="1035741"/>
+            <a:ext cx="2853666" cy="584776"/>
+          </a:xfrm>
+          <a:prstGeom prst="rect">
+            <a:avLst/>
+          </a:prstGeom>
+          <a:noFill/>
+        </p:spPr>
+        <p:txBody>
+          <a:bodyPr wrap="none" rtlCol="0">
+            <a:spAutoFit/>
+          </a:bodyPr>
+          <a:lstStyle/>
+          <a:p>
+            <a:r>
+              <a:rPr lang="es-ES" sz="3200" b="1" dirty="0" smtClean="0"/>
+              <a:t>CONCLUSIONES</a:t>
+            </a:r>
+            <a:endParaRPr lang="es-ES" sz="3200" b="1" dirty="0"/>
+          </a:p>
+        </p:txBody>
+      </p:sp>
+      <p:sp>
+        <p:nvSpPr>
+          <p:cNvPr id="8" name="Rectángulo 7"/>
+          <p:cNvSpPr/>
+          <p:nvPr/>
+        </p:nvSpPr>
+        <p:spPr>
+          <a:xfrm>
+            <a:off x="788307" y="1989919"/>
+            <a:ext cx="7488920" cy="3477875"/>
+          </a:xfrm>
+          <a:prstGeom prst="rect">
+            <a:avLst/>
+          </a:prstGeom>
+        </p:spPr>
+        <p:txBody>
+          <a:bodyPr wrap="square">
+            <a:spAutoFit/>
+          </a:bodyPr>
+          <a:lstStyle/>
+          <a:p>
+            <a:pPr marL="342900" lvl="0" indent="-342900">
+              <a:buFont typeface="Arial"/>
+              <a:buChar char="•"/>
+            </a:pPr>
+            <a:r>
+              <a:rPr lang="es-VE" sz="2000" dirty="0"/>
+              <a:t>La impresición del GPS en los dispositivos móviles haciendo uso la Realidad Aumentada por geolocalización en distancias amplias no representa un impacto </a:t>
+            </a:r>
+            <a:r>
+              <a:rPr lang="es-VE" sz="2000" dirty="0" smtClean="0"/>
+              <a:t>importante.</a:t>
+            </a:r>
+          </a:p>
+          <a:p>
+            <a:pPr marL="342900" lvl="0" indent="-342900">
+              <a:buFont typeface="Arial"/>
+              <a:buChar char="•"/>
+            </a:pPr>
+            <a:endParaRPr lang="es-VE" sz="2000" dirty="0"/>
+          </a:p>
+          <a:p>
+            <a:pPr marL="342900" indent="-342900">
+              <a:buFont typeface="Arial"/>
+              <a:buChar char="•"/>
+            </a:pPr>
+            <a:r>
+              <a:rPr lang="es-VE" sz="2000" dirty="0"/>
+              <a:t>La elección de Wikitude SDK como herramienta para llevar a cabo todo los procesos de Realidad Aumentada fue la </a:t>
+            </a:r>
+            <a:r>
+              <a:rPr lang="es-VE" sz="2000" dirty="0" smtClean="0"/>
+              <a:t>idónea.</a:t>
+            </a:r>
+          </a:p>
+          <a:p>
+            <a:pPr marL="342900" indent="-342900">
+              <a:buFont typeface="Arial"/>
+              <a:buChar char="•"/>
+            </a:pPr>
+            <a:endParaRPr lang="es-VE" sz="2000" dirty="0"/>
+          </a:p>
+          <a:p>
+            <a:pPr marL="342900" lvl="0" indent="-342900">
+              <a:buFont typeface="Arial"/>
+              <a:buChar char="•"/>
+            </a:pPr>
+            <a:r>
+              <a:rPr lang="es-VE" sz="2000" dirty="0"/>
+              <a:t>La tecnología de NFC es una alternativa viable para abarcar aquellos dispositivos que no soporten la Realidad Aumentada o que no posean conexión a </a:t>
+            </a:r>
+            <a:r>
+              <a:rPr lang="es-VE" sz="2000" dirty="0" smtClean="0"/>
+              <a:t>internet.</a:t>
+            </a:r>
+            <a:endParaRPr lang="es-ES_tradnl" sz="2000" dirty="0"/>
+          </a:p>
+          <a:p>
+            <a:pPr marL="342900" indent="-342900">
+              <a:buFont typeface="Arial"/>
+              <a:buChar char="•"/>
+            </a:pPr>
+            <a:endParaRPr lang="es-ES" sz="2000" dirty="0"/>
+          </a:p>
+        </p:txBody>
+      </p:sp>
+    </p:spTree>
+    <p:extLst>
+      <p:ext uri="{BB962C8B-B14F-4D97-AF65-F5344CB8AC3E}">
+        <p14:creationId xmlns:p14="http://schemas.microsoft.com/office/powerpoint/2010/main" val="3300688876"/>
+      </p:ext>
+    </p:extLst>
+  </p:cSld>
+  <p:clrMapOvr>
+    <a:masterClrMapping/>
+  </p:clrMapOvr>
+  <mc:AlternateContent xmlns:mc="http://schemas.openxmlformats.org/markup-compatibility/2006" xmlns:p14="http://schemas.microsoft.com/office/powerpoint/2010/main">
+    <mc:Choice Requires="p14">
+      <p:transition p14:dur="0" advClick="0"/>
+    </mc:Choice>
+    <mc:Fallback xmlns="">
+      <p:transition xmlns:p14="http://schemas.microsoft.com/office/powerpoint/2010/main" advClick="0"/>
+    </mc:Fallback>
+  </mc:AlternateContent>
+  <p:timing>
+    <p:tnLst>
+      <p:par>
+        <p:cTn xmlns:p14="http://schemas.microsoft.com/office/powerpoint/2010/main" id="1" dur="indefinite" restart="never" nodeType="tmRoot"/>
+      </p:par>
+    </p:tnLst>
+  </p:timing>
+</p:sld>
+</file>
+
+<file path=ppt/slides/slide48.xml><?xml version="1.0" encoding="utf-8"?>
+<p:sld xmlns:a="http://schemas.openxmlformats.org/drawingml/2006/main" xmlns:r="http://schemas.openxmlformats.org/officeDocument/2006/relationships" xmlns:p="http://schemas.openxmlformats.org/presentationml/2006/main">
+  <p:cSld>
+    <p:bg>
+      <p:bgPr>
+        <a:gradFill flip="none" rotWithShape="1">
+          <a:gsLst>
+            <a:gs pos="92000">
+              <a:schemeClr val="bg1"/>
+            </a:gs>
+            <a:gs pos="98000">
+              <a:srgbClr val="0A4E19"/>
+            </a:gs>
+            <a:gs pos="94000">
+              <a:srgbClr val="FECC2B"/>
+            </a:gs>
+            <a:gs pos="96000">
+              <a:srgbClr val="14A4DA">
+                <a:alpha val="83000"/>
+              </a:srgbClr>
+            </a:gs>
+            <a:gs pos="0">
+              <a:schemeClr val="bg1">
+                <a:alpha val="76000"/>
+              </a:schemeClr>
+            </a:gs>
+            <a:gs pos="17000">
+              <a:schemeClr val="bg1">
+                <a:alpha val="76000"/>
+              </a:schemeClr>
+            </a:gs>
+          </a:gsLst>
+          <a:lin ang="5400000" scaled="0"/>
+          <a:tileRect/>
+        </a:gradFill>
+        <a:effectLst/>
+      </p:bgPr>
+    </p:bg>
+    <p:spTree>
+      <p:nvGrpSpPr>
+        <p:cNvPr id="1" name=""/>
+        <p:cNvGrpSpPr/>
+        <p:nvPr/>
+      </p:nvGrpSpPr>
+      <p:grpSpPr>
+        <a:xfrm>
+          <a:off x="0" y="0"/>
+          <a:ext cx="0" cy="0"/>
+          <a:chOff x="0" y="0"/>
+          <a:chExt cx="0" cy="0"/>
+        </a:xfrm>
+      </p:grpSpPr>
+      <p:pic>
+        <p:nvPicPr>
+          <p:cNvPr id="14" name="Imagen 13" descr="ic_launcher.png"/>
+          <p:cNvPicPr>
+            <a:picLocks noChangeAspect="1"/>
+          </p:cNvPicPr>
+          <p:nvPr/>
+        </p:nvPicPr>
+        <p:blipFill>
+          <a:blip r:embed="rId2">
+            <a:extLst>
+              <a:ext uri="{28A0092B-C50C-407E-A947-70E740481C1C}">
+                <a14:useLocalDpi xmlns:a14="http://schemas.microsoft.com/office/drawing/2010/main" val="0"/>
+              </a:ext>
+            </a:extLst>
+          </a:blip>
+          <a:stretch>
+            <a:fillRect/>
+          </a:stretch>
+        </p:blipFill>
+        <p:spPr>
+          <a:xfrm>
+            <a:off x="8069306" y="5411694"/>
+            <a:ext cx="914400" cy="914400"/>
+          </a:xfrm>
+          <a:prstGeom prst="rect">
+            <a:avLst/>
+          </a:prstGeom>
+        </p:spPr>
+      </p:pic>
+      <p:pic>
+        <p:nvPicPr>
+          <p:cNvPr id="16" name="Imagen 15" descr="LogoUCAB600x123.png"/>
+          <p:cNvPicPr>
+            <a:picLocks noChangeAspect="1"/>
+          </p:cNvPicPr>
+          <p:nvPr/>
+        </p:nvPicPr>
+        <p:blipFill>
+          <a:blip r:embed="rId3">
+            <a:extLst>
+              <a:ext uri="{28A0092B-C50C-407E-A947-70E740481C1C}">
+                <a14:useLocalDpi xmlns:a14="http://schemas.microsoft.com/office/drawing/2010/main" val="0"/>
+              </a:ext>
+            </a:extLst>
+          </a:blip>
+          <a:stretch>
+            <a:fillRect/>
+          </a:stretch>
+        </p:blipFill>
+        <p:spPr>
+          <a:xfrm>
+            <a:off x="0" y="39706"/>
+            <a:ext cx="3839881" cy="787176"/>
+          </a:xfrm>
+          <a:prstGeom prst="rect">
+            <a:avLst/>
+          </a:prstGeom>
+        </p:spPr>
+      </p:pic>
+      <p:sp>
+        <p:nvSpPr>
+          <p:cNvPr id="17" name="CuadroTexto 16"/>
+          <p:cNvSpPr txBox="1"/>
+          <p:nvPr/>
+        </p:nvSpPr>
+        <p:spPr>
+          <a:xfrm>
+            <a:off x="5065059" y="5734425"/>
+            <a:ext cx="2973294" cy="584776"/>
+          </a:xfrm>
+          <a:prstGeom prst="rect">
+            <a:avLst/>
+          </a:prstGeom>
+          <a:noFill/>
+        </p:spPr>
+        <p:txBody>
+          <a:bodyPr wrap="square" rtlCol="0">
+            <a:spAutoFit/>
+          </a:bodyPr>
+          <a:lstStyle/>
+          <a:p>
+            <a:r>
+              <a:rPr lang="es-ES" sz="1600" b="1" dirty="0" smtClean="0"/>
+              <a:t>Sears </a:t>
+            </a:r>
+            <a:r>
+              <a:rPr lang="es-ES" sz="1600" b="1" dirty="0" err="1" smtClean="0"/>
+              <a:t>Zuñiga</a:t>
+            </a:r>
+            <a:r>
+              <a:rPr lang="es-ES" sz="1600" b="1" dirty="0" smtClean="0"/>
+              <a:t>, Teddy John</a:t>
+            </a:r>
+          </a:p>
+          <a:p>
+            <a:r>
+              <a:rPr lang="es-ES" sz="1600" b="1" dirty="0" smtClean="0"/>
+              <a:t>Villamizar Meza, Sandra </a:t>
+            </a:r>
+            <a:r>
+              <a:rPr lang="es-ES" sz="1600" b="1" dirty="0" err="1" smtClean="0"/>
+              <a:t>Lisett</a:t>
+            </a:r>
+            <a:endParaRPr lang="es-ES" sz="1600" b="1" dirty="0"/>
+          </a:p>
+        </p:txBody>
+      </p:sp>
+      <p:sp>
+        <p:nvSpPr>
+          <p:cNvPr id="18" name="CuadroTexto 17"/>
+          <p:cNvSpPr txBox="1"/>
+          <p:nvPr/>
+        </p:nvSpPr>
+        <p:spPr>
+          <a:xfrm>
+            <a:off x="1613647" y="433294"/>
+            <a:ext cx="184666" cy="369332"/>
+          </a:xfrm>
+          <a:prstGeom prst="rect">
+            <a:avLst/>
+          </a:prstGeom>
+          <a:noFill/>
+        </p:spPr>
+        <p:txBody>
+          <a:bodyPr wrap="none" rtlCol="0">
+            <a:spAutoFit/>
+          </a:bodyPr>
+          <a:lstStyle/>
+          <a:p>
+            <a:endParaRPr lang="es-ES" dirty="0"/>
+          </a:p>
+        </p:txBody>
+      </p:sp>
+      <p:sp>
+        <p:nvSpPr>
+          <p:cNvPr id="19" name="CuadroTexto 18"/>
+          <p:cNvSpPr txBox="1"/>
+          <p:nvPr/>
+        </p:nvSpPr>
+        <p:spPr>
+          <a:xfrm>
+            <a:off x="5558117" y="248628"/>
+            <a:ext cx="3365825" cy="369332"/>
+          </a:xfrm>
+          <a:prstGeom prst="rect">
+            <a:avLst/>
+          </a:prstGeom>
+          <a:noFill/>
+        </p:spPr>
+        <p:txBody>
+          <a:bodyPr wrap="none" rtlCol="0">
+            <a:spAutoFit/>
+          </a:bodyPr>
+          <a:lstStyle/>
+          <a:p>
+            <a:r>
+              <a:rPr lang="es-ES" b="1" dirty="0" smtClean="0"/>
+              <a:t>Escuela de Ingeniería Informática</a:t>
+            </a:r>
+            <a:endParaRPr lang="es-ES" b="1" dirty="0"/>
+          </a:p>
+        </p:txBody>
+      </p:sp>
+      <p:sp>
+        <p:nvSpPr>
+          <p:cNvPr id="7" name="CuadroTexto 6"/>
+          <p:cNvSpPr txBox="1"/>
+          <p:nvPr/>
+        </p:nvSpPr>
+        <p:spPr>
+          <a:xfrm>
+            <a:off x="558213" y="1035741"/>
+            <a:ext cx="2853666" cy="584776"/>
+          </a:xfrm>
+          <a:prstGeom prst="rect">
+            <a:avLst/>
+          </a:prstGeom>
+          <a:noFill/>
+        </p:spPr>
+        <p:txBody>
+          <a:bodyPr wrap="none" rtlCol="0">
+            <a:spAutoFit/>
+          </a:bodyPr>
+          <a:lstStyle/>
+          <a:p>
+            <a:r>
+              <a:rPr lang="es-ES" sz="3200" b="1" dirty="0" smtClean="0"/>
+              <a:t>CONCLUSIONES</a:t>
+            </a:r>
+            <a:endParaRPr lang="es-ES" sz="3200" b="1" dirty="0"/>
+          </a:p>
+        </p:txBody>
+      </p:sp>
+      <p:sp>
+        <p:nvSpPr>
+          <p:cNvPr id="8" name="Rectángulo 7"/>
+          <p:cNvSpPr/>
+          <p:nvPr/>
+        </p:nvSpPr>
+        <p:spPr>
+          <a:xfrm>
+            <a:off x="788307" y="1989919"/>
+            <a:ext cx="7488920" cy="2554545"/>
+          </a:xfrm>
+          <a:prstGeom prst="rect">
+            <a:avLst/>
+          </a:prstGeom>
+        </p:spPr>
+        <p:txBody>
+          <a:bodyPr wrap="square">
+            <a:spAutoFit/>
+          </a:bodyPr>
+          <a:lstStyle/>
+          <a:p>
+            <a:pPr marL="342900" lvl="0" indent="-342900">
+              <a:buFont typeface="Arial"/>
+              <a:buChar char="•"/>
+            </a:pPr>
+            <a:r>
+              <a:rPr lang="es-VE" sz="2000" dirty="0"/>
+              <a:t>Android Studio brinda versatilidad en la implementación de interfaces envidenciándose en el corto tiempo para </a:t>
+            </a:r>
+            <a:r>
+              <a:rPr lang="es-VE" sz="2000" dirty="0" smtClean="0"/>
+              <a:t>realizarlas.</a:t>
+            </a:r>
+          </a:p>
+          <a:p>
+            <a:pPr marL="342900" lvl="0" indent="-342900">
+              <a:buFont typeface="Arial"/>
+              <a:buChar char="•"/>
+            </a:pPr>
+            <a:endParaRPr lang="es-VE" sz="2000" dirty="0"/>
+          </a:p>
+          <a:p>
+            <a:pPr marL="342900" lvl="0" indent="-342900">
+              <a:buFont typeface="Arial"/>
+              <a:buChar char="•"/>
+            </a:pPr>
+            <a:r>
+              <a:rPr lang="es-VE" sz="2000" dirty="0" smtClean="0"/>
+              <a:t>La </a:t>
+            </a:r>
+            <a:r>
+              <a:rPr lang="es-VE" sz="2000" dirty="0"/>
+              <a:t>aplicación permite conocer la universidad solventando la ausencia de orientadores que puedan ayudar a ubicar a los </a:t>
+            </a:r>
+            <a:r>
+              <a:rPr lang="es-VE" sz="2000" dirty="0" smtClean="0"/>
+              <a:t>usuarios.</a:t>
+            </a:r>
+            <a:endParaRPr lang="es-ES_tradnl" sz="2000" dirty="0"/>
+          </a:p>
+          <a:p>
+            <a:pPr lvl="0"/>
+            <a:endParaRPr lang="es-ES_tradnl" sz="2000" dirty="0"/>
+          </a:p>
+          <a:p>
+            <a:pPr marL="342900" indent="-342900">
+              <a:buFont typeface="Arial"/>
+              <a:buChar char="•"/>
+            </a:pPr>
+            <a:endParaRPr lang="es-ES" sz="2000" dirty="0"/>
+          </a:p>
+        </p:txBody>
+      </p:sp>
+    </p:spTree>
+    <p:extLst>
+      <p:ext uri="{BB962C8B-B14F-4D97-AF65-F5344CB8AC3E}">
+        <p14:creationId xmlns:p14="http://schemas.microsoft.com/office/powerpoint/2010/main" val="1478846154"/>
+      </p:ext>
+    </p:extLst>
+  </p:cSld>
+  <p:clrMapOvr>
+    <a:masterClrMapping/>
+  </p:clrMapOvr>
+  <mc:AlternateContent xmlns:mc="http://schemas.openxmlformats.org/markup-compatibility/2006" xmlns:p14="http://schemas.microsoft.com/office/powerpoint/2010/main">
+    <mc:Choice Requires="p14">
+      <p:transition p14:dur="0" advClick="0"/>
+    </mc:Choice>
+    <mc:Fallback xmlns="">
+      <p:transition xmlns:p14="http://schemas.microsoft.com/office/powerpoint/2010/main" advClick="0"/>
+    </mc:Fallback>
+  </mc:AlternateContent>
+  <p:timing>
+    <p:tnLst>
+      <p:par>
+        <p:cTn xmlns:p14="http://schemas.microsoft.com/office/powerpoint/2010/main" id="1" dur="indefinite" restart="never" nodeType="tmRoot"/>
+      </p:par>
+    </p:tnLst>
+  </p:timing>
+</p:sld>
+</file>
+
+<file path=ppt/slides/slide49.xml><?xml version="1.0" encoding="utf-8"?>
+<p:sld xmlns:a="http://schemas.openxmlformats.org/drawingml/2006/main" xmlns:r="http://schemas.openxmlformats.org/officeDocument/2006/relationships" xmlns:p="http://schemas.openxmlformats.org/presentationml/2006/main">
+  <p:cSld>
+    <p:bg>
+      <p:bgPr>
+        <a:gradFill flip="none" rotWithShape="1">
+          <a:gsLst>
+            <a:gs pos="92000">
+              <a:schemeClr val="bg1"/>
+            </a:gs>
+            <a:gs pos="98000">
+              <a:srgbClr val="0A4E19"/>
+            </a:gs>
+            <a:gs pos="94000">
+              <a:srgbClr val="FECC2B"/>
+            </a:gs>
+            <a:gs pos="96000">
+              <a:srgbClr val="14A4DA">
+                <a:alpha val="83000"/>
+              </a:srgbClr>
+            </a:gs>
+            <a:gs pos="0">
+              <a:schemeClr val="bg1">
+                <a:alpha val="76000"/>
+              </a:schemeClr>
+            </a:gs>
+            <a:gs pos="17000">
+              <a:schemeClr val="bg1">
+                <a:alpha val="76000"/>
+              </a:schemeClr>
+            </a:gs>
+          </a:gsLst>
+          <a:lin ang="5400000" scaled="0"/>
+          <a:tileRect/>
+        </a:gradFill>
+        <a:effectLst/>
+      </p:bgPr>
+    </p:bg>
+    <p:spTree>
+      <p:nvGrpSpPr>
+        <p:cNvPr id="1" name=""/>
+        <p:cNvGrpSpPr/>
+        <p:nvPr/>
+      </p:nvGrpSpPr>
+      <p:grpSpPr>
+        <a:xfrm>
+          <a:off x="0" y="0"/>
+          <a:ext cx="0" cy="0"/>
+          <a:chOff x="0" y="0"/>
+          <a:chExt cx="0" cy="0"/>
+        </a:xfrm>
+      </p:grpSpPr>
+      <p:pic>
+        <p:nvPicPr>
+          <p:cNvPr id="14" name="Imagen 13" descr="ic_launcher.png"/>
+          <p:cNvPicPr>
+            <a:picLocks noChangeAspect="1"/>
+          </p:cNvPicPr>
+          <p:nvPr/>
+        </p:nvPicPr>
+        <p:blipFill>
+          <a:blip r:embed="rId2">
+            <a:extLst>
+              <a:ext uri="{28A0092B-C50C-407E-A947-70E740481C1C}">
+                <a14:useLocalDpi xmlns:a14="http://schemas.microsoft.com/office/drawing/2010/main" val="0"/>
+              </a:ext>
+            </a:extLst>
+          </a:blip>
+          <a:stretch>
+            <a:fillRect/>
+          </a:stretch>
+        </p:blipFill>
+        <p:spPr>
+          <a:xfrm>
+            <a:off x="8069306" y="5411694"/>
+            <a:ext cx="914400" cy="914400"/>
+          </a:xfrm>
+          <a:prstGeom prst="rect">
+            <a:avLst/>
+          </a:prstGeom>
+        </p:spPr>
+      </p:pic>
+      <p:pic>
+        <p:nvPicPr>
+          <p:cNvPr id="16" name="Imagen 15" descr="LogoUCAB600x123.png"/>
+          <p:cNvPicPr>
+            <a:picLocks noChangeAspect="1"/>
+          </p:cNvPicPr>
+          <p:nvPr/>
+        </p:nvPicPr>
+        <p:blipFill>
+          <a:blip r:embed="rId3">
+            <a:extLst>
+              <a:ext uri="{28A0092B-C50C-407E-A947-70E740481C1C}">
+                <a14:useLocalDpi xmlns:a14="http://schemas.microsoft.com/office/drawing/2010/main" val="0"/>
+              </a:ext>
+            </a:extLst>
+          </a:blip>
+          <a:stretch>
+            <a:fillRect/>
+          </a:stretch>
+        </p:blipFill>
+        <p:spPr>
+          <a:xfrm>
+            <a:off x="0" y="39706"/>
+            <a:ext cx="3839881" cy="787176"/>
+          </a:xfrm>
+          <a:prstGeom prst="rect">
+            <a:avLst/>
+          </a:prstGeom>
+        </p:spPr>
+      </p:pic>
+      <p:sp>
+        <p:nvSpPr>
+          <p:cNvPr id="17" name="CuadroTexto 16"/>
+          <p:cNvSpPr txBox="1"/>
+          <p:nvPr/>
+        </p:nvSpPr>
+        <p:spPr>
+          <a:xfrm>
+            <a:off x="5065059" y="5734425"/>
+            <a:ext cx="2973294" cy="584776"/>
+          </a:xfrm>
+          <a:prstGeom prst="rect">
+            <a:avLst/>
+          </a:prstGeom>
+          <a:noFill/>
+        </p:spPr>
+        <p:txBody>
+          <a:bodyPr wrap="square" rtlCol="0">
+            <a:spAutoFit/>
+          </a:bodyPr>
+          <a:lstStyle/>
+          <a:p>
+            <a:r>
+              <a:rPr lang="es-ES" sz="1600" b="1" dirty="0" smtClean="0"/>
+              <a:t>Sears </a:t>
+            </a:r>
+            <a:r>
+              <a:rPr lang="es-ES" sz="1600" b="1" dirty="0" err="1" smtClean="0"/>
+              <a:t>Zuñiga</a:t>
+            </a:r>
+            <a:r>
+              <a:rPr lang="es-ES" sz="1600" b="1" dirty="0" smtClean="0"/>
+              <a:t>, Teddy John</a:t>
+            </a:r>
+          </a:p>
+          <a:p>
+            <a:r>
+              <a:rPr lang="es-ES" sz="1600" b="1" dirty="0" smtClean="0"/>
+              <a:t>Villamizar Meza, Sandra </a:t>
+            </a:r>
+            <a:r>
+              <a:rPr lang="es-ES" sz="1600" b="1" dirty="0" err="1" smtClean="0"/>
+              <a:t>Lisett</a:t>
+            </a:r>
+            <a:endParaRPr lang="es-ES" sz="1600" b="1" dirty="0"/>
+          </a:p>
+        </p:txBody>
+      </p:sp>
+      <p:sp>
+        <p:nvSpPr>
+          <p:cNvPr id="18" name="CuadroTexto 17"/>
+          <p:cNvSpPr txBox="1"/>
+          <p:nvPr/>
+        </p:nvSpPr>
+        <p:spPr>
+          <a:xfrm>
+            <a:off x="1613647" y="433294"/>
+            <a:ext cx="184666" cy="369332"/>
+          </a:xfrm>
+          <a:prstGeom prst="rect">
+            <a:avLst/>
+          </a:prstGeom>
+          <a:noFill/>
+        </p:spPr>
+        <p:txBody>
+          <a:bodyPr wrap="none" rtlCol="0">
+            <a:spAutoFit/>
+          </a:bodyPr>
+          <a:lstStyle/>
+          <a:p>
+            <a:endParaRPr lang="es-ES" dirty="0"/>
+          </a:p>
+        </p:txBody>
+      </p:sp>
+      <p:sp>
+        <p:nvSpPr>
+          <p:cNvPr id="19" name="CuadroTexto 18"/>
+          <p:cNvSpPr txBox="1"/>
+          <p:nvPr/>
+        </p:nvSpPr>
+        <p:spPr>
+          <a:xfrm>
+            <a:off x="5558117" y="248628"/>
+            <a:ext cx="3365825" cy="369332"/>
+          </a:xfrm>
+          <a:prstGeom prst="rect">
+            <a:avLst/>
+          </a:prstGeom>
+          <a:noFill/>
+        </p:spPr>
+        <p:txBody>
+          <a:bodyPr wrap="none" rtlCol="0">
+            <a:spAutoFit/>
+          </a:bodyPr>
+          <a:lstStyle/>
+          <a:p>
+            <a:r>
+              <a:rPr lang="es-ES" b="1" dirty="0" smtClean="0"/>
+              <a:t>Escuela de Ingeniería Informática</a:t>
+            </a:r>
+            <a:endParaRPr lang="es-ES" b="1" dirty="0"/>
+          </a:p>
+        </p:txBody>
+      </p:sp>
+      <p:sp>
+        <p:nvSpPr>
+          <p:cNvPr id="7" name="CuadroTexto 6"/>
+          <p:cNvSpPr txBox="1"/>
+          <p:nvPr/>
+        </p:nvSpPr>
+        <p:spPr>
+          <a:xfrm>
+            <a:off x="558213" y="1035741"/>
+            <a:ext cx="3715681" cy="584776"/>
+          </a:xfrm>
+          <a:prstGeom prst="rect">
+            <a:avLst/>
+          </a:prstGeom>
+          <a:noFill/>
+        </p:spPr>
+        <p:txBody>
+          <a:bodyPr wrap="none" rtlCol="0">
+            <a:spAutoFit/>
+          </a:bodyPr>
+          <a:lstStyle/>
+          <a:p>
+            <a:r>
+              <a:rPr lang="es-ES" sz="3200" b="1" dirty="0" smtClean="0"/>
+              <a:t>RECOMENDACIONES</a:t>
+            </a:r>
+            <a:endParaRPr lang="es-ES" sz="3200" b="1" dirty="0"/>
+          </a:p>
+        </p:txBody>
+      </p:sp>
+      <p:sp>
+        <p:nvSpPr>
+          <p:cNvPr id="8" name="Rectángulo 7"/>
+          <p:cNvSpPr/>
+          <p:nvPr/>
+        </p:nvSpPr>
+        <p:spPr>
+          <a:xfrm>
+            <a:off x="788307" y="1989919"/>
+            <a:ext cx="7488920" cy="3785652"/>
+          </a:xfrm>
+          <a:prstGeom prst="rect">
+            <a:avLst/>
+          </a:prstGeom>
+        </p:spPr>
+        <p:txBody>
+          <a:bodyPr wrap="square">
+            <a:spAutoFit/>
+          </a:bodyPr>
+          <a:lstStyle/>
+          <a:p>
+            <a:pPr marL="342900" indent="-342900">
+              <a:buFont typeface="Arial"/>
+              <a:buChar char="•"/>
+            </a:pPr>
+            <a:r>
+              <a:rPr lang="es-VE" sz="2000" dirty="0"/>
+              <a:t>Implementar y adaptar la tecnología de la AR a otros sistemas que ya existen actualmente en la Universidad Católica Andres Bello, para así facilitar su proceso </a:t>
+            </a:r>
+            <a:r>
+              <a:rPr lang="es-VE" sz="2000" dirty="0" smtClean="0"/>
+              <a:t>o </a:t>
+            </a:r>
+            <a:r>
+              <a:rPr lang="es-VE" sz="2000" dirty="0"/>
+              <a:t>permitir el surgimiento de </a:t>
+            </a:r>
+            <a:r>
+              <a:rPr lang="es-VE" sz="2000" dirty="0" smtClean="0"/>
+              <a:t>nuevas.</a:t>
+            </a:r>
+          </a:p>
+          <a:p>
+            <a:endParaRPr lang="es-VE" sz="2000" dirty="0" smtClean="0"/>
+          </a:p>
+          <a:p>
+            <a:pPr marL="342900" lvl="0" indent="-342900">
+              <a:buFont typeface="Arial"/>
+              <a:buChar char="•"/>
+            </a:pPr>
+            <a:r>
+              <a:rPr lang="es-VE" sz="2000" dirty="0"/>
+              <a:t>Expandir el módulo de búsqueda de los sitios del campus utilizando reconocimiento de </a:t>
+            </a:r>
+            <a:r>
+              <a:rPr lang="es-VE" sz="2000" dirty="0" smtClean="0"/>
+              <a:t>voz.</a:t>
+            </a:r>
+          </a:p>
+          <a:p>
+            <a:pPr lvl="0"/>
+            <a:endParaRPr lang="es-VE" sz="2000" dirty="0" smtClean="0"/>
+          </a:p>
+          <a:p>
+            <a:pPr marL="342900" indent="-342900">
+              <a:buFont typeface="Arial"/>
+              <a:buChar char="•"/>
+            </a:pPr>
+            <a:r>
+              <a:rPr lang="es-VE" sz="2000" dirty="0"/>
+              <a:t>Hacer más pruebas de la aplicación utilizando equipos más avanzados que contengan versiones recientes del sistema operativo </a:t>
+            </a:r>
+            <a:r>
+              <a:rPr lang="es-VE" sz="2000" dirty="0" smtClean="0"/>
+              <a:t>Android.</a:t>
+            </a:r>
+            <a:endParaRPr lang="es-ES_tradnl" sz="2000" dirty="0"/>
+          </a:p>
+          <a:p>
+            <a:pPr marL="342900" lvl="0" indent="-342900">
+              <a:buFont typeface="Arial"/>
+              <a:buChar char="•"/>
+            </a:pPr>
+            <a:endParaRPr lang="es-ES_tradnl" sz="2000" dirty="0"/>
+          </a:p>
+          <a:p>
+            <a:pPr marL="342900" indent="-342900">
+              <a:buFont typeface="Arial"/>
+              <a:buChar char="•"/>
+            </a:pPr>
+            <a:endParaRPr lang="es-ES" sz="2000" dirty="0"/>
+          </a:p>
+        </p:txBody>
+      </p:sp>
+    </p:spTree>
+    <p:extLst>
+      <p:ext uri="{BB962C8B-B14F-4D97-AF65-F5344CB8AC3E}">
+        <p14:creationId xmlns:p14="http://schemas.microsoft.com/office/powerpoint/2010/main" val="1365234536"/>
+      </p:ext>
+    </p:extLst>
+  </p:cSld>
+  <p:clrMapOvr>
+    <a:masterClrMapping/>
+  </p:clrMapOvr>
+  <mc:AlternateContent xmlns:mc="http://schemas.openxmlformats.org/markup-compatibility/2006" xmlns:p14="http://schemas.microsoft.com/office/powerpoint/2010/main">
+    <mc:Choice Requires="p14">
+      <p:transition p14:dur="0" advClick="0"/>
+    </mc:Choice>
+    <mc:Fallback xmlns="">
+      <p:transition xmlns:p14="http://schemas.microsoft.com/office/powerpoint/2010/main" advClick="0"/>
+    </mc:Fallback>
+  </mc:AlternateContent>
+  <p:timing>
+    <p:tnLst>
+      <p:par>
+        <p:cTn xmlns:p14="http://schemas.microsoft.com/office/powerpoint/2010/main" id="1" dur="indefinite" restart="never" nodeType="tmRoot"/>
+      </p:par>
+    </p:tnLst>
+  </p:timing>
+</p:sld>
+</file>
+
+<file path=ppt/slides/slide5.xml><?xml version="1.0" encoding="utf-8"?>
+<p:sld xmlns:a="http://schemas.openxmlformats.org/drawingml/2006/main" xmlns:r="http://schemas.openxmlformats.org/officeDocument/2006/relationships" xmlns:p="http://schemas.openxmlformats.org/presentationml/2006/main">
+  <p:cSld>
+    <p:bg>
+      <p:bgPr>
+        <a:gradFill flip="none" rotWithShape="1">
+          <a:gsLst>
+            <a:gs pos="92000">
+              <a:schemeClr val="bg1"/>
+            </a:gs>
+            <a:gs pos="98000">
+              <a:srgbClr val="0A4E19"/>
+            </a:gs>
+            <a:gs pos="94000">
+              <a:srgbClr val="FECC2B"/>
+            </a:gs>
+            <a:gs pos="96000">
+              <a:srgbClr val="14A4DA">
+                <a:alpha val="83000"/>
+              </a:srgbClr>
+            </a:gs>
+            <a:gs pos="0">
+              <a:schemeClr val="bg1">
+                <a:alpha val="76000"/>
+              </a:schemeClr>
+            </a:gs>
+            <a:gs pos="17000">
+              <a:schemeClr val="bg1">
+                <a:alpha val="76000"/>
+              </a:schemeClr>
+            </a:gs>
+          </a:gsLst>
+          <a:lin ang="5400000" scaled="0"/>
+          <a:tileRect/>
+        </a:gradFill>
+        <a:effectLst/>
+      </p:bgPr>
+    </p:bg>
+    <p:spTree>
+      <p:nvGrpSpPr>
+        <p:cNvPr id="1" name=""/>
+        <p:cNvGrpSpPr/>
+        <p:nvPr/>
+      </p:nvGrpSpPr>
+      <p:grpSpPr>
+        <a:xfrm>
+          <a:off x="0" y="0"/>
+          <a:ext cx="0" cy="0"/>
+          <a:chOff x="0" y="0"/>
+          <a:chExt cx="0" cy="0"/>
+        </a:xfrm>
+      </p:grpSpPr>
+      <p:pic>
+        <p:nvPicPr>
+          <p:cNvPr id="14" name="Imagen 13" descr="ic_launcher.png"/>
+          <p:cNvPicPr>
+            <a:picLocks noChangeAspect="1"/>
+          </p:cNvPicPr>
+          <p:nvPr/>
+        </p:nvPicPr>
+        <p:blipFill>
+          <a:blip r:embed="rId2">
+            <a:extLst>
+              <a:ext uri="{28A0092B-C50C-407E-A947-70E740481C1C}">
+                <a14:useLocalDpi xmlns:a14="http://schemas.microsoft.com/office/drawing/2010/main" val="0"/>
+              </a:ext>
+            </a:extLst>
+          </a:blip>
+          <a:stretch>
+            <a:fillRect/>
+          </a:stretch>
+        </p:blipFill>
+        <p:spPr>
+          <a:xfrm>
+            <a:off x="8069306" y="5411694"/>
+            <a:ext cx="914400" cy="914400"/>
+          </a:xfrm>
+          <a:prstGeom prst="rect">
+            <a:avLst/>
+          </a:prstGeom>
+        </p:spPr>
+      </p:pic>
+      <p:pic>
+        <p:nvPicPr>
+          <p:cNvPr id="16" name="Imagen 15" descr="LogoUCAB600x123.png"/>
+          <p:cNvPicPr>
+            <a:picLocks noChangeAspect="1"/>
+          </p:cNvPicPr>
+          <p:nvPr/>
+        </p:nvPicPr>
+        <p:blipFill>
+          <a:blip r:embed="rId3">
+            <a:extLst>
+              <a:ext uri="{28A0092B-C50C-407E-A947-70E740481C1C}">
+                <a14:useLocalDpi xmlns:a14="http://schemas.microsoft.com/office/drawing/2010/main" val="0"/>
+              </a:ext>
+            </a:extLst>
+          </a:blip>
+          <a:stretch>
+            <a:fillRect/>
+          </a:stretch>
+        </p:blipFill>
+        <p:spPr>
+          <a:xfrm>
+            <a:off x="0" y="39706"/>
+            <a:ext cx="3839881" cy="787176"/>
+          </a:xfrm>
+          <a:prstGeom prst="rect">
+            <a:avLst/>
+          </a:prstGeom>
+        </p:spPr>
+      </p:pic>
+      <p:sp>
+        <p:nvSpPr>
+          <p:cNvPr id="17" name="CuadroTexto 16"/>
+          <p:cNvSpPr txBox="1"/>
+          <p:nvPr/>
+        </p:nvSpPr>
+        <p:spPr>
+          <a:xfrm>
+            <a:off x="5065059" y="5734425"/>
+            <a:ext cx="2973294" cy="584776"/>
+          </a:xfrm>
+          <a:prstGeom prst="rect">
+            <a:avLst/>
+          </a:prstGeom>
+          <a:noFill/>
+        </p:spPr>
+        <p:txBody>
+          <a:bodyPr wrap="square" rtlCol="0">
+            <a:spAutoFit/>
+          </a:bodyPr>
+          <a:lstStyle/>
+          <a:p>
+            <a:r>
+              <a:rPr lang="es-ES" sz="1600" b="1" dirty="0" smtClean="0"/>
+              <a:t>Sears </a:t>
+            </a:r>
+            <a:r>
+              <a:rPr lang="es-ES" sz="1600" b="1" dirty="0" err="1" smtClean="0"/>
+              <a:t>Zuñiga</a:t>
+            </a:r>
+            <a:r>
+              <a:rPr lang="es-ES" sz="1600" b="1" dirty="0" smtClean="0"/>
+              <a:t>, Teddy John</a:t>
+            </a:r>
+          </a:p>
+          <a:p>
+            <a:r>
+              <a:rPr lang="es-ES" sz="1600" b="1" dirty="0" smtClean="0"/>
+              <a:t>Villamizar Meza, Sandra </a:t>
+            </a:r>
+            <a:r>
+              <a:rPr lang="es-ES" sz="1600" b="1" dirty="0" err="1" smtClean="0"/>
+              <a:t>Lisett</a:t>
+            </a:r>
+            <a:endParaRPr lang="es-ES" sz="1600" b="1" dirty="0"/>
+          </a:p>
+        </p:txBody>
+      </p:sp>
+      <p:sp>
+        <p:nvSpPr>
+          <p:cNvPr id="18" name="CuadroTexto 17"/>
+          <p:cNvSpPr txBox="1"/>
+          <p:nvPr/>
+        </p:nvSpPr>
+        <p:spPr>
+          <a:xfrm>
+            <a:off x="1613647" y="433294"/>
+            <a:ext cx="184666" cy="369332"/>
+          </a:xfrm>
+          <a:prstGeom prst="rect">
+            <a:avLst/>
+          </a:prstGeom>
+          <a:noFill/>
+        </p:spPr>
+        <p:txBody>
+          <a:bodyPr wrap="none" rtlCol="0">
+            <a:spAutoFit/>
+          </a:bodyPr>
+          <a:lstStyle/>
+          <a:p>
+            <a:endParaRPr lang="es-ES" dirty="0"/>
+          </a:p>
+        </p:txBody>
+      </p:sp>
+      <p:sp>
+        <p:nvSpPr>
+          <p:cNvPr id="19" name="CuadroTexto 18"/>
+          <p:cNvSpPr txBox="1"/>
+          <p:nvPr/>
+        </p:nvSpPr>
+        <p:spPr>
+          <a:xfrm>
+            <a:off x="5558117" y="248628"/>
+            <a:ext cx="3365825" cy="369332"/>
+          </a:xfrm>
+          <a:prstGeom prst="rect">
+            <a:avLst/>
+          </a:prstGeom>
+          <a:noFill/>
+        </p:spPr>
+        <p:txBody>
+          <a:bodyPr wrap="none" rtlCol="0">
+            <a:spAutoFit/>
+          </a:bodyPr>
+          <a:lstStyle/>
+          <a:p>
+            <a:r>
+              <a:rPr lang="es-ES" b="1" dirty="0" smtClean="0"/>
+              <a:t>Escuela de Ingeniería Informática</a:t>
+            </a:r>
+            <a:endParaRPr lang="es-ES" b="1" dirty="0"/>
+          </a:p>
+        </p:txBody>
+      </p:sp>
+      <p:sp>
+        <p:nvSpPr>
+          <p:cNvPr id="7" name="CuadroTexto 6"/>
+          <p:cNvSpPr txBox="1"/>
+          <p:nvPr/>
+        </p:nvSpPr>
+        <p:spPr>
+          <a:xfrm>
+            <a:off x="558213" y="1035741"/>
+            <a:ext cx="4273526" cy="584776"/>
+          </a:xfrm>
+          <a:prstGeom prst="rect">
+            <a:avLst/>
+          </a:prstGeom>
+          <a:noFill/>
+        </p:spPr>
+        <p:txBody>
+          <a:bodyPr wrap="none" rtlCol="0">
+            <a:spAutoFit/>
+          </a:bodyPr>
+          <a:lstStyle/>
+          <a:p>
+            <a:r>
+              <a:rPr lang="es-ES" sz="3200" b="1" dirty="0" smtClean="0"/>
+              <a:t>OBJETIVOS </a:t>
+            </a:r>
+            <a:r>
+              <a:rPr lang="es-ES" sz="3200" b="1" dirty="0" smtClean="0"/>
+              <a:t>ESPECÍFICOS</a:t>
+            </a:r>
+            <a:endParaRPr lang="es-ES" sz="3200" b="1" dirty="0"/>
+          </a:p>
+        </p:txBody>
+      </p:sp>
+      <p:sp>
+        <p:nvSpPr>
+          <p:cNvPr id="8" name="Rectángulo 7"/>
+          <p:cNvSpPr/>
+          <p:nvPr/>
+        </p:nvSpPr>
+        <p:spPr>
+          <a:xfrm>
+            <a:off x="788307" y="1941698"/>
+            <a:ext cx="7488920" cy="3785652"/>
+          </a:xfrm>
+          <a:prstGeom prst="rect">
+            <a:avLst/>
+          </a:prstGeom>
+        </p:spPr>
+        <p:txBody>
+          <a:bodyPr wrap="square">
+            <a:spAutoFit/>
+          </a:bodyPr>
+          <a:lstStyle/>
+          <a:p>
+            <a:pPr marL="342900" lvl="0" indent="-342900">
+              <a:buFont typeface="+mj-lt"/>
+              <a:buAutoNum type="arabicPeriod"/>
+            </a:pPr>
+            <a:r>
+              <a:rPr lang="es-VE" sz="2000" dirty="0"/>
+              <a:t>Diseñar e implementar un buscador para seleccionar el lugar que se desea encontrar</a:t>
+            </a:r>
+            <a:r>
+              <a:rPr lang="es-VE" sz="2000" dirty="0" smtClean="0"/>
+              <a:t>.</a:t>
+            </a:r>
+          </a:p>
+          <a:p>
+            <a:pPr lvl="0"/>
+            <a:endParaRPr lang="es-ES" sz="2000" dirty="0"/>
+          </a:p>
+          <a:p>
+            <a:pPr marL="342900" indent="-342900">
+              <a:buFont typeface="+mj-lt"/>
+              <a:buAutoNum type="arabicPeriod"/>
+            </a:pPr>
+            <a:r>
+              <a:rPr lang="es-VE" sz="2000" dirty="0"/>
+              <a:t>Diseñar e implementar un módulo para la geolocalización a través de Realidad Aumentada</a:t>
+            </a:r>
+            <a:r>
+              <a:rPr lang="es-VE" sz="2000" dirty="0" smtClean="0"/>
+              <a:t>.</a:t>
+            </a:r>
+          </a:p>
+          <a:p>
+            <a:endParaRPr lang="es-ES_tradnl" sz="2000" dirty="0"/>
+          </a:p>
+          <a:p>
+            <a:pPr marL="342900" indent="-342900">
+              <a:buFont typeface="+mj-lt"/>
+              <a:buAutoNum type="arabicPeriod"/>
+            </a:pPr>
+            <a:r>
+              <a:rPr lang="es-VE" sz="2000" dirty="0"/>
+              <a:t>Determinar, seleccionar y analizar puntos clave para facilitar la ubicación rápida del usuario haciendo uso de NFC o Realidad Aumentada</a:t>
+            </a:r>
+            <a:r>
+              <a:rPr lang="es-VE" sz="2000" dirty="0" smtClean="0"/>
+              <a:t>.</a:t>
+            </a:r>
+          </a:p>
+          <a:p>
+            <a:endParaRPr lang="es-ES_tradnl" sz="2000" dirty="0"/>
+          </a:p>
+          <a:p>
+            <a:pPr marL="342900" indent="-342900">
+              <a:buFont typeface="+mj-lt"/>
+              <a:buAutoNum type="arabicPeriod"/>
+            </a:pPr>
+            <a:r>
+              <a:rPr lang="es-VE" sz="2000" dirty="0"/>
+              <a:t>Diseñar e implementar un módulo que suministre información de interés combinando NFC y Realidad Aumentada</a:t>
+            </a:r>
+            <a:r>
+              <a:rPr lang="es-VE" sz="2000" dirty="0" smtClean="0"/>
+              <a:t>.</a:t>
+            </a:r>
+            <a:endParaRPr lang="es-ES_tradnl" sz="2000" dirty="0"/>
+          </a:p>
+        </p:txBody>
+      </p:sp>
+    </p:spTree>
+    <p:extLst>
+      <p:ext uri="{BB962C8B-B14F-4D97-AF65-F5344CB8AC3E}">
+        <p14:creationId xmlns:p14="http://schemas.microsoft.com/office/powerpoint/2010/main" val="2615566880"/>
+      </p:ext>
+    </p:extLst>
+  </p:cSld>
+  <p:clrMapOvr>
+    <a:masterClrMapping/>
+  </p:clrMapOvr>
+  <mc:AlternateContent xmlns:mc="http://schemas.openxmlformats.org/markup-compatibility/2006" xmlns:p14="http://schemas.microsoft.com/office/powerpoint/2010/main">
+    <mc:Choice Requires="p14">
+      <p:transition p14:dur="0" advClick="0"/>
+    </mc:Choice>
+    <mc:Fallback xmlns="">
+      <p:transition xmlns:p14="http://schemas.microsoft.com/office/powerpoint/2010/main" advClick="0"/>
+    </mc:Fallback>
+  </mc:AlternateContent>
+  <p:timing>
+    <p:tnLst>
+      <p:par>
+        <p:cTn xmlns:p14="http://schemas.microsoft.com/office/powerpoint/2010/main" id="1" dur="indefinite" restart="never" nodeType="tmRoot"/>
+      </p:par>
+    </p:tnLst>
+  </p:timing>
+</p:sld>
+</file>
+
+<file path=ppt/slides/slide50.xml><?xml version="1.0" encoding="utf-8"?>
+<p:sld xmlns:a="http://schemas.openxmlformats.org/drawingml/2006/main" xmlns:r="http://schemas.openxmlformats.org/officeDocument/2006/relationships" xmlns:p="http://schemas.openxmlformats.org/presentationml/2006/main">
+  <p:cSld>
+    <p:bg>
+      <p:bgPr>
+        <a:gradFill flip="none" rotWithShape="1">
+          <a:gsLst>
+            <a:gs pos="92000">
+              <a:schemeClr val="bg1"/>
+            </a:gs>
+            <a:gs pos="98000">
+              <a:srgbClr val="0A4E19"/>
+            </a:gs>
+            <a:gs pos="94000">
+              <a:srgbClr val="FECC2B"/>
+            </a:gs>
+            <a:gs pos="96000">
+              <a:srgbClr val="14A4DA">
+                <a:alpha val="83000"/>
+              </a:srgbClr>
+            </a:gs>
+            <a:gs pos="0">
+              <a:schemeClr val="bg1">
+                <a:alpha val="76000"/>
+              </a:schemeClr>
+            </a:gs>
+            <a:gs pos="17000">
+              <a:schemeClr val="bg1">
+                <a:alpha val="76000"/>
+              </a:schemeClr>
+            </a:gs>
+          </a:gsLst>
+          <a:lin ang="5400000" scaled="0"/>
+          <a:tileRect/>
+        </a:gradFill>
+        <a:effectLst/>
+      </p:bgPr>
+    </p:bg>
+    <p:spTree>
+      <p:nvGrpSpPr>
+        <p:cNvPr id="1" name=""/>
+        <p:cNvGrpSpPr/>
+        <p:nvPr/>
+      </p:nvGrpSpPr>
+      <p:grpSpPr>
+        <a:xfrm>
+          <a:off x="0" y="0"/>
+          <a:ext cx="0" cy="0"/>
+          <a:chOff x="0" y="0"/>
+          <a:chExt cx="0" cy="0"/>
+        </a:xfrm>
+      </p:grpSpPr>
+      <p:pic>
+        <p:nvPicPr>
+          <p:cNvPr id="14" name="Imagen 13" descr="ic_launcher.png"/>
+          <p:cNvPicPr>
+            <a:picLocks noChangeAspect="1"/>
+          </p:cNvPicPr>
+          <p:nvPr/>
+        </p:nvPicPr>
+        <p:blipFill>
+          <a:blip r:embed="rId2">
+            <a:extLst>
+              <a:ext uri="{28A0092B-C50C-407E-A947-70E740481C1C}">
+                <a14:useLocalDpi xmlns:a14="http://schemas.microsoft.com/office/drawing/2010/main" val="0"/>
+              </a:ext>
+            </a:extLst>
+          </a:blip>
+          <a:stretch>
+            <a:fillRect/>
+          </a:stretch>
+        </p:blipFill>
+        <p:spPr>
+          <a:xfrm>
+            <a:off x="8069306" y="5411694"/>
+            <a:ext cx="914400" cy="914400"/>
+          </a:xfrm>
+          <a:prstGeom prst="rect">
+            <a:avLst/>
+          </a:prstGeom>
+        </p:spPr>
+      </p:pic>
+      <p:pic>
+        <p:nvPicPr>
+          <p:cNvPr id="16" name="Imagen 15" descr="LogoUCAB600x123.png"/>
+          <p:cNvPicPr>
+            <a:picLocks noChangeAspect="1"/>
+          </p:cNvPicPr>
+          <p:nvPr/>
+        </p:nvPicPr>
+        <p:blipFill>
+          <a:blip r:embed="rId3">
+            <a:extLst>
+              <a:ext uri="{28A0092B-C50C-407E-A947-70E740481C1C}">
+                <a14:useLocalDpi xmlns:a14="http://schemas.microsoft.com/office/drawing/2010/main" val="0"/>
+              </a:ext>
+            </a:extLst>
+          </a:blip>
+          <a:stretch>
+            <a:fillRect/>
+          </a:stretch>
+        </p:blipFill>
+        <p:spPr>
+          <a:xfrm>
+            <a:off x="0" y="39706"/>
+            <a:ext cx="3839881" cy="787176"/>
+          </a:xfrm>
+          <a:prstGeom prst="rect">
+            <a:avLst/>
+          </a:prstGeom>
+        </p:spPr>
+      </p:pic>
+      <p:sp>
+        <p:nvSpPr>
+          <p:cNvPr id="17" name="CuadroTexto 16"/>
+          <p:cNvSpPr txBox="1"/>
+          <p:nvPr/>
+        </p:nvSpPr>
+        <p:spPr>
+          <a:xfrm>
+            <a:off x="5065059" y="5734425"/>
+            <a:ext cx="2973294" cy="584776"/>
+          </a:xfrm>
+          <a:prstGeom prst="rect">
+            <a:avLst/>
+          </a:prstGeom>
+          <a:noFill/>
+        </p:spPr>
+        <p:txBody>
+          <a:bodyPr wrap="square" rtlCol="0">
+            <a:spAutoFit/>
+          </a:bodyPr>
+          <a:lstStyle/>
+          <a:p>
+            <a:r>
+              <a:rPr lang="es-ES" sz="1600" b="1" dirty="0" smtClean="0"/>
+              <a:t>Sears </a:t>
+            </a:r>
+            <a:r>
+              <a:rPr lang="es-ES" sz="1600" b="1" dirty="0" err="1" smtClean="0"/>
+              <a:t>Zuñiga</a:t>
+            </a:r>
+            <a:r>
+              <a:rPr lang="es-ES" sz="1600" b="1" dirty="0" smtClean="0"/>
+              <a:t>, Teddy John</a:t>
+            </a:r>
+          </a:p>
+          <a:p>
+            <a:r>
+              <a:rPr lang="es-ES" sz="1600" b="1" dirty="0" smtClean="0"/>
+              <a:t>Villamizar Meza, Sandra </a:t>
+            </a:r>
+            <a:r>
+              <a:rPr lang="es-ES" sz="1600" b="1" dirty="0" err="1" smtClean="0"/>
+              <a:t>Lisett</a:t>
+            </a:r>
+            <a:endParaRPr lang="es-ES" sz="1600" b="1" dirty="0"/>
+          </a:p>
+        </p:txBody>
+      </p:sp>
+      <p:sp>
+        <p:nvSpPr>
+          <p:cNvPr id="18" name="CuadroTexto 17"/>
+          <p:cNvSpPr txBox="1"/>
+          <p:nvPr/>
+        </p:nvSpPr>
+        <p:spPr>
+          <a:xfrm>
+            <a:off x="1613647" y="433294"/>
+            <a:ext cx="184666" cy="369332"/>
+          </a:xfrm>
+          <a:prstGeom prst="rect">
+            <a:avLst/>
+          </a:prstGeom>
+          <a:noFill/>
+        </p:spPr>
+        <p:txBody>
+          <a:bodyPr wrap="none" rtlCol="0">
+            <a:spAutoFit/>
+          </a:bodyPr>
+          <a:lstStyle/>
+          <a:p>
+            <a:endParaRPr lang="es-ES" dirty="0"/>
+          </a:p>
+        </p:txBody>
+      </p:sp>
+      <p:sp>
+        <p:nvSpPr>
+          <p:cNvPr id="19" name="CuadroTexto 18"/>
+          <p:cNvSpPr txBox="1"/>
+          <p:nvPr/>
+        </p:nvSpPr>
+        <p:spPr>
+          <a:xfrm>
+            <a:off x="5558117" y="248628"/>
+            <a:ext cx="3365825" cy="369332"/>
+          </a:xfrm>
+          <a:prstGeom prst="rect">
+            <a:avLst/>
+          </a:prstGeom>
+          <a:noFill/>
+        </p:spPr>
+        <p:txBody>
+          <a:bodyPr wrap="none" rtlCol="0">
+            <a:spAutoFit/>
+          </a:bodyPr>
+          <a:lstStyle/>
+          <a:p>
+            <a:r>
+              <a:rPr lang="es-ES" b="1" dirty="0" smtClean="0"/>
+              <a:t>Escuela de Ingeniería Informática</a:t>
+            </a:r>
+            <a:endParaRPr lang="es-ES" b="1" dirty="0"/>
+          </a:p>
+        </p:txBody>
+      </p:sp>
+      <p:sp>
+        <p:nvSpPr>
+          <p:cNvPr id="2" name="CuadroTexto 1"/>
+          <p:cNvSpPr txBox="1"/>
+          <p:nvPr/>
+        </p:nvSpPr>
+        <p:spPr>
+          <a:xfrm>
+            <a:off x="558213" y="1035741"/>
+            <a:ext cx="3715681" cy="584776"/>
+          </a:xfrm>
+          <a:prstGeom prst="rect">
+            <a:avLst/>
+          </a:prstGeom>
+          <a:noFill/>
+        </p:spPr>
+        <p:txBody>
+          <a:bodyPr wrap="none" rtlCol="0">
+            <a:spAutoFit/>
+          </a:bodyPr>
+          <a:lstStyle/>
+          <a:p>
+            <a:r>
+              <a:rPr lang="es-ES" sz="3200" b="1" dirty="0" smtClean="0"/>
+              <a:t>RECOMENDACIONES</a:t>
+            </a:r>
+            <a:endParaRPr lang="es-ES" sz="3200" b="1" dirty="0"/>
+          </a:p>
+        </p:txBody>
+      </p:sp>
+      <p:sp>
+        <p:nvSpPr>
+          <p:cNvPr id="8" name="Rectángulo 7"/>
+          <p:cNvSpPr/>
+          <p:nvPr/>
+        </p:nvSpPr>
+        <p:spPr>
+          <a:xfrm>
+            <a:off x="788307" y="1941698"/>
+            <a:ext cx="7488920" cy="2554545"/>
+          </a:xfrm>
+          <a:prstGeom prst="rect">
+            <a:avLst/>
+          </a:prstGeom>
+        </p:spPr>
+        <p:txBody>
+          <a:bodyPr wrap="square">
+            <a:spAutoFit/>
+          </a:bodyPr>
+          <a:lstStyle/>
+          <a:p>
+            <a:pPr marL="342900" lvl="0" indent="-342900">
+              <a:buFont typeface="Arial"/>
+              <a:buChar char="•"/>
+            </a:pPr>
+            <a:r>
+              <a:rPr lang="es-VE" sz="2000" dirty="0"/>
+              <a:t>Desarrollar aplicaciones utilizando Realidad Aumentada en Smart </a:t>
+            </a:r>
+            <a:r>
+              <a:rPr lang="es-VE" sz="2000" dirty="0" smtClean="0"/>
+              <a:t>Glasses.</a:t>
+            </a:r>
+          </a:p>
+          <a:p>
+            <a:pPr marL="342900" lvl="0" indent="-342900">
+              <a:buFont typeface="Arial"/>
+              <a:buChar char="•"/>
+            </a:pPr>
+            <a:endParaRPr lang="es-VE" sz="2000" dirty="0"/>
+          </a:p>
+          <a:p>
+            <a:pPr marL="342900" indent="-342900">
+              <a:buFont typeface="Arial"/>
+              <a:buChar char="•"/>
+            </a:pPr>
+            <a:r>
+              <a:rPr lang="es-VE" sz="2000" dirty="0"/>
+              <a:t>Hacer análisis e investigaciones posteriores utilizando códigos QR como alternativa al </a:t>
+            </a:r>
+            <a:r>
+              <a:rPr lang="es-VE" sz="2000" dirty="0" smtClean="0"/>
+              <a:t>NFC.</a:t>
+            </a:r>
+          </a:p>
+          <a:p>
+            <a:pPr marL="342900" indent="-342900">
+              <a:buFont typeface="Arial"/>
+              <a:buChar char="•"/>
+            </a:pPr>
+            <a:endParaRPr lang="es-VE" sz="2000" dirty="0"/>
+          </a:p>
+          <a:p>
+            <a:pPr marL="342900" indent="-342900">
+              <a:buFont typeface="Arial"/>
+              <a:buChar char="•"/>
+            </a:pPr>
+            <a:r>
+              <a:rPr lang="es-VE" sz="2000" dirty="0" smtClean="0"/>
+              <a:t>Faltaaaaaaa una m</a:t>
+            </a:r>
+            <a:r>
+              <a:rPr lang="es-VE" sz="2000" dirty="0" smtClean="0"/>
+              <a:t>ás </a:t>
+            </a:r>
+            <a:endParaRPr lang="es-ES_tradnl" sz="2000" dirty="0"/>
+          </a:p>
+          <a:p>
+            <a:pPr lvl="0"/>
+            <a:endParaRPr lang="es-ES_tradnl" sz="2000" dirty="0"/>
+          </a:p>
+        </p:txBody>
+      </p:sp>
+    </p:spTree>
+    <p:extLst>
+      <p:ext uri="{BB962C8B-B14F-4D97-AF65-F5344CB8AC3E}">
+        <p14:creationId xmlns:p14="http://schemas.microsoft.com/office/powerpoint/2010/main" val="3233043201"/>
+      </p:ext>
+    </p:extLst>
+  </p:cSld>
+  <p:clrMapOvr>
+    <a:masterClrMapping/>
+  </p:clrMapOvr>
+  <mc:AlternateContent xmlns:mc="http://schemas.openxmlformats.org/markup-compatibility/2006" xmlns:p14="http://schemas.microsoft.com/office/powerpoint/2010/main">
+    <mc:Choice Requires="p14">
+      <p:transition p14:dur="0" advClick="0"/>
+    </mc:Choice>
+    <mc:Fallback xmlns="">
+      <p:transition xmlns:p14="http://schemas.microsoft.com/office/powerpoint/2010/main" advClick="0"/>
+    </mc:Fallback>
+  </mc:AlternateContent>
+  <p:timing>
+    <p:tnLst>
+      <p:par>
+        <p:cTn xmlns:p14="http://schemas.microsoft.com/office/powerpoint/2010/main" id="1" dur="indefinite" restart="never" nodeType="tmRoot"/>
+      </p:par>
+    </p:tnLst>
+  </p:timing>
+</p:sld>
+</file>
+
+<file path=ppt/slides/slide51.xml><?xml version="1.0" encoding="utf-8"?>
+<p:sld xmlns:a="http://schemas.openxmlformats.org/drawingml/2006/main" xmlns:r="http://schemas.openxmlformats.org/officeDocument/2006/relationships" xmlns:p="http://schemas.openxmlformats.org/presentationml/2006/main">
+  <p:cSld>
+    <p:bg>
+      <p:bgPr>
+        <a:gradFill flip="none" rotWithShape="1">
+          <a:gsLst>
+            <a:gs pos="92000">
+              <a:schemeClr val="bg1"/>
+            </a:gs>
+            <a:gs pos="98000">
+              <a:srgbClr val="0A4E19"/>
+            </a:gs>
+            <a:gs pos="94000">
+              <a:srgbClr val="FECC2B"/>
+            </a:gs>
+            <a:gs pos="96000">
+              <a:srgbClr val="14A4DA">
+                <a:alpha val="83000"/>
+              </a:srgbClr>
+            </a:gs>
+            <a:gs pos="0">
+              <a:schemeClr val="bg1">
+                <a:alpha val="76000"/>
+              </a:schemeClr>
+            </a:gs>
+            <a:gs pos="17000">
+              <a:schemeClr val="bg1">
+                <a:alpha val="76000"/>
+              </a:schemeClr>
+            </a:gs>
+          </a:gsLst>
+          <a:lin ang="5400000" scaled="0"/>
+          <a:tileRect/>
+        </a:gradFill>
+        <a:effectLst/>
+      </p:bgPr>
+    </p:bg>
+    <p:spTree>
+      <p:nvGrpSpPr>
+        <p:cNvPr id="1" name=""/>
+        <p:cNvGrpSpPr/>
+        <p:nvPr/>
+      </p:nvGrpSpPr>
+      <p:grpSpPr>
+        <a:xfrm>
+          <a:off x="0" y="0"/>
+          <a:ext cx="0" cy="0"/>
+          <a:chOff x="0" y="0"/>
+          <a:chExt cx="0" cy="0"/>
+        </a:xfrm>
+      </p:grpSpPr>
+      <p:pic>
+        <p:nvPicPr>
+          <p:cNvPr id="14" name="Imagen 13" descr="ic_launcher.png"/>
+          <p:cNvPicPr>
+            <a:picLocks noChangeAspect="1"/>
+          </p:cNvPicPr>
+          <p:nvPr/>
+        </p:nvPicPr>
+        <p:blipFill>
+          <a:blip r:embed="rId2">
+            <a:extLst>
+              <a:ext uri="{28A0092B-C50C-407E-A947-70E740481C1C}">
+                <a14:useLocalDpi xmlns:a14="http://schemas.microsoft.com/office/drawing/2010/main" val="0"/>
+              </a:ext>
+            </a:extLst>
+          </a:blip>
+          <a:stretch>
+            <a:fillRect/>
+          </a:stretch>
+        </p:blipFill>
+        <p:spPr>
+          <a:xfrm>
+            <a:off x="8069306" y="5411694"/>
+            <a:ext cx="914400" cy="914400"/>
+          </a:xfrm>
+          <a:prstGeom prst="rect">
+            <a:avLst/>
+          </a:prstGeom>
+        </p:spPr>
+      </p:pic>
+      <p:pic>
+        <p:nvPicPr>
+          <p:cNvPr id="16" name="Imagen 15" descr="LogoUCAB600x123.png"/>
+          <p:cNvPicPr>
+            <a:picLocks noChangeAspect="1"/>
+          </p:cNvPicPr>
+          <p:nvPr/>
+        </p:nvPicPr>
+        <p:blipFill>
+          <a:blip r:embed="rId3">
+            <a:extLst>
+              <a:ext uri="{28A0092B-C50C-407E-A947-70E740481C1C}">
+                <a14:useLocalDpi xmlns:a14="http://schemas.microsoft.com/office/drawing/2010/main" val="0"/>
+              </a:ext>
+            </a:extLst>
+          </a:blip>
+          <a:stretch>
+            <a:fillRect/>
+          </a:stretch>
+        </p:blipFill>
+        <p:spPr>
+          <a:xfrm>
+            <a:off x="0" y="39706"/>
+            <a:ext cx="3839881" cy="787176"/>
+          </a:xfrm>
+          <a:prstGeom prst="rect">
+            <a:avLst/>
+          </a:prstGeom>
+        </p:spPr>
+      </p:pic>
+      <p:sp>
+        <p:nvSpPr>
+          <p:cNvPr id="17" name="CuadroTexto 16"/>
+          <p:cNvSpPr txBox="1"/>
+          <p:nvPr/>
+        </p:nvSpPr>
+        <p:spPr>
+          <a:xfrm>
+            <a:off x="5065059" y="5734425"/>
+            <a:ext cx="2973294" cy="584776"/>
+          </a:xfrm>
+          <a:prstGeom prst="rect">
+            <a:avLst/>
+          </a:prstGeom>
+          <a:noFill/>
+        </p:spPr>
+        <p:txBody>
+          <a:bodyPr wrap="square" rtlCol="0">
+            <a:spAutoFit/>
+          </a:bodyPr>
+          <a:lstStyle/>
+          <a:p>
+            <a:r>
+              <a:rPr lang="es-ES" sz="1600" b="1" dirty="0" smtClean="0"/>
+              <a:t>Sears </a:t>
+            </a:r>
+            <a:r>
+              <a:rPr lang="es-ES" sz="1600" b="1" dirty="0" err="1" smtClean="0"/>
+              <a:t>Zuñiga</a:t>
+            </a:r>
+            <a:r>
+              <a:rPr lang="es-ES" sz="1600" b="1" dirty="0" smtClean="0"/>
+              <a:t>, Teddy John</a:t>
+            </a:r>
+          </a:p>
+          <a:p>
+            <a:r>
+              <a:rPr lang="es-ES" sz="1600" b="1" dirty="0" smtClean="0"/>
+              <a:t>Villamizar Meza, Sandra </a:t>
+            </a:r>
+            <a:r>
+              <a:rPr lang="es-ES" sz="1600" b="1" dirty="0" err="1" smtClean="0"/>
+              <a:t>Lisett</a:t>
+            </a:r>
+            <a:endParaRPr lang="es-ES" sz="1600" b="1" dirty="0"/>
+          </a:p>
+        </p:txBody>
+      </p:sp>
+      <p:sp>
+        <p:nvSpPr>
+          <p:cNvPr id="18" name="CuadroTexto 17"/>
+          <p:cNvSpPr txBox="1"/>
+          <p:nvPr/>
+        </p:nvSpPr>
+        <p:spPr>
+          <a:xfrm>
+            <a:off x="1613647" y="433294"/>
+            <a:ext cx="184666" cy="369332"/>
+          </a:xfrm>
+          <a:prstGeom prst="rect">
+            <a:avLst/>
+          </a:prstGeom>
+          <a:noFill/>
+        </p:spPr>
+        <p:txBody>
+          <a:bodyPr wrap="none" rtlCol="0">
+            <a:spAutoFit/>
+          </a:bodyPr>
+          <a:lstStyle/>
+          <a:p>
+            <a:endParaRPr lang="es-ES" dirty="0"/>
+          </a:p>
+        </p:txBody>
+      </p:sp>
+      <p:sp>
+        <p:nvSpPr>
+          <p:cNvPr id="19" name="CuadroTexto 18"/>
+          <p:cNvSpPr txBox="1"/>
+          <p:nvPr/>
+        </p:nvSpPr>
+        <p:spPr>
+          <a:xfrm>
+            <a:off x="5558117" y="248628"/>
+            <a:ext cx="3365825" cy="369332"/>
+          </a:xfrm>
+          <a:prstGeom prst="rect">
+            <a:avLst/>
+          </a:prstGeom>
+          <a:noFill/>
+        </p:spPr>
+        <p:txBody>
+          <a:bodyPr wrap="none" rtlCol="0">
+            <a:spAutoFit/>
+          </a:bodyPr>
+          <a:lstStyle/>
+          <a:p>
+            <a:r>
+              <a:rPr lang="es-ES" b="1" dirty="0" smtClean="0"/>
+              <a:t>Escuela de Ingeniería Informática</a:t>
+            </a:r>
+            <a:endParaRPr lang="es-ES" b="1" dirty="0"/>
+          </a:p>
+        </p:txBody>
+      </p:sp>
+      <p:sp>
+        <p:nvSpPr>
+          <p:cNvPr id="7" name="CuadroTexto 6"/>
+          <p:cNvSpPr txBox="1"/>
+          <p:nvPr/>
+        </p:nvSpPr>
+        <p:spPr>
+          <a:xfrm>
             <a:off x="463176" y="1418226"/>
             <a:ext cx="8277412" cy="523220"/>
           </a:xfrm>
@@ -12149,7 +17863,7 @@
 </p:sld>
 </file>
 
-<file path=ppt/slides/slide5.xml><?xml version="1.0" encoding="utf-8"?>
+<file path=ppt/slides/slide6.xml><?xml version="1.0" encoding="utf-8"?>
 <p:sld xmlns:a="http://schemas.openxmlformats.org/drawingml/2006/main" xmlns:r="http://schemas.openxmlformats.org/officeDocument/2006/relationships" xmlns:p="http://schemas.openxmlformats.org/presentationml/2006/main">
   <p:cSld>
     <p:bg>
@@ -12374,7 +18088,7 @@
         <p:spPr>
           <a:xfrm>
             <a:off x="558213" y="1035741"/>
-            <a:ext cx="4079562" cy="584776"/>
+            <a:ext cx="4273526" cy="584776"/>
           </a:xfrm>
           <a:prstGeom prst="rect">
             <a:avLst/>
@@ -12389,394 +18103,11 @@
           <a:p>
             <a:r>
               <a:rPr lang="es-ES" sz="3200" b="1" dirty="0" smtClean="0"/>
-              <a:t>OBJETIVO </a:t>
+              <a:t>OBJETIVOS </a:t>
             </a:r>
             <a:r>
               <a:rPr lang="es-ES" sz="3200" b="1" dirty="0" smtClean="0"/>
-              <a:t>ESPEC</a:t>
-            </a:r>
-            <a:r>
-              <a:rPr lang="es-ES" sz="3200" b="1" dirty="0" smtClean="0"/>
-              <a:t>Í</a:t>
-            </a:r>
-            <a:r>
-              <a:rPr lang="es-ES" sz="3200" b="1" dirty="0" smtClean="0"/>
-              <a:t>FICOS</a:t>
-            </a:r>
-            <a:endParaRPr lang="es-ES" sz="3200" b="1" dirty="0"/>
-          </a:p>
-        </p:txBody>
-      </p:sp>
-      <p:sp>
-        <p:nvSpPr>
-          <p:cNvPr id="8" name="Rectángulo 7"/>
-          <p:cNvSpPr/>
-          <p:nvPr/>
-        </p:nvSpPr>
-        <p:spPr>
-          <a:xfrm>
-            <a:off x="788307" y="1941698"/>
-            <a:ext cx="7488920" cy="3785652"/>
-          </a:xfrm>
-          <a:prstGeom prst="rect">
-            <a:avLst/>
-          </a:prstGeom>
-        </p:spPr>
-        <p:txBody>
-          <a:bodyPr wrap="square">
-            <a:spAutoFit/>
-          </a:bodyPr>
-          <a:lstStyle/>
-          <a:p>
-            <a:pPr marL="342900" lvl="0" indent="-342900">
-              <a:buFont typeface="+mj-lt"/>
-              <a:buAutoNum type="arabicPeriod"/>
-            </a:pPr>
-            <a:r>
-              <a:rPr lang="es-VE" sz="2000" dirty="0"/>
-              <a:t>Diseñar e implementar un buscador para seleccionar el lugar que se desea encontrar</a:t>
-            </a:r>
-            <a:r>
-              <a:rPr lang="es-VE" sz="2000" dirty="0" smtClean="0"/>
-              <a:t>.</a:t>
-            </a:r>
-          </a:p>
-          <a:p>
-            <a:pPr lvl="0"/>
-            <a:endParaRPr lang="es-ES" sz="2000" dirty="0"/>
-          </a:p>
-          <a:p>
-            <a:pPr marL="342900" indent="-342900">
-              <a:buFont typeface="+mj-lt"/>
-              <a:buAutoNum type="arabicPeriod"/>
-            </a:pPr>
-            <a:r>
-              <a:rPr lang="es-VE" sz="2000" dirty="0"/>
-              <a:t>Diseñar e implementar un módulo para la geolocalización a través de Realidad Aumentada</a:t>
-            </a:r>
-            <a:r>
-              <a:rPr lang="es-VE" sz="2000" dirty="0" smtClean="0"/>
-              <a:t>.</a:t>
-            </a:r>
-          </a:p>
-          <a:p>
-            <a:endParaRPr lang="es-ES_tradnl" sz="2000" dirty="0"/>
-          </a:p>
-          <a:p>
-            <a:pPr marL="342900" indent="-342900">
-              <a:buFont typeface="+mj-lt"/>
-              <a:buAutoNum type="arabicPeriod"/>
-            </a:pPr>
-            <a:r>
-              <a:rPr lang="es-VE" sz="2000" dirty="0"/>
-              <a:t>Determinar, seleccionar y analizar puntos clave para facilitar la ubicación rápida del usuario haciendo uso de NFC o Realidad Aumentada</a:t>
-            </a:r>
-            <a:r>
-              <a:rPr lang="es-VE" sz="2000" dirty="0" smtClean="0"/>
-              <a:t>.</a:t>
-            </a:r>
-          </a:p>
-          <a:p>
-            <a:endParaRPr lang="es-ES_tradnl" sz="2000" dirty="0"/>
-          </a:p>
-          <a:p>
-            <a:pPr marL="342900" indent="-342900">
-              <a:buFont typeface="+mj-lt"/>
-              <a:buAutoNum type="arabicPeriod"/>
-            </a:pPr>
-            <a:r>
-              <a:rPr lang="es-VE" sz="2000" dirty="0"/>
-              <a:t>Diseñar e implementar un módulo que suministre información de interés combinando NFC y Realidad Aumentada</a:t>
-            </a:r>
-            <a:r>
-              <a:rPr lang="es-VE" sz="2000" dirty="0" smtClean="0"/>
-              <a:t>.</a:t>
-            </a:r>
-            <a:endParaRPr lang="es-ES_tradnl" sz="2000" dirty="0"/>
-          </a:p>
-        </p:txBody>
-      </p:sp>
-    </p:spTree>
-    <p:extLst>
-      <p:ext uri="{BB962C8B-B14F-4D97-AF65-F5344CB8AC3E}">
-        <p14:creationId xmlns:p14="http://schemas.microsoft.com/office/powerpoint/2010/main" val="2615566880"/>
-      </p:ext>
-    </p:extLst>
-  </p:cSld>
-  <p:clrMapOvr>
-    <a:masterClrMapping/>
-  </p:clrMapOvr>
-  <mc:AlternateContent xmlns:mc="http://schemas.openxmlformats.org/markup-compatibility/2006" xmlns:p14="http://schemas.microsoft.com/office/powerpoint/2010/main">
-    <mc:Choice Requires="p14">
-      <p:transition p14:dur="0" advClick="0"/>
-    </mc:Choice>
-    <mc:Fallback xmlns="">
-      <p:transition xmlns:p14="http://schemas.microsoft.com/office/powerpoint/2010/main" advClick="0"/>
-    </mc:Fallback>
-  </mc:AlternateContent>
-  <p:timing>
-    <p:tnLst>
-      <p:par>
-        <p:cTn xmlns:p14="http://schemas.microsoft.com/office/powerpoint/2010/main" id="1" dur="indefinite" restart="never" nodeType="tmRoot"/>
-      </p:par>
-    </p:tnLst>
-  </p:timing>
-</p:sld>
-</file>
-
-<file path=ppt/slides/slide6.xml><?xml version="1.0" encoding="utf-8"?>
-<p:sld xmlns:a="http://schemas.openxmlformats.org/drawingml/2006/main" xmlns:r="http://schemas.openxmlformats.org/officeDocument/2006/relationships" xmlns:p="http://schemas.openxmlformats.org/presentationml/2006/main">
-  <p:cSld>
-    <p:bg>
-      <p:bgPr>
-        <a:gradFill flip="none" rotWithShape="1">
-          <a:gsLst>
-            <a:gs pos="92000">
-              <a:schemeClr val="bg1"/>
-            </a:gs>
-            <a:gs pos="98000">
-              <a:srgbClr val="0A4E19"/>
-            </a:gs>
-            <a:gs pos="94000">
-              <a:srgbClr val="FECC2B"/>
-            </a:gs>
-            <a:gs pos="96000">
-              <a:srgbClr val="14A4DA">
-                <a:alpha val="83000"/>
-              </a:srgbClr>
-            </a:gs>
-            <a:gs pos="0">
-              <a:schemeClr val="bg1">
-                <a:alpha val="76000"/>
-              </a:schemeClr>
-            </a:gs>
-            <a:gs pos="17000">
-              <a:schemeClr val="bg1">
-                <a:alpha val="76000"/>
-              </a:schemeClr>
-            </a:gs>
-          </a:gsLst>
-          <a:lin ang="5400000" scaled="0"/>
-          <a:tileRect/>
-        </a:gradFill>
-        <a:effectLst/>
-      </p:bgPr>
-    </p:bg>
-    <p:spTree>
-      <p:nvGrpSpPr>
-        <p:cNvPr id="1" name=""/>
-        <p:cNvGrpSpPr/>
-        <p:nvPr/>
-      </p:nvGrpSpPr>
-      <p:grpSpPr>
-        <a:xfrm>
-          <a:off x="0" y="0"/>
-          <a:ext cx="0" cy="0"/>
-          <a:chOff x="0" y="0"/>
-          <a:chExt cx="0" cy="0"/>
-        </a:xfrm>
-      </p:grpSpPr>
-      <p:pic>
-        <p:nvPicPr>
-          <p:cNvPr id="14" name="Imagen 13" descr="ic_launcher.png"/>
-          <p:cNvPicPr>
-            <a:picLocks noChangeAspect="1"/>
-          </p:cNvPicPr>
-          <p:nvPr/>
-        </p:nvPicPr>
-        <p:blipFill>
-          <a:blip r:embed="rId2">
-            <a:extLst>
-              <a:ext uri="{28A0092B-C50C-407E-A947-70E740481C1C}">
-                <a14:useLocalDpi xmlns:a14="http://schemas.microsoft.com/office/drawing/2010/main" val="0"/>
-              </a:ext>
-            </a:extLst>
-          </a:blip>
-          <a:stretch>
-            <a:fillRect/>
-          </a:stretch>
-        </p:blipFill>
-        <p:spPr>
-          <a:xfrm>
-            <a:off x="8069306" y="5411694"/>
-            <a:ext cx="914400" cy="914400"/>
-          </a:xfrm>
-          <a:prstGeom prst="rect">
-            <a:avLst/>
-          </a:prstGeom>
-        </p:spPr>
-      </p:pic>
-      <p:pic>
-        <p:nvPicPr>
-          <p:cNvPr id="16" name="Imagen 15" descr="LogoUCAB600x123.png"/>
-          <p:cNvPicPr>
-            <a:picLocks noChangeAspect="1"/>
-          </p:cNvPicPr>
-          <p:nvPr/>
-        </p:nvPicPr>
-        <p:blipFill>
-          <a:blip r:embed="rId3">
-            <a:extLst>
-              <a:ext uri="{28A0092B-C50C-407E-A947-70E740481C1C}">
-                <a14:useLocalDpi xmlns:a14="http://schemas.microsoft.com/office/drawing/2010/main" val="0"/>
-              </a:ext>
-            </a:extLst>
-          </a:blip>
-          <a:stretch>
-            <a:fillRect/>
-          </a:stretch>
-        </p:blipFill>
-        <p:spPr>
-          <a:xfrm>
-            <a:off x="0" y="39706"/>
-            <a:ext cx="3839881" cy="787176"/>
-          </a:xfrm>
-          <a:prstGeom prst="rect">
-            <a:avLst/>
-          </a:prstGeom>
-        </p:spPr>
-      </p:pic>
-      <p:sp>
-        <p:nvSpPr>
-          <p:cNvPr id="17" name="CuadroTexto 16"/>
-          <p:cNvSpPr txBox="1"/>
-          <p:nvPr/>
-        </p:nvSpPr>
-        <p:spPr>
-          <a:xfrm>
-            <a:off x="5065059" y="5734425"/>
-            <a:ext cx="2973294" cy="584776"/>
-          </a:xfrm>
-          <a:prstGeom prst="rect">
-            <a:avLst/>
-          </a:prstGeom>
-          <a:noFill/>
-        </p:spPr>
-        <p:txBody>
-          <a:bodyPr wrap="square" rtlCol="0">
-            <a:spAutoFit/>
-          </a:bodyPr>
-          <a:lstStyle/>
-          <a:p>
-            <a:r>
-              <a:rPr lang="es-ES" sz="1600" b="1" dirty="0" smtClean="0"/>
-              <a:t>Sears </a:t>
-            </a:r>
-            <a:r>
-              <a:rPr lang="es-ES" sz="1600" b="1" dirty="0" err="1" smtClean="0"/>
-              <a:t>Zuñiga</a:t>
-            </a:r>
-            <a:r>
-              <a:rPr lang="es-ES" sz="1600" b="1" dirty="0" smtClean="0"/>
-              <a:t>, Teddy John</a:t>
-            </a:r>
-          </a:p>
-          <a:p>
-            <a:r>
-              <a:rPr lang="es-ES" sz="1600" b="1" dirty="0" smtClean="0"/>
-              <a:t>Villamizar Meza, Sandra </a:t>
-            </a:r>
-            <a:r>
-              <a:rPr lang="es-ES" sz="1600" b="1" dirty="0" err="1" smtClean="0"/>
-              <a:t>Lisett</a:t>
-            </a:r>
-            <a:endParaRPr lang="es-ES" sz="1600" b="1" dirty="0"/>
-          </a:p>
-        </p:txBody>
-      </p:sp>
-      <p:sp>
-        <p:nvSpPr>
-          <p:cNvPr id="18" name="CuadroTexto 17"/>
-          <p:cNvSpPr txBox="1"/>
-          <p:nvPr/>
-        </p:nvSpPr>
-        <p:spPr>
-          <a:xfrm>
-            <a:off x="1613647" y="433294"/>
-            <a:ext cx="184666" cy="369332"/>
-          </a:xfrm>
-          <a:prstGeom prst="rect">
-            <a:avLst/>
-          </a:prstGeom>
-          <a:noFill/>
-        </p:spPr>
-        <p:txBody>
-          <a:bodyPr wrap="none" rtlCol="0">
-            <a:spAutoFit/>
-          </a:bodyPr>
-          <a:lstStyle/>
-          <a:p>
-            <a:endParaRPr lang="es-ES" dirty="0"/>
-          </a:p>
-        </p:txBody>
-      </p:sp>
-      <p:sp>
-        <p:nvSpPr>
-          <p:cNvPr id="19" name="CuadroTexto 18"/>
-          <p:cNvSpPr txBox="1"/>
-          <p:nvPr/>
-        </p:nvSpPr>
-        <p:spPr>
-          <a:xfrm>
-            <a:off x="5558117" y="248628"/>
-            <a:ext cx="3365825" cy="369332"/>
-          </a:xfrm>
-          <a:prstGeom prst="rect">
-            <a:avLst/>
-          </a:prstGeom>
-          <a:noFill/>
-        </p:spPr>
-        <p:txBody>
-          <a:bodyPr wrap="none" rtlCol="0">
-            <a:spAutoFit/>
-          </a:bodyPr>
-          <a:lstStyle/>
-          <a:p>
-            <a:r>
-              <a:rPr lang="es-ES" b="1" dirty="0" smtClean="0"/>
-              <a:t>Escuela de Ingeniería Informática</a:t>
-            </a:r>
-            <a:endParaRPr lang="es-ES" b="1" dirty="0"/>
-          </a:p>
-        </p:txBody>
-      </p:sp>
-      <p:sp>
-        <p:nvSpPr>
-          <p:cNvPr id="7" name="CuadroTexto 6"/>
-          <p:cNvSpPr txBox="1"/>
-          <p:nvPr/>
-        </p:nvSpPr>
-        <p:spPr>
-          <a:xfrm>
-            <a:off x="558213" y="1035741"/>
-            <a:ext cx="4079562" cy="584776"/>
-          </a:xfrm>
-          <a:prstGeom prst="rect">
-            <a:avLst/>
-          </a:prstGeom>
-          <a:noFill/>
-        </p:spPr>
-        <p:txBody>
-          <a:bodyPr wrap="none" rtlCol="0">
-            <a:spAutoFit/>
-          </a:bodyPr>
-          <a:lstStyle/>
-          <a:p>
-            <a:r>
-              <a:rPr lang="es-ES" sz="3200" b="1" dirty="0" smtClean="0"/>
-              <a:t>OBJETIVO </a:t>
-            </a:r>
-            <a:r>
-              <a:rPr lang="es-ES" sz="3200" b="1" dirty="0" smtClean="0"/>
-              <a:t>ESPEC</a:t>
-            </a:r>
-            <a:r>
-              <a:rPr lang="es-ES" sz="3200" b="1" dirty="0" smtClean="0"/>
-              <a:t>Í</a:t>
-            </a:r>
-            <a:r>
-              <a:rPr lang="es-ES" sz="3200" b="1" dirty="0" smtClean="0"/>
-              <a:t>FICOS</a:t>
+              <a:t>ESPECÍFICOS</a:t>
             </a:r>
             <a:endParaRPr lang="es-ES" sz="3200" b="1" dirty="0"/>
           </a:p>

--- a/Documentacion/Presentacion/Presentacion V1.0.pptx
+++ b/Documentacion/Presentacion/Presentacion V1.0.pptx
@@ -340,7 +340,7 @@
             <a:fld id="{9D21D778-B565-4D7E-94D7-64010A445B68}" type="datetimeFigureOut">
               <a:rPr lang="en-US" smtClean="0"/>
               <a:pPr eaLnBrk="1" latinLnBrk="0" hangingPunct="1"/>
-              <a:t>21/04/17</a:t>
+              <a:t>22/04/17</a:t>
             </a:fld>
             <a:endParaRPr lang="en-US"/>
           </a:p>
@@ -522,7 +522,7 @@
           <a:p>
             <a:fld id="{60256078-59C6-6649-AA44-91FB9C51CB94}" type="datetimeFigureOut">
               <a:rPr lang="es-ES" smtClean="0"/>
-              <a:t>21/04/17</a:t>
+              <a:t>22/04/17</a:t>
             </a:fld>
             <a:endParaRPr lang="es-ES"/>
           </a:p>
@@ -714,7 +714,7 @@
           <a:p>
             <a:fld id="{60256078-59C6-6649-AA44-91FB9C51CB94}" type="datetimeFigureOut">
               <a:rPr lang="es-ES" smtClean="0"/>
-              <a:t>21/04/17</a:t>
+              <a:t>22/04/17</a:t>
             </a:fld>
             <a:endParaRPr lang="es-ES"/>
           </a:p>
@@ -896,7 +896,7 @@
           <a:p>
             <a:fld id="{60256078-59C6-6649-AA44-91FB9C51CB94}" type="datetimeFigureOut">
               <a:rPr lang="es-ES" smtClean="0"/>
-              <a:t>21/04/17</a:t>
+              <a:t>22/04/17</a:t>
             </a:fld>
             <a:endParaRPr lang="es-ES"/>
           </a:p>
@@ -1156,7 +1156,7 @@
             <a:fld id="{9D21D778-B565-4D7E-94D7-64010A445B68}" type="datetimeFigureOut">
               <a:rPr lang="en-US" smtClean="0"/>
               <a:pPr eaLnBrk="1" latinLnBrk="0" hangingPunct="1"/>
-              <a:t>21/04/17</a:t>
+              <a:t>22/04/17</a:t>
             </a:fld>
             <a:endParaRPr lang="en-US"/>
           </a:p>
@@ -1464,7 +1464,7 @@
           <a:p>
             <a:fld id="{60256078-59C6-6649-AA44-91FB9C51CB94}" type="datetimeFigureOut">
               <a:rPr lang="es-ES" smtClean="0"/>
-              <a:t>21/04/17</a:t>
+              <a:t>22/04/17</a:t>
             </a:fld>
             <a:endParaRPr lang="es-ES"/>
           </a:p>
@@ -1898,7 +1898,7 @@
           <a:p>
             <a:fld id="{60256078-59C6-6649-AA44-91FB9C51CB94}" type="datetimeFigureOut">
               <a:rPr lang="es-ES" smtClean="0"/>
-              <a:t>21/04/17</a:t>
+              <a:t>22/04/17</a:t>
             </a:fld>
             <a:endParaRPr lang="es-ES"/>
           </a:p>
@@ -2028,7 +2028,7 @@
           <a:p>
             <a:fld id="{60256078-59C6-6649-AA44-91FB9C51CB94}" type="datetimeFigureOut">
               <a:rPr lang="es-ES" smtClean="0"/>
-              <a:t>21/04/17</a:t>
+              <a:t>22/04/17</a:t>
             </a:fld>
             <a:endParaRPr lang="es-ES"/>
           </a:p>
@@ -2135,7 +2135,7 @@
           <a:p>
             <a:fld id="{60256078-59C6-6649-AA44-91FB9C51CB94}" type="datetimeFigureOut">
               <a:rPr lang="es-ES" smtClean="0"/>
-              <a:t>21/04/17</a:t>
+              <a:t>22/04/17</a:t>
             </a:fld>
             <a:endParaRPr lang="es-ES"/>
           </a:p>
@@ -2424,7 +2424,7 @@
           <a:p>
             <a:fld id="{60256078-59C6-6649-AA44-91FB9C51CB94}" type="datetimeFigureOut">
               <a:rPr lang="es-ES" smtClean="0"/>
-              <a:t>21/04/17</a:t>
+              <a:t>22/04/17</a:t>
             </a:fld>
             <a:endParaRPr lang="es-ES"/>
           </a:p>
@@ -2689,7 +2689,7 @@
           <a:p>
             <a:fld id="{60256078-59C6-6649-AA44-91FB9C51CB94}" type="datetimeFigureOut">
               <a:rPr lang="es-ES" smtClean="0"/>
-              <a:t>21/04/17</a:t>
+              <a:t>22/04/17</a:t>
             </a:fld>
             <a:endParaRPr lang="es-ES"/>
           </a:p>
@@ -2914,7 +2914,7 @@
           <a:p>
             <a:fld id="{60256078-59C6-6649-AA44-91FB9C51CB94}" type="datetimeFigureOut">
               <a:rPr lang="es-ES" smtClean="0"/>
-              <a:t>21/04/17</a:t>
+              <a:t>22/04/17</a:t>
             </a:fld>
             <a:endParaRPr lang="es-ES"/>
           </a:p>
@@ -6944,10 +6944,6 @@
           </a:p>
           <a:p>
             <a:pPr lvl="0"/>
-            <a:r>
-              <a:rPr lang="es-VE" sz="2000" b="1" dirty="0" smtClean="0"/>
-              <a:t>Fotos de secuencia</a:t>
-            </a:r>
             <a:endParaRPr lang="es-VE" sz="2000" b="1" dirty="0"/>
           </a:p>
           <a:p>
@@ -6955,6 +6951,476 @@
           </a:p>
         </p:txBody>
       </p:sp>
+      <p:grpSp>
+        <p:nvGrpSpPr>
+          <p:cNvPr id="2" name="Agrupar 1"/>
+          <p:cNvGrpSpPr/>
+          <p:nvPr/>
+        </p:nvGrpSpPr>
+        <p:grpSpPr>
+          <a:xfrm>
+            <a:off x="62927" y="2716566"/>
+            <a:ext cx="8980544" cy="2692241"/>
+            <a:chOff x="62927" y="2806212"/>
+            <a:chExt cx="8980544" cy="2692241"/>
+          </a:xfrm>
+        </p:grpSpPr>
+        <p:grpSp>
+          <p:nvGrpSpPr>
+            <p:cNvPr id="9" name="Agrupar 8"/>
+            <p:cNvGrpSpPr/>
+            <p:nvPr/>
+          </p:nvGrpSpPr>
+          <p:grpSpPr>
+            <a:xfrm>
+              <a:off x="62927" y="2806212"/>
+              <a:ext cx="3390656" cy="2692240"/>
+              <a:chOff x="133672" y="116982"/>
+              <a:chExt cx="7842321" cy="6584347"/>
+            </a:xfrm>
+          </p:grpSpPr>
+          <p:pic>
+            <p:nvPicPr>
+              <p:cNvPr id="10" name="Imagen 9" descr="Captura de pantalla 2017-04-22 a la(s) 20.31.09.png"/>
+              <p:cNvPicPr>
+                <a:picLocks noChangeAspect="1"/>
+              </p:cNvPicPr>
+              <p:nvPr/>
+            </p:nvPicPr>
+            <p:blipFill>
+              <a:blip r:embed="rId4">
+                <a:extLst>
+                  <a:ext uri="{28A0092B-C50C-407E-A947-70E740481C1C}">
+                    <a14:useLocalDpi xmlns:a14="http://schemas.microsoft.com/office/drawing/2010/main" val="0"/>
+                  </a:ext>
+                </a:extLst>
+              </a:blip>
+              <a:stretch>
+                <a:fillRect/>
+              </a:stretch>
+            </p:blipFill>
+            <p:spPr>
+              <a:xfrm>
+                <a:off x="133672" y="116982"/>
+                <a:ext cx="3857602" cy="6584347"/>
+              </a:xfrm>
+              <a:prstGeom prst="rect">
+                <a:avLst/>
+              </a:prstGeom>
+            </p:spPr>
+          </p:pic>
+          <p:pic>
+            <p:nvPicPr>
+              <p:cNvPr id="11" name="Imagen 10" descr="Captura de pantalla 2017-04-22 a la(s) 20.21.12.png"/>
+              <p:cNvPicPr>
+                <a:picLocks noChangeAspect="1"/>
+              </p:cNvPicPr>
+              <p:nvPr/>
+            </p:nvPicPr>
+            <p:blipFill>
+              <a:blip r:embed="rId5">
+                <a:extLst>
+                  <a:ext uri="{28A0092B-C50C-407E-A947-70E740481C1C}">
+                    <a14:useLocalDpi xmlns:a14="http://schemas.microsoft.com/office/drawing/2010/main" val="0"/>
+                  </a:ext>
+                </a:extLst>
+              </a:blip>
+              <a:stretch>
+                <a:fillRect/>
+              </a:stretch>
+            </p:blipFill>
+            <p:spPr>
+              <a:xfrm>
+                <a:off x="4128959" y="116982"/>
+                <a:ext cx="3847034" cy="6584347"/>
+              </a:xfrm>
+              <a:prstGeom prst="rect">
+                <a:avLst/>
+              </a:prstGeom>
+            </p:spPr>
+          </p:pic>
+          <p:sp>
+            <p:nvSpPr>
+              <p:cNvPr id="12" name="Marco 11"/>
+              <p:cNvSpPr/>
+              <p:nvPr/>
+            </p:nvSpPr>
+            <p:spPr>
+              <a:xfrm>
+                <a:off x="2999349" y="116982"/>
+                <a:ext cx="520359" cy="584903"/>
+              </a:xfrm>
+              <a:prstGeom prst="frame">
+                <a:avLst>
+                  <a:gd name="adj1" fmla="val 7902"/>
+                </a:avLst>
+              </a:prstGeom>
+              <a:solidFill>
+                <a:schemeClr val="accent2"/>
+              </a:solidFill>
+              <a:ln>
+                <a:solidFill>
+                  <a:srgbClr val="C0504D"/>
+                </a:solidFill>
+              </a:ln>
+            </p:spPr>
+            <p:style>
+              <a:lnRef idx="1">
+                <a:schemeClr val="accent1"/>
+              </a:lnRef>
+              <a:fillRef idx="3">
+                <a:schemeClr val="accent1"/>
+              </a:fillRef>
+              <a:effectRef idx="2">
+                <a:schemeClr val="accent1"/>
+              </a:effectRef>
+              <a:fontRef idx="minor">
+                <a:schemeClr val="lt1"/>
+              </a:fontRef>
+            </p:style>
+            <p:txBody>
+              <a:bodyPr rtlCol="0" anchor="ctr"/>
+              <a:lstStyle/>
+              <a:p>
+                <a:pPr algn="ctr"/>
+                <a:endParaRPr lang="es-ES">
+                  <a:solidFill>
+                    <a:schemeClr val="tx1"/>
+                  </a:solidFill>
+                </a:endParaRPr>
+              </a:p>
+            </p:txBody>
+          </p:sp>
+          <p:sp>
+            <p:nvSpPr>
+              <p:cNvPr id="13" name="Marco 12"/>
+              <p:cNvSpPr/>
+              <p:nvPr/>
+            </p:nvSpPr>
+            <p:spPr>
+              <a:xfrm>
+                <a:off x="4756175" y="156135"/>
+                <a:ext cx="2779584" cy="529039"/>
+              </a:xfrm>
+              <a:prstGeom prst="frame">
+                <a:avLst>
+                  <a:gd name="adj1" fmla="val 7902"/>
+                </a:avLst>
+              </a:prstGeom>
+              <a:solidFill>
+                <a:schemeClr val="accent2"/>
+              </a:solidFill>
+              <a:ln>
+                <a:solidFill>
+                  <a:srgbClr val="C0504D"/>
+                </a:solidFill>
+              </a:ln>
+            </p:spPr>
+            <p:style>
+              <a:lnRef idx="1">
+                <a:schemeClr val="accent1"/>
+              </a:lnRef>
+              <a:fillRef idx="3">
+                <a:schemeClr val="accent1"/>
+              </a:fillRef>
+              <a:effectRef idx="2">
+                <a:schemeClr val="accent1"/>
+              </a:effectRef>
+              <a:fontRef idx="minor">
+                <a:schemeClr val="lt1"/>
+              </a:fontRef>
+            </p:style>
+            <p:txBody>
+              <a:bodyPr rtlCol="0" anchor="ctr"/>
+              <a:lstStyle/>
+              <a:p>
+                <a:pPr algn="ctr"/>
+                <a:endParaRPr lang="es-ES">
+                  <a:solidFill>
+                    <a:schemeClr val="tx1"/>
+                  </a:solidFill>
+                </a:endParaRPr>
+              </a:p>
+            </p:txBody>
+          </p:sp>
+        </p:grpSp>
+        <p:grpSp>
+          <p:nvGrpSpPr>
+            <p:cNvPr id="15" name="Agrupar 14"/>
+            <p:cNvGrpSpPr/>
+            <p:nvPr/>
+          </p:nvGrpSpPr>
+          <p:grpSpPr>
+            <a:xfrm>
+              <a:off x="3500155" y="2806212"/>
+              <a:ext cx="3611846" cy="2692240"/>
+              <a:chOff x="105581" y="116982"/>
+              <a:chExt cx="7821607" cy="6584348"/>
+            </a:xfrm>
+          </p:grpSpPr>
+          <p:pic>
+            <p:nvPicPr>
+              <p:cNvPr id="20" name="Imagen 19" descr="Captura de pantalla 2017-04-22 a la(s) 20.20.22.png"/>
+              <p:cNvPicPr>
+                <a:picLocks noChangeAspect="1"/>
+              </p:cNvPicPr>
+              <p:nvPr/>
+            </p:nvPicPr>
+            <p:blipFill>
+              <a:blip r:embed="rId6">
+                <a:extLst>
+                  <a:ext uri="{28A0092B-C50C-407E-A947-70E740481C1C}">
+                    <a14:useLocalDpi xmlns:a14="http://schemas.microsoft.com/office/drawing/2010/main" val="0"/>
+                  </a:ext>
+                </a:extLst>
+              </a:blip>
+              <a:stretch>
+                <a:fillRect/>
+              </a:stretch>
+            </p:blipFill>
+            <p:spPr>
+              <a:xfrm>
+                <a:off x="105581" y="116982"/>
+                <a:ext cx="3853222" cy="6584348"/>
+              </a:xfrm>
+              <a:prstGeom prst="rect">
+                <a:avLst/>
+              </a:prstGeom>
+            </p:spPr>
+          </p:pic>
+          <p:pic>
+            <p:nvPicPr>
+              <p:cNvPr id="21" name="Imagen 20" descr="Captura de pantalla 2017-04-22 a la(s) 20.23.04.png"/>
+              <p:cNvPicPr>
+                <a:picLocks noChangeAspect="1"/>
+              </p:cNvPicPr>
+              <p:nvPr/>
+            </p:nvPicPr>
+            <p:blipFill>
+              <a:blip r:embed="rId7">
+                <a:extLst>
+                  <a:ext uri="{28A0092B-C50C-407E-A947-70E740481C1C}">
+                    <a14:useLocalDpi xmlns:a14="http://schemas.microsoft.com/office/drawing/2010/main" val="0"/>
+                  </a:ext>
+                </a:extLst>
+              </a:blip>
+              <a:stretch>
+                <a:fillRect/>
+              </a:stretch>
+            </p:blipFill>
+            <p:spPr>
+              <a:xfrm>
+                <a:off x="4075766" y="116982"/>
+                <a:ext cx="3851422" cy="6584348"/>
+              </a:xfrm>
+              <a:prstGeom prst="rect">
+                <a:avLst/>
+              </a:prstGeom>
+            </p:spPr>
+          </p:pic>
+          <p:sp>
+            <p:nvSpPr>
+              <p:cNvPr id="22" name="Marco 21"/>
+              <p:cNvSpPr/>
+              <p:nvPr/>
+            </p:nvSpPr>
+            <p:spPr>
+              <a:xfrm>
+                <a:off x="747093" y="116982"/>
+                <a:ext cx="2293944" cy="584903"/>
+              </a:xfrm>
+              <a:prstGeom prst="frame">
+                <a:avLst>
+                  <a:gd name="adj1" fmla="val 7902"/>
+                </a:avLst>
+              </a:prstGeom>
+              <a:solidFill>
+                <a:schemeClr val="accent2"/>
+              </a:solidFill>
+              <a:ln>
+                <a:solidFill>
+                  <a:srgbClr val="C0504D"/>
+                </a:solidFill>
+              </a:ln>
+            </p:spPr>
+            <p:style>
+              <a:lnRef idx="1">
+                <a:schemeClr val="accent1"/>
+              </a:lnRef>
+              <a:fillRef idx="3">
+                <a:schemeClr val="accent1"/>
+              </a:fillRef>
+              <a:effectRef idx="2">
+                <a:schemeClr val="accent1"/>
+              </a:effectRef>
+              <a:fontRef idx="minor">
+                <a:schemeClr val="lt1"/>
+              </a:fontRef>
+            </p:style>
+            <p:txBody>
+              <a:bodyPr rtlCol="0" anchor="ctr"/>
+              <a:lstStyle/>
+              <a:p>
+                <a:pPr algn="ctr"/>
+                <a:endParaRPr lang="es-ES">
+                  <a:solidFill>
+                    <a:schemeClr val="tx1"/>
+                  </a:solidFill>
+                </a:endParaRPr>
+              </a:p>
+            </p:txBody>
+          </p:sp>
+          <p:sp>
+            <p:nvSpPr>
+              <p:cNvPr id="23" name="Marco 22"/>
+              <p:cNvSpPr/>
+              <p:nvPr/>
+            </p:nvSpPr>
+            <p:spPr>
+              <a:xfrm>
+                <a:off x="4273045" y="2905239"/>
+                <a:ext cx="3496639" cy="1038686"/>
+              </a:xfrm>
+              <a:prstGeom prst="frame">
+                <a:avLst>
+                  <a:gd name="adj1" fmla="val 7902"/>
+                </a:avLst>
+              </a:prstGeom>
+              <a:solidFill>
+                <a:schemeClr val="accent2"/>
+              </a:solidFill>
+              <a:ln>
+                <a:solidFill>
+                  <a:srgbClr val="C0504D"/>
+                </a:solidFill>
+              </a:ln>
+            </p:spPr>
+            <p:style>
+              <a:lnRef idx="1">
+                <a:schemeClr val="accent1"/>
+              </a:lnRef>
+              <a:fillRef idx="3">
+                <a:schemeClr val="accent1"/>
+              </a:fillRef>
+              <a:effectRef idx="2">
+                <a:schemeClr val="accent1"/>
+              </a:effectRef>
+              <a:fontRef idx="minor">
+                <a:schemeClr val="lt1"/>
+              </a:fontRef>
+            </p:style>
+            <p:txBody>
+              <a:bodyPr rtlCol="0" anchor="ctr"/>
+              <a:lstStyle/>
+              <a:p>
+                <a:pPr algn="ctr"/>
+                <a:endParaRPr lang="es-ES">
+                  <a:solidFill>
+                    <a:schemeClr val="tx1"/>
+                  </a:solidFill>
+                </a:endParaRPr>
+              </a:p>
+            </p:txBody>
+          </p:sp>
+        </p:grpSp>
+        <p:grpSp>
+          <p:nvGrpSpPr>
+            <p:cNvPr id="24" name="Agrupar 23"/>
+            <p:cNvGrpSpPr/>
+            <p:nvPr/>
+          </p:nvGrpSpPr>
+          <p:grpSpPr>
+            <a:xfrm>
+              <a:off x="7156825" y="2806213"/>
+              <a:ext cx="1886646" cy="2692240"/>
+              <a:chOff x="1774695" y="133692"/>
+              <a:chExt cx="3847033" cy="6584347"/>
+            </a:xfrm>
+          </p:grpSpPr>
+          <p:pic>
+            <p:nvPicPr>
+              <p:cNvPr id="25" name="Imagen 24" descr="Captura de pantalla 2017-04-22 a la(s) 20.19.52.png"/>
+              <p:cNvPicPr>
+                <a:picLocks noChangeAspect="1"/>
+              </p:cNvPicPr>
+              <p:nvPr/>
+            </p:nvPicPr>
+            <p:blipFill>
+              <a:blip r:embed="rId8">
+                <a:extLst>
+                  <a:ext uri="{28A0092B-C50C-407E-A947-70E740481C1C}">
+                    <a14:useLocalDpi xmlns:a14="http://schemas.microsoft.com/office/drawing/2010/main" val="0"/>
+                  </a:ext>
+                </a:extLst>
+              </a:blip>
+              <a:stretch>
+                <a:fillRect/>
+              </a:stretch>
+            </p:blipFill>
+            <p:spPr>
+              <a:xfrm>
+                <a:off x="1774695" y="133692"/>
+                <a:ext cx="3847033" cy="6584347"/>
+              </a:xfrm>
+              <a:prstGeom prst="rect">
+                <a:avLst/>
+              </a:prstGeom>
+            </p:spPr>
+          </p:pic>
+          <p:sp>
+            <p:nvSpPr>
+              <p:cNvPr id="26" name="Marco 25"/>
+              <p:cNvSpPr/>
+              <p:nvPr/>
+            </p:nvSpPr>
+            <p:spPr>
+              <a:xfrm>
+                <a:off x="1774695" y="816295"/>
+                <a:ext cx="3847033" cy="1456476"/>
+              </a:xfrm>
+              <a:prstGeom prst="frame">
+                <a:avLst>
+                  <a:gd name="adj1" fmla="val 7902"/>
+                </a:avLst>
+              </a:prstGeom>
+              <a:solidFill>
+                <a:schemeClr val="accent2"/>
+              </a:solidFill>
+              <a:ln>
+                <a:solidFill>
+                  <a:srgbClr val="C0504D"/>
+                </a:solidFill>
+              </a:ln>
+            </p:spPr>
+            <p:style>
+              <a:lnRef idx="1">
+                <a:schemeClr val="accent1"/>
+              </a:lnRef>
+              <a:fillRef idx="3">
+                <a:schemeClr val="accent1"/>
+              </a:fillRef>
+              <a:effectRef idx="2">
+                <a:schemeClr val="accent1"/>
+              </a:effectRef>
+              <a:fontRef idx="minor">
+                <a:schemeClr val="lt1"/>
+              </a:fontRef>
+            </p:style>
+            <p:txBody>
+              <a:bodyPr rtlCol="0" anchor="ctr"/>
+              <a:lstStyle/>
+              <a:p>
+                <a:pPr algn="ctr"/>
+                <a:endParaRPr lang="es-ES">
+                  <a:solidFill>
+                    <a:schemeClr val="tx1"/>
+                  </a:solidFill>
+                </a:endParaRPr>
+              </a:p>
+            </p:txBody>
+          </p:sp>
+        </p:grpSp>
+      </p:grpSp>
     </p:spTree>
     <p:extLst>
       <p:ext uri="{BB962C8B-B14F-4D97-AF65-F5344CB8AC3E}">
@@ -7667,7 +8133,7 @@
           <a:p>
             <a:r>
               <a:rPr lang="es-VE" sz="2000" dirty="0" smtClean="0"/>
-              <a:t>	secuencia</a:t>
+              <a:t>	</a:t>
             </a:r>
             <a:endParaRPr lang="es-VE" sz="2000" b="1" dirty="0"/>
           </a:p>
@@ -7680,6 +8146,379 @@
           </a:p>
         </p:txBody>
       </p:sp>
+      <p:grpSp>
+        <p:nvGrpSpPr>
+          <p:cNvPr id="2" name="Agrupar 1"/>
+          <p:cNvGrpSpPr/>
+          <p:nvPr/>
+        </p:nvGrpSpPr>
+        <p:grpSpPr>
+          <a:xfrm>
+            <a:off x="803248" y="2808725"/>
+            <a:ext cx="7294869" cy="2914848"/>
+            <a:chOff x="407130" y="2673153"/>
+            <a:chExt cx="7362282" cy="2920274"/>
+          </a:xfrm>
+        </p:grpSpPr>
+        <p:grpSp>
+          <p:nvGrpSpPr>
+            <p:cNvPr id="9" name="Agrupar 8"/>
+            <p:cNvGrpSpPr/>
+            <p:nvPr/>
+          </p:nvGrpSpPr>
+          <p:grpSpPr>
+            <a:xfrm>
+              <a:off x="407130" y="2673153"/>
+              <a:ext cx="3641929" cy="2914848"/>
+              <a:chOff x="818740" y="133691"/>
+              <a:chExt cx="7792391" cy="6551989"/>
+            </a:xfrm>
+          </p:grpSpPr>
+          <p:pic>
+            <p:nvPicPr>
+              <p:cNvPr id="10" name="Imagen 9" descr="Captura de pantalla 2017-04-22 a la(s) 20.22.01.png"/>
+              <p:cNvPicPr>
+                <a:picLocks noChangeAspect="1"/>
+              </p:cNvPicPr>
+              <p:nvPr/>
+            </p:nvPicPr>
+            <p:blipFill>
+              <a:blip r:embed="rId4">
+                <a:extLst>
+                  <a:ext uri="{28A0092B-C50C-407E-A947-70E740481C1C}">
+                    <a14:useLocalDpi xmlns:a14="http://schemas.microsoft.com/office/drawing/2010/main" val="0"/>
+                  </a:ext>
+                </a:extLst>
+              </a:blip>
+              <a:stretch>
+                <a:fillRect/>
+              </a:stretch>
+            </p:blipFill>
+            <p:spPr>
+              <a:xfrm>
+                <a:off x="4755781" y="133691"/>
+                <a:ext cx="3855350" cy="6551989"/>
+              </a:xfrm>
+              <a:prstGeom prst="rect">
+                <a:avLst/>
+              </a:prstGeom>
+            </p:spPr>
+          </p:pic>
+          <p:pic>
+            <p:nvPicPr>
+              <p:cNvPr id="11" name="Imagen 10" descr="Captura de pantalla 2017-04-22 a la(s) 20.22.40.png"/>
+              <p:cNvPicPr>
+                <a:picLocks noChangeAspect="1"/>
+              </p:cNvPicPr>
+              <p:nvPr/>
+            </p:nvPicPr>
+            <p:blipFill>
+              <a:blip r:embed="rId5">
+                <a:extLst>
+                  <a:ext uri="{28A0092B-C50C-407E-A947-70E740481C1C}">
+                    <a14:useLocalDpi xmlns:a14="http://schemas.microsoft.com/office/drawing/2010/main" val="0"/>
+                  </a:ext>
+                </a:extLst>
+              </a:blip>
+              <a:stretch>
+                <a:fillRect/>
+              </a:stretch>
+            </p:blipFill>
+            <p:spPr>
+              <a:xfrm>
+                <a:off x="818740" y="133691"/>
+                <a:ext cx="3826362" cy="6551989"/>
+              </a:xfrm>
+              <a:prstGeom prst="rect">
+                <a:avLst/>
+              </a:prstGeom>
+            </p:spPr>
+          </p:pic>
+          <p:sp>
+            <p:nvSpPr>
+              <p:cNvPr id="12" name="Marco 11"/>
+              <p:cNvSpPr/>
+              <p:nvPr/>
+            </p:nvSpPr>
+            <p:spPr>
+              <a:xfrm>
+                <a:off x="818740" y="2119794"/>
+                <a:ext cx="2974203" cy="554053"/>
+              </a:xfrm>
+              <a:prstGeom prst="frame">
+                <a:avLst>
+                  <a:gd name="adj1" fmla="val 4460"/>
+                </a:avLst>
+              </a:prstGeom>
+              <a:solidFill>
+                <a:schemeClr val="accent2"/>
+              </a:solidFill>
+              <a:ln>
+                <a:solidFill>
+                  <a:srgbClr val="C0504D"/>
+                </a:solidFill>
+              </a:ln>
+            </p:spPr>
+            <p:style>
+              <a:lnRef idx="1">
+                <a:schemeClr val="accent1"/>
+              </a:lnRef>
+              <a:fillRef idx="3">
+                <a:schemeClr val="accent1"/>
+              </a:fillRef>
+              <a:effectRef idx="2">
+                <a:schemeClr val="accent1"/>
+              </a:effectRef>
+              <a:fontRef idx="minor">
+                <a:schemeClr val="lt1"/>
+              </a:fontRef>
+            </p:style>
+            <p:txBody>
+              <a:bodyPr rtlCol="0" anchor="ctr"/>
+              <a:lstStyle/>
+              <a:p>
+                <a:pPr algn="ctr"/>
+                <a:endParaRPr lang="es-ES">
+                  <a:solidFill>
+                    <a:schemeClr val="tx1"/>
+                  </a:solidFill>
+                </a:endParaRPr>
+              </a:p>
+            </p:txBody>
+          </p:sp>
+          <p:sp>
+            <p:nvSpPr>
+              <p:cNvPr id="13" name="Marco 12"/>
+              <p:cNvSpPr/>
+              <p:nvPr/>
+            </p:nvSpPr>
+            <p:spPr>
+              <a:xfrm>
+                <a:off x="4789199" y="835002"/>
+                <a:ext cx="3805223" cy="1284792"/>
+              </a:xfrm>
+              <a:prstGeom prst="frame">
+                <a:avLst>
+                  <a:gd name="adj1" fmla="val 4460"/>
+                </a:avLst>
+              </a:prstGeom>
+              <a:solidFill>
+                <a:schemeClr val="accent2"/>
+              </a:solidFill>
+              <a:ln>
+                <a:solidFill>
+                  <a:srgbClr val="C0504D"/>
+                </a:solidFill>
+              </a:ln>
+            </p:spPr>
+            <p:style>
+              <a:lnRef idx="1">
+                <a:schemeClr val="accent1"/>
+              </a:lnRef>
+              <a:fillRef idx="3">
+                <a:schemeClr val="accent1"/>
+              </a:fillRef>
+              <a:effectRef idx="2">
+                <a:schemeClr val="accent1"/>
+              </a:effectRef>
+              <a:fontRef idx="minor">
+                <a:schemeClr val="lt1"/>
+              </a:fontRef>
+            </p:style>
+            <p:txBody>
+              <a:bodyPr rtlCol="0" anchor="ctr"/>
+              <a:lstStyle/>
+              <a:p>
+                <a:pPr algn="ctr"/>
+                <a:endParaRPr lang="es-ES">
+                  <a:solidFill>
+                    <a:schemeClr val="tx1"/>
+                  </a:solidFill>
+                </a:endParaRPr>
+              </a:p>
+            </p:txBody>
+          </p:sp>
+        </p:grpSp>
+        <p:grpSp>
+          <p:nvGrpSpPr>
+            <p:cNvPr id="15" name="Agrupar 14"/>
+            <p:cNvGrpSpPr/>
+            <p:nvPr/>
+          </p:nvGrpSpPr>
+          <p:grpSpPr>
+            <a:xfrm>
+              <a:off x="4165941" y="2678579"/>
+              <a:ext cx="3603471" cy="2914848"/>
+              <a:chOff x="770234" y="133690"/>
+              <a:chExt cx="7801505" cy="6551989"/>
+            </a:xfrm>
+          </p:grpSpPr>
+          <p:pic>
+            <p:nvPicPr>
+              <p:cNvPr id="20" name="Imagen 19" descr="Captura de pantalla 2017-04-22 a la(s) 20.20.49.png"/>
+              <p:cNvPicPr>
+                <a:picLocks noChangeAspect="1"/>
+              </p:cNvPicPr>
+              <p:nvPr/>
+            </p:nvPicPr>
+            <p:blipFill>
+              <a:blip r:embed="rId6">
+                <a:extLst>
+                  <a:ext uri="{28A0092B-C50C-407E-A947-70E740481C1C}">
+                    <a14:useLocalDpi xmlns:a14="http://schemas.microsoft.com/office/drawing/2010/main" val="0"/>
+                  </a:ext>
+                </a:extLst>
+              </a:blip>
+              <a:stretch>
+                <a:fillRect/>
+              </a:stretch>
+            </p:blipFill>
+            <p:spPr>
+              <a:xfrm>
+                <a:off x="4731281" y="133690"/>
+                <a:ext cx="3840458" cy="6551989"/>
+              </a:xfrm>
+              <a:prstGeom prst="rect">
+                <a:avLst/>
+              </a:prstGeom>
+            </p:spPr>
+          </p:pic>
+          <p:pic>
+            <p:nvPicPr>
+              <p:cNvPr id="21" name="Imagen 20" descr="Captura de pantalla 2017-04-22 a la(s) 20.21.34.png"/>
+              <p:cNvPicPr>
+                <a:picLocks noChangeAspect="1"/>
+              </p:cNvPicPr>
+              <p:nvPr/>
+            </p:nvPicPr>
+            <p:blipFill>
+              <a:blip r:embed="rId7">
+                <a:extLst>
+                  <a:ext uri="{28A0092B-C50C-407E-A947-70E740481C1C}">
+                    <a14:useLocalDpi xmlns:a14="http://schemas.microsoft.com/office/drawing/2010/main" val="0"/>
+                  </a:ext>
+                </a:extLst>
+              </a:blip>
+              <a:stretch>
+                <a:fillRect/>
+              </a:stretch>
+            </p:blipFill>
+            <p:spPr>
+              <a:xfrm>
+                <a:off x="770234" y="133690"/>
+                <a:ext cx="3828128" cy="6551989"/>
+              </a:xfrm>
+              <a:prstGeom prst="rect">
+                <a:avLst/>
+              </a:prstGeom>
+            </p:spPr>
+          </p:pic>
+          <p:sp>
+            <p:nvSpPr>
+              <p:cNvPr id="22" name="Marco 21"/>
+              <p:cNvSpPr/>
+              <p:nvPr/>
+            </p:nvSpPr>
+            <p:spPr>
+              <a:xfrm>
+                <a:off x="969121" y="2921948"/>
+                <a:ext cx="3458764" cy="1021976"/>
+              </a:xfrm>
+              <a:prstGeom prst="frame">
+                <a:avLst>
+                  <a:gd name="adj1" fmla="val 4460"/>
+                </a:avLst>
+              </a:prstGeom>
+              <a:solidFill>
+                <a:schemeClr val="accent2"/>
+              </a:solidFill>
+              <a:ln>
+                <a:solidFill>
+                  <a:srgbClr val="C0504D"/>
+                </a:solidFill>
+              </a:ln>
+            </p:spPr>
+            <p:style>
+              <a:lnRef idx="1">
+                <a:schemeClr val="accent1"/>
+              </a:lnRef>
+              <a:fillRef idx="3">
+                <a:schemeClr val="accent1"/>
+              </a:fillRef>
+              <a:effectRef idx="2">
+                <a:schemeClr val="accent1"/>
+              </a:effectRef>
+              <a:fontRef idx="minor">
+                <a:schemeClr val="lt1"/>
+              </a:fontRef>
+            </p:style>
+            <p:txBody>
+              <a:bodyPr rtlCol="0" anchor="ctr"/>
+              <a:lstStyle/>
+              <a:p>
+                <a:pPr algn="ctr"/>
+                <a:endParaRPr lang="es-ES">
+                  <a:solidFill>
+                    <a:schemeClr val="tx1"/>
+                  </a:solidFill>
+                </a:endParaRPr>
+              </a:p>
+            </p:txBody>
+          </p:sp>
+          <p:sp>
+            <p:nvSpPr>
+              <p:cNvPr id="23" name="Marco 22"/>
+              <p:cNvSpPr/>
+              <p:nvPr/>
+            </p:nvSpPr>
+            <p:spPr>
+              <a:xfrm>
+                <a:off x="4731281" y="883140"/>
+                <a:ext cx="3840458" cy="1506611"/>
+              </a:xfrm>
+              <a:prstGeom prst="frame">
+                <a:avLst>
+                  <a:gd name="adj1" fmla="val 4460"/>
+                </a:avLst>
+              </a:prstGeom>
+              <a:solidFill>
+                <a:schemeClr val="accent2"/>
+              </a:solidFill>
+              <a:ln>
+                <a:solidFill>
+                  <a:srgbClr val="C0504D"/>
+                </a:solidFill>
+              </a:ln>
+            </p:spPr>
+            <p:style>
+              <a:lnRef idx="1">
+                <a:schemeClr val="accent1"/>
+              </a:lnRef>
+              <a:fillRef idx="3">
+                <a:schemeClr val="accent1"/>
+              </a:fillRef>
+              <a:effectRef idx="2">
+                <a:schemeClr val="accent1"/>
+              </a:effectRef>
+              <a:fontRef idx="minor">
+                <a:schemeClr val="lt1"/>
+              </a:fontRef>
+            </p:style>
+            <p:txBody>
+              <a:bodyPr rtlCol="0" anchor="ctr"/>
+              <a:lstStyle/>
+              <a:p>
+                <a:pPr algn="ctr"/>
+                <a:endParaRPr lang="es-ES">
+                  <a:solidFill>
+                    <a:schemeClr val="tx1"/>
+                  </a:solidFill>
+                </a:endParaRPr>
+              </a:p>
+            </p:txBody>
+          </p:sp>
+        </p:grpSp>
+      </p:grpSp>
     </p:spTree>
     <p:extLst>
       <p:ext uri="{BB962C8B-B14F-4D97-AF65-F5344CB8AC3E}">
@@ -10728,7 +11567,7 @@
         <p:spPr>
           <a:xfrm>
             <a:off x="788307" y="1989919"/>
-            <a:ext cx="7488920" cy="1323439"/>
+            <a:ext cx="7488920" cy="1015663"/>
           </a:xfrm>
           <a:prstGeom prst="rect">
             <a:avLst/>
@@ -10754,28 +11593,271 @@
             </a:r>
           </a:p>
           <a:p>
-            <a:pPr marL="457200" indent="-457200">
-              <a:buFont typeface="+mj-lt"/>
-              <a:buAutoNum type="arabicPeriod" startAt="4"/>
-            </a:pPr>
             <a:endParaRPr lang="es-VE" sz="2000" b="1" dirty="0"/>
           </a:p>
-          <a:p>
-            <a:pPr marL="342900" indent="-342900">
-              <a:buFont typeface="Arial"/>
-              <a:buChar char="•"/>
-            </a:pPr>
-            <a:r>
-              <a:rPr lang="es-VE" sz="2000" dirty="0" smtClean="0"/>
-              <a:t>Colocar imagen</a:t>
-            </a:r>
-            <a:r>
-              <a:rPr lang="es-ES_tradnl" sz="2000" b="1" dirty="0" smtClean="0"/>
-              <a:t>.</a:t>
-            </a:r>
-          </a:p>
-        </p:txBody>
-      </p:sp>
+        </p:txBody>
+      </p:sp>
+      <p:grpSp>
+        <p:nvGrpSpPr>
+          <p:cNvPr id="10" name="Agrupar 9"/>
+          <p:cNvGrpSpPr/>
+          <p:nvPr/>
+        </p:nvGrpSpPr>
+        <p:grpSpPr>
+          <a:xfrm>
+            <a:off x="1518328" y="2906245"/>
+            <a:ext cx="6261319" cy="2771015"/>
+            <a:chOff x="1" y="0"/>
+            <a:chExt cx="8493370" cy="4650622"/>
+          </a:xfrm>
+        </p:grpSpPr>
+        <p:pic>
+          <p:nvPicPr>
+            <p:cNvPr id="11" name="Imagen 10" descr="Captura de pantalla 2017-04-22 a la(s) 22.07.18.png"/>
+            <p:cNvPicPr>
+              <a:picLocks noChangeAspect="1"/>
+            </p:cNvPicPr>
+            <p:nvPr/>
+          </p:nvPicPr>
+          <p:blipFill>
+            <a:blip r:embed="rId4">
+              <a:extLst>
+                <a:ext uri="{28A0092B-C50C-407E-A947-70E740481C1C}">
+                  <a14:useLocalDpi xmlns:a14="http://schemas.microsoft.com/office/drawing/2010/main" val="0"/>
+                </a:ext>
+              </a:extLst>
+            </a:blip>
+            <a:stretch>
+              <a:fillRect/>
+            </a:stretch>
+          </p:blipFill>
+          <p:spPr>
+            <a:xfrm>
+              <a:off x="1" y="0"/>
+              <a:ext cx="2943192" cy="4629098"/>
+            </a:xfrm>
+            <a:prstGeom prst="rect">
+              <a:avLst/>
+            </a:prstGeom>
+          </p:spPr>
+        </p:pic>
+        <p:pic>
+          <p:nvPicPr>
+            <p:cNvPr id="12" name="Imagen 11" descr="Captura de pantalla 2017-04-22 a la(s) 22.06.47.png"/>
+            <p:cNvPicPr>
+              <a:picLocks noChangeAspect="1"/>
+            </p:cNvPicPr>
+            <p:nvPr/>
+          </p:nvPicPr>
+          <p:blipFill>
+            <a:blip r:embed="rId5">
+              <a:extLst>
+                <a:ext uri="{28A0092B-C50C-407E-A947-70E740481C1C}">
+                  <a14:useLocalDpi xmlns:a14="http://schemas.microsoft.com/office/drawing/2010/main" val="0"/>
+                </a:ext>
+              </a:extLst>
+            </a:blip>
+            <a:stretch>
+              <a:fillRect/>
+            </a:stretch>
+          </p:blipFill>
+          <p:spPr>
+            <a:xfrm>
+              <a:off x="3004679" y="21524"/>
+              <a:ext cx="2710800" cy="4629098"/>
+            </a:xfrm>
+            <a:prstGeom prst="rect">
+              <a:avLst/>
+            </a:prstGeom>
+          </p:spPr>
+        </p:pic>
+        <p:pic>
+          <p:nvPicPr>
+            <p:cNvPr id="13" name="Imagen 12" descr="Captura de pantalla 2017-04-22 a la(s) 22.07.00.png"/>
+            <p:cNvPicPr>
+              <a:picLocks noChangeAspect="1"/>
+            </p:cNvPicPr>
+            <p:nvPr/>
+          </p:nvPicPr>
+          <p:blipFill>
+            <a:blip r:embed="rId6">
+              <a:extLst>
+                <a:ext uri="{28A0092B-C50C-407E-A947-70E740481C1C}">
+                  <a14:useLocalDpi xmlns:a14="http://schemas.microsoft.com/office/drawing/2010/main" val="0"/>
+                </a:ext>
+              </a:extLst>
+            </a:blip>
+            <a:stretch>
+              <a:fillRect/>
+            </a:stretch>
+          </p:blipFill>
+          <p:spPr>
+            <a:xfrm>
+              <a:off x="5788730" y="0"/>
+              <a:ext cx="2704641" cy="4629098"/>
+            </a:xfrm>
+            <a:prstGeom prst="rect">
+              <a:avLst/>
+            </a:prstGeom>
+          </p:spPr>
+        </p:pic>
+        <p:sp>
+          <p:nvSpPr>
+            <p:cNvPr id="15" name="Marco 14"/>
+            <p:cNvSpPr/>
+            <p:nvPr/>
+          </p:nvSpPr>
+          <p:spPr>
+            <a:xfrm>
+              <a:off x="1" y="2331626"/>
+              <a:ext cx="2277472" cy="439389"/>
+            </a:xfrm>
+            <a:prstGeom prst="frame">
+              <a:avLst>
+                <a:gd name="adj1" fmla="val 4460"/>
+              </a:avLst>
+            </a:prstGeom>
+            <a:solidFill>
+              <a:schemeClr val="accent2"/>
+            </a:solidFill>
+            <a:ln>
+              <a:solidFill>
+                <a:srgbClr val="C0504D"/>
+              </a:solidFill>
+            </a:ln>
+          </p:spPr>
+          <p:style>
+            <a:lnRef idx="1">
+              <a:schemeClr val="accent1"/>
+            </a:lnRef>
+            <a:fillRef idx="3">
+              <a:schemeClr val="accent1"/>
+            </a:fillRef>
+            <a:effectRef idx="2">
+              <a:schemeClr val="accent1"/>
+            </a:effectRef>
+            <a:fontRef idx="minor">
+              <a:schemeClr val="lt1"/>
+            </a:fontRef>
+          </p:style>
+          <p:txBody>
+            <a:bodyPr rtlCol="0" anchor="ctr"/>
+            <a:lstStyle/>
+            <a:p>
+              <a:pPr algn="ctr"/>
+              <a:endParaRPr lang="es-ES">
+                <a:solidFill>
+                  <a:schemeClr val="tx1"/>
+                </a:solidFill>
+              </a:endParaRPr>
+            </a:p>
+          </p:txBody>
+        </p:sp>
+        <p:sp>
+          <p:nvSpPr>
+            <p:cNvPr id="20" name="Marco 19"/>
+            <p:cNvSpPr/>
+            <p:nvPr/>
+          </p:nvSpPr>
+          <p:spPr>
+            <a:xfrm>
+              <a:off x="3154046" y="1791272"/>
+              <a:ext cx="2439929" cy="1074210"/>
+            </a:xfrm>
+            <a:prstGeom prst="frame">
+              <a:avLst>
+                <a:gd name="adj1" fmla="val 4460"/>
+              </a:avLst>
+            </a:prstGeom>
+            <a:solidFill>
+              <a:schemeClr val="accent2"/>
+            </a:solidFill>
+            <a:ln>
+              <a:solidFill>
+                <a:srgbClr val="C0504D"/>
+              </a:solidFill>
+            </a:ln>
+          </p:spPr>
+          <p:style>
+            <a:lnRef idx="1">
+              <a:schemeClr val="accent1"/>
+            </a:lnRef>
+            <a:fillRef idx="3">
+              <a:schemeClr val="accent1"/>
+            </a:fillRef>
+            <a:effectRef idx="2">
+              <a:schemeClr val="accent1"/>
+            </a:effectRef>
+            <a:fontRef idx="minor">
+              <a:schemeClr val="lt1"/>
+            </a:fontRef>
+          </p:style>
+          <p:txBody>
+            <a:bodyPr rtlCol="0" anchor="ctr"/>
+            <a:lstStyle/>
+            <a:p>
+              <a:pPr algn="ctr"/>
+              <a:endParaRPr lang="es-ES">
+                <a:solidFill>
+                  <a:schemeClr val="tx1"/>
+                </a:solidFill>
+              </a:endParaRPr>
+            </a:p>
+          </p:txBody>
+        </p:sp>
+        <p:sp>
+          <p:nvSpPr>
+            <p:cNvPr id="21" name="Marco 20"/>
+            <p:cNvSpPr/>
+            <p:nvPr/>
+          </p:nvSpPr>
+          <p:spPr>
+            <a:xfrm>
+              <a:off x="5998264" y="521223"/>
+              <a:ext cx="2277472" cy="3677285"/>
+            </a:xfrm>
+            <a:prstGeom prst="frame">
+              <a:avLst>
+                <a:gd name="adj1" fmla="val 4460"/>
+              </a:avLst>
+            </a:prstGeom>
+            <a:solidFill>
+              <a:schemeClr val="accent2"/>
+            </a:solidFill>
+            <a:ln>
+              <a:solidFill>
+                <a:srgbClr val="C0504D"/>
+              </a:solidFill>
+            </a:ln>
+          </p:spPr>
+          <p:style>
+            <a:lnRef idx="1">
+              <a:schemeClr val="accent1"/>
+            </a:lnRef>
+            <a:fillRef idx="3">
+              <a:schemeClr val="accent1"/>
+            </a:fillRef>
+            <a:effectRef idx="2">
+              <a:schemeClr val="accent1"/>
+            </a:effectRef>
+            <a:fontRef idx="minor">
+              <a:schemeClr val="lt1"/>
+            </a:fontRef>
+          </p:style>
+          <p:txBody>
+            <a:bodyPr rtlCol="0" anchor="ctr"/>
+            <a:lstStyle/>
+            <a:p>
+              <a:pPr algn="ctr"/>
+              <a:endParaRPr lang="es-ES">
+                <a:solidFill>
+                  <a:schemeClr val="tx1"/>
+                </a:solidFill>
+              </a:endParaRPr>
+            </a:p>
+          </p:txBody>
+        </p:sp>
+      </p:grpSp>
     </p:spTree>
     <p:extLst>
       <p:ext uri="{BB962C8B-B14F-4D97-AF65-F5344CB8AC3E}">
@@ -11404,7 +12486,7 @@
         <p:spPr>
           <a:xfrm>
             <a:off x="788307" y="1989919"/>
-            <a:ext cx="7488920" cy="1323439"/>
+            <a:ext cx="7488920" cy="1015663"/>
           </a:xfrm>
           <a:prstGeom prst="rect">
             <a:avLst/>
@@ -11430,33 +12512,319 @@
             </a:r>
           </a:p>
           <a:p>
-            <a:pPr marL="457200" indent="-457200">
-              <a:buFont typeface="+mj-lt"/>
-              <a:buAutoNum type="arabicPeriod" startAt="4"/>
-            </a:pPr>
             <a:endParaRPr lang="es-VE" sz="2000" b="1" dirty="0"/>
           </a:p>
-          <a:p>
-            <a:pPr marL="342900" indent="-342900">
-              <a:buFont typeface="Arial"/>
-              <a:buChar char="•"/>
-            </a:pPr>
-            <a:r>
-              <a:rPr lang="es-VE" sz="2000" dirty="0" smtClean="0"/>
-              <a:t>C</a:t>
-            </a:r>
-            <a:r>
-              <a:rPr lang="es-ES_tradnl" sz="2000" dirty="0" err="1" smtClean="0"/>
-              <a:t>olocar</a:t>
-            </a:r>
-            <a:r>
-              <a:rPr lang="es-ES_tradnl" sz="2000" dirty="0" smtClean="0"/>
-              <a:t> imagen</a:t>
-            </a:r>
-            <a:endParaRPr lang="es-ES" sz="2000" b="1" dirty="0"/>
-          </a:p>
-        </p:txBody>
-      </p:sp>
+        </p:txBody>
+      </p:sp>
+      <p:grpSp>
+        <p:nvGrpSpPr>
+          <p:cNvPr id="4" name="Agrupar 3"/>
+          <p:cNvGrpSpPr/>
+          <p:nvPr/>
+        </p:nvGrpSpPr>
+        <p:grpSpPr>
+          <a:xfrm>
+            <a:off x="1206655" y="2968932"/>
+            <a:ext cx="6512839" cy="2765493"/>
+            <a:chOff x="907835" y="2968932"/>
+            <a:chExt cx="6512839" cy="2765493"/>
+          </a:xfrm>
+        </p:grpSpPr>
+        <p:pic>
+          <p:nvPicPr>
+            <p:cNvPr id="11" name="Imagen 10" descr="Macintosh HD:Users:sandravillamizar:Desktop:apendice imagenes:D-30.png"/>
+            <p:cNvPicPr/>
+            <p:nvPr/>
+          </p:nvPicPr>
+          <p:blipFill>
+            <a:blip r:embed="rId4">
+              <a:extLst>
+                <a:ext uri="{28A0092B-C50C-407E-A947-70E740481C1C}">
+                  <a14:useLocalDpi xmlns:a14="http://schemas.microsoft.com/office/drawing/2010/main" val="0"/>
+                </a:ext>
+              </a:extLst>
+            </a:blip>
+            <a:srcRect/>
+            <a:stretch>
+              <a:fillRect/>
+            </a:stretch>
+          </p:blipFill>
+          <p:spPr bwMode="auto">
+            <a:xfrm>
+              <a:off x="4197803" y="2968932"/>
+              <a:ext cx="1575466" cy="2765492"/>
+            </a:xfrm>
+            <a:prstGeom prst="rect">
+              <a:avLst/>
+            </a:prstGeom>
+            <a:noFill/>
+            <a:ln>
+              <a:noFill/>
+            </a:ln>
+          </p:spPr>
+        </p:pic>
+        <p:pic>
+          <p:nvPicPr>
+            <p:cNvPr id="12" name="Imagen 11" descr="Captura de pantalla 2017-04-22 a la(s) 20.22.40.png"/>
+            <p:cNvPicPr>
+              <a:picLocks noChangeAspect="1"/>
+            </p:cNvPicPr>
+            <p:nvPr/>
+          </p:nvPicPr>
+          <p:blipFill>
+            <a:blip r:embed="rId5">
+              <a:extLst>
+                <a:ext uri="{28A0092B-C50C-407E-A947-70E740481C1C}">
+                  <a14:useLocalDpi xmlns:a14="http://schemas.microsoft.com/office/drawing/2010/main" val="0"/>
+                </a:ext>
+              </a:extLst>
+            </a:blip>
+            <a:stretch>
+              <a:fillRect/>
+            </a:stretch>
+          </p:blipFill>
+          <p:spPr>
+            <a:xfrm>
+              <a:off x="907835" y="2968933"/>
+              <a:ext cx="1611801" cy="2765492"/>
+            </a:xfrm>
+            <a:prstGeom prst="rect">
+              <a:avLst/>
+            </a:prstGeom>
+          </p:spPr>
+        </p:pic>
+        <p:pic>
+          <p:nvPicPr>
+            <p:cNvPr id="13" name="Imagen 12" descr="Captura de pantalla 2017-04-22 a la(s) 22.17.50.png"/>
+            <p:cNvPicPr>
+              <a:picLocks noChangeAspect="1"/>
+            </p:cNvPicPr>
+            <p:nvPr/>
+          </p:nvPicPr>
+          <p:blipFill>
+            <a:blip r:embed="rId6">
+              <a:extLst>
+                <a:ext uri="{28A0092B-C50C-407E-A947-70E740481C1C}">
+                  <a14:useLocalDpi xmlns:a14="http://schemas.microsoft.com/office/drawing/2010/main" val="0"/>
+                </a:ext>
+              </a:extLst>
+            </a:blip>
+            <a:stretch>
+              <a:fillRect/>
+            </a:stretch>
+          </p:blipFill>
+          <p:spPr>
+            <a:xfrm>
+              <a:off x="2559680" y="2975999"/>
+              <a:ext cx="1608424" cy="2758426"/>
+            </a:xfrm>
+            <a:prstGeom prst="rect">
+              <a:avLst/>
+            </a:prstGeom>
+          </p:spPr>
+        </p:pic>
+        <p:sp>
+          <p:nvSpPr>
+            <p:cNvPr id="15" name="Marco 14"/>
+            <p:cNvSpPr/>
+            <p:nvPr/>
+          </p:nvSpPr>
+          <p:spPr>
+            <a:xfrm>
+              <a:off x="907835" y="4010808"/>
+              <a:ext cx="1261409" cy="212234"/>
+            </a:xfrm>
+            <a:prstGeom prst="frame">
+              <a:avLst>
+                <a:gd name="adj1" fmla="val 4460"/>
+              </a:avLst>
+            </a:prstGeom>
+            <a:solidFill>
+              <a:schemeClr val="accent2"/>
+            </a:solidFill>
+            <a:ln>
+              <a:solidFill>
+                <a:srgbClr val="C0504D"/>
+              </a:solidFill>
+            </a:ln>
+          </p:spPr>
+          <p:style>
+            <a:lnRef idx="1">
+              <a:schemeClr val="accent1"/>
+            </a:lnRef>
+            <a:fillRef idx="3">
+              <a:schemeClr val="accent1"/>
+            </a:fillRef>
+            <a:effectRef idx="2">
+              <a:schemeClr val="accent1"/>
+            </a:effectRef>
+            <a:fontRef idx="minor">
+              <a:schemeClr val="lt1"/>
+            </a:fontRef>
+          </p:style>
+          <p:txBody>
+            <a:bodyPr rtlCol="0" anchor="ctr"/>
+            <a:lstStyle/>
+            <a:p>
+              <a:pPr algn="ctr"/>
+              <a:endParaRPr lang="es-ES">
+                <a:solidFill>
+                  <a:schemeClr val="tx1"/>
+                </a:solidFill>
+              </a:endParaRPr>
+            </a:p>
+          </p:txBody>
+        </p:sp>
+        <p:sp>
+          <p:nvSpPr>
+            <p:cNvPr id="20" name="Marco 19"/>
+            <p:cNvSpPr/>
+            <p:nvPr/>
+          </p:nvSpPr>
+          <p:spPr>
+            <a:xfrm>
+              <a:off x="4194005" y="3415781"/>
+              <a:ext cx="1569253" cy="2151667"/>
+            </a:xfrm>
+            <a:prstGeom prst="frame">
+              <a:avLst>
+                <a:gd name="adj1" fmla="val 2546"/>
+              </a:avLst>
+            </a:prstGeom>
+            <a:solidFill>
+              <a:schemeClr val="accent2"/>
+            </a:solidFill>
+            <a:ln>
+              <a:solidFill>
+                <a:srgbClr val="C0504D"/>
+              </a:solidFill>
+            </a:ln>
+          </p:spPr>
+          <p:style>
+            <a:lnRef idx="1">
+              <a:schemeClr val="accent1"/>
+            </a:lnRef>
+            <a:fillRef idx="3">
+              <a:schemeClr val="accent1"/>
+            </a:fillRef>
+            <a:effectRef idx="2">
+              <a:schemeClr val="accent1"/>
+            </a:effectRef>
+            <a:fontRef idx="minor">
+              <a:schemeClr val="lt1"/>
+            </a:fontRef>
+          </p:style>
+          <p:txBody>
+            <a:bodyPr rtlCol="0" anchor="ctr"/>
+            <a:lstStyle/>
+            <a:p>
+              <a:pPr algn="ctr"/>
+              <a:endParaRPr lang="es-ES">
+                <a:solidFill>
+                  <a:schemeClr val="tx1"/>
+                </a:solidFill>
+              </a:endParaRPr>
+            </a:p>
+          </p:txBody>
+        </p:sp>
+        <p:grpSp>
+          <p:nvGrpSpPr>
+            <p:cNvPr id="3" name="Agrupar 2"/>
+            <p:cNvGrpSpPr/>
+            <p:nvPr/>
+          </p:nvGrpSpPr>
+          <p:grpSpPr>
+            <a:xfrm>
+              <a:off x="5811903" y="2968933"/>
+              <a:ext cx="1608771" cy="2765492"/>
+              <a:chOff x="5871667" y="2968933"/>
+              <a:chExt cx="1608771" cy="2765492"/>
+            </a:xfrm>
+          </p:grpSpPr>
+          <p:pic>
+            <p:nvPicPr>
+              <p:cNvPr id="2" name="Imagen 1" descr="Captura de pantalla 2017-04-22 a la(s) 22.21.25.png"/>
+              <p:cNvPicPr>
+                <a:picLocks noChangeAspect="1"/>
+              </p:cNvPicPr>
+              <p:nvPr/>
+            </p:nvPicPr>
+            <p:blipFill>
+              <a:blip r:embed="rId7">
+                <a:extLst>
+                  <a:ext uri="{28A0092B-C50C-407E-A947-70E740481C1C}">
+                    <a14:useLocalDpi xmlns:a14="http://schemas.microsoft.com/office/drawing/2010/main" val="0"/>
+                  </a:ext>
+                </a:extLst>
+              </a:blip>
+              <a:stretch>
+                <a:fillRect/>
+              </a:stretch>
+            </p:blipFill>
+            <p:spPr>
+              <a:xfrm>
+                <a:off x="5871667" y="2968933"/>
+                <a:ext cx="1608771" cy="2765492"/>
+              </a:xfrm>
+              <a:prstGeom prst="rect">
+                <a:avLst/>
+              </a:prstGeom>
+            </p:spPr>
+          </p:pic>
+          <p:sp>
+            <p:nvSpPr>
+              <p:cNvPr id="21" name="Marco 20"/>
+              <p:cNvSpPr/>
+              <p:nvPr/>
+            </p:nvSpPr>
+            <p:spPr>
+              <a:xfrm>
+                <a:off x="5911185" y="3413021"/>
+                <a:ext cx="1569253" cy="2151667"/>
+              </a:xfrm>
+              <a:prstGeom prst="frame">
+                <a:avLst>
+                  <a:gd name="adj1" fmla="val 2546"/>
+                </a:avLst>
+              </a:prstGeom>
+              <a:solidFill>
+                <a:schemeClr val="accent2"/>
+              </a:solidFill>
+              <a:ln>
+                <a:solidFill>
+                  <a:srgbClr val="C0504D"/>
+                </a:solidFill>
+              </a:ln>
+            </p:spPr>
+            <p:style>
+              <a:lnRef idx="1">
+                <a:schemeClr val="accent1"/>
+              </a:lnRef>
+              <a:fillRef idx="3">
+                <a:schemeClr val="accent1"/>
+              </a:fillRef>
+              <a:effectRef idx="2">
+                <a:schemeClr val="accent1"/>
+              </a:effectRef>
+              <a:fontRef idx="minor">
+                <a:schemeClr val="lt1"/>
+              </a:fontRef>
+            </p:style>
+            <p:txBody>
+              <a:bodyPr rtlCol="0" anchor="ctr"/>
+              <a:lstStyle/>
+              <a:p>
+                <a:pPr algn="ctr"/>
+                <a:endParaRPr lang="es-ES">
+                  <a:solidFill>
+                    <a:schemeClr val="tx1"/>
+                  </a:solidFill>
+                </a:endParaRPr>
+              </a:p>
+            </p:txBody>
+          </p:sp>
+        </p:grpSp>
+      </p:grpSp>
     </p:spTree>
     <p:extLst>
       <p:ext uri="{BB962C8B-B14F-4D97-AF65-F5344CB8AC3E}">
@@ -15747,11 +17115,7 @@
           <a:p>
             <a:r>
               <a:rPr lang="es-ES" sz="3200" b="1" dirty="0" smtClean="0"/>
-              <a:t>DEMOSTRACI</a:t>
-            </a:r>
-            <a:r>
-              <a:rPr lang="es-ES" sz="3200" b="1" dirty="0" smtClean="0"/>
-              <a:t>ÓN</a:t>
+              <a:t>DEMOSTRACIÓN</a:t>
             </a:r>
             <a:endParaRPr lang="es-ES" sz="3200" b="1" dirty="0"/>
           </a:p>
@@ -17100,11 +18464,7 @@
           <a:p>
             <a:r>
               <a:rPr lang="es-ES" sz="3200" b="1" dirty="0" smtClean="0"/>
-              <a:t>OBJETIVOS </a:t>
-            </a:r>
-            <a:r>
-              <a:rPr lang="es-ES" sz="3200" b="1" dirty="0" smtClean="0"/>
-              <a:t>ESPECÍFICOS</a:t>
+              <a:t>OBJETIVOS ESPECÍFICOS</a:t>
             </a:r>
             <a:endParaRPr lang="es-ES" sz="3200" b="1" dirty="0"/>
           </a:p>
@@ -17542,11 +18902,7 @@
             </a:pPr>
             <a:r>
               <a:rPr lang="es-VE" sz="2000" dirty="0" smtClean="0"/>
-              <a:t>Faltaaaaaaa una m</a:t>
-            </a:r>
-            <a:r>
-              <a:rPr lang="es-VE" sz="2000" dirty="0" smtClean="0"/>
-              <a:t>ás </a:t>
+              <a:t>Faltaaaaaaa una más </a:t>
             </a:r>
             <a:endParaRPr lang="es-ES_tradnl" sz="2000" dirty="0"/>
           </a:p>
@@ -18103,11 +19459,7 @@
           <a:p>
             <a:r>
               <a:rPr lang="es-ES" sz="3200" b="1" dirty="0" smtClean="0"/>
-              <a:t>OBJETIVOS </a:t>
-            </a:r>
-            <a:r>
-              <a:rPr lang="es-ES" sz="3200" b="1" dirty="0" smtClean="0"/>
-              <a:t>ESPECÍFICOS</a:t>
+              <a:t>OBJETIVOS ESPECÍFICOS</a:t>
             </a:r>
             <a:endParaRPr lang="es-ES" sz="3200" b="1" dirty="0"/>
           </a:p>
